--- a/开题报告/答辩.pptx
+++ b/开题报告/答辩.pptx
@@ -109,6 +109,11 @@
       </a:defRPr>
     </a:lvl9pPr>
   </p:defaultTextStyle>
+  <p:extLst>
+    <p:ext uri="{EFAFB233-063F-42B5-8137-9DF3F51BA10A}">
+      <p15:sldGuideLst xmlns:p15="http://schemas.microsoft.com/office/powerpoint/2012/main"/>
+    </p:ext>
+  </p:extLst>
 </p:presentation>
 </file>
 
@@ -259,7 +264,7 @@
           <a:p>
             <a:fld id="{B4479263-12C3-432F-81BB-552B9643B5ED}" type="datetimeFigureOut">
               <a:rPr lang="zh-CN" altLang="en-US" smtClean="0"/>
-              <a:t>6/27</a:t>
+              <a:t>2018/6/29</a:t>
             </a:fld>
             <a:endParaRPr lang="zh-CN" altLang="en-US"/>
           </a:p>
@@ -457,7 +462,7 @@
           <a:p>
             <a:fld id="{B4479263-12C3-432F-81BB-552B9643B5ED}" type="datetimeFigureOut">
               <a:rPr lang="zh-CN" altLang="en-US" smtClean="0"/>
-              <a:t>6/27</a:t>
+              <a:t>2018/6/29</a:t>
             </a:fld>
             <a:endParaRPr lang="zh-CN" altLang="en-US"/>
           </a:p>
@@ -665,7 +670,7 @@
           <a:p>
             <a:fld id="{B4479263-12C3-432F-81BB-552B9643B5ED}" type="datetimeFigureOut">
               <a:rPr lang="zh-CN" altLang="en-US" smtClean="0"/>
-              <a:t>6/27</a:t>
+              <a:t>2018/6/29</a:t>
             </a:fld>
             <a:endParaRPr lang="zh-CN" altLang="en-US"/>
           </a:p>
@@ -863,7 +868,7 @@
           <a:p>
             <a:fld id="{B4479263-12C3-432F-81BB-552B9643B5ED}" type="datetimeFigureOut">
               <a:rPr lang="zh-CN" altLang="en-US" smtClean="0"/>
-              <a:t>6/27</a:t>
+              <a:t>2018/6/29</a:t>
             </a:fld>
             <a:endParaRPr lang="zh-CN" altLang="en-US"/>
           </a:p>
@@ -1138,7 +1143,7 @@
           <a:p>
             <a:fld id="{B4479263-12C3-432F-81BB-552B9643B5ED}" type="datetimeFigureOut">
               <a:rPr lang="zh-CN" altLang="en-US" smtClean="0"/>
-              <a:t>6/27</a:t>
+              <a:t>2018/6/29</a:t>
             </a:fld>
             <a:endParaRPr lang="zh-CN" altLang="en-US"/>
           </a:p>
@@ -1403,7 +1408,7 @@
           <a:p>
             <a:fld id="{B4479263-12C3-432F-81BB-552B9643B5ED}" type="datetimeFigureOut">
               <a:rPr lang="zh-CN" altLang="en-US" smtClean="0"/>
-              <a:t>6/27</a:t>
+              <a:t>2018/6/29</a:t>
             </a:fld>
             <a:endParaRPr lang="zh-CN" altLang="en-US"/>
           </a:p>
@@ -1815,7 +1820,7 @@
           <a:p>
             <a:fld id="{B4479263-12C3-432F-81BB-552B9643B5ED}" type="datetimeFigureOut">
               <a:rPr lang="zh-CN" altLang="en-US" smtClean="0"/>
-              <a:t>6/27</a:t>
+              <a:t>2018/6/29</a:t>
             </a:fld>
             <a:endParaRPr lang="zh-CN" altLang="en-US"/>
           </a:p>
@@ -1956,7 +1961,7 @@
           <a:p>
             <a:fld id="{B4479263-12C3-432F-81BB-552B9643B5ED}" type="datetimeFigureOut">
               <a:rPr lang="zh-CN" altLang="en-US" smtClean="0"/>
-              <a:t>6/27</a:t>
+              <a:t>2018/6/29</a:t>
             </a:fld>
             <a:endParaRPr lang="zh-CN" altLang="en-US"/>
           </a:p>
@@ -2069,7 +2074,7 @@
           <a:p>
             <a:fld id="{B4479263-12C3-432F-81BB-552B9643B5ED}" type="datetimeFigureOut">
               <a:rPr lang="zh-CN" altLang="en-US" smtClean="0"/>
-              <a:t>6/27</a:t>
+              <a:t>2018/6/29</a:t>
             </a:fld>
             <a:endParaRPr lang="zh-CN" altLang="en-US"/>
           </a:p>
@@ -2380,7 +2385,7 @@
           <a:p>
             <a:fld id="{B4479263-12C3-432F-81BB-552B9643B5ED}" type="datetimeFigureOut">
               <a:rPr lang="zh-CN" altLang="en-US" smtClean="0"/>
-              <a:t>6/27</a:t>
+              <a:t>2018/6/29</a:t>
             </a:fld>
             <a:endParaRPr lang="zh-CN" altLang="en-US"/>
           </a:p>
@@ -2668,7 +2673,7 @@
           <a:p>
             <a:fld id="{B4479263-12C3-432F-81BB-552B9643B5ED}" type="datetimeFigureOut">
               <a:rPr lang="zh-CN" altLang="en-US" smtClean="0"/>
-              <a:t>6/27</a:t>
+              <a:t>2018/6/29</a:t>
             </a:fld>
             <a:endParaRPr lang="zh-CN" altLang="en-US"/>
           </a:p>
@@ -2914,7 +2919,7 @@
           <a:p>
             <a:fld id="{B4479263-12C3-432F-81BB-552B9643B5ED}" type="datetimeFigureOut">
               <a:rPr lang="zh-CN" altLang="en-US" smtClean="0"/>
-              <a:t>6/27</a:t>
+              <a:t>2018/6/29</a:t>
             </a:fld>
             <a:endParaRPr lang="zh-CN" altLang="en-US"/>
           </a:p>
@@ -3598,27 +3603,27 @@
               <a:buAutoNum type="arabicPeriod"/>
             </a:pPr>
             <a:r>
-              <a:rPr lang="zh-CN" altLang="zh-CN" b="1" dirty="0">
+              <a:rPr lang="zh-CN" altLang="zh-CN" dirty="0">
                 <a:solidFill>
                   <a:schemeClr val="tx1">
                     <a:lumMod val="75000"/>
                     <a:lumOff val="25000"/>
                   </a:schemeClr>
                 </a:solidFill>
-                <a:latin typeface="苹方 细体" panose="020B0200000000000000" pitchFamily="34" charset="-122"/>
-                <a:ea typeface="苹方 细体" panose="020B0200000000000000" pitchFamily="34" charset="-122"/>
+                <a:latin typeface="PingFang SC" panose="020B0400000000000000" pitchFamily="34" charset="-122"/>
+                <a:ea typeface="PingFang SC" panose="020B0400000000000000" pitchFamily="34" charset="-122"/>
               </a:rPr>
               <a:t>研究的目的及意义</a:t>
             </a:r>
-            <a:endParaRPr lang="en-US" altLang="zh-CN" b="1" dirty="0">
+            <a:endParaRPr lang="en-US" altLang="zh-CN" dirty="0">
               <a:solidFill>
                 <a:schemeClr val="tx1">
                   <a:lumMod val="75000"/>
                   <a:lumOff val="25000"/>
                 </a:schemeClr>
               </a:solidFill>
-              <a:latin typeface="苹方 细体" panose="020B0200000000000000" pitchFamily="34" charset="-122"/>
-              <a:ea typeface="苹方 细体" panose="020B0200000000000000" pitchFamily="34" charset="-122"/>
+              <a:latin typeface="PingFang SC" panose="020B0400000000000000" pitchFamily="34" charset="-122"/>
+              <a:ea typeface="PingFang SC" panose="020B0400000000000000" pitchFamily="34" charset="-122"/>
             </a:endParaRPr>
           </a:p>
           <a:p>
@@ -3630,27 +3635,27 @@
               <a:buAutoNum type="arabicPeriod"/>
             </a:pPr>
             <a:r>
-              <a:rPr lang="zh-CN" altLang="en-US" b="1" dirty="0">
+              <a:rPr lang="zh-CN" altLang="en-US" dirty="0">
                 <a:solidFill>
                   <a:schemeClr val="tx1">
                     <a:lumMod val="75000"/>
                     <a:lumOff val="25000"/>
                   </a:schemeClr>
                 </a:solidFill>
-                <a:latin typeface="苹方 细体" panose="020B0200000000000000" pitchFamily="34" charset="-122"/>
-                <a:ea typeface="苹方 细体" panose="020B0200000000000000" pitchFamily="34" charset="-122"/>
+                <a:latin typeface="PingFang SC" panose="020B0400000000000000" pitchFamily="34" charset="-122"/>
+                <a:ea typeface="PingFang SC" panose="020B0400000000000000" pitchFamily="34" charset="-122"/>
               </a:rPr>
               <a:t>音频分类方法的研究现状</a:t>
             </a:r>
-            <a:endParaRPr lang="en-US" altLang="zh-CN" b="1" dirty="0">
+            <a:endParaRPr lang="en-US" altLang="zh-CN" dirty="0">
               <a:solidFill>
                 <a:schemeClr val="tx1">
                   <a:lumMod val="75000"/>
                   <a:lumOff val="25000"/>
                 </a:schemeClr>
               </a:solidFill>
-              <a:latin typeface="苹方 细体" panose="020B0200000000000000" pitchFamily="34" charset="-122"/>
-              <a:ea typeface="苹方 细体" panose="020B0200000000000000" pitchFamily="34" charset="-122"/>
+              <a:latin typeface="PingFang SC" panose="020B0400000000000000" pitchFamily="34" charset="-122"/>
+              <a:ea typeface="PingFang SC" panose="020B0400000000000000" pitchFamily="34" charset="-122"/>
             </a:endParaRPr>
           </a:p>
           <a:p>
@@ -3662,27 +3667,27 @@
               <a:buAutoNum type="arabicPeriod"/>
             </a:pPr>
             <a:r>
-              <a:rPr lang="zh-CN" altLang="en-US" b="1" dirty="0">
+              <a:rPr lang="zh-CN" altLang="en-US" dirty="0">
                 <a:solidFill>
                   <a:schemeClr val="tx1">
                     <a:lumMod val="75000"/>
                     <a:lumOff val="25000"/>
                   </a:schemeClr>
                 </a:solidFill>
-                <a:latin typeface="苹方 细体" panose="020B0200000000000000" pitchFamily="34" charset="-122"/>
-                <a:ea typeface="苹方 细体" panose="020B0200000000000000" pitchFamily="34" charset="-122"/>
+                <a:latin typeface="PingFang SC" panose="020B0400000000000000" pitchFamily="34" charset="-122"/>
+                <a:ea typeface="PingFang SC" panose="020B0400000000000000" pitchFamily="34" charset="-122"/>
               </a:rPr>
               <a:t>主要研究内容</a:t>
             </a:r>
-            <a:endParaRPr lang="en-US" altLang="zh-CN" b="1" dirty="0">
+            <a:endParaRPr lang="en-US" altLang="zh-CN" dirty="0">
               <a:solidFill>
                 <a:schemeClr val="tx1">
                   <a:lumMod val="75000"/>
                   <a:lumOff val="25000"/>
                 </a:schemeClr>
               </a:solidFill>
-              <a:latin typeface="苹方 细体" panose="020B0200000000000000" pitchFamily="34" charset="-122"/>
-              <a:ea typeface="苹方 细体" panose="020B0200000000000000" pitchFamily="34" charset="-122"/>
+              <a:latin typeface="PingFang SC" panose="020B0400000000000000" pitchFamily="34" charset="-122"/>
+              <a:ea typeface="PingFang SC" panose="020B0400000000000000" pitchFamily="34" charset="-122"/>
             </a:endParaRPr>
           </a:p>
           <a:p>
@@ -3694,27 +3699,27 @@
               <a:buAutoNum type="arabicPeriod"/>
             </a:pPr>
             <a:r>
-              <a:rPr lang="zh-CN" altLang="en-US" b="1" dirty="0">
+              <a:rPr lang="zh-CN" altLang="en-US" dirty="0">
                 <a:solidFill>
                   <a:schemeClr val="tx1">
                     <a:lumMod val="75000"/>
                     <a:lumOff val="25000"/>
                   </a:schemeClr>
                 </a:solidFill>
-                <a:latin typeface="苹方 细体" panose="020B0200000000000000" pitchFamily="34" charset="-122"/>
-                <a:ea typeface="苹方 细体" panose="020B0200000000000000" pitchFamily="34" charset="-122"/>
+                <a:latin typeface="PingFang SC" panose="020B0400000000000000" pitchFamily="34" charset="-122"/>
+                <a:ea typeface="PingFang SC" panose="020B0400000000000000" pitchFamily="34" charset="-122"/>
               </a:rPr>
               <a:t>已完成的工作</a:t>
             </a:r>
-            <a:endParaRPr lang="en-US" altLang="zh-CN" b="1" dirty="0">
+            <a:endParaRPr lang="en-US" altLang="zh-CN" dirty="0">
               <a:solidFill>
                 <a:schemeClr val="tx1">
                   <a:lumMod val="75000"/>
                   <a:lumOff val="25000"/>
                 </a:schemeClr>
               </a:solidFill>
-              <a:latin typeface="苹方 细体" panose="020B0200000000000000" pitchFamily="34" charset="-122"/>
-              <a:ea typeface="苹方 细体" panose="020B0200000000000000" pitchFamily="34" charset="-122"/>
+              <a:latin typeface="PingFang SC" panose="020B0400000000000000" pitchFamily="34" charset="-122"/>
+              <a:ea typeface="PingFang SC" panose="020B0400000000000000" pitchFamily="34" charset="-122"/>
             </a:endParaRPr>
           </a:p>
           <a:p>
@@ -3726,15 +3731,15 @@
               <a:buAutoNum type="arabicPeriod"/>
             </a:pPr>
             <a:r>
-              <a:rPr lang="zh-CN" altLang="en-US" b="1" dirty="0">
+              <a:rPr lang="zh-CN" altLang="en-US" dirty="0">
                 <a:solidFill>
                   <a:schemeClr val="tx1">
                     <a:lumMod val="75000"/>
                     <a:lumOff val="25000"/>
                   </a:schemeClr>
                 </a:solidFill>
-                <a:latin typeface="苹方 细体" panose="020B0200000000000000" pitchFamily="34" charset="-122"/>
-                <a:ea typeface="苹方 细体" panose="020B0200000000000000" pitchFamily="34" charset="-122"/>
+                <a:latin typeface="PingFang SC" panose="020B0400000000000000" pitchFamily="34" charset="-122"/>
+                <a:ea typeface="PingFang SC" panose="020B0400000000000000" pitchFamily="34" charset="-122"/>
               </a:rPr>
               <a:t>待完成的工作</a:t>
             </a:r>
@@ -3801,28 +3806,28 @@
           <a:lstStyle/>
           <a:p>
             <a:r>
-              <a:rPr lang="en-US" altLang="zh-CN" b="1" dirty="0">
+              <a:rPr lang="en-US" altLang="zh-CN" dirty="0">
                 <a:solidFill>
                   <a:schemeClr val="tx1">
                     <a:lumMod val="75000"/>
                     <a:lumOff val="25000"/>
                   </a:schemeClr>
                 </a:solidFill>
-                <a:latin typeface="苹方 细体" panose="020B0200000000000000" pitchFamily="34" charset="-122"/>
-                <a:ea typeface="苹方 细体" panose="020B0200000000000000" pitchFamily="34" charset="-122"/>
+                <a:latin typeface="PingFang SC" panose="020B0400000000000000" pitchFamily="34" charset="-122"/>
+                <a:ea typeface="PingFang SC" panose="020B0400000000000000" pitchFamily="34" charset="-122"/>
               </a:rPr>
               <a:t>1. </a:t>
             </a:r>
             <a:r>
-              <a:rPr lang="zh-CN" altLang="zh-CN" b="1" dirty="0">
+              <a:rPr lang="zh-CN" altLang="zh-CN" dirty="0">
                 <a:solidFill>
                   <a:schemeClr val="tx1">
                     <a:lumMod val="75000"/>
                     <a:lumOff val="25000"/>
                   </a:schemeClr>
                 </a:solidFill>
-                <a:latin typeface="苹方 细体" panose="020B0200000000000000" pitchFamily="34" charset="-122"/>
-                <a:ea typeface="苹方 细体" panose="020B0200000000000000" pitchFamily="34" charset="-122"/>
+                <a:latin typeface="PingFang SC" panose="020B0400000000000000" pitchFamily="34" charset="-122"/>
+                <a:ea typeface="PingFang SC" panose="020B0400000000000000" pitchFamily="34" charset="-122"/>
               </a:rPr>
               <a:t>研究的目的及意义</a:t>
             </a:r>
@@ -3833,6 +3838,8 @@
                   <a:lumOff val="25000"/>
                 </a:schemeClr>
               </a:solidFill>
+              <a:latin typeface="PingFang SC" panose="020B0400000000000000" pitchFamily="34" charset="-122"/>
+              <a:ea typeface="PingFang SC" panose="020B0400000000000000" pitchFamily="34" charset="-122"/>
             </a:endParaRPr>
           </a:p>
         </p:txBody>

--- a/开题报告/答辩.pptx
+++ b/开题报告/答辩.pptx
@@ -11,6 +11,10 @@
     <p:sldId id="258" r:id="rId5"/>
     <p:sldId id="260" r:id="rId6"/>
     <p:sldId id="261" r:id="rId7"/>
+    <p:sldId id="262" r:id="rId8"/>
+    <p:sldId id="263" r:id="rId9"/>
+    <p:sldId id="264" r:id="rId10"/>
+    <p:sldId id="265" r:id="rId11"/>
   </p:sldIdLst>
   <p:sldSz cx="12192000" cy="6858000"/>
   <p:notesSz cx="6858000" cy="9144000"/>
@@ -264,7 +268,7 @@
           <a:p>
             <a:fld id="{B4479263-12C3-432F-81BB-552B9643B5ED}" type="datetimeFigureOut">
               <a:rPr lang="zh-CN" altLang="en-US" smtClean="0"/>
-              <a:t>2018/6/29</a:t>
+              <a:t>6/29</a:t>
             </a:fld>
             <a:endParaRPr lang="zh-CN" altLang="en-US"/>
           </a:p>
@@ -462,7 +466,7 @@
           <a:p>
             <a:fld id="{B4479263-12C3-432F-81BB-552B9643B5ED}" type="datetimeFigureOut">
               <a:rPr lang="zh-CN" altLang="en-US" smtClean="0"/>
-              <a:t>2018/6/29</a:t>
+              <a:t>6/29</a:t>
             </a:fld>
             <a:endParaRPr lang="zh-CN" altLang="en-US"/>
           </a:p>
@@ -670,7 +674,7 @@
           <a:p>
             <a:fld id="{B4479263-12C3-432F-81BB-552B9643B5ED}" type="datetimeFigureOut">
               <a:rPr lang="zh-CN" altLang="en-US" smtClean="0"/>
-              <a:t>2018/6/29</a:t>
+              <a:t>6/29</a:t>
             </a:fld>
             <a:endParaRPr lang="zh-CN" altLang="en-US"/>
           </a:p>
@@ -868,7 +872,7 @@
           <a:p>
             <a:fld id="{B4479263-12C3-432F-81BB-552B9643B5ED}" type="datetimeFigureOut">
               <a:rPr lang="zh-CN" altLang="en-US" smtClean="0"/>
-              <a:t>2018/6/29</a:t>
+              <a:t>6/29</a:t>
             </a:fld>
             <a:endParaRPr lang="zh-CN" altLang="en-US"/>
           </a:p>
@@ -1143,7 +1147,7 @@
           <a:p>
             <a:fld id="{B4479263-12C3-432F-81BB-552B9643B5ED}" type="datetimeFigureOut">
               <a:rPr lang="zh-CN" altLang="en-US" smtClean="0"/>
-              <a:t>2018/6/29</a:t>
+              <a:t>6/29</a:t>
             </a:fld>
             <a:endParaRPr lang="zh-CN" altLang="en-US"/>
           </a:p>
@@ -1408,7 +1412,7 @@
           <a:p>
             <a:fld id="{B4479263-12C3-432F-81BB-552B9643B5ED}" type="datetimeFigureOut">
               <a:rPr lang="zh-CN" altLang="en-US" smtClean="0"/>
-              <a:t>2018/6/29</a:t>
+              <a:t>6/29</a:t>
             </a:fld>
             <a:endParaRPr lang="zh-CN" altLang="en-US"/>
           </a:p>
@@ -1820,7 +1824,7 @@
           <a:p>
             <a:fld id="{B4479263-12C3-432F-81BB-552B9643B5ED}" type="datetimeFigureOut">
               <a:rPr lang="zh-CN" altLang="en-US" smtClean="0"/>
-              <a:t>2018/6/29</a:t>
+              <a:t>6/29</a:t>
             </a:fld>
             <a:endParaRPr lang="zh-CN" altLang="en-US"/>
           </a:p>
@@ -1961,7 +1965,7 @@
           <a:p>
             <a:fld id="{B4479263-12C3-432F-81BB-552B9643B5ED}" type="datetimeFigureOut">
               <a:rPr lang="zh-CN" altLang="en-US" smtClean="0"/>
-              <a:t>2018/6/29</a:t>
+              <a:t>6/29</a:t>
             </a:fld>
             <a:endParaRPr lang="zh-CN" altLang="en-US"/>
           </a:p>
@@ -2074,7 +2078,7 @@
           <a:p>
             <a:fld id="{B4479263-12C3-432F-81BB-552B9643B5ED}" type="datetimeFigureOut">
               <a:rPr lang="zh-CN" altLang="en-US" smtClean="0"/>
-              <a:t>2018/6/29</a:t>
+              <a:t>6/29</a:t>
             </a:fld>
             <a:endParaRPr lang="zh-CN" altLang="en-US"/>
           </a:p>
@@ -2385,7 +2389,7 @@
           <a:p>
             <a:fld id="{B4479263-12C3-432F-81BB-552B9643B5ED}" type="datetimeFigureOut">
               <a:rPr lang="zh-CN" altLang="en-US" smtClean="0"/>
-              <a:t>2018/6/29</a:t>
+              <a:t>6/29</a:t>
             </a:fld>
             <a:endParaRPr lang="zh-CN" altLang="en-US"/>
           </a:p>
@@ -2673,7 +2677,7 @@
           <a:p>
             <a:fld id="{B4479263-12C3-432F-81BB-552B9643B5ED}" type="datetimeFigureOut">
               <a:rPr lang="zh-CN" altLang="en-US" smtClean="0"/>
-              <a:t>2018/6/29</a:t>
+              <a:t>6/29</a:t>
             </a:fld>
             <a:endParaRPr lang="zh-CN" altLang="en-US"/>
           </a:p>
@@ -2919,7 +2923,7 @@
           <a:p>
             <a:fld id="{B4479263-12C3-432F-81BB-552B9643B5ED}" type="datetimeFigureOut">
               <a:rPr lang="zh-CN" altLang="en-US" smtClean="0"/>
-              <a:t>2018/6/29</a:t>
+              <a:t>6/29</a:t>
             </a:fld>
             <a:endParaRPr lang="zh-CN" altLang="en-US"/>
           </a:p>
@@ -3428,14 +3432,19 @@
             <p:ph type="subTitle" idx="1"/>
           </p:nvPr>
         </p:nvSpPr>
-        <p:spPr/>
+        <p:spPr>
+          <a:xfrm>
+            <a:off x="4589584" y="3509963"/>
+            <a:ext cx="3012831" cy="2387600"/>
+          </a:xfrm>
+        </p:spPr>
         <p:txBody>
           <a:bodyPr>
-            <a:normAutofit fontScale="92500" lnSpcReduction="20000"/>
+            <a:normAutofit fontScale="92500" lnSpcReduction="10000"/>
           </a:bodyPr>
           <a:lstStyle/>
           <a:p>
-            <a:pPr>
+            <a:pPr algn="l">
               <a:lnSpc>
                 <a:spcPct val="150000"/>
               </a:lnSpc>
@@ -3449,7 +3458,7 @@
                   </a:schemeClr>
                 </a:solidFill>
               </a:rPr>
-              <a:t>成都理工大学</a:t>
+              <a:t>导师：李灿平</a:t>
             </a:r>
             <a:endParaRPr lang="en-US" altLang="zh-CN" dirty="0">
               <a:solidFill>
@@ -3461,7 +3470,7 @@
             </a:endParaRPr>
           </a:p>
           <a:p>
-            <a:pPr>
+            <a:pPr algn="l">
               <a:lnSpc>
                 <a:spcPct val="150000"/>
               </a:lnSpc>
@@ -3475,7 +3484,59 @@
                   </a:schemeClr>
                 </a:solidFill>
               </a:rPr>
-              <a:t>信息与通信工程  孙凌山  </a:t>
+              <a:t>专业：信息与通信工程</a:t>
+            </a:r>
+            <a:endParaRPr lang="en-US" altLang="zh-CN" dirty="0">
+              <a:solidFill>
+                <a:schemeClr val="tx1">
+                  <a:lumMod val="75000"/>
+                  <a:lumOff val="25000"/>
+                </a:schemeClr>
+              </a:solidFill>
+            </a:endParaRPr>
+          </a:p>
+          <a:p>
+            <a:pPr algn="l">
+              <a:lnSpc>
+                <a:spcPct val="150000"/>
+              </a:lnSpc>
+            </a:pPr>
+            <a:r>
+              <a:rPr lang="zh-CN" altLang="en-US" dirty="0">
+                <a:solidFill>
+                  <a:schemeClr val="tx1">
+                    <a:lumMod val="75000"/>
+                    <a:lumOff val="25000"/>
+                  </a:schemeClr>
+                </a:solidFill>
+              </a:rPr>
+              <a:t>姓名：孙凌山</a:t>
+            </a:r>
+            <a:endParaRPr lang="en-US" altLang="zh-CN" dirty="0">
+              <a:solidFill>
+                <a:schemeClr val="tx1">
+                  <a:lumMod val="75000"/>
+                  <a:lumOff val="25000"/>
+                </a:schemeClr>
+              </a:solidFill>
+            </a:endParaRPr>
+          </a:p>
+          <a:p>
+            <a:pPr algn="l">
+              <a:lnSpc>
+                <a:spcPct val="150000"/>
+              </a:lnSpc>
+            </a:pPr>
+            <a:r>
+              <a:rPr lang="zh-CN" altLang="en-US" dirty="0">
+                <a:solidFill>
+                  <a:schemeClr val="tx1">
+                    <a:lumMod val="75000"/>
+                    <a:lumOff val="25000"/>
+                  </a:schemeClr>
+                </a:solidFill>
+              </a:rPr>
+              <a:t>学号：</a:t>
             </a:r>
             <a:r>
               <a:rPr lang="en-US" altLang="zh-CN" dirty="0">
@@ -3488,24 +3549,14 @@
               </a:rPr>
               <a:t>2016020673</a:t>
             </a:r>
-          </a:p>
-          <a:p>
-            <a:pPr>
-              <a:lnSpc>
-                <a:spcPct val="150000"/>
-              </a:lnSpc>
-            </a:pPr>
-            <a:r>
-              <a:rPr lang="zh-CN" altLang="en-US" dirty="0">
-                <a:solidFill>
-                  <a:schemeClr val="tx1">
-                    <a:lumMod val="75000"/>
-                    <a:lumOff val="25000"/>
-                  </a:schemeClr>
-                </a:solidFill>
-              </a:rPr>
-              <a:t>指导老师：李灿平</a:t>
-            </a:r>
+            <a:endParaRPr lang="zh-CN" altLang="en-US" dirty="0">
+              <a:solidFill>
+                <a:schemeClr val="tx1">
+                  <a:lumMod val="75000"/>
+                  <a:lumOff val="25000"/>
+                </a:schemeClr>
+              </a:solidFill>
+            </a:endParaRPr>
           </a:p>
         </p:txBody>
       </p:sp>
@@ -3513,6 +3564,86 @@
     <p:extLst>
       <p:ext uri="{BB962C8B-B14F-4D97-AF65-F5344CB8AC3E}">
         <p14:creationId xmlns:p14="http://schemas.microsoft.com/office/powerpoint/2010/main" val="1647101676"/>
+      </p:ext>
+    </p:extLst>
+  </p:cSld>
+  <p:clrMapOvr>
+    <a:masterClrMapping/>
+  </p:clrMapOvr>
+</p:sld>
+</file>
+
+<file path=ppt/slides/slide10.xml><?xml version="1.0" encoding="utf-8"?>
+<p:sld xmlns:a="http://schemas.openxmlformats.org/drawingml/2006/main" xmlns:r="http://schemas.openxmlformats.org/officeDocument/2006/relationships" xmlns:p="http://schemas.openxmlformats.org/presentationml/2006/main">
+  <p:cSld>
+    <p:spTree>
+      <p:nvGrpSpPr>
+        <p:cNvPr id="1" name=""/>
+        <p:cNvGrpSpPr/>
+        <p:nvPr/>
+      </p:nvGrpSpPr>
+      <p:grpSpPr>
+        <a:xfrm>
+          <a:off x="0" y="0"/>
+          <a:ext cx="0" cy="0"/>
+          <a:chOff x="0" y="0"/>
+          <a:chExt cx="0" cy="0"/>
+        </a:xfrm>
+      </p:grpSpPr>
+      <p:sp>
+        <p:nvSpPr>
+          <p:cNvPr id="2" name="标题 1">
+            <a:extLst>
+              <a:ext uri="{FF2B5EF4-FFF2-40B4-BE49-F238E27FC236}">
+                <a16:creationId xmlns:a16="http://schemas.microsoft.com/office/drawing/2014/main" id="{C54491D5-9C95-43B9-BEA9-79CE4DA746CE}"/>
+              </a:ext>
+            </a:extLst>
+          </p:cNvPr>
+          <p:cNvSpPr>
+            <a:spLocks noGrp="1"/>
+          </p:cNvSpPr>
+          <p:nvPr>
+            <p:ph type="title"/>
+          </p:nvPr>
+        </p:nvSpPr>
+        <p:spPr/>
+        <p:txBody>
+          <a:bodyPr/>
+          <a:lstStyle/>
+          <a:p>
+            <a:endParaRPr lang="zh-CN" altLang="en-US" dirty="0"/>
+          </a:p>
+        </p:txBody>
+      </p:sp>
+      <p:sp>
+        <p:nvSpPr>
+          <p:cNvPr id="3" name="内容占位符 2">
+            <a:extLst>
+              <a:ext uri="{FF2B5EF4-FFF2-40B4-BE49-F238E27FC236}">
+                <a16:creationId xmlns:a16="http://schemas.microsoft.com/office/drawing/2014/main" id="{0D862AC1-C6C1-4FB6-BEC0-65B8B0EF0117}"/>
+              </a:ext>
+            </a:extLst>
+          </p:cNvPr>
+          <p:cNvSpPr>
+            <a:spLocks noGrp="1"/>
+          </p:cNvSpPr>
+          <p:nvPr>
+            <p:ph idx="1"/>
+          </p:nvPr>
+        </p:nvSpPr>
+        <p:spPr/>
+        <p:txBody>
+          <a:bodyPr/>
+          <a:lstStyle/>
+          <a:p>
+            <a:endParaRPr lang="zh-CN" altLang="en-US"/>
+          </a:p>
+        </p:txBody>
+      </p:sp>
+    </p:spTree>
+    <p:extLst>
+      <p:ext uri="{BB962C8B-B14F-4D97-AF65-F5344CB8AC3E}">
+        <p14:creationId xmlns:p14="http://schemas.microsoft.com/office/powerpoint/2010/main" val="1976025040"/>
       </p:ext>
     </p:extLst>
   </p:cSld>
@@ -4335,6 +4466,28 @@
           <a:bodyPr/>
           <a:lstStyle/>
           <a:p>
+            <a:r>
+              <a:rPr lang="zh-CN" altLang="en-US" dirty="0">
+                <a:solidFill>
+                  <a:schemeClr val="tx1">
+                    <a:lumMod val="75000"/>
+                    <a:lumOff val="25000"/>
+                  </a:schemeClr>
+                </a:solidFill>
+              </a:rPr>
+              <a:t>为什么要用卷积神经网络做</a:t>
+            </a:r>
+            <a:r>
+              <a:rPr lang="en-US" altLang="zh-CN" dirty="0">
+                <a:solidFill>
+                  <a:schemeClr val="tx1">
+                    <a:lumMod val="75000"/>
+                    <a:lumOff val="25000"/>
+                  </a:schemeClr>
+                </a:solidFill>
+              </a:rPr>
+              <a:t>ASC</a:t>
+            </a:r>
             <a:endParaRPr lang="zh-CN" altLang="en-US" dirty="0">
               <a:solidFill>
                 <a:schemeClr val="tx1">
@@ -4362,11 +4515,70 @@
             <p:ph idx="1"/>
           </p:nvPr>
         </p:nvSpPr>
-        <p:spPr/>
-        <p:txBody>
-          <a:bodyPr/>
-          <a:lstStyle/>
-          <a:p>
+        <p:spPr>
+          <a:xfrm>
+            <a:off x="838200" y="1964164"/>
+            <a:ext cx="10515600" cy="2929671"/>
+          </a:xfrm>
+        </p:spPr>
+        <p:txBody>
+          <a:bodyPr/>
+          <a:lstStyle/>
+          <a:p>
+            <a:pPr>
+              <a:lnSpc>
+                <a:spcPct val="150000"/>
+              </a:lnSpc>
+            </a:pPr>
+            <a:r>
+              <a:rPr lang="zh-CN" altLang="zh-CN" dirty="0"/>
+              <a:t>卷积神经网络即使在</a:t>
+            </a:r>
+            <a:r>
+              <a:rPr lang="zh-CN" altLang="zh-CN" dirty="0">
+                <a:solidFill>
+                  <a:schemeClr val="accent1"/>
+                </a:solidFill>
+              </a:rPr>
+              <a:t>有限的数据集</a:t>
+            </a:r>
+            <a:r>
+              <a:rPr lang="zh-CN" altLang="zh-CN" dirty="0"/>
+              <a:t>和</a:t>
+            </a:r>
+            <a:r>
+              <a:rPr lang="zh-CN" altLang="zh-CN" dirty="0">
+                <a:solidFill>
+                  <a:schemeClr val="accent1"/>
+                </a:solidFill>
+              </a:rPr>
+              <a:t>简单的数据增强</a:t>
+            </a:r>
+            <a:r>
+              <a:rPr lang="zh-CN" altLang="zh-CN" dirty="0"/>
+              <a:t>下也可以有效应用于环境声音分类任务</a:t>
+            </a:r>
+            <a:endParaRPr lang="en-US" altLang="zh-CN" dirty="0"/>
+          </a:p>
+          <a:p>
+            <a:pPr marL="0" indent="0">
+              <a:lnSpc>
+                <a:spcPct val="150000"/>
+              </a:lnSpc>
+              <a:buNone/>
+            </a:pPr>
+            <a:endParaRPr lang="en-US" altLang="zh-CN" dirty="0"/>
+          </a:p>
+          <a:p>
+            <a:pPr>
+              <a:lnSpc>
+                <a:spcPct val="150000"/>
+              </a:lnSpc>
+            </a:pPr>
+            <a:r>
+              <a:rPr lang="zh-CN" altLang="zh-CN" dirty="0"/>
+              <a:t>可用数据集规模的显著增加很可能大大提高训练模型的性能</a:t>
+            </a:r>
             <a:endParaRPr lang="zh-CN" altLang="en-US" dirty="0">
               <a:solidFill>
                 <a:schemeClr val="tx1">
@@ -4382,6 +4594,1032 @@
     <p:extLst>
       <p:ext uri="{BB962C8B-B14F-4D97-AF65-F5344CB8AC3E}">
         <p14:creationId xmlns:p14="http://schemas.microsoft.com/office/powerpoint/2010/main" val="2971515255"/>
+      </p:ext>
+    </p:extLst>
+  </p:cSld>
+  <p:clrMapOvr>
+    <a:masterClrMapping/>
+  </p:clrMapOvr>
+</p:sld>
+</file>
+
+<file path=ppt/slides/slide7.xml><?xml version="1.0" encoding="utf-8"?>
+<p:sld xmlns:a="http://schemas.openxmlformats.org/drawingml/2006/main" xmlns:r="http://schemas.openxmlformats.org/officeDocument/2006/relationships" xmlns:p="http://schemas.openxmlformats.org/presentationml/2006/main">
+  <p:cSld>
+    <p:spTree>
+      <p:nvGrpSpPr>
+        <p:cNvPr id="1" name=""/>
+        <p:cNvGrpSpPr/>
+        <p:nvPr/>
+      </p:nvGrpSpPr>
+      <p:grpSpPr>
+        <a:xfrm>
+          <a:off x="0" y="0"/>
+          <a:ext cx="0" cy="0"/>
+          <a:chOff x="0" y="0"/>
+          <a:chExt cx="0" cy="0"/>
+        </a:xfrm>
+      </p:grpSpPr>
+      <p:sp>
+        <p:nvSpPr>
+          <p:cNvPr id="4" name="标题 3">
+            <a:extLst>
+              <a:ext uri="{FF2B5EF4-FFF2-40B4-BE49-F238E27FC236}">
+                <a16:creationId xmlns:a16="http://schemas.microsoft.com/office/drawing/2014/main" id="{2E2AEFC6-A33B-4F07-AB32-CDB84FD6F137}"/>
+              </a:ext>
+            </a:extLst>
+          </p:cNvPr>
+          <p:cNvSpPr>
+            <a:spLocks noGrp="1"/>
+          </p:cNvSpPr>
+          <p:nvPr>
+            <p:ph type="title"/>
+          </p:nvPr>
+        </p:nvSpPr>
+        <p:spPr>
+          <a:xfrm>
+            <a:off x="2527788" y="2766218"/>
+            <a:ext cx="7136423" cy="1325563"/>
+          </a:xfrm>
+        </p:spPr>
+        <p:txBody>
+          <a:bodyPr/>
+          <a:lstStyle/>
+          <a:p>
+            <a:r>
+              <a:rPr lang="en-US" altLang="zh-CN" dirty="0">
+                <a:solidFill>
+                  <a:schemeClr val="tx1">
+                    <a:lumMod val="75000"/>
+                    <a:lumOff val="25000"/>
+                  </a:schemeClr>
+                </a:solidFill>
+                <a:latin typeface="PingFang SC" panose="020B0400000000000000" pitchFamily="34" charset="-122"/>
+                <a:ea typeface="PingFang SC" panose="020B0400000000000000" pitchFamily="34" charset="-122"/>
+              </a:rPr>
+              <a:t>2. </a:t>
+            </a:r>
+            <a:r>
+              <a:rPr lang="zh-CN" altLang="en-US" dirty="0">
+                <a:solidFill>
+                  <a:schemeClr val="tx1">
+                    <a:lumMod val="75000"/>
+                    <a:lumOff val="25000"/>
+                  </a:schemeClr>
+                </a:solidFill>
+                <a:latin typeface="PingFang SC" panose="020B0400000000000000" pitchFamily="34" charset="-122"/>
+                <a:ea typeface="PingFang SC" panose="020B0400000000000000" pitchFamily="34" charset="-122"/>
+              </a:rPr>
+              <a:t>音频分类方法的研究现状</a:t>
+            </a:r>
+            <a:endParaRPr lang="zh-CN" altLang="en-US" dirty="0"/>
+          </a:p>
+        </p:txBody>
+      </p:sp>
+    </p:spTree>
+    <p:extLst>
+      <p:ext uri="{BB962C8B-B14F-4D97-AF65-F5344CB8AC3E}">
+        <p14:creationId xmlns:p14="http://schemas.microsoft.com/office/powerpoint/2010/main" val="1953026259"/>
+      </p:ext>
+    </p:extLst>
+  </p:cSld>
+  <p:clrMapOvr>
+    <a:masterClrMapping/>
+  </p:clrMapOvr>
+</p:sld>
+</file>
+
+<file path=ppt/slides/slide8.xml><?xml version="1.0" encoding="utf-8"?>
+<p:sld xmlns:a="http://schemas.openxmlformats.org/drawingml/2006/main" xmlns:r="http://schemas.openxmlformats.org/officeDocument/2006/relationships" xmlns:p="http://schemas.openxmlformats.org/presentationml/2006/main">
+  <p:cSld>
+    <p:spTree>
+      <p:nvGrpSpPr>
+        <p:cNvPr id="1" name=""/>
+        <p:cNvGrpSpPr/>
+        <p:nvPr/>
+      </p:nvGrpSpPr>
+      <p:grpSpPr>
+        <a:xfrm>
+          <a:off x="0" y="0"/>
+          <a:ext cx="0" cy="0"/>
+          <a:chOff x="0" y="0"/>
+          <a:chExt cx="0" cy="0"/>
+        </a:xfrm>
+      </p:grpSpPr>
+      <p:sp>
+        <p:nvSpPr>
+          <p:cNvPr id="2" name="标题 1">
+            <a:extLst>
+              <a:ext uri="{FF2B5EF4-FFF2-40B4-BE49-F238E27FC236}">
+                <a16:creationId xmlns:a16="http://schemas.microsoft.com/office/drawing/2014/main" id="{1427909F-6F93-494F-B770-3F6DF1C78853}"/>
+              </a:ext>
+            </a:extLst>
+          </p:cNvPr>
+          <p:cNvSpPr>
+            <a:spLocks noGrp="1"/>
+          </p:cNvSpPr>
+          <p:nvPr>
+            <p:ph type="title"/>
+          </p:nvPr>
+        </p:nvSpPr>
+        <p:spPr/>
+        <p:txBody>
+          <a:bodyPr/>
+          <a:lstStyle/>
+          <a:p>
+            <a:r>
+              <a:rPr lang="zh-CN" altLang="en-US" dirty="0"/>
+              <a:t>一般的音频分类研究方法</a:t>
+            </a:r>
+          </a:p>
+        </p:txBody>
+      </p:sp>
+      <p:graphicFrame>
+        <p:nvGraphicFramePr>
+          <p:cNvPr id="7" name="表格 6">
+            <a:extLst>
+              <a:ext uri="{FF2B5EF4-FFF2-40B4-BE49-F238E27FC236}">
+                <a16:creationId xmlns:a16="http://schemas.microsoft.com/office/drawing/2014/main" id="{D193A77E-73EE-4AE0-9A81-51E682FA0303}"/>
+              </a:ext>
+            </a:extLst>
+          </p:cNvPr>
+          <p:cNvGraphicFramePr>
+            <a:graphicFrameLocks noGrp="1"/>
+          </p:cNvGraphicFramePr>
+          <p:nvPr>
+            <p:extLst>
+              <p:ext uri="{D42A27DB-BD31-4B8C-83A1-F6EECF244321}">
+                <p14:modId xmlns:p14="http://schemas.microsoft.com/office/powerpoint/2010/main" val="3937191934"/>
+              </p:ext>
+            </p:extLst>
+          </p:nvPr>
+        </p:nvGraphicFramePr>
+        <p:xfrm>
+          <a:off x="838200" y="1690688"/>
+          <a:ext cx="10515600" cy="4476575"/>
+        </p:xfrm>
+        <a:graphic>
+          <a:graphicData uri="http://schemas.openxmlformats.org/drawingml/2006/table">
+            <a:tbl>
+              <a:tblPr firstRow="1" bandRow="1">
+                <a:tableStyleId>{F5AB1C69-6EDB-4FF4-983F-18BD219EF322}</a:tableStyleId>
+              </a:tblPr>
+              <a:tblGrid>
+                <a:gridCol w="2628900">
+                  <a:extLst>
+                    <a:ext uri="{9D8B030D-6E8A-4147-A177-3AD203B41FA5}">
+                      <a16:colId xmlns:a16="http://schemas.microsoft.com/office/drawing/2014/main" val="1046237279"/>
+                    </a:ext>
+                  </a:extLst>
+                </a:gridCol>
+                <a:gridCol w="2628900">
+                  <a:extLst>
+                    <a:ext uri="{9D8B030D-6E8A-4147-A177-3AD203B41FA5}">
+                      <a16:colId xmlns:a16="http://schemas.microsoft.com/office/drawing/2014/main" val="3903215704"/>
+                    </a:ext>
+                  </a:extLst>
+                </a:gridCol>
+                <a:gridCol w="2628900">
+                  <a:extLst>
+                    <a:ext uri="{9D8B030D-6E8A-4147-A177-3AD203B41FA5}">
+                      <a16:colId xmlns:a16="http://schemas.microsoft.com/office/drawing/2014/main" val="4277771566"/>
+                    </a:ext>
+                  </a:extLst>
+                </a:gridCol>
+                <a:gridCol w="2628900">
+                  <a:extLst>
+                    <a:ext uri="{9D8B030D-6E8A-4147-A177-3AD203B41FA5}">
+                      <a16:colId xmlns:a16="http://schemas.microsoft.com/office/drawing/2014/main" val="2382902089"/>
+                    </a:ext>
+                  </a:extLst>
+                </a:gridCol>
+              </a:tblGrid>
+              <a:tr h="895315">
+                <a:tc>
+                  <a:txBody>
+                    <a:bodyPr/>
+                    <a:lstStyle/>
+                    <a:p>
+                      <a:pPr algn="ctr"/>
+                      <a:r>
+                        <a:rPr lang="zh-CN" altLang="en-US" dirty="0"/>
+                        <a:t>研究者</a:t>
+                      </a:r>
+                    </a:p>
+                  </a:txBody>
+                  <a:tcPr anchor="ctr"/>
+                </a:tc>
+                <a:tc>
+                  <a:txBody>
+                    <a:bodyPr/>
+                    <a:lstStyle/>
+                    <a:p>
+                      <a:pPr algn="ctr"/>
+                      <a:r>
+                        <a:rPr lang="zh-CN" altLang="en-US" dirty="0"/>
+                        <a:t>方法</a:t>
+                      </a:r>
+                    </a:p>
+                  </a:txBody>
+                  <a:tcPr anchor="ctr"/>
+                </a:tc>
+                <a:tc>
+                  <a:txBody>
+                    <a:bodyPr/>
+                    <a:lstStyle/>
+                    <a:p>
+                      <a:pPr algn="ctr"/>
+                      <a:r>
+                        <a:rPr lang="zh-CN" altLang="en-US" dirty="0"/>
+                        <a:t>准确率</a:t>
+                      </a:r>
+                    </a:p>
+                  </a:txBody>
+                  <a:tcPr anchor="ctr"/>
+                </a:tc>
+                <a:tc>
+                  <a:txBody>
+                    <a:bodyPr/>
+                    <a:lstStyle/>
+                    <a:p>
+                      <a:pPr algn="ctr"/>
+                      <a:r>
+                        <a:rPr lang="zh-CN" altLang="en-US" dirty="0"/>
+                        <a:t>年份</a:t>
+                      </a:r>
+                    </a:p>
+                  </a:txBody>
+                  <a:tcPr anchor="ctr"/>
+                </a:tc>
+                <a:extLst>
+                  <a:ext uri="{0D108BD9-81ED-4DB2-BD59-A6C34878D82A}">
+                    <a16:rowId xmlns:a16="http://schemas.microsoft.com/office/drawing/2014/main" val="1242493158"/>
+                  </a:ext>
+                </a:extLst>
+              </a:tr>
+              <a:tr h="895315">
+                <a:tc>
+                  <a:txBody>
+                    <a:bodyPr/>
+                    <a:lstStyle/>
+                    <a:p>
+                      <a:pPr algn="ctr"/>
+                      <a:r>
+                        <a:rPr lang="en-US" altLang="zh-CN" sz="1800" kern="1200" dirty="0">
+                          <a:solidFill>
+                            <a:schemeClr val="tx1">
+                              <a:lumMod val="75000"/>
+                              <a:lumOff val="25000"/>
+                            </a:schemeClr>
+                          </a:solidFill>
+                          <a:effectLst/>
+                          <a:latin typeface="+mn-lt"/>
+                          <a:ea typeface="+mn-ea"/>
+                          <a:cs typeface="+mn-cs"/>
+                        </a:rPr>
+                        <a:t>Sawhney</a:t>
+                      </a:r>
+                      <a:r>
+                        <a:rPr lang="zh-CN" altLang="zh-CN" sz="1800" kern="1200" dirty="0">
+                          <a:solidFill>
+                            <a:schemeClr val="tx1">
+                              <a:lumMod val="75000"/>
+                              <a:lumOff val="25000"/>
+                            </a:schemeClr>
+                          </a:solidFill>
+                          <a:effectLst/>
+                          <a:latin typeface="+mn-lt"/>
+                          <a:ea typeface="+mn-ea"/>
+                          <a:cs typeface="+mn-cs"/>
+                        </a:rPr>
+                        <a:t>和</a:t>
+                      </a:r>
+                      <a:r>
+                        <a:rPr lang="en-US" altLang="zh-CN" sz="1800" kern="1200" dirty="0" err="1">
+                          <a:solidFill>
+                            <a:schemeClr val="tx1">
+                              <a:lumMod val="75000"/>
+                              <a:lumOff val="25000"/>
+                            </a:schemeClr>
+                          </a:solidFill>
+                          <a:effectLst/>
+                          <a:latin typeface="+mn-lt"/>
+                          <a:ea typeface="+mn-ea"/>
+                          <a:cs typeface="+mn-cs"/>
+                        </a:rPr>
+                        <a:t>Maes</a:t>
+                      </a:r>
+                      <a:endParaRPr lang="zh-CN" altLang="en-US" dirty="0">
+                        <a:solidFill>
+                          <a:schemeClr val="tx1">
+                            <a:lumMod val="75000"/>
+                            <a:lumOff val="25000"/>
+                          </a:schemeClr>
+                        </a:solidFill>
+                      </a:endParaRPr>
+                    </a:p>
+                  </a:txBody>
+                  <a:tcPr anchor="ctr"/>
+                </a:tc>
+                <a:tc>
+                  <a:txBody>
+                    <a:bodyPr/>
+                    <a:lstStyle/>
+                    <a:p>
+                      <a:pPr algn="ctr"/>
+                      <a:r>
+                        <a:rPr lang="zh-CN" altLang="zh-CN" sz="1800" kern="1200" dirty="0">
+                          <a:solidFill>
+                            <a:schemeClr val="tx1">
+                              <a:lumMod val="75000"/>
+                              <a:lumOff val="25000"/>
+                            </a:schemeClr>
+                          </a:solidFill>
+                          <a:effectLst/>
+                          <a:latin typeface="+mn-lt"/>
+                          <a:ea typeface="+mn-ea"/>
+                          <a:cs typeface="+mn-cs"/>
+                        </a:rPr>
+                        <a:t>递归神经网络和</a:t>
+                      </a:r>
+                      <a:r>
+                        <a:rPr lang="en-US" altLang="zh-CN" sz="1800" kern="1200" dirty="0" err="1">
+                          <a:solidFill>
+                            <a:schemeClr val="tx1">
+                              <a:lumMod val="75000"/>
+                              <a:lumOff val="25000"/>
+                            </a:schemeClr>
+                          </a:solidFill>
+                          <a:effectLst/>
+                          <a:latin typeface="+mn-lt"/>
+                          <a:ea typeface="+mn-ea"/>
+                          <a:cs typeface="+mn-cs"/>
+                        </a:rPr>
+                        <a:t>kNN</a:t>
+                      </a:r>
+                      <a:endParaRPr lang="zh-CN" altLang="en-US" dirty="0">
+                        <a:solidFill>
+                          <a:schemeClr val="tx1">
+                            <a:lumMod val="75000"/>
+                            <a:lumOff val="25000"/>
+                          </a:schemeClr>
+                        </a:solidFill>
+                      </a:endParaRPr>
+                    </a:p>
+                  </a:txBody>
+                  <a:tcPr anchor="ctr"/>
+                </a:tc>
+                <a:tc>
+                  <a:txBody>
+                    <a:bodyPr/>
+                    <a:lstStyle/>
+                    <a:p>
+                      <a:pPr algn="ctr"/>
+                      <a:r>
+                        <a:rPr lang="en-US" altLang="zh-CN" dirty="0">
+                          <a:solidFill>
+                            <a:schemeClr val="tx1">
+                              <a:lumMod val="75000"/>
+                              <a:lumOff val="25000"/>
+                            </a:schemeClr>
+                          </a:solidFill>
+                        </a:rPr>
+                        <a:t>68%</a:t>
+                      </a:r>
+                      <a:endParaRPr lang="zh-CN" altLang="en-US" dirty="0">
+                        <a:solidFill>
+                          <a:schemeClr val="tx1">
+                            <a:lumMod val="75000"/>
+                            <a:lumOff val="25000"/>
+                          </a:schemeClr>
+                        </a:solidFill>
+                      </a:endParaRPr>
+                    </a:p>
+                  </a:txBody>
+                  <a:tcPr anchor="ctr"/>
+                </a:tc>
+                <a:tc>
+                  <a:txBody>
+                    <a:bodyPr/>
+                    <a:lstStyle/>
+                    <a:p>
+                      <a:pPr algn="ctr"/>
+                      <a:r>
+                        <a:rPr lang="en-US" altLang="zh-CN" dirty="0">
+                          <a:solidFill>
+                            <a:schemeClr val="tx1">
+                              <a:lumMod val="75000"/>
+                              <a:lumOff val="25000"/>
+                            </a:schemeClr>
+                          </a:solidFill>
+                        </a:rPr>
+                        <a:t>1997</a:t>
+                      </a:r>
+                      <a:endParaRPr lang="zh-CN" altLang="en-US" dirty="0">
+                        <a:solidFill>
+                          <a:schemeClr val="tx1">
+                            <a:lumMod val="75000"/>
+                            <a:lumOff val="25000"/>
+                          </a:schemeClr>
+                        </a:solidFill>
+                      </a:endParaRPr>
+                    </a:p>
+                  </a:txBody>
+                  <a:tcPr anchor="ctr"/>
+                </a:tc>
+                <a:extLst>
+                  <a:ext uri="{0D108BD9-81ED-4DB2-BD59-A6C34878D82A}">
+                    <a16:rowId xmlns:a16="http://schemas.microsoft.com/office/drawing/2014/main" val="4025285656"/>
+                  </a:ext>
+                </a:extLst>
+              </a:tr>
+              <a:tr h="895315">
+                <a:tc>
+                  <a:txBody>
+                    <a:bodyPr/>
+                    <a:lstStyle/>
+                    <a:p>
+                      <a:pPr algn="ctr"/>
+                      <a:r>
+                        <a:rPr lang="zh-CN" altLang="zh-CN" sz="1800" kern="1200" dirty="0">
+                          <a:solidFill>
+                            <a:schemeClr val="tx1">
+                              <a:lumMod val="75000"/>
+                              <a:lumOff val="25000"/>
+                            </a:schemeClr>
+                          </a:solidFill>
+                          <a:effectLst/>
+                          <a:latin typeface="+mn-lt"/>
+                          <a:ea typeface="+mn-ea"/>
+                          <a:cs typeface="+mn-cs"/>
+                        </a:rPr>
+                        <a:t>佩尔顿等</a:t>
+                      </a:r>
+                      <a:endParaRPr lang="zh-CN" altLang="en-US" dirty="0">
+                        <a:solidFill>
+                          <a:schemeClr val="tx1">
+                            <a:lumMod val="75000"/>
+                            <a:lumOff val="25000"/>
+                          </a:schemeClr>
+                        </a:solidFill>
+                      </a:endParaRPr>
+                    </a:p>
+                  </a:txBody>
+                  <a:tcPr anchor="ctr"/>
+                </a:tc>
+                <a:tc>
+                  <a:txBody>
+                    <a:bodyPr/>
+                    <a:lstStyle/>
+                    <a:p>
+                      <a:pPr algn="ctr"/>
+                      <a:r>
+                        <a:rPr lang="zh-CN" altLang="zh-CN" sz="1800" kern="1200" dirty="0">
+                          <a:solidFill>
+                            <a:schemeClr val="tx1">
+                              <a:lumMod val="75000"/>
+                              <a:lumOff val="25000"/>
+                            </a:schemeClr>
+                          </a:solidFill>
+                          <a:effectLst/>
+                          <a:latin typeface="+mn-lt"/>
+                          <a:ea typeface="+mn-ea"/>
+                          <a:cs typeface="+mn-cs"/>
+                        </a:rPr>
+                        <a:t>人类对音频场景</a:t>
+                      </a:r>
+                      <a:r>
+                        <a:rPr lang="zh-CN" altLang="en-US" sz="1800" kern="1200" dirty="0">
+                          <a:solidFill>
+                            <a:schemeClr val="tx1">
+                              <a:lumMod val="75000"/>
+                              <a:lumOff val="25000"/>
+                            </a:schemeClr>
+                          </a:solidFill>
+                          <a:effectLst/>
+                          <a:latin typeface="+mn-lt"/>
+                          <a:ea typeface="+mn-ea"/>
+                          <a:cs typeface="+mn-cs"/>
+                        </a:rPr>
+                        <a:t>典型事件</a:t>
+                      </a:r>
+                      <a:r>
+                        <a:rPr lang="zh-CN" altLang="zh-CN" sz="1800" kern="1200" dirty="0">
+                          <a:solidFill>
+                            <a:schemeClr val="tx1">
+                              <a:lumMod val="75000"/>
+                              <a:lumOff val="25000"/>
+                            </a:schemeClr>
+                          </a:solidFill>
+                          <a:effectLst/>
+                          <a:latin typeface="+mn-lt"/>
+                          <a:ea typeface="+mn-ea"/>
+                          <a:cs typeface="+mn-cs"/>
+                        </a:rPr>
+                        <a:t>的认识</a:t>
+                      </a:r>
+                      <a:endParaRPr lang="zh-CN" altLang="en-US" dirty="0">
+                        <a:solidFill>
+                          <a:schemeClr val="tx1">
+                            <a:lumMod val="75000"/>
+                            <a:lumOff val="25000"/>
+                          </a:schemeClr>
+                        </a:solidFill>
+                      </a:endParaRPr>
+                    </a:p>
+                  </a:txBody>
+                  <a:tcPr anchor="ctr"/>
+                </a:tc>
+                <a:tc>
+                  <a:txBody>
+                    <a:bodyPr/>
+                    <a:lstStyle/>
+                    <a:p>
+                      <a:pPr algn="ctr"/>
+                      <a:r>
+                        <a:rPr lang="en-US" altLang="zh-CN" dirty="0">
+                          <a:solidFill>
+                            <a:schemeClr val="tx1">
+                              <a:lumMod val="75000"/>
+                              <a:lumOff val="25000"/>
+                            </a:schemeClr>
+                          </a:solidFill>
+                        </a:rPr>
+                        <a:t>70%</a:t>
+                      </a:r>
+                      <a:endParaRPr lang="zh-CN" altLang="en-US" dirty="0">
+                        <a:solidFill>
+                          <a:schemeClr val="tx1">
+                            <a:lumMod val="75000"/>
+                            <a:lumOff val="25000"/>
+                          </a:schemeClr>
+                        </a:solidFill>
+                      </a:endParaRPr>
+                    </a:p>
+                  </a:txBody>
+                  <a:tcPr anchor="ctr"/>
+                </a:tc>
+                <a:tc>
+                  <a:txBody>
+                    <a:bodyPr/>
+                    <a:lstStyle/>
+                    <a:p>
+                      <a:pPr algn="ctr"/>
+                      <a:r>
+                        <a:rPr lang="en-US" altLang="zh-CN" dirty="0">
+                          <a:solidFill>
+                            <a:schemeClr val="tx1">
+                              <a:lumMod val="75000"/>
+                              <a:lumOff val="25000"/>
+                            </a:schemeClr>
+                          </a:solidFill>
+                        </a:rPr>
+                        <a:t>2001</a:t>
+                      </a:r>
+                      <a:endParaRPr lang="zh-CN" altLang="en-US" dirty="0">
+                        <a:solidFill>
+                          <a:schemeClr val="tx1">
+                            <a:lumMod val="75000"/>
+                            <a:lumOff val="25000"/>
+                          </a:schemeClr>
+                        </a:solidFill>
+                      </a:endParaRPr>
+                    </a:p>
+                  </a:txBody>
+                  <a:tcPr anchor="ctr"/>
+                </a:tc>
+                <a:extLst>
+                  <a:ext uri="{0D108BD9-81ED-4DB2-BD59-A6C34878D82A}">
+                    <a16:rowId xmlns:a16="http://schemas.microsoft.com/office/drawing/2014/main" val="1013518322"/>
+                  </a:ext>
+                </a:extLst>
+              </a:tr>
+              <a:tr h="895315">
+                <a:tc>
+                  <a:txBody>
+                    <a:bodyPr/>
+                    <a:lstStyle/>
+                    <a:p>
+                      <a:pPr algn="ctr"/>
+                      <a:r>
+                        <a:rPr lang="en-US" altLang="zh-CN" sz="1800" kern="1200" dirty="0" err="1">
+                          <a:solidFill>
+                            <a:schemeClr val="tx1">
+                              <a:lumMod val="75000"/>
+                              <a:lumOff val="25000"/>
+                            </a:schemeClr>
+                          </a:solidFill>
+                          <a:effectLst/>
+                          <a:latin typeface="+mn-lt"/>
+                          <a:ea typeface="+mn-ea"/>
+                          <a:cs typeface="+mn-cs"/>
+                        </a:rPr>
+                        <a:t>Eronen</a:t>
+                      </a:r>
+                      <a:r>
+                        <a:rPr lang="zh-CN" altLang="zh-CN" sz="1800" kern="1200" dirty="0">
+                          <a:solidFill>
+                            <a:schemeClr val="tx1">
+                              <a:lumMod val="75000"/>
+                              <a:lumOff val="25000"/>
+                            </a:schemeClr>
+                          </a:solidFill>
+                          <a:effectLst/>
+                          <a:latin typeface="+mn-lt"/>
+                          <a:ea typeface="+mn-ea"/>
+                          <a:cs typeface="+mn-cs"/>
+                        </a:rPr>
+                        <a:t>等</a:t>
+                      </a:r>
+                      <a:endParaRPr lang="zh-CN" altLang="en-US" dirty="0">
+                        <a:solidFill>
+                          <a:schemeClr val="tx1">
+                            <a:lumMod val="75000"/>
+                            <a:lumOff val="25000"/>
+                          </a:schemeClr>
+                        </a:solidFill>
+                      </a:endParaRPr>
+                    </a:p>
+                  </a:txBody>
+                  <a:tcPr anchor="ctr"/>
+                </a:tc>
+                <a:tc>
+                  <a:txBody>
+                    <a:bodyPr/>
+                    <a:lstStyle/>
+                    <a:p>
+                      <a:pPr algn="ctr"/>
+                      <a:r>
+                        <a:rPr lang="en-US" altLang="zh-CN" sz="1800" kern="1200" dirty="0" err="1">
+                          <a:solidFill>
+                            <a:schemeClr val="tx1">
+                              <a:lumMod val="75000"/>
+                              <a:lumOff val="25000"/>
+                            </a:schemeClr>
+                          </a:solidFill>
+                          <a:effectLst/>
+                          <a:latin typeface="+mn-lt"/>
+                          <a:ea typeface="+mn-ea"/>
+                          <a:cs typeface="+mn-cs"/>
+                        </a:rPr>
+                        <a:t>MFCCs+HMM</a:t>
+                      </a:r>
+                      <a:endParaRPr lang="zh-CN" altLang="en-US" dirty="0">
+                        <a:solidFill>
+                          <a:schemeClr val="tx1">
+                            <a:lumMod val="75000"/>
+                            <a:lumOff val="25000"/>
+                          </a:schemeClr>
+                        </a:solidFill>
+                      </a:endParaRPr>
+                    </a:p>
+                  </a:txBody>
+                  <a:tcPr anchor="ctr"/>
+                </a:tc>
+                <a:tc>
+                  <a:txBody>
+                    <a:bodyPr/>
+                    <a:lstStyle/>
+                    <a:p>
+                      <a:pPr algn="ctr"/>
+                      <a:r>
+                        <a:rPr lang="en-US" altLang="zh-CN" dirty="0">
+                          <a:solidFill>
+                            <a:schemeClr val="tx1">
+                              <a:lumMod val="75000"/>
+                              <a:lumOff val="25000"/>
+                            </a:schemeClr>
+                          </a:solidFill>
+                        </a:rPr>
+                        <a:t>58%</a:t>
+                      </a:r>
+                      <a:endParaRPr lang="zh-CN" altLang="en-US" dirty="0">
+                        <a:solidFill>
+                          <a:schemeClr val="tx1">
+                            <a:lumMod val="75000"/>
+                            <a:lumOff val="25000"/>
+                          </a:schemeClr>
+                        </a:solidFill>
+                      </a:endParaRPr>
+                    </a:p>
+                  </a:txBody>
+                  <a:tcPr anchor="ctr"/>
+                </a:tc>
+                <a:tc>
+                  <a:txBody>
+                    <a:bodyPr/>
+                    <a:lstStyle/>
+                    <a:p>
+                      <a:pPr algn="ctr"/>
+                      <a:r>
+                        <a:rPr lang="en-US" altLang="zh-CN" dirty="0">
+                          <a:solidFill>
+                            <a:schemeClr val="tx1">
+                              <a:lumMod val="75000"/>
+                              <a:lumOff val="25000"/>
+                            </a:schemeClr>
+                          </a:solidFill>
+                        </a:rPr>
+                        <a:t>2003</a:t>
+                      </a:r>
+                      <a:endParaRPr lang="zh-CN" altLang="en-US" dirty="0">
+                        <a:solidFill>
+                          <a:schemeClr val="tx1">
+                            <a:lumMod val="75000"/>
+                            <a:lumOff val="25000"/>
+                          </a:schemeClr>
+                        </a:solidFill>
+                      </a:endParaRPr>
+                    </a:p>
+                  </a:txBody>
+                  <a:tcPr anchor="ctr"/>
+                </a:tc>
+                <a:extLst>
+                  <a:ext uri="{0D108BD9-81ED-4DB2-BD59-A6C34878D82A}">
+                    <a16:rowId xmlns:a16="http://schemas.microsoft.com/office/drawing/2014/main" val="2126724920"/>
+                  </a:ext>
+                </a:extLst>
+              </a:tr>
+              <a:tr h="895315">
+                <a:tc>
+                  <a:txBody>
+                    <a:bodyPr/>
+                    <a:lstStyle/>
+                    <a:p>
+                      <a:pPr algn="ctr"/>
+                      <a:endParaRPr lang="zh-CN" altLang="en-US" dirty="0">
+                        <a:solidFill>
+                          <a:schemeClr val="tx1">
+                            <a:lumMod val="75000"/>
+                            <a:lumOff val="25000"/>
+                          </a:schemeClr>
+                        </a:solidFill>
+                      </a:endParaRPr>
+                    </a:p>
+                  </a:txBody>
+                  <a:tcPr anchor="ctr"/>
+                </a:tc>
+                <a:tc>
+                  <a:txBody>
+                    <a:bodyPr/>
+                    <a:lstStyle/>
+                    <a:p>
+                      <a:pPr algn="ctr"/>
+                      <a:endParaRPr lang="zh-CN" altLang="en-US">
+                        <a:solidFill>
+                          <a:schemeClr val="tx1">
+                            <a:lumMod val="75000"/>
+                            <a:lumOff val="25000"/>
+                          </a:schemeClr>
+                        </a:solidFill>
+                      </a:endParaRPr>
+                    </a:p>
+                  </a:txBody>
+                  <a:tcPr anchor="ctr"/>
+                </a:tc>
+                <a:tc>
+                  <a:txBody>
+                    <a:bodyPr/>
+                    <a:lstStyle/>
+                    <a:p>
+                      <a:pPr algn="ctr"/>
+                      <a:endParaRPr lang="zh-CN" altLang="en-US">
+                        <a:solidFill>
+                          <a:schemeClr val="tx1">
+                            <a:lumMod val="75000"/>
+                            <a:lumOff val="25000"/>
+                          </a:schemeClr>
+                        </a:solidFill>
+                      </a:endParaRPr>
+                    </a:p>
+                  </a:txBody>
+                  <a:tcPr anchor="ctr"/>
+                </a:tc>
+                <a:tc>
+                  <a:txBody>
+                    <a:bodyPr/>
+                    <a:lstStyle/>
+                    <a:p>
+                      <a:pPr algn="ctr"/>
+                      <a:endParaRPr lang="zh-CN" altLang="en-US" dirty="0">
+                        <a:solidFill>
+                          <a:schemeClr val="tx1">
+                            <a:lumMod val="75000"/>
+                            <a:lumOff val="25000"/>
+                          </a:schemeClr>
+                        </a:solidFill>
+                      </a:endParaRPr>
+                    </a:p>
+                  </a:txBody>
+                  <a:tcPr anchor="ctr"/>
+                </a:tc>
+                <a:extLst>
+                  <a:ext uri="{0D108BD9-81ED-4DB2-BD59-A6C34878D82A}">
+                    <a16:rowId xmlns:a16="http://schemas.microsoft.com/office/drawing/2014/main" val="4004180255"/>
+                  </a:ext>
+                </a:extLst>
+              </a:tr>
+            </a:tbl>
+          </a:graphicData>
+        </a:graphic>
+      </p:graphicFrame>
+    </p:spTree>
+    <p:extLst>
+      <p:ext uri="{BB962C8B-B14F-4D97-AF65-F5344CB8AC3E}">
+        <p14:creationId xmlns:p14="http://schemas.microsoft.com/office/powerpoint/2010/main" val="2108541256"/>
+      </p:ext>
+    </p:extLst>
+  </p:cSld>
+  <p:clrMapOvr>
+    <a:masterClrMapping/>
+  </p:clrMapOvr>
+</p:sld>
+</file>
+
+<file path=ppt/slides/slide9.xml><?xml version="1.0" encoding="utf-8"?>
+<p:sld xmlns:a="http://schemas.openxmlformats.org/drawingml/2006/main" xmlns:r="http://schemas.openxmlformats.org/officeDocument/2006/relationships" xmlns:p="http://schemas.openxmlformats.org/presentationml/2006/main">
+  <p:cSld>
+    <p:spTree>
+      <p:nvGrpSpPr>
+        <p:cNvPr id="1" name=""/>
+        <p:cNvGrpSpPr/>
+        <p:nvPr/>
+      </p:nvGrpSpPr>
+      <p:grpSpPr>
+        <a:xfrm>
+          <a:off x="0" y="0"/>
+          <a:ext cx="0" cy="0"/>
+          <a:chOff x="0" y="0"/>
+          <a:chExt cx="0" cy="0"/>
+        </a:xfrm>
+      </p:grpSpPr>
+      <p:sp>
+        <p:nvSpPr>
+          <p:cNvPr id="4" name="标题 3">
+            <a:extLst>
+              <a:ext uri="{FF2B5EF4-FFF2-40B4-BE49-F238E27FC236}">
+                <a16:creationId xmlns:a16="http://schemas.microsoft.com/office/drawing/2014/main" id="{2AA688B1-11D6-47F2-8DE6-605FC1BA24DF}"/>
+              </a:ext>
+            </a:extLst>
+          </p:cNvPr>
+          <p:cNvSpPr>
+            <a:spLocks noGrp="1"/>
+          </p:cNvSpPr>
+          <p:nvPr>
+            <p:ph type="title"/>
+          </p:nvPr>
+        </p:nvSpPr>
+        <p:spPr/>
+        <p:txBody>
+          <a:bodyPr/>
+          <a:lstStyle/>
+          <a:p>
+            <a:r>
+              <a:rPr lang="zh-CN" altLang="zh-CN" dirty="0"/>
+              <a:t>基于卷积神经网络音频分类方法</a:t>
+            </a:r>
+            <a:endParaRPr lang="zh-CN" altLang="en-US" dirty="0"/>
+          </a:p>
+        </p:txBody>
+      </p:sp>
+      <p:pic>
+        <p:nvPicPr>
+          <p:cNvPr id="7" name="内容占位符 6">
+            <a:extLst>
+              <a:ext uri="{FF2B5EF4-FFF2-40B4-BE49-F238E27FC236}">
+                <a16:creationId xmlns:a16="http://schemas.microsoft.com/office/drawing/2014/main" id="{71555264-7E75-487D-8F02-88D106767F57}"/>
+              </a:ext>
+            </a:extLst>
+          </p:cNvPr>
+          <p:cNvPicPr>
+            <a:picLocks noGrp="1" noChangeAspect="1"/>
+          </p:cNvPicPr>
+          <p:nvPr>
+            <p:ph idx="1"/>
+          </p:nvPr>
+        </p:nvPicPr>
+        <p:blipFill>
+          <a:blip r:embed="rId2">
+            <a:extLst>
+              <a:ext uri="{28A0092B-C50C-407E-A947-70E740481C1C}">
+                <a14:useLocalDpi xmlns:a14="http://schemas.microsoft.com/office/drawing/2010/main" val="0"/>
+              </a:ext>
+            </a:extLst>
+          </a:blip>
+          <a:stretch>
+            <a:fillRect/>
+          </a:stretch>
+        </p:blipFill>
+        <p:spPr>
+          <a:xfrm>
+            <a:off x="838200" y="1690688"/>
+            <a:ext cx="10515600" cy="2788711"/>
+          </a:xfrm>
+        </p:spPr>
+      </p:pic>
+      <p:sp>
+        <p:nvSpPr>
+          <p:cNvPr id="8" name="文本框 7">
+            <a:extLst>
+              <a:ext uri="{FF2B5EF4-FFF2-40B4-BE49-F238E27FC236}">
+                <a16:creationId xmlns:a16="http://schemas.microsoft.com/office/drawing/2014/main" id="{D1496AA7-60D8-4232-B29E-2BD187FBD4EC}"/>
+              </a:ext>
+            </a:extLst>
+          </p:cNvPr>
+          <p:cNvSpPr txBox="1"/>
+          <p:nvPr/>
+        </p:nvSpPr>
+        <p:spPr>
+          <a:xfrm flipH="1">
+            <a:off x="838200" y="4865077"/>
+            <a:ext cx="10515600" cy="1296637"/>
+          </a:xfrm>
+          <a:prstGeom prst="rect">
+            <a:avLst/>
+          </a:prstGeom>
+          <a:noFill/>
+        </p:spPr>
+        <p:txBody>
+          <a:bodyPr wrap="square" rtlCol="0">
+            <a:spAutoFit/>
+          </a:bodyPr>
+          <a:lstStyle/>
+          <a:p>
+            <a:pPr marL="285750" indent="-285750">
+              <a:lnSpc>
+                <a:spcPct val="150000"/>
+              </a:lnSpc>
+              <a:buFont typeface="Arial" panose="020B0604020202020204" pitchFamily="34" charset="0"/>
+              <a:buChar char="•"/>
+            </a:pPr>
+            <a:r>
+              <a:rPr lang="zh-CN" altLang="zh-CN" dirty="0"/>
+              <a:t>研究界缺乏协调一致的标准来评估和测试解决这个问题的算法</a:t>
+            </a:r>
+            <a:endParaRPr lang="en-US" altLang="zh-CN" dirty="0"/>
+          </a:p>
+          <a:p>
+            <a:pPr marL="285750" indent="-285750">
+              <a:lnSpc>
+                <a:spcPct val="150000"/>
+              </a:lnSpc>
+              <a:buFont typeface="Arial" panose="020B0604020202020204" pitchFamily="34" charset="0"/>
+              <a:buChar char="•"/>
+            </a:pPr>
+            <a:r>
+              <a:rPr lang="en-US" altLang="zh-CN" dirty="0"/>
+              <a:t>2013</a:t>
+            </a:r>
+            <a:r>
+              <a:rPr lang="zh-CN" altLang="zh-CN" dirty="0"/>
+              <a:t>年，</a:t>
+            </a:r>
+            <a:r>
+              <a:rPr lang="en-US" altLang="zh-CN" dirty="0"/>
+              <a:t>IEEE</a:t>
+            </a:r>
+            <a:r>
+              <a:rPr lang="zh-CN" altLang="zh-CN" dirty="0"/>
+              <a:t>音频和声学信号处理（</a:t>
+            </a:r>
+            <a:r>
+              <a:rPr lang="en-US" altLang="zh-CN" dirty="0"/>
+              <a:t>AASP</a:t>
+            </a:r>
+            <a:r>
+              <a:rPr lang="zh-CN" altLang="zh-CN" dirty="0"/>
+              <a:t>）</a:t>
+            </a:r>
+            <a:endParaRPr lang="en-US" altLang="zh-CN" dirty="0"/>
+          </a:p>
+          <a:p>
+            <a:pPr marL="285750" indent="-285750">
+              <a:lnSpc>
+                <a:spcPct val="150000"/>
+              </a:lnSpc>
+              <a:buFont typeface="Arial" panose="020B0604020202020204" pitchFamily="34" charset="0"/>
+              <a:buChar char="•"/>
+            </a:pPr>
+            <a:r>
+              <a:rPr lang="zh-CN" altLang="zh-CN" dirty="0"/>
+              <a:t>测试和比较</a:t>
+            </a:r>
+            <a:r>
+              <a:rPr lang="en-US" altLang="zh-CN" dirty="0"/>
+              <a:t>ASC</a:t>
+            </a:r>
+            <a:r>
+              <a:rPr lang="zh-CN" altLang="zh-CN" dirty="0"/>
+              <a:t>和事件检测与分类算法</a:t>
+            </a:r>
+            <a:endParaRPr lang="en-US" altLang="zh-CN" dirty="0"/>
+          </a:p>
+        </p:txBody>
+      </p:sp>
+    </p:spTree>
+    <p:extLst>
+      <p:ext uri="{BB962C8B-B14F-4D97-AF65-F5344CB8AC3E}">
+        <p14:creationId xmlns:p14="http://schemas.microsoft.com/office/powerpoint/2010/main" val="3147143972"/>
       </p:ext>
     </p:extLst>
   </p:cSld>

--- a/开题报告/答辩.pptx
+++ b/开题报告/答辩.pptx
@@ -15,6 +15,7 @@
     <p:sldId id="263" r:id="rId9"/>
     <p:sldId id="264" r:id="rId10"/>
     <p:sldId id="265" r:id="rId11"/>
+    <p:sldId id="266" r:id="rId12"/>
   </p:sldIdLst>
   <p:sldSz cx="12192000" cy="6858000"/>
   <p:notesSz cx="6858000" cy="9144000"/>
@@ -121,6 +122,1006 @@
 </p:presentation>
 </file>
 
+<file path=ppt/charts/chart1.xml><?xml version="1.0" encoding="utf-8"?>
+<c:chartSpace xmlns:c="http://schemas.openxmlformats.org/drawingml/2006/chart" xmlns:a="http://schemas.openxmlformats.org/drawingml/2006/main" xmlns:r="http://schemas.openxmlformats.org/officeDocument/2006/relationships" xmlns:c16r2="http://schemas.microsoft.com/office/drawing/2015/06/chart">
+  <c:date1904 val="0"/>
+  <c:lang val="zh-CN"/>
+  <c:roundedCorners val="0"/>
+  <mc:AlternateContent xmlns:mc="http://schemas.openxmlformats.org/markup-compatibility/2006">
+    <mc:Choice xmlns:c14="http://schemas.microsoft.com/office/drawing/2007/8/2/chart" Requires="c14">
+      <c14:style val="102"/>
+    </mc:Choice>
+    <mc:Fallback>
+      <c:style val="2"/>
+    </mc:Fallback>
+  </mc:AlternateContent>
+  <c:chart>
+    <c:title>
+      <c:overlay val="0"/>
+      <c:spPr>
+        <a:noFill/>
+        <a:ln>
+          <a:noFill/>
+        </a:ln>
+        <a:effectLst/>
+      </c:spPr>
+      <c:txPr>
+        <a:bodyPr rot="0" spcFirstLastPara="1" vertOverflow="ellipsis" vert="horz" wrap="square" anchor="ctr" anchorCtr="1"/>
+        <a:lstStyle/>
+        <a:p>
+          <a:pPr>
+            <a:defRPr sz="1862" b="0" i="0" u="none" strike="noStrike" kern="1200" spc="0" baseline="0">
+              <a:solidFill>
+                <a:schemeClr val="tx1">
+                  <a:lumMod val="65000"/>
+                  <a:lumOff val="35000"/>
+                </a:schemeClr>
+              </a:solidFill>
+              <a:latin typeface="+mn-lt"/>
+              <a:ea typeface="+mn-ea"/>
+              <a:cs typeface="+mn-cs"/>
+            </a:defRPr>
+          </a:pPr>
+          <a:endParaRPr lang="zh-CN"/>
+        </a:p>
+      </c:txPr>
+    </c:title>
+    <c:autoTitleDeleted val="0"/>
+    <c:plotArea>
+      <c:layout/>
+      <c:barChart>
+        <c:barDir val="col"/>
+        <c:grouping val="clustered"/>
+        <c:varyColors val="0"/>
+        <c:ser>
+          <c:idx val="0"/>
+          <c:order val="0"/>
+          <c:tx>
+            <c:strRef>
+              <c:f>Sheet1!$B$1</c:f>
+              <c:strCache>
+                <c:ptCount val="1"/>
+                <c:pt idx="0">
+                  <c:v>系列 1</c:v>
+                </c:pt>
+              </c:strCache>
+            </c:strRef>
+          </c:tx>
+          <c:spPr>
+            <a:solidFill>
+              <a:schemeClr val="accent1"/>
+            </a:solidFill>
+            <a:ln>
+              <a:noFill/>
+            </a:ln>
+            <a:effectLst/>
+          </c:spPr>
+          <c:invertIfNegative val="0"/>
+          <c:cat>
+            <c:strRef>
+              <c:f>Sheet1!$A$2:$A$5</c:f>
+              <c:strCache>
+                <c:ptCount val="4"/>
+                <c:pt idx="0">
+                  <c:v>类别 1</c:v>
+                </c:pt>
+                <c:pt idx="1">
+                  <c:v>类别 2</c:v>
+                </c:pt>
+                <c:pt idx="2">
+                  <c:v>类别 3</c:v>
+                </c:pt>
+                <c:pt idx="3">
+                  <c:v>类别 4</c:v>
+                </c:pt>
+              </c:strCache>
+            </c:strRef>
+          </c:cat>
+          <c:val>
+            <c:numRef>
+              <c:f>Sheet1!$B$2:$B$5</c:f>
+              <c:numCache>
+                <c:formatCode>General</c:formatCode>
+                <c:ptCount val="4"/>
+                <c:pt idx="0">
+                  <c:v>4.3</c:v>
+                </c:pt>
+                <c:pt idx="1">
+                  <c:v>2.5</c:v>
+                </c:pt>
+                <c:pt idx="2">
+                  <c:v>3.5</c:v>
+                </c:pt>
+                <c:pt idx="3">
+                  <c:v>4.5</c:v>
+                </c:pt>
+              </c:numCache>
+            </c:numRef>
+          </c:val>
+          <c:extLst>
+            <c:ext xmlns:c16="http://schemas.microsoft.com/office/drawing/2014/chart" uri="{C3380CC4-5D6E-409C-BE32-E72D297353CC}">
+              <c16:uniqueId val="{00000000-91D4-E44A-BC9F-1C114D81F94E}"/>
+            </c:ext>
+          </c:extLst>
+        </c:ser>
+        <c:ser>
+          <c:idx val="1"/>
+          <c:order val="1"/>
+          <c:tx>
+            <c:strRef>
+              <c:f>Sheet1!$C$1</c:f>
+              <c:strCache>
+                <c:ptCount val="1"/>
+                <c:pt idx="0">
+                  <c:v>系列 2</c:v>
+                </c:pt>
+              </c:strCache>
+            </c:strRef>
+          </c:tx>
+          <c:spPr>
+            <a:solidFill>
+              <a:schemeClr val="accent2"/>
+            </a:solidFill>
+            <a:ln>
+              <a:noFill/>
+            </a:ln>
+            <a:effectLst/>
+          </c:spPr>
+          <c:invertIfNegative val="0"/>
+          <c:cat>
+            <c:strRef>
+              <c:f>Sheet1!$A$2:$A$5</c:f>
+              <c:strCache>
+                <c:ptCount val="4"/>
+                <c:pt idx="0">
+                  <c:v>类别 1</c:v>
+                </c:pt>
+                <c:pt idx="1">
+                  <c:v>类别 2</c:v>
+                </c:pt>
+                <c:pt idx="2">
+                  <c:v>类别 3</c:v>
+                </c:pt>
+                <c:pt idx="3">
+                  <c:v>类别 4</c:v>
+                </c:pt>
+              </c:strCache>
+            </c:strRef>
+          </c:cat>
+          <c:val>
+            <c:numRef>
+              <c:f>Sheet1!$C$2:$C$5</c:f>
+              <c:numCache>
+                <c:formatCode>General</c:formatCode>
+                <c:ptCount val="4"/>
+                <c:pt idx="0">
+                  <c:v>2.4</c:v>
+                </c:pt>
+                <c:pt idx="1">
+                  <c:v>4.4000000000000004</c:v>
+                </c:pt>
+                <c:pt idx="2">
+                  <c:v>1.8</c:v>
+                </c:pt>
+                <c:pt idx="3">
+                  <c:v>2.8</c:v>
+                </c:pt>
+              </c:numCache>
+            </c:numRef>
+          </c:val>
+          <c:extLst>
+            <c:ext xmlns:c16="http://schemas.microsoft.com/office/drawing/2014/chart" uri="{C3380CC4-5D6E-409C-BE32-E72D297353CC}">
+              <c16:uniqueId val="{00000001-91D4-E44A-BC9F-1C114D81F94E}"/>
+            </c:ext>
+          </c:extLst>
+        </c:ser>
+        <c:ser>
+          <c:idx val="2"/>
+          <c:order val="2"/>
+          <c:tx>
+            <c:strRef>
+              <c:f>Sheet1!$D$1</c:f>
+              <c:strCache>
+                <c:ptCount val="1"/>
+                <c:pt idx="0">
+                  <c:v>系列 3</c:v>
+                </c:pt>
+              </c:strCache>
+            </c:strRef>
+          </c:tx>
+          <c:spPr>
+            <a:solidFill>
+              <a:schemeClr val="accent3"/>
+            </a:solidFill>
+            <a:ln>
+              <a:noFill/>
+            </a:ln>
+            <a:effectLst/>
+          </c:spPr>
+          <c:invertIfNegative val="0"/>
+          <c:cat>
+            <c:strRef>
+              <c:f>Sheet1!$A$2:$A$5</c:f>
+              <c:strCache>
+                <c:ptCount val="4"/>
+                <c:pt idx="0">
+                  <c:v>类别 1</c:v>
+                </c:pt>
+                <c:pt idx="1">
+                  <c:v>类别 2</c:v>
+                </c:pt>
+                <c:pt idx="2">
+                  <c:v>类别 3</c:v>
+                </c:pt>
+                <c:pt idx="3">
+                  <c:v>类别 4</c:v>
+                </c:pt>
+              </c:strCache>
+            </c:strRef>
+          </c:cat>
+          <c:val>
+            <c:numRef>
+              <c:f>Sheet1!$D$2:$D$5</c:f>
+              <c:numCache>
+                <c:formatCode>General</c:formatCode>
+                <c:ptCount val="4"/>
+                <c:pt idx="0">
+                  <c:v>2</c:v>
+                </c:pt>
+                <c:pt idx="1">
+                  <c:v>2</c:v>
+                </c:pt>
+                <c:pt idx="2">
+                  <c:v>3</c:v>
+                </c:pt>
+                <c:pt idx="3">
+                  <c:v>5</c:v>
+                </c:pt>
+              </c:numCache>
+            </c:numRef>
+          </c:val>
+          <c:extLst>
+            <c:ext xmlns:c16="http://schemas.microsoft.com/office/drawing/2014/chart" uri="{C3380CC4-5D6E-409C-BE32-E72D297353CC}">
+              <c16:uniqueId val="{00000002-91D4-E44A-BC9F-1C114D81F94E}"/>
+            </c:ext>
+          </c:extLst>
+        </c:ser>
+        <c:dLbls>
+          <c:showLegendKey val="0"/>
+          <c:showVal val="0"/>
+          <c:showCatName val="0"/>
+          <c:showSerName val="0"/>
+          <c:showPercent val="0"/>
+          <c:showBubbleSize val="0"/>
+        </c:dLbls>
+        <c:gapWidth val="219"/>
+        <c:overlap val="-27"/>
+        <c:axId val="174707599"/>
+        <c:axId val="174709279"/>
+      </c:barChart>
+      <c:catAx>
+        <c:axId val="174707599"/>
+        <c:scaling>
+          <c:orientation val="minMax"/>
+        </c:scaling>
+        <c:delete val="0"/>
+        <c:axPos val="b"/>
+        <c:numFmt formatCode="General" sourceLinked="1"/>
+        <c:majorTickMark val="none"/>
+        <c:minorTickMark val="none"/>
+        <c:tickLblPos val="nextTo"/>
+        <c:spPr>
+          <a:noFill/>
+          <a:ln w="9525" cap="flat" cmpd="sng" algn="ctr">
+            <a:solidFill>
+              <a:schemeClr val="tx1">
+                <a:lumMod val="15000"/>
+                <a:lumOff val="85000"/>
+              </a:schemeClr>
+            </a:solidFill>
+            <a:round/>
+          </a:ln>
+          <a:effectLst/>
+        </c:spPr>
+        <c:txPr>
+          <a:bodyPr rot="-60000000" spcFirstLastPara="1" vertOverflow="ellipsis" vert="horz" wrap="square" anchor="ctr" anchorCtr="1"/>
+          <a:lstStyle/>
+          <a:p>
+            <a:pPr>
+              <a:defRPr sz="1197" b="0" i="0" u="none" strike="noStrike" kern="1200" baseline="0">
+                <a:solidFill>
+                  <a:schemeClr val="tx1">
+                    <a:lumMod val="65000"/>
+                    <a:lumOff val="35000"/>
+                  </a:schemeClr>
+                </a:solidFill>
+                <a:latin typeface="+mn-lt"/>
+                <a:ea typeface="+mn-ea"/>
+                <a:cs typeface="+mn-cs"/>
+              </a:defRPr>
+            </a:pPr>
+            <a:endParaRPr lang="zh-CN"/>
+          </a:p>
+        </c:txPr>
+        <c:crossAx val="174709279"/>
+        <c:crosses val="autoZero"/>
+        <c:auto val="1"/>
+        <c:lblAlgn val="ctr"/>
+        <c:lblOffset val="100"/>
+        <c:noMultiLvlLbl val="0"/>
+      </c:catAx>
+      <c:valAx>
+        <c:axId val="174709279"/>
+        <c:scaling>
+          <c:orientation val="minMax"/>
+        </c:scaling>
+        <c:delete val="0"/>
+        <c:axPos val="l"/>
+        <c:majorGridlines>
+          <c:spPr>
+            <a:ln w="9525" cap="flat" cmpd="sng" algn="ctr">
+              <a:solidFill>
+                <a:schemeClr val="tx1">
+                  <a:lumMod val="15000"/>
+                  <a:lumOff val="85000"/>
+                </a:schemeClr>
+              </a:solidFill>
+              <a:round/>
+            </a:ln>
+            <a:effectLst/>
+          </c:spPr>
+        </c:majorGridlines>
+        <c:numFmt formatCode="General" sourceLinked="1"/>
+        <c:majorTickMark val="none"/>
+        <c:minorTickMark val="none"/>
+        <c:tickLblPos val="nextTo"/>
+        <c:spPr>
+          <a:noFill/>
+          <a:ln>
+            <a:noFill/>
+          </a:ln>
+          <a:effectLst/>
+        </c:spPr>
+        <c:txPr>
+          <a:bodyPr rot="-60000000" spcFirstLastPara="1" vertOverflow="ellipsis" vert="horz" wrap="square" anchor="ctr" anchorCtr="1"/>
+          <a:lstStyle/>
+          <a:p>
+            <a:pPr>
+              <a:defRPr sz="1197" b="0" i="0" u="none" strike="noStrike" kern="1200" baseline="0">
+                <a:solidFill>
+                  <a:schemeClr val="tx1">
+                    <a:lumMod val="65000"/>
+                    <a:lumOff val="35000"/>
+                  </a:schemeClr>
+                </a:solidFill>
+                <a:latin typeface="+mn-lt"/>
+                <a:ea typeface="+mn-ea"/>
+                <a:cs typeface="+mn-cs"/>
+              </a:defRPr>
+            </a:pPr>
+            <a:endParaRPr lang="zh-CN"/>
+          </a:p>
+        </c:txPr>
+        <c:crossAx val="174707599"/>
+        <c:crosses val="autoZero"/>
+        <c:crossBetween val="between"/>
+      </c:valAx>
+      <c:spPr>
+        <a:noFill/>
+        <a:ln>
+          <a:noFill/>
+        </a:ln>
+        <a:effectLst/>
+      </c:spPr>
+    </c:plotArea>
+    <c:legend>
+      <c:legendPos val="b"/>
+      <c:overlay val="0"/>
+      <c:spPr>
+        <a:noFill/>
+        <a:ln>
+          <a:noFill/>
+        </a:ln>
+        <a:effectLst/>
+      </c:spPr>
+      <c:txPr>
+        <a:bodyPr rot="0" spcFirstLastPara="1" vertOverflow="ellipsis" vert="horz" wrap="square" anchor="ctr" anchorCtr="1"/>
+        <a:lstStyle/>
+        <a:p>
+          <a:pPr>
+            <a:defRPr sz="1197" b="0" i="0" u="none" strike="noStrike" kern="1200" baseline="0">
+              <a:solidFill>
+                <a:schemeClr val="tx1">
+                  <a:lumMod val="65000"/>
+                  <a:lumOff val="35000"/>
+                </a:schemeClr>
+              </a:solidFill>
+              <a:latin typeface="+mn-lt"/>
+              <a:ea typeface="+mn-ea"/>
+              <a:cs typeface="+mn-cs"/>
+            </a:defRPr>
+          </a:pPr>
+          <a:endParaRPr lang="zh-CN"/>
+        </a:p>
+      </c:txPr>
+    </c:legend>
+    <c:plotVisOnly val="1"/>
+    <c:dispBlanksAs val="gap"/>
+    <c:extLst>
+      <c:ext xmlns:c16r3="http://schemas.microsoft.com/office/drawing/2017/03/chart" uri="{56B9EC1D-385E-4148-901F-78D8002777C0}">
+        <c16r3:dataDisplayOptions16>
+          <c16r3:dispNaAsBlank val="1"/>
+        </c16r3:dataDisplayOptions16>
+      </c:ext>
+    </c:extLst>
+    <c:showDLblsOverMax val="0"/>
+  </c:chart>
+  <c:spPr>
+    <a:noFill/>
+    <a:ln>
+      <a:noFill/>
+    </a:ln>
+    <a:effectLst/>
+  </c:spPr>
+  <c:txPr>
+    <a:bodyPr/>
+    <a:lstStyle/>
+    <a:p>
+      <a:pPr>
+        <a:defRPr/>
+      </a:pPr>
+      <a:endParaRPr lang="zh-CN"/>
+    </a:p>
+  </c:txPr>
+  <c:externalData r:id="rId3">
+    <c:autoUpdate val="0"/>
+  </c:externalData>
+</c:chartSpace>
+</file>
+
+<file path=ppt/charts/colors1.xml><?xml version="1.0" encoding="utf-8"?>
+<cs:colorStyle xmlns:cs="http://schemas.microsoft.com/office/drawing/2012/chartStyle" xmlns:a="http://schemas.openxmlformats.org/drawingml/2006/main" meth="cycle" id="10">
+  <a:schemeClr val="accent1"/>
+  <a:schemeClr val="accent2"/>
+  <a:schemeClr val="accent3"/>
+  <a:schemeClr val="accent4"/>
+  <a:schemeClr val="accent5"/>
+  <a:schemeClr val="accent6"/>
+  <cs:variation/>
+  <cs:variation>
+    <a:lumMod val="60000"/>
+  </cs:variation>
+  <cs:variation>
+    <a:lumMod val="80000"/>
+    <a:lumOff val="20000"/>
+  </cs:variation>
+  <cs:variation>
+    <a:lumMod val="80000"/>
+  </cs:variation>
+  <cs:variation>
+    <a:lumMod val="60000"/>
+    <a:lumOff val="40000"/>
+  </cs:variation>
+  <cs:variation>
+    <a:lumMod val="50000"/>
+  </cs:variation>
+  <cs:variation>
+    <a:lumMod val="70000"/>
+    <a:lumOff val="30000"/>
+  </cs:variation>
+  <cs:variation>
+    <a:lumMod val="70000"/>
+  </cs:variation>
+  <cs:variation>
+    <a:lumMod val="50000"/>
+    <a:lumOff val="50000"/>
+  </cs:variation>
+</cs:colorStyle>
+</file>
+
+<file path=ppt/charts/style1.xml><?xml version="1.0" encoding="utf-8"?>
+<cs:chartStyle xmlns:cs="http://schemas.microsoft.com/office/drawing/2012/chartStyle" xmlns:a="http://schemas.openxmlformats.org/drawingml/2006/main" id="201">
+  <cs:axisTitle>
+    <cs:lnRef idx="0"/>
+    <cs:fillRef idx="0"/>
+    <cs:effectRef idx="0"/>
+    <cs:fontRef idx="minor">
+      <a:schemeClr val="tx1">
+        <a:lumMod val="65000"/>
+        <a:lumOff val="35000"/>
+      </a:schemeClr>
+    </cs:fontRef>
+    <cs:defRPr sz="1330" kern="1200"/>
+  </cs:axisTitle>
+  <cs:categoryAxis>
+    <cs:lnRef idx="0"/>
+    <cs:fillRef idx="0"/>
+    <cs:effectRef idx="0"/>
+    <cs:fontRef idx="minor">
+      <a:schemeClr val="tx1">
+        <a:lumMod val="65000"/>
+        <a:lumOff val="35000"/>
+      </a:schemeClr>
+    </cs:fontRef>
+    <cs:spPr>
+      <a:ln w="9525" cap="flat" cmpd="sng" algn="ctr">
+        <a:solidFill>
+          <a:schemeClr val="tx1">
+            <a:lumMod val="15000"/>
+            <a:lumOff val="85000"/>
+          </a:schemeClr>
+        </a:solidFill>
+        <a:round/>
+      </a:ln>
+    </cs:spPr>
+    <cs:defRPr sz="1197" kern="1200"/>
+  </cs:categoryAxis>
+  <cs:chartArea mods="allowNoFillOverride allowNoLineOverride">
+    <cs:lnRef idx="0"/>
+    <cs:fillRef idx="0"/>
+    <cs:effectRef idx="0"/>
+    <cs:fontRef idx="minor">
+      <a:schemeClr val="tx1"/>
+    </cs:fontRef>
+    <cs:spPr>
+      <a:solidFill>
+        <a:schemeClr val="bg1"/>
+      </a:solidFill>
+      <a:ln w="9525" cap="flat" cmpd="sng" algn="ctr">
+        <a:solidFill>
+          <a:schemeClr val="tx1">
+            <a:lumMod val="15000"/>
+            <a:lumOff val="85000"/>
+          </a:schemeClr>
+        </a:solidFill>
+        <a:round/>
+      </a:ln>
+    </cs:spPr>
+    <cs:defRPr sz="1330" kern="1200"/>
+  </cs:chartArea>
+  <cs:dataLabel>
+    <cs:lnRef idx="0"/>
+    <cs:fillRef idx="0"/>
+    <cs:effectRef idx="0"/>
+    <cs:fontRef idx="minor">
+      <a:schemeClr val="tx1">
+        <a:lumMod val="75000"/>
+        <a:lumOff val="25000"/>
+      </a:schemeClr>
+    </cs:fontRef>
+    <cs:defRPr sz="1197" kern="1200"/>
+  </cs:dataLabel>
+  <cs:dataLabelCallout>
+    <cs:lnRef idx="0"/>
+    <cs:fillRef idx="0"/>
+    <cs:effectRef idx="0"/>
+    <cs:fontRef idx="minor">
+      <a:schemeClr val="dk1">
+        <a:lumMod val="65000"/>
+        <a:lumOff val="35000"/>
+      </a:schemeClr>
+    </cs:fontRef>
+    <cs:spPr>
+      <a:solidFill>
+        <a:schemeClr val="lt1"/>
+      </a:solidFill>
+      <a:ln>
+        <a:solidFill>
+          <a:schemeClr val="dk1">
+            <a:lumMod val="25000"/>
+            <a:lumOff val="75000"/>
+          </a:schemeClr>
+        </a:solidFill>
+      </a:ln>
+    </cs:spPr>
+    <cs:defRPr sz="1197" kern="1200"/>
+    <cs:bodyPr rot="0" spcFirstLastPara="1" vertOverflow="clip" horzOverflow="clip" vert="horz" wrap="square" lIns="36576" tIns="18288" rIns="36576" bIns="18288" anchor="ctr" anchorCtr="1">
+      <a:spAutoFit/>
+    </cs:bodyPr>
+  </cs:dataLabelCallout>
+  <cs:dataPoint>
+    <cs:lnRef idx="0"/>
+    <cs:fillRef idx="1">
+      <cs:styleClr val="auto"/>
+    </cs:fillRef>
+    <cs:effectRef idx="0"/>
+    <cs:fontRef idx="minor">
+      <a:schemeClr val="tx1"/>
+    </cs:fontRef>
+  </cs:dataPoint>
+  <cs:dataPoint3D>
+    <cs:lnRef idx="0"/>
+    <cs:fillRef idx="1">
+      <cs:styleClr val="auto"/>
+    </cs:fillRef>
+    <cs:effectRef idx="0"/>
+    <cs:fontRef idx="minor">
+      <a:schemeClr val="tx1"/>
+    </cs:fontRef>
+  </cs:dataPoint3D>
+  <cs:dataPointLine>
+    <cs:lnRef idx="0">
+      <cs:styleClr val="auto"/>
+    </cs:lnRef>
+    <cs:fillRef idx="1"/>
+    <cs:effectRef idx="0"/>
+    <cs:fontRef idx="minor">
+      <a:schemeClr val="tx1"/>
+    </cs:fontRef>
+    <cs:spPr>
+      <a:ln w="28575" cap="rnd">
+        <a:solidFill>
+          <a:schemeClr val="phClr"/>
+        </a:solidFill>
+        <a:round/>
+      </a:ln>
+    </cs:spPr>
+  </cs:dataPointLine>
+  <cs:dataPointMarker>
+    <cs:lnRef idx="0">
+      <cs:styleClr val="auto"/>
+    </cs:lnRef>
+    <cs:fillRef idx="1">
+      <cs:styleClr val="auto"/>
+    </cs:fillRef>
+    <cs:effectRef idx="0"/>
+    <cs:fontRef idx="minor">
+      <a:schemeClr val="tx1"/>
+    </cs:fontRef>
+    <cs:spPr>
+      <a:ln w="9525">
+        <a:solidFill>
+          <a:schemeClr val="phClr"/>
+        </a:solidFill>
+      </a:ln>
+    </cs:spPr>
+  </cs:dataPointMarker>
+  <cs:dataPointMarkerLayout symbol="circle" size="5"/>
+  <cs:dataPointWireframe>
+    <cs:lnRef idx="0">
+      <cs:styleClr val="auto"/>
+    </cs:lnRef>
+    <cs:fillRef idx="1"/>
+    <cs:effectRef idx="0"/>
+    <cs:fontRef idx="minor">
+      <a:schemeClr val="tx1"/>
+    </cs:fontRef>
+    <cs:spPr>
+      <a:ln w="9525" cap="rnd">
+        <a:solidFill>
+          <a:schemeClr val="phClr"/>
+        </a:solidFill>
+        <a:round/>
+      </a:ln>
+    </cs:spPr>
+  </cs:dataPointWireframe>
+  <cs:dataTable>
+    <cs:lnRef idx="0"/>
+    <cs:fillRef idx="0"/>
+    <cs:effectRef idx="0"/>
+    <cs:fontRef idx="minor">
+      <a:schemeClr val="tx1">
+        <a:lumMod val="65000"/>
+        <a:lumOff val="35000"/>
+      </a:schemeClr>
+    </cs:fontRef>
+    <cs:spPr>
+      <a:noFill/>
+      <a:ln w="9525" cap="flat" cmpd="sng" algn="ctr">
+        <a:solidFill>
+          <a:schemeClr val="tx1">
+            <a:lumMod val="15000"/>
+            <a:lumOff val="85000"/>
+          </a:schemeClr>
+        </a:solidFill>
+        <a:round/>
+      </a:ln>
+    </cs:spPr>
+    <cs:defRPr sz="1197" kern="1200"/>
+  </cs:dataTable>
+  <cs:downBar>
+    <cs:lnRef idx="0"/>
+    <cs:fillRef idx="0"/>
+    <cs:effectRef idx="0"/>
+    <cs:fontRef idx="minor">
+      <a:schemeClr val="dk1"/>
+    </cs:fontRef>
+    <cs:spPr>
+      <a:solidFill>
+        <a:schemeClr val="dk1">
+          <a:lumMod val="65000"/>
+          <a:lumOff val="35000"/>
+        </a:schemeClr>
+      </a:solidFill>
+      <a:ln w="9525">
+        <a:solidFill>
+          <a:schemeClr val="tx1">
+            <a:lumMod val="65000"/>
+            <a:lumOff val="35000"/>
+          </a:schemeClr>
+        </a:solidFill>
+      </a:ln>
+    </cs:spPr>
+  </cs:downBar>
+  <cs:dropLine>
+    <cs:lnRef idx="0"/>
+    <cs:fillRef idx="0"/>
+    <cs:effectRef idx="0"/>
+    <cs:fontRef idx="minor">
+      <a:schemeClr val="tx1"/>
+    </cs:fontRef>
+    <cs:spPr>
+      <a:ln w="9525" cap="flat" cmpd="sng" algn="ctr">
+        <a:solidFill>
+          <a:schemeClr val="tx1">
+            <a:lumMod val="35000"/>
+            <a:lumOff val="65000"/>
+          </a:schemeClr>
+        </a:solidFill>
+        <a:round/>
+      </a:ln>
+    </cs:spPr>
+  </cs:dropLine>
+  <cs:errorBar>
+    <cs:lnRef idx="0"/>
+    <cs:fillRef idx="0"/>
+    <cs:effectRef idx="0"/>
+    <cs:fontRef idx="minor">
+      <a:schemeClr val="tx1"/>
+    </cs:fontRef>
+    <cs:spPr>
+      <a:ln w="9525" cap="flat" cmpd="sng" algn="ctr">
+        <a:solidFill>
+          <a:schemeClr val="tx1">
+            <a:lumMod val="65000"/>
+            <a:lumOff val="35000"/>
+          </a:schemeClr>
+        </a:solidFill>
+        <a:round/>
+      </a:ln>
+    </cs:spPr>
+  </cs:errorBar>
+  <cs:floor>
+    <cs:lnRef idx="0"/>
+    <cs:fillRef idx="0"/>
+    <cs:effectRef idx="0"/>
+    <cs:fontRef idx="minor">
+      <a:schemeClr val="tx1"/>
+    </cs:fontRef>
+    <cs:spPr>
+      <a:noFill/>
+      <a:ln>
+        <a:noFill/>
+      </a:ln>
+    </cs:spPr>
+  </cs:floor>
+  <cs:gridlineMajor>
+    <cs:lnRef idx="0"/>
+    <cs:fillRef idx="0"/>
+    <cs:effectRef idx="0"/>
+    <cs:fontRef idx="minor">
+      <a:schemeClr val="tx1"/>
+    </cs:fontRef>
+    <cs:spPr>
+      <a:ln w="9525" cap="flat" cmpd="sng" algn="ctr">
+        <a:solidFill>
+          <a:schemeClr val="tx1">
+            <a:lumMod val="15000"/>
+            <a:lumOff val="85000"/>
+          </a:schemeClr>
+        </a:solidFill>
+        <a:round/>
+      </a:ln>
+    </cs:spPr>
+  </cs:gridlineMajor>
+  <cs:gridlineMinor>
+    <cs:lnRef idx="0"/>
+    <cs:fillRef idx="0"/>
+    <cs:effectRef idx="0"/>
+    <cs:fontRef idx="minor">
+      <a:schemeClr val="tx1"/>
+    </cs:fontRef>
+    <cs:spPr>
+      <a:ln w="9525" cap="flat" cmpd="sng" algn="ctr">
+        <a:solidFill>
+          <a:schemeClr val="tx1">
+            <a:lumMod val="5000"/>
+            <a:lumOff val="95000"/>
+          </a:schemeClr>
+        </a:solidFill>
+        <a:round/>
+      </a:ln>
+    </cs:spPr>
+  </cs:gridlineMinor>
+  <cs:hiLoLine>
+    <cs:lnRef idx="0"/>
+    <cs:fillRef idx="0"/>
+    <cs:effectRef idx="0"/>
+    <cs:fontRef idx="minor">
+      <a:schemeClr val="tx1"/>
+    </cs:fontRef>
+    <cs:spPr>
+      <a:ln w="9525" cap="flat" cmpd="sng" algn="ctr">
+        <a:solidFill>
+          <a:schemeClr val="tx1">
+            <a:lumMod val="75000"/>
+            <a:lumOff val="25000"/>
+          </a:schemeClr>
+        </a:solidFill>
+        <a:round/>
+      </a:ln>
+    </cs:spPr>
+  </cs:hiLoLine>
+  <cs:leaderLine>
+    <cs:lnRef idx="0"/>
+    <cs:fillRef idx="0"/>
+    <cs:effectRef idx="0"/>
+    <cs:fontRef idx="minor">
+      <a:schemeClr val="tx1"/>
+    </cs:fontRef>
+    <cs:spPr>
+      <a:ln w="9525" cap="flat" cmpd="sng" algn="ctr">
+        <a:solidFill>
+          <a:schemeClr val="tx1">
+            <a:lumMod val="35000"/>
+            <a:lumOff val="65000"/>
+          </a:schemeClr>
+        </a:solidFill>
+        <a:round/>
+      </a:ln>
+    </cs:spPr>
+  </cs:leaderLine>
+  <cs:legend>
+    <cs:lnRef idx="0"/>
+    <cs:fillRef idx="0"/>
+    <cs:effectRef idx="0"/>
+    <cs:fontRef idx="minor">
+      <a:schemeClr val="tx1">
+        <a:lumMod val="65000"/>
+        <a:lumOff val="35000"/>
+      </a:schemeClr>
+    </cs:fontRef>
+    <cs:defRPr sz="1197" kern="1200"/>
+  </cs:legend>
+  <cs:plotArea mods="allowNoFillOverride allowNoLineOverride">
+    <cs:lnRef idx="0"/>
+    <cs:fillRef idx="0"/>
+    <cs:effectRef idx="0"/>
+    <cs:fontRef idx="minor">
+      <a:schemeClr val="tx1"/>
+    </cs:fontRef>
+  </cs:plotArea>
+  <cs:plotArea3D mods="allowNoFillOverride allowNoLineOverride">
+    <cs:lnRef idx="0"/>
+    <cs:fillRef idx="0"/>
+    <cs:effectRef idx="0"/>
+    <cs:fontRef idx="minor">
+      <a:schemeClr val="tx1"/>
+    </cs:fontRef>
+  </cs:plotArea3D>
+  <cs:seriesAxis>
+    <cs:lnRef idx="0"/>
+    <cs:fillRef idx="0"/>
+    <cs:effectRef idx="0"/>
+    <cs:fontRef idx="minor">
+      <a:schemeClr val="tx1">
+        <a:lumMod val="65000"/>
+        <a:lumOff val="35000"/>
+      </a:schemeClr>
+    </cs:fontRef>
+    <cs:defRPr sz="1197" kern="1200"/>
+  </cs:seriesAxis>
+  <cs:seriesLine>
+    <cs:lnRef idx="0"/>
+    <cs:fillRef idx="0"/>
+    <cs:effectRef idx="0"/>
+    <cs:fontRef idx="minor">
+      <a:schemeClr val="tx1"/>
+    </cs:fontRef>
+    <cs:spPr>
+      <a:ln w="9525" cap="flat" cmpd="sng" algn="ctr">
+        <a:solidFill>
+          <a:schemeClr val="tx1">
+            <a:lumMod val="35000"/>
+            <a:lumOff val="65000"/>
+          </a:schemeClr>
+        </a:solidFill>
+        <a:round/>
+      </a:ln>
+    </cs:spPr>
+  </cs:seriesLine>
+  <cs:title>
+    <cs:lnRef idx="0"/>
+    <cs:fillRef idx="0"/>
+    <cs:effectRef idx="0"/>
+    <cs:fontRef idx="minor">
+      <a:schemeClr val="tx1">
+        <a:lumMod val="65000"/>
+        <a:lumOff val="35000"/>
+      </a:schemeClr>
+    </cs:fontRef>
+    <cs:defRPr sz="1862" b="0" kern="1200" spc="0" baseline="0"/>
+  </cs:title>
+  <cs:trendline>
+    <cs:lnRef idx="0">
+      <cs:styleClr val="auto"/>
+    </cs:lnRef>
+    <cs:fillRef idx="0"/>
+    <cs:effectRef idx="0"/>
+    <cs:fontRef idx="minor">
+      <a:schemeClr val="tx1"/>
+    </cs:fontRef>
+    <cs:spPr>
+      <a:ln w="19050" cap="rnd">
+        <a:solidFill>
+          <a:schemeClr val="phClr"/>
+        </a:solidFill>
+        <a:prstDash val="sysDot"/>
+      </a:ln>
+    </cs:spPr>
+  </cs:trendline>
+  <cs:trendlineLabel>
+    <cs:lnRef idx="0"/>
+    <cs:fillRef idx="0"/>
+    <cs:effectRef idx="0"/>
+    <cs:fontRef idx="minor">
+      <a:schemeClr val="tx1">
+        <a:lumMod val="65000"/>
+        <a:lumOff val="35000"/>
+      </a:schemeClr>
+    </cs:fontRef>
+    <cs:defRPr sz="1197" kern="1200"/>
+  </cs:trendlineLabel>
+  <cs:upBar>
+    <cs:lnRef idx="0"/>
+    <cs:fillRef idx="0"/>
+    <cs:effectRef idx="0"/>
+    <cs:fontRef idx="minor">
+      <a:schemeClr val="dk1"/>
+    </cs:fontRef>
+    <cs:spPr>
+      <a:solidFill>
+        <a:schemeClr val="lt1"/>
+      </a:solidFill>
+      <a:ln w="9525">
+        <a:solidFill>
+          <a:schemeClr val="tx1">
+            <a:lumMod val="15000"/>
+            <a:lumOff val="85000"/>
+          </a:schemeClr>
+        </a:solidFill>
+      </a:ln>
+    </cs:spPr>
+  </cs:upBar>
+  <cs:valueAxis>
+    <cs:lnRef idx="0"/>
+    <cs:fillRef idx="0"/>
+    <cs:effectRef idx="0"/>
+    <cs:fontRef idx="minor">
+      <a:schemeClr val="tx1">
+        <a:lumMod val="65000"/>
+        <a:lumOff val="35000"/>
+      </a:schemeClr>
+    </cs:fontRef>
+    <cs:defRPr sz="1197" kern="1200"/>
+  </cs:valueAxis>
+  <cs:wall>
+    <cs:lnRef idx="0"/>
+    <cs:fillRef idx="0"/>
+    <cs:effectRef idx="0"/>
+    <cs:fontRef idx="minor">
+      <a:schemeClr val="tx1"/>
+    </cs:fontRef>
+    <cs:spPr>
+      <a:noFill/>
+      <a:ln>
+        <a:noFill/>
+      </a:ln>
+    </cs:spPr>
+  </cs:wall>
+</cs:chartStyle>
+</file>
+
 <file path=ppt/slideLayouts/slideLayout1.xml><?xml version="1.0" encoding="utf-8"?>
 <p:sldLayout xmlns:a="http://schemas.openxmlformats.org/drawingml/2006/main" xmlns:r="http://schemas.openxmlformats.org/officeDocument/2006/relationships" xmlns:p="http://schemas.openxmlformats.org/presentationml/2006/main" type="title" preserve="1">
   <p:cSld name="标题幻灯片">
@@ -268,7 +1269,7 @@
           <a:p>
             <a:fld id="{B4479263-12C3-432F-81BB-552B9643B5ED}" type="datetimeFigureOut">
               <a:rPr lang="zh-CN" altLang="en-US" smtClean="0"/>
-              <a:t>6/29</a:t>
+              <a:t>2018/6/29</a:t>
             </a:fld>
             <a:endParaRPr lang="zh-CN" altLang="en-US"/>
           </a:p>
@@ -466,7 +1467,7 @@
           <a:p>
             <a:fld id="{B4479263-12C3-432F-81BB-552B9643B5ED}" type="datetimeFigureOut">
               <a:rPr lang="zh-CN" altLang="en-US" smtClean="0"/>
-              <a:t>6/29</a:t>
+              <a:t>2018/6/29</a:t>
             </a:fld>
             <a:endParaRPr lang="zh-CN" altLang="en-US"/>
           </a:p>
@@ -674,7 +1675,7 @@
           <a:p>
             <a:fld id="{B4479263-12C3-432F-81BB-552B9643B5ED}" type="datetimeFigureOut">
               <a:rPr lang="zh-CN" altLang="en-US" smtClean="0"/>
-              <a:t>6/29</a:t>
+              <a:t>2018/6/29</a:t>
             </a:fld>
             <a:endParaRPr lang="zh-CN" altLang="en-US"/>
           </a:p>
@@ -872,7 +1873,7 @@
           <a:p>
             <a:fld id="{B4479263-12C3-432F-81BB-552B9643B5ED}" type="datetimeFigureOut">
               <a:rPr lang="zh-CN" altLang="en-US" smtClean="0"/>
-              <a:t>6/29</a:t>
+              <a:t>2018/6/29</a:t>
             </a:fld>
             <a:endParaRPr lang="zh-CN" altLang="en-US"/>
           </a:p>
@@ -1147,7 +2148,7 @@
           <a:p>
             <a:fld id="{B4479263-12C3-432F-81BB-552B9643B5ED}" type="datetimeFigureOut">
               <a:rPr lang="zh-CN" altLang="en-US" smtClean="0"/>
-              <a:t>6/29</a:t>
+              <a:t>2018/6/29</a:t>
             </a:fld>
             <a:endParaRPr lang="zh-CN" altLang="en-US"/>
           </a:p>
@@ -1412,7 +2413,7 @@
           <a:p>
             <a:fld id="{B4479263-12C3-432F-81BB-552B9643B5ED}" type="datetimeFigureOut">
               <a:rPr lang="zh-CN" altLang="en-US" smtClean="0"/>
-              <a:t>6/29</a:t>
+              <a:t>2018/6/29</a:t>
             </a:fld>
             <a:endParaRPr lang="zh-CN" altLang="en-US"/>
           </a:p>
@@ -1824,7 +2825,7 @@
           <a:p>
             <a:fld id="{B4479263-12C3-432F-81BB-552B9643B5ED}" type="datetimeFigureOut">
               <a:rPr lang="zh-CN" altLang="en-US" smtClean="0"/>
-              <a:t>6/29</a:t>
+              <a:t>2018/6/29</a:t>
             </a:fld>
             <a:endParaRPr lang="zh-CN" altLang="en-US"/>
           </a:p>
@@ -1965,7 +2966,7 @@
           <a:p>
             <a:fld id="{B4479263-12C3-432F-81BB-552B9643B5ED}" type="datetimeFigureOut">
               <a:rPr lang="zh-CN" altLang="en-US" smtClean="0"/>
-              <a:t>6/29</a:t>
+              <a:t>2018/6/29</a:t>
             </a:fld>
             <a:endParaRPr lang="zh-CN" altLang="en-US"/>
           </a:p>
@@ -2078,7 +3079,7 @@
           <a:p>
             <a:fld id="{B4479263-12C3-432F-81BB-552B9643B5ED}" type="datetimeFigureOut">
               <a:rPr lang="zh-CN" altLang="en-US" smtClean="0"/>
-              <a:t>6/29</a:t>
+              <a:t>2018/6/29</a:t>
             </a:fld>
             <a:endParaRPr lang="zh-CN" altLang="en-US"/>
           </a:p>
@@ -2389,7 +3390,7 @@
           <a:p>
             <a:fld id="{B4479263-12C3-432F-81BB-552B9643B5ED}" type="datetimeFigureOut">
               <a:rPr lang="zh-CN" altLang="en-US" smtClean="0"/>
-              <a:t>6/29</a:t>
+              <a:t>2018/6/29</a:t>
             </a:fld>
             <a:endParaRPr lang="zh-CN" altLang="en-US"/>
           </a:p>
@@ -2677,7 +3678,7 @@
           <a:p>
             <a:fld id="{B4479263-12C3-432F-81BB-552B9643B5ED}" type="datetimeFigureOut">
               <a:rPr lang="zh-CN" altLang="en-US" smtClean="0"/>
-              <a:t>6/29</a:t>
+              <a:t>2018/6/29</a:t>
             </a:fld>
             <a:endParaRPr lang="zh-CN" altLang="en-US"/>
           </a:p>
@@ -2923,7 +3924,7 @@
           <a:p>
             <a:fld id="{B4479263-12C3-432F-81BB-552B9643B5ED}" type="datetimeFigureOut">
               <a:rPr lang="zh-CN" altLang="en-US" smtClean="0"/>
-              <a:t>6/29</a:t>
+              <a:t>2018/6/29</a:t>
             </a:fld>
             <a:endParaRPr lang="zh-CN" altLang="en-US"/>
           </a:p>
@@ -3590,60 +4591,112 @@
           <a:chExt cx="0" cy="0"/>
         </a:xfrm>
       </p:grpSpPr>
-      <p:sp>
-        <p:nvSpPr>
-          <p:cNvPr id="2" name="标题 1">
-            <a:extLst>
-              <a:ext uri="{FF2B5EF4-FFF2-40B4-BE49-F238E27FC236}">
-                <a16:creationId xmlns:a16="http://schemas.microsoft.com/office/drawing/2014/main" id="{C54491D5-9C95-43B9-BEA9-79CE4DA746CE}"/>
-              </a:ext>
-            </a:extLst>
-          </p:cNvPr>
-          <p:cNvSpPr>
-            <a:spLocks noGrp="1"/>
-          </p:cNvSpPr>
-          <p:nvPr>
-            <p:ph type="title"/>
-          </p:nvPr>
-        </p:nvSpPr>
-        <p:spPr/>
-        <p:txBody>
-          <a:bodyPr/>
-          <a:lstStyle/>
-          <a:p>
-            <a:endParaRPr lang="zh-CN" altLang="en-US" dirty="0"/>
-          </a:p>
-        </p:txBody>
-      </p:sp>
-      <p:sp>
-        <p:nvSpPr>
-          <p:cNvPr id="3" name="内容占位符 2">
-            <a:extLst>
-              <a:ext uri="{FF2B5EF4-FFF2-40B4-BE49-F238E27FC236}">
-                <a16:creationId xmlns:a16="http://schemas.microsoft.com/office/drawing/2014/main" id="{0D862AC1-C6C1-4FB6-BEC0-65B8B0EF0117}"/>
-              </a:ext>
-            </a:extLst>
-          </p:cNvPr>
-          <p:cNvSpPr>
-            <a:spLocks noGrp="1"/>
-          </p:cNvSpPr>
-          <p:nvPr>
-            <p:ph idx="1"/>
-          </p:nvPr>
-        </p:nvSpPr>
-        <p:spPr/>
-        <p:txBody>
-          <a:bodyPr/>
-          <a:lstStyle/>
-          <a:p>
-            <a:endParaRPr lang="zh-CN" altLang="en-US"/>
-          </a:p>
-        </p:txBody>
-      </p:sp>
+      <p:graphicFrame>
+        <p:nvGraphicFramePr>
+          <p:cNvPr id="4" name="图表 3">
+            <a:extLst>
+              <a:ext uri="{FF2B5EF4-FFF2-40B4-BE49-F238E27FC236}">
+                <a16:creationId xmlns:a16="http://schemas.microsoft.com/office/drawing/2014/main" id="{EECBB3D4-BA77-024A-99FF-D19C44C5042D}"/>
+              </a:ext>
+            </a:extLst>
+          </p:cNvPr>
+          <p:cNvGraphicFramePr/>
+          <p:nvPr/>
+        </p:nvGraphicFramePr>
+        <p:xfrm>
+          <a:off x="2032000" y="719666"/>
+          <a:ext cx="8128000" cy="5418667"/>
+        </p:xfrm>
+        <a:graphic>
+          <a:graphicData uri="http://schemas.openxmlformats.org/drawingml/2006/chart">
+            <c:chart xmlns:c="http://schemas.openxmlformats.org/drawingml/2006/chart" xmlns:r="http://schemas.openxmlformats.org/officeDocument/2006/relationships" r:id="rId2"/>
+          </a:graphicData>
+        </a:graphic>
+      </p:graphicFrame>
     </p:spTree>
     <p:extLst>
       <p:ext uri="{BB962C8B-B14F-4D97-AF65-F5344CB8AC3E}">
         <p14:creationId xmlns:p14="http://schemas.microsoft.com/office/powerpoint/2010/main" val="1976025040"/>
+      </p:ext>
+    </p:extLst>
+  </p:cSld>
+  <p:clrMapOvr>
+    <a:masterClrMapping/>
+  </p:clrMapOvr>
+</p:sld>
+</file>
+
+<file path=ppt/slides/slide11.xml><?xml version="1.0" encoding="utf-8"?>
+<p:sld xmlns:a="http://schemas.openxmlformats.org/drawingml/2006/main" xmlns:r="http://schemas.openxmlformats.org/officeDocument/2006/relationships" xmlns:p="http://schemas.openxmlformats.org/presentationml/2006/main">
+  <p:cSld>
+    <p:spTree>
+      <p:nvGrpSpPr>
+        <p:cNvPr id="1" name=""/>
+        <p:cNvGrpSpPr/>
+        <p:nvPr/>
+      </p:nvGrpSpPr>
+      <p:grpSpPr>
+        <a:xfrm>
+          <a:off x="0" y="0"/>
+          <a:ext cx="0" cy="0"/>
+          <a:chOff x="0" y="0"/>
+          <a:chExt cx="0" cy="0"/>
+        </a:xfrm>
+      </p:grpSpPr>
+      <p:sp>
+        <p:nvSpPr>
+          <p:cNvPr id="2" name="标题 1">
+            <a:extLst>
+              <a:ext uri="{FF2B5EF4-FFF2-40B4-BE49-F238E27FC236}">
+                <a16:creationId xmlns:a16="http://schemas.microsoft.com/office/drawing/2014/main" id="{711D4E08-38AF-EC40-90C1-7064E7B4E7E5}"/>
+              </a:ext>
+            </a:extLst>
+          </p:cNvPr>
+          <p:cNvSpPr>
+            <a:spLocks noGrp="1"/>
+          </p:cNvSpPr>
+          <p:nvPr>
+            <p:ph type="title"/>
+          </p:nvPr>
+        </p:nvSpPr>
+        <p:spPr/>
+        <p:txBody>
+          <a:bodyPr/>
+          <a:lstStyle/>
+          <a:p>
+            <a:endParaRPr kumimoji="1" lang="zh-CN" altLang="en-US"/>
+          </a:p>
+        </p:txBody>
+      </p:sp>
+      <p:sp>
+        <p:nvSpPr>
+          <p:cNvPr id="3" name="内容占位符 2">
+            <a:extLst>
+              <a:ext uri="{FF2B5EF4-FFF2-40B4-BE49-F238E27FC236}">
+                <a16:creationId xmlns:a16="http://schemas.microsoft.com/office/drawing/2014/main" id="{4287F159-D38D-9C46-8A76-EDCA9EBEB6C0}"/>
+              </a:ext>
+            </a:extLst>
+          </p:cNvPr>
+          <p:cNvSpPr>
+            <a:spLocks noGrp="1"/>
+          </p:cNvSpPr>
+          <p:nvPr>
+            <p:ph idx="1"/>
+          </p:nvPr>
+        </p:nvSpPr>
+        <p:spPr/>
+        <p:txBody>
+          <a:bodyPr/>
+          <a:lstStyle/>
+          <a:p>
+            <a:endParaRPr kumimoji="1" lang="zh-CN" altLang="en-US"/>
+          </a:p>
+        </p:txBody>
+      </p:sp>
+    </p:spTree>
+    <p:extLst>
+      <p:ext uri="{BB962C8B-B14F-4D97-AF65-F5344CB8AC3E}">
+        <p14:creationId xmlns:p14="http://schemas.microsoft.com/office/powerpoint/2010/main" val="740496422"/>
       </p:ext>
     </p:extLst>
   </p:cSld>
@@ -4411,6 +5464,94 @@
                 </a:solidFill>
               </a:rPr>
               <a:t>可穿戴设备</a:t>
+            </a:r>
+          </a:p>
+        </p:txBody>
+      </p:sp>
+      <p:pic>
+        <p:nvPicPr>
+          <p:cNvPr id="4" name="图片 3">
+            <a:extLst>
+              <a:ext uri="{FF2B5EF4-FFF2-40B4-BE49-F238E27FC236}">
+                <a16:creationId xmlns:a16="http://schemas.microsoft.com/office/drawing/2014/main" id="{FC25A4A3-1720-7840-9D44-4CF48D6F1246}"/>
+              </a:ext>
+            </a:extLst>
+          </p:cNvPr>
+          <p:cNvPicPr>
+            <a:picLocks noChangeAspect="1"/>
+          </p:cNvPicPr>
+          <p:nvPr/>
+        </p:nvPicPr>
+        <p:blipFill>
+          <a:blip r:embed="rId4">
+            <a:extLst>
+              <a:ext uri="{28A0092B-C50C-407E-A947-70E740481C1C}">
+                <a14:useLocalDpi xmlns:a14="http://schemas.microsoft.com/office/drawing/2010/main" val="0"/>
+              </a:ext>
+            </a:extLst>
+          </a:blip>
+          <a:stretch>
+            <a:fillRect/>
+          </a:stretch>
+        </p:blipFill>
+        <p:spPr>
+          <a:xfrm>
+            <a:off x="8597344" y="2253658"/>
+            <a:ext cx="2671231" cy="2350683"/>
+          </a:xfrm>
+          <a:prstGeom prst="rect">
+            <a:avLst/>
+          </a:prstGeom>
+          <a:ln>
+            <a:noFill/>
+          </a:ln>
+          <a:effectLst>
+            <a:outerShdw blurRad="292100" dist="139700" dir="2700000" algn="tl" rotWithShape="0">
+              <a:srgbClr val="333333">
+                <a:alpha val="65000"/>
+              </a:srgbClr>
+            </a:outerShdw>
+          </a:effectLst>
+        </p:spPr>
+      </p:pic>
+      <p:sp>
+        <p:nvSpPr>
+          <p:cNvPr id="5" name="文本框 4">
+            <a:extLst>
+              <a:ext uri="{FF2B5EF4-FFF2-40B4-BE49-F238E27FC236}">
+                <a16:creationId xmlns:a16="http://schemas.microsoft.com/office/drawing/2014/main" id="{F9A3AAEC-0444-884F-90EC-86F1F8AA97D5}"/>
+              </a:ext>
+            </a:extLst>
+          </p:cNvPr>
+          <p:cNvSpPr txBox="1"/>
+          <p:nvPr/>
+        </p:nvSpPr>
+        <p:spPr>
+          <a:xfrm>
+            <a:off x="9225073" y="5121142"/>
+            <a:ext cx="1415772" cy="461665"/>
+          </a:xfrm>
+          <a:prstGeom prst="rect">
+            <a:avLst/>
+          </a:prstGeom>
+          <a:noFill/>
+        </p:spPr>
+        <p:txBody>
+          <a:bodyPr wrap="none" rtlCol="0">
+            <a:spAutoFit/>
+          </a:bodyPr>
+          <a:lstStyle/>
+          <a:p>
+            <a:r>
+              <a:rPr lang="zh-CN" altLang="en-US" sz="2400" dirty="0">
+                <a:solidFill>
+                  <a:schemeClr val="tx1">
+                    <a:lumMod val="75000"/>
+                    <a:lumOff val="25000"/>
+                  </a:schemeClr>
+                </a:solidFill>
+              </a:rPr>
+              <a:t>安防系统</a:t>
             </a:r>
           </a:p>
         </p:txBody>
@@ -5590,6 +6731,10 @@
               <a:rPr lang="zh-CN" altLang="zh-CN" dirty="0"/>
               <a:t>）</a:t>
             </a:r>
+            <a:r>
+              <a:rPr lang="zh-CN" altLang="en-US" dirty="0"/>
+              <a:t>联合举办</a:t>
+            </a:r>
             <a:endParaRPr lang="en-US" altLang="zh-CN" dirty="0"/>
           </a:p>
           <a:p>

--- a/开题报告/答辩.pptx
+++ b/开题报告/答辩.pptx
@@ -16,6 +16,21 @@
     <p:sldId id="264" r:id="rId10"/>
     <p:sldId id="265" r:id="rId11"/>
     <p:sldId id="266" r:id="rId12"/>
+    <p:sldId id="267" r:id="rId13"/>
+    <p:sldId id="274" r:id="rId14"/>
+    <p:sldId id="275" r:id="rId15"/>
+    <p:sldId id="276" r:id="rId16"/>
+    <p:sldId id="277" r:id="rId17"/>
+    <p:sldId id="280" r:id="rId18"/>
+    <p:sldId id="268" r:id="rId19"/>
+    <p:sldId id="269" r:id="rId20"/>
+    <p:sldId id="270" r:id="rId21"/>
+    <p:sldId id="271" r:id="rId22"/>
+    <p:sldId id="272" r:id="rId23"/>
+    <p:sldId id="273" r:id="rId24"/>
+    <p:sldId id="278" r:id="rId25"/>
+    <p:sldId id="279" r:id="rId26"/>
+    <p:sldId id="281" r:id="rId27"/>
   </p:sldIdLst>
   <p:sldSz cx="12192000" cy="6858000"/>
   <p:notesSz cx="6858000" cy="9144000"/>
@@ -136,39 +151,19 @@
     </mc:Fallback>
   </mc:AlternateContent>
   <c:chart>
-    <c:title>
-      <c:overlay val="0"/>
-      <c:spPr>
-        <a:noFill/>
-        <a:ln>
-          <a:noFill/>
-        </a:ln>
-        <a:effectLst/>
-      </c:spPr>
-      <c:txPr>
-        <a:bodyPr rot="0" spcFirstLastPara="1" vertOverflow="ellipsis" vert="horz" wrap="square" anchor="ctr" anchorCtr="1"/>
-        <a:lstStyle/>
-        <a:p>
-          <a:pPr>
-            <a:defRPr sz="1862" b="0" i="0" u="none" strike="noStrike" kern="1200" spc="0" baseline="0">
-              <a:solidFill>
-                <a:schemeClr val="tx1">
-                  <a:lumMod val="65000"/>
-                  <a:lumOff val="35000"/>
-                </a:schemeClr>
-              </a:solidFill>
-              <a:latin typeface="+mn-lt"/>
-              <a:ea typeface="+mn-ea"/>
-              <a:cs typeface="+mn-cs"/>
-            </a:defRPr>
-          </a:pPr>
-          <a:endParaRPr lang="zh-CN"/>
-        </a:p>
-      </c:txPr>
-    </c:title>
-    <c:autoTitleDeleted val="0"/>
+    <c:autoTitleDeleted val="1"/>
     <c:plotArea>
-      <c:layout/>
+      <c:layout>
+        <c:manualLayout>
+          <c:layoutTarget val="inner"/>
+          <c:xMode val="edge"/>
+          <c:yMode val="edge"/>
+          <c:x val="5.5310300886302254E-2"/>
+          <c:y val="3.9285157806633268E-2"/>
+          <c:w val="0.92657375708471224"/>
+          <c:h val="0.66380524794902163"/>
+        </c:manualLayout>
+      </c:layout>
       <c:barChart>
         <c:barDir val="col"/>
         <c:grouping val="clustered"/>
@@ -182,7 +177,7 @@
               <c:strCache>
                 <c:ptCount val="1"/>
                 <c:pt idx="0">
-                  <c:v>系列 1</c:v>
+                  <c:v>准确率</c:v>
                 </c:pt>
               </c:strCache>
             </c:strRef>
@@ -203,16 +198,16 @@
               <c:strCache>
                 <c:ptCount val="4"/>
                 <c:pt idx="0">
-                  <c:v>类别 1</c:v>
+                  <c:v>Santoso等,NIN</c:v>
                 </c:pt>
                 <c:pt idx="1">
-                  <c:v>类别 2</c:v>
+                  <c:v>辛德勒等CQT（常数Q变换）</c:v>
                 </c:pt>
                 <c:pt idx="2">
-                  <c:v>类别 3</c:v>
+                  <c:v>瓦伦帝等,log-mel谱图的CNN</c:v>
                 </c:pt>
                 <c:pt idx="3">
-                  <c:v>类别 4</c:v>
+                  <c:v>Bae等,长期短时记忆（LSTM）</c:v>
                 </c:pt>
               </c:strCache>
             </c:strRef>
@@ -221,168 +216,26 @@
             <c:numRef>
               <c:f>Sheet1!$B$2:$B$5</c:f>
               <c:numCache>
-                <c:formatCode>General</c:formatCode>
+                <c:formatCode>0.00%</c:formatCode>
                 <c:ptCount val="4"/>
                 <c:pt idx="0">
-                  <c:v>4.3</c:v>
+                  <c:v>0.7883</c:v>
                 </c:pt>
                 <c:pt idx="1">
-                  <c:v>2.5</c:v>
+                  <c:v>0.83299999999999996</c:v>
                 </c:pt>
                 <c:pt idx="2">
-                  <c:v>3.5</c:v>
+                  <c:v>0.86199999999999999</c:v>
                 </c:pt>
                 <c:pt idx="3">
-                  <c:v>4.5</c:v>
+                  <c:v>0.84099999999999997</c:v>
                 </c:pt>
               </c:numCache>
             </c:numRef>
           </c:val>
           <c:extLst>
             <c:ext xmlns:c16="http://schemas.microsoft.com/office/drawing/2014/chart" uri="{C3380CC4-5D6E-409C-BE32-E72D297353CC}">
-              <c16:uniqueId val="{00000000-91D4-E44A-BC9F-1C114D81F94E}"/>
-            </c:ext>
-          </c:extLst>
-        </c:ser>
-        <c:ser>
-          <c:idx val="1"/>
-          <c:order val="1"/>
-          <c:tx>
-            <c:strRef>
-              <c:f>Sheet1!$C$1</c:f>
-              <c:strCache>
-                <c:ptCount val="1"/>
-                <c:pt idx="0">
-                  <c:v>系列 2</c:v>
-                </c:pt>
-              </c:strCache>
-            </c:strRef>
-          </c:tx>
-          <c:spPr>
-            <a:solidFill>
-              <a:schemeClr val="accent2"/>
-            </a:solidFill>
-            <a:ln>
-              <a:noFill/>
-            </a:ln>
-            <a:effectLst/>
-          </c:spPr>
-          <c:invertIfNegative val="0"/>
-          <c:cat>
-            <c:strRef>
-              <c:f>Sheet1!$A$2:$A$5</c:f>
-              <c:strCache>
-                <c:ptCount val="4"/>
-                <c:pt idx="0">
-                  <c:v>类别 1</c:v>
-                </c:pt>
-                <c:pt idx="1">
-                  <c:v>类别 2</c:v>
-                </c:pt>
-                <c:pt idx="2">
-                  <c:v>类别 3</c:v>
-                </c:pt>
-                <c:pt idx="3">
-                  <c:v>类别 4</c:v>
-                </c:pt>
-              </c:strCache>
-            </c:strRef>
-          </c:cat>
-          <c:val>
-            <c:numRef>
-              <c:f>Sheet1!$C$2:$C$5</c:f>
-              <c:numCache>
-                <c:formatCode>General</c:formatCode>
-                <c:ptCount val="4"/>
-                <c:pt idx="0">
-                  <c:v>2.4</c:v>
-                </c:pt>
-                <c:pt idx="1">
-                  <c:v>4.4000000000000004</c:v>
-                </c:pt>
-                <c:pt idx="2">
-                  <c:v>1.8</c:v>
-                </c:pt>
-                <c:pt idx="3">
-                  <c:v>2.8</c:v>
-                </c:pt>
-              </c:numCache>
-            </c:numRef>
-          </c:val>
-          <c:extLst>
-            <c:ext xmlns:c16="http://schemas.microsoft.com/office/drawing/2014/chart" uri="{C3380CC4-5D6E-409C-BE32-E72D297353CC}">
-              <c16:uniqueId val="{00000001-91D4-E44A-BC9F-1C114D81F94E}"/>
-            </c:ext>
-          </c:extLst>
-        </c:ser>
-        <c:ser>
-          <c:idx val="2"/>
-          <c:order val="2"/>
-          <c:tx>
-            <c:strRef>
-              <c:f>Sheet1!$D$1</c:f>
-              <c:strCache>
-                <c:ptCount val="1"/>
-                <c:pt idx="0">
-                  <c:v>系列 3</c:v>
-                </c:pt>
-              </c:strCache>
-            </c:strRef>
-          </c:tx>
-          <c:spPr>
-            <a:solidFill>
-              <a:schemeClr val="accent3"/>
-            </a:solidFill>
-            <a:ln>
-              <a:noFill/>
-            </a:ln>
-            <a:effectLst/>
-          </c:spPr>
-          <c:invertIfNegative val="0"/>
-          <c:cat>
-            <c:strRef>
-              <c:f>Sheet1!$A$2:$A$5</c:f>
-              <c:strCache>
-                <c:ptCount val="4"/>
-                <c:pt idx="0">
-                  <c:v>类别 1</c:v>
-                </c:pt>
-                <c:pt idx="1">
-                  <c:v>类别 2</c:v>
-                </c:pt>
-                <c:pt idx="2">
-                  <c:v>类别 3</c:v>
-                </c:pt>
-                <c:pt idx="3">
-                  <c:v>类别 4</c:v>
-                </c:pt>
-              </c:strCache>
-            </c:strRef>
-          </c:cat>
-          <c:val>
-            <c:numRef>
-              <c:f>Sheet1!$D$2:$D$5</c:f>
-              <c:numCache>
-                <c:formatCode>General</c:formatCode>
-                <c:ptCount val="4"/>
-                <c:pt idx="0">
-                  <c:v>2</c:v>
-                </c:pt>
-                <c:pt idx="1">
-                  <c:v>2</c:v>
-                </c:pt>
-                <c:pt idx="2">
-                  <c:v>3</c:v>
-                </c:pt>
-                <c:pt idx="3">
-                  <c:v>5</c:v>
-                </c:pt>
-              </c:numCache>
-            </c:numRef>
-          </c:val>
-          <c:extLst>
-            <c:ext xmlns:c16="http://schemas.microsoft.com/office/drawing/2014/chart" uri="{C3380CC4-5D6E-409C-BE32-E72D297353CC}">
-              <c16:uniqueId val="{00000002-91D4-E44A-BC9F-1C114D81F94E}"/>
+              <c16:uniqueId val="{00000000-C82B-4400-BCFD-03ACE660FD46}"/>
             </c:ext>
           </c:extLst>
         </c:ser>
@@ -396,11 +249,11 @@
         </c:dLbls>
         <c:gapWidth val="219"/>
         <c:overlap val="-27"/>
-        <c:axId val="174707599"/>
-        <c:axId val="174709279"/>
+        <c:axId val="2042592831"/>
+        <c:axId val="2033580447"/>
       </c:barChart>
       <c:catAx>
-        <c:axId val="174707599"/>
+        <c:axId val="2042592831"/>
         <c:scaling>
           <c:orientation val="minMax"/>
         </c:scaling>
@@ -428,7 +281,7 @@
           <a:lstStyle/>
           <a:p>
             <a:pPr>
-              <a:defRPr sz="1197" b="0" i="0" u="none" strike="noStrike" kern="1200" baseline="0">
+              <a:defRPr sz="1400" b="0" i="0" u="none" strike="noStrike" kern="1200" baseline="0">
                 <a:solidFill>
                   <a:schemeClr val="tx1">
                     <a:lumMod val="65000"/>
@@ -443,7 +296,7 @@
             <a:endParaRPr lang="zh-CN"/>
           </a:p>
         </c:txPr>
-        <c:crossAx val="174709279"/>
+        <c:crossAx val="2033580447"/>
         <c:crosses val="autoZero"/>
         <c:auto val="1"/>
         <c:lblAlgn val="ctr"/>
@@ -451,7 +304,7 @@
         <c:noMultiLvlLbl val="0"/>
       </c:catAx>
       <c:valAx>
-        <c:axId val="174709279"/>
+        <c:axId val="2033580447"/>
         <c:scaling>
           <c:orientation val="minMax"/>
         </c:scaling>
@@ -471,7 +324,7 @@
             <a:effectLst/>
           </c:spPr>
         </c:majorGridlines>
-        <c:numFmt formatCode="General" sourceLinked="1"/>
+        <c:numFmt formatCode="0.00%" sourceLinked="1"/>
         <c:majorTickMark val="none"/>
         <c:minorTickMark val="none"/>
         <c:tickLblPos val="nextTo"/>
@@ -502,7 +355,7 @@
             <a:endParaRPr lang="zh-CN"/>
           </a:p>
         </c:txPr>
-        <c:crossAx val="174707599"/>
+        <c:crossAx val="2042592831"/>
         <c:crosses val="autoZero"/>
         <c:crossBetween val="between"/>
       </c:valAx>
@@ -529,7 +382,7 @@
         <a:lstStyle/>
         <a:p>
           <a:pPr>
-            <a:defRPr sz="1197" b="0" i="0" u="none" strike="noStrike" kern="1200" baseline="0">
+            <a:defRPr sz="1600" b="0" i="0" u="none" strike="noStrike" kern="1200" baseline="0">
               <a:solidFill>
                 <a:schemeClr val="tx1">
                   <a:lumMod val="65000"/>
@@ -1122,6 +975,2900 @@
 </cs:chartStyle>
 </file>
 
+<file path=ppt/diagrams/colors1.xml><?xml version="1.0" encoding="utf-8"?>
+<dgm:colorsDef xmlns:dgm="http://schemas.openxmlformats.org/drawingml/2006/diagram" xmlns:a="http://schemas.openxmlformats.org/drawingml/2006/main" uniqueId="urn:microsoft.com/office/officeart/2005/8/colors/accent1_2">
+  <dgm:title val=""/>
+  <dgm:desc val=""/>
+  <dgm:catLst>
+    <dgm:cat type="accent1" pri="11200"/>
+  </dgm:catLst>
+  <dgm:styleLbl name="node0">
+    <dgm:fillClrLst meth="repeat">
+      <a:schemeClr val="accent1"/>
+    </dgm:fillClrLst>
+    <dgm:linClrLst meth="repeat">
+      <a:schemeClr val="lt1"/>
+    </dgm:linClrLst>
+    <dgm:effectClrLst/>
+    <dgm:txLinClrLst/>
+    <dgm:txFillClrLst/>
+    <dgm:txEffectClrLst/>
+  </dgm:styleLbl>
+  <dgm:styleLbl name="alignNode1">
+    <dgm:fillClrLst meth="repeat">
+      <a:schemeClr val="accent1"/>
+    </dgm:fillClrLst>
+    <dgm:linClrLst meth="repeat">
+      <a:schemeClr val="accent1"/>
+    </dgm:linClrLst>
+    <dgm:effectClrLst/>
+    <dgm:txLinClrLst/>
+    <dgm:txFillClrLst/>
+    <dgm:txEffectClrLst/>
+  </dgm:styleLbl>
+  <dgm:styleLbl name="node1">
+    <dgm:fillClrLst meth="repeat">
+      <a:schemeClr val="accent1"/>
+    </dgm:fillClrLst>
+    <dgm:linClrLst meth="repeat">
+      <a:schemeClr val="lt1"/>
+    </dgm:linClrLst>
+    <dgm:effectClrLst/>
+    <dgm:txLinClrLst/>
+    <dgm:txFillClrLst/>
+    <dgm:txEffectClrLst/>
+  </dgm:styleLbl>
+  <dgm:styleLbl name="lnNode1">
+    <dgm:fillClrLst meth="repeat">
+      <a:schemeClr val="accent1"/>
+    </dgm:fillClrLst>
+    <dgm:linClrLst meth="repeat">
+      <a:schemeClr val="lt1"/>
+    </dgm:linClrLst>
+    <dgm:effectClrLst/>
+    <dgm:txLinClrLst/>
+    <dgm:txFillClrLst/>
+    <dgm:txEffectClrLst/>
+  </dgm:styleLbl>
+  <dgm:styleLbl name="vennNode1">
+    <dgm:fillClrLst meth="repeat">
+      <a:schemeClr val="accent1">
+        <a:alpha val="50000"/>
+      </a:schemeClr>
+    </dgm:fillClrLst>
+    <dgm:linClrLst meth="repeat">
+      <a:schemeClr val="lt1"/>
+    </dgm:linClrLst>
+    <dgm:effectClrLst/>
+    <dgm:txLinClrLst/>
+    <dgm:txFillClrLst/>
+    <dgm:txEffectClrLst/>
+  </dgm:styleLbl>
+  <dgm:styleLbl name="node2">
+    <dgm:fillClrLst meth="repeat">
+      <a:schemeClr val="accent1"/>
+    </dgm:fillClrLst>
+    <dgm:linClrLst meth="repeat">
+      <a:schemeClr val="lt1"/>
+    </dgm:linClrLst>
+    <dgm:effectClrLst/>
+    <dgm:txLinClrLst/>
+    <dgm:txFillClrLst/>
+    <dgm:txEffectClrLst/>
+  </dgm:styleLbl>
+  <dgm:styleLbl name="node3">
+    <dgm:fillClrLst meth="repeat">
+      <a:schemeClr val="accent1"/>
+    </dgm:fillClrLst>
+    <dgm:linClrLst meth="repeat">
+      <a:schemeClr val="lt1"/>
+    </dgm:linClrLst>
+    <dgm:effectClrLst/>
+    <dgm:txLinClrLst/>
+    <dgm:txFillClrLst/>
+    <dgm:txEffectClrLst/>
+  </dgm:styleLbl>
+  <dgm:styleLbl name="node4">
+    <dgm:fillClrLst meth="repeat">
+      <a:schemeClr val="accent1"/>
+    </dgm:fillClrLst>
+    <dgm:linClrLst meth="repeat">
+      <a:schemeClr val="lt1"/>
+    </dgm:linClrLst>
+    <dgm:effectClrLst/>
+    <dgm:txLinClrLst/>
+    <dgm:txFillClrLst/>
+    <dgm:txEffectClrLst/>
+  </dgm:styleLbl>
+  <dgm:styleLbl name="fgImgPlace1">
+    <dgm:fillClrLst meth="repeat">
+      <a:schemeClr val="accent1">
+        <a:tint val="50000"/>
+      </a:schemeClr>
+    </dgm:fillClrLst>
+    <dgm:linClrLst meth="repeat">
+      <a:schemeClr val="lt1"/>
+    </dgm:linClrLst>
+    <dgm:effectClrLst/>
+    <dgm:txLinClrLst/>
+    <dgm:txFillClrLst meth="repeat">
+      <a:schemeClr val="lt1"/>
+    </dgm:txFillClrLst>
+    <dgm:txEffectClrLst/>
+  </dgm:styleLbl>
+  <dgm:styleLbl name="alignImgPlace1">
+    <dgm:fillClrLst meth="repeat">
+      <a:schemeClr val="accent1">
+        <a:tint val="50000"/>
+      </a:schemeClr>
+    </dgm:fillClrLst>
+    <dgm:linClrLst meth="repeat">
+      <a:schemeClr val="lt1"/>
+    </dgm:linClrLst>
+    <dgm:effectClrLst/>
+    <dgm:txLinClrLst/>
+    <dgm:txFillClrLst meth="repeat">
+      <a:schemeClr val="lt1"/>
+    </dgm:txFillClrLst>
+    <dgm:txEffectClrLst/>
+  </dgm:styleLbl>
+  <dgm:styleLbl name="bgImgPlace1">
+    <dgm:fillClrLst meth="repeat">
+      <a:schemeClr val="accent1">
+        <a:tint val="50000"/>
+      </a:schemeClr>
+    </dgm:fillClrLst>
+    <dgm:linClrLst meth="repeat">
+      <a:schemeClr val="lt1"/>
+    </dgm:linClrLst>
+    <dgm:effectClrLst/>
+    <dgm:txLinClrLst/>
+    <dgm:txFillClrLst meth="repeat">
+      <a:schemeClr val="lt1"/>
+    </dgm:txFillClrLst>
+    <dgm:txEffectClrLst/>
+  </dgm:styleLbl>
+  <dgm:styleLbl name="sibTrans2D1">
+    <dgm:fillClrLst meth="repeat">
+      <a:schemeClr val="accent1">
+        <a:tint val="60000"/>
+      </a:schemeClr>
+    </dgm:fillClrLst>
+    <dgm:linClrLst meth="repeat">
+      <a:schemeClr val="accent1">
+        <a:tint val="60000"/>
+      </a:schemeClr>
+    </dgm:linClrLst>
+    <dgm:effectClrLst/>
+    <dgm:txLinClrLst/>
+    <dgm:txFillClrLst/>
+    <dgm:txEffectClrLst/>
+  </dgm:styleLbl>
+  <dgm:styleLbl name="fgSibTrans2D1">
+    <dgm:fillClrLst meth="repeat">
+      <a:schemeClr val="accent1">
+        <a:tint val="60000"/>
+      </a:schemeClr>
+    </dgm:fillClrLst>
+    <dgm:linClrLst meth="repeat">
+      <a:schemeClr val="accent1">
+        <a:tint val="60000"/>
+      </a:schemeClr>
+    </dgm:linClrLst>
+    <dgm:effectClrLst/>
+    <dgm:txLinClrLst/>
+    <dgm:txFillClrLst/>
+    <dgm:txEffectClrLst/>
+  </dgm:styleLbl>
+  <dgm:styleLbl name="bgSibTrans2D1">
+    <dgm:fillClrLst meth="repeat">
+      <a:schemeClr val="accent1">
+        <a:tint val="60000"/>
+      </a:schemeClr>
+    </dgm:fillClrLst>
+    <dgm:linClrLst meth="repeat">
+      <a:schemeClr val="accent1">
+        <a:tint val="60000"/>
+      </a:schemeClr>
+    </dgm:linClrLst>
+    <dgm:effectClrLst/>
+    <dgm:txLinClrLst/>
+    <dgm:txFillClrLst/>
+    <dgm:txEffectClrLst/>
+  </dgm:styleLbl>
+  <dgm:styleLbl name="sibTrans1D1">
+    <dgm:fillClrLst meth="repeat">
+      <a:schemeClr val="accent1"/>
+    </dgm:fillClrLst>
+    <dgm:linClrLst meth="repeat">
+      <a:schemeClr val="accent1"/>
+    </dgm:linClrLst>
+    <dgm:effectClrLst/>
+    <dgm:txLinClrLst/>
+    <dgm:txFillClrLst meth="repeat">
+      <a:schemeClr val="tx1"/>
+    </dgm:txFillClrLst>
+    <dgm:txEffectClrLst/>
+  </dgm:styleLbl>
+  <dgm:styleLbl name="callout">
+    <dgm:fillClrLst meth="repeat">
+      <a:schemeClr val="accent1"/>
+    </dgm:fillClrLst>
+    <dgm:linClrLst meth="repeat">
+      <a:schemeClr val="accent1">
+        <a:tint val="50000"/>
+      </a:schemeClr>
+    </dgm:linClrLst>
+    <dgm:effectClrLst/>
+    <dgm:txLinClrLst/>
+    <dgm:txFillClrLst meth="repeat">
+      <a:schemeClr val="tx1"/>
+    </dgm:txFillClrLst>
+    <dgm:txEffectClrLst/>
+  </dgm:styleLbl>
+  <dgm:styleLbl name="asst0">
+    <dgm:fillClrLst meth="repeat">
+      <a:schemeClr val="accent1"/>
+    </dgm:fillClrLst>
+    <dgm:linClrLst meth="repeat">
+      <a:schemeClr val="lt1"/>
+    </dgm:linClrLst>
+    <dgm:effectClrLst/>
+    <dgm:txLinClrLst/>
+    <dgm:txFillClrLst/>
+    <dgm:txEffectClrLst/>
+  </dgm:styleLbl>
+  <dgm:styleLbl name="asst1">
+    <dgm:fillClrLst meth="repeat">
+      <a:schemeClr val="accent1"/>
+    </dgm:fillClrLst>
+    <dgm:linClrLst meth="repeat">
+      <a:schemeClr val="lt1"/>
+    </dgm:linClrLst>
+    <dgm:effectClrLst/>
+    <dgm:txLinClrLst/>
+    <dgm:txFillClrLst/>
+    <dgm:txEffectClrLst/>
+  </dgm:styleLbl>
+  <dgm:styleLbl name="asst2">
+    <dgm:fillClrLst meth="repeat">
+      <a:schemeClr val="accent1"/>
+    </dgm:fillClrLst>
+    <dgm:linClrLst meth="repeat">
+      <a:schemeClr val="lt1"/>
+    </dgm:linClrLst>
+    <dgm:effectClrLst/>
+    <dgm:txLinClrLst/>
+    <dgm:txFillClrLst/>
+    <dgm:txEffectClrLst/>
+  </dgm:styleLbl>
+  <dgm:styleLbl name="asst3">
+    <dgm:fillClrLst meth="repeat">
+      <a:schemeClr val="accent1"/>
+    </dgm:fillClrLst>
+    <dgm:linClrLst meth="repeat">
+      <a:schemeClr val="lt1"/>
+    </dgm:linClrLst>
+    <dgm:effectClrLst/>
+    <dgm:txLinClrLst/>
+    <dgm:txFillClrLst/>
+    <dgm:txEffectClrLst/>
+  </dgm:styleLbl>
+  <dgm:styleLbl name="asst4">
+    <dgm:fillClrLst meth="repeat">
+      <a:schemeClr val="accent1"/>
+    </dgm:fillClrLst>
+    <dgm:linClrLst meth="repeat">
+      <a:schemeClr val="lt1"/>
+    </dgm:linClrLst>
+    <dgm:effectClrLst/>
+    <dgm:txLinClrLst/>
+    <dgm:txFillClrLst/>
+    <dgm:txEffectClrLst/>
+  </dgm:styleLbl>
+  <dgm:styleLbl name="parChTrans2D1">
+    <dgm:fillClrLst meth="repeat">
+      <a:schemeClr val="accent1">
+        <a:tint val="60000"/>
+      </a:schemeClr>
+    </dgm:fillClrLst>
+    <dgm:linClrLst meth="repeat">
+      <a:schemeClr val="accent1">
+        <a:tint val="60000"/>
+      </a:schemeClr>
+    </dgm:linClrLst>
+    <dgm:effectClrLst/>
+    <dgm:txLinClrLst/>
+    <dgm:txFillClrLst meth="repeat">
+      <a:schemeClr val="lt1"/>
+    </dgm:txFillClrLst>
+    <dgm:txEffectClrLst/>
+  </dgm:styleLbl>
+  <dgm:styleLbl name="parChTrans2D2">
+    <dgm:fillClrLst meth="repeat">
+      <a:schemeClr val="accent1"/>
+    </dgm:fillClrLst>
+    <dgm:linClrLst meth="repeat">
+      <a:schemeClr val="accent1"/>
+    </dgm:linClrLst>
+    <dgm:effectClrLst/>
+    <dgm:txLinClrLst/>
+    <dgm:txFillClrLst meth="repeat">
+      <a:schemeClr val="lt1"/>
+    </dgm:txFillClrLst>
+    <dgm:txEffectClrLst/>
+  </dgm:styleLbl>
+  <dgm:styleLbl name="parChTrans2D3">
+    <dgm:fillClrLst meth="repeat">
+      <a:schemeClr val="accent1"/>
+    </dgm:fillClrLst>
+    <dgm:linClrLst meth="repeat">
+      <a:schemeClr val="accent1"/>
+    </dgm:linClrLst>
+    <dgm:effectClrLst/>
+    <dgm:txLinClrLst/>
+    <dgm:txFillClrLst meth="repeat">
+      <a:schemeClr val="lt1"/>
+    </dgm:txFillClrLst>
+    <dgm:txEffectClrLst/>
+  </dgm:styleLbl>
+  <dgm:styleLbl name="parChTrans2D4">
+    <dgm:fillClrLst meth="repeat">
+      <a:schemeClr val="accent1"/>
+    </dgm:fillClrLst>
+    <dgm:linClrLst meth="repeat">
+      <a:schemeClr val="accent1"/>
+    </dgm:linClrLst>
+    <dgm:effectClrLst/>
+    <dgm:txLinClrLst/>
+    <dgm:txFillClrLst meth="repeat">
+      <a:schemeClr val="lt1"/>
+    </dgm:txFillClrLst>
+    <dgm:txEffectClrLst/>
+  </dgm:styleLbl>
+  <dgm:styleLbl name="parChTrans1D1">
+    <dgm:fillClrLst meth="repeat">
+      <a:schemeClr val="accent1"/>
+    </dgm:fillClrLst>
+    <dgm:linClrLst meth="repeat">
+      <a:schemeClr val="accent1">
+        <a:shade val="60000"/>
+      </a:schemeClr>
+    </dgm:linClrLst>
+    <dgm:effectClrLst/>
+    <dgm:txLinClrLst/>
+    <dgm:txFillClrLst meth="repeat">
+      <a:schemeClr val="tx1"/>
+    </dgm:txFillClrLst>
+    <dgm:txEffectClrLst/>
+  </dgm:styleLbl>
+  <dgm:styleLbl name="parChTrans1D2">
+    <dgm:fillClrLst meth="repeat">
+      <a:schemeClr val="accent1"/>
+    </dgm:fillClrLst>
+    <dgm:linClrLst meth="repeat">
+      <a:schemeClr val="accent1">
+        <a:shade val="60000"/>
+      </a:schemeClr>
+    </dgm:linClrLst>
+    <dgm:effectClrLst/>
+    <dgm:txLinClrLst/>
+    <dgm:txFillClrLst meth="repeat">
+      <a:schemeClr val="tx1"/>
+    </dgm:txFillClrLst>
+    <dgm:txEffectClrLst/>
+  </dgm:styleLbl>
+  <dgm:styleLbl name="parChTrans1D3">
+    <dgm:fillClrLst meth="repeat">
+      <a:schemeClr val="accent1"/>
+    </dgm:fillClrLst>
+    <dgm:linClrLst meth="repeat">
+      <a:schemeClr val="accent1">
+        <a:shade val="80000"/>
+      </a:schemeClr>
+    </dgm:linClrLst>
+    <dgm:effectClrLst/>
+    <dgm:txLinClrLst/>
+    <dgm:txFillClrLst meth="repeat">
+      <a:schemeClr val="tx1"/>
+    </dgm:txFillClrLst>
+    <dgm:txEffectClrLst/>
+  </dgm:styleLbl>
+  <dgm:styleLbl name="parChTrans1D4">
+    <dgm:fillClrLst meth="repeat">
+      <a:schemeClr val="accent1"/>
+    </dgm:fillClrLst>
+    <dgm:linClrLst meth="repeat">
+      <a:schemeClr val="accent1">
+        <a:shade val="80000"/>
+      </a:schemeClr>
+    </dgm:linClrLst>
+    <dgm:effectClrLst/>
+    <dgm:txLinClrLst/>
+    <dgm:txFillClrLst meth="repeat">
+      <a:schemeClr val="tx1"/>
+    </dgm:txFillClrLst>
+    <dgm:txEffectClrLst/>
+  </dgm:styleLbl>
+  <dgm:styleLbl name="fgAcc1">
+    <dgm:fillClrLst meth="repeat">
+      <a:schemeClr val="lt1">
+        <a:alpha val="90000"/>
+      </a:schemeClr>
+    </dgm:fillClrLst>
+    <dgm:linClrLst meth="repeat">
+      <a:schemeClr val="accent1"/>
+    </dgm:linClrLst>
+    <dgm:effectClrLst/>
+    <dgm:txLinClrLst/>
+    <dgm:txFillClrLst meth="repeat">
+      <a:schemeClr val="dk1"/>
+    </dgm:txFillClrLst>
+    <dgm:txEffectClrLst/>
+  </dgm:styleLbl>
+  <dgm:styleLbl name="conFgAcc1">
+    <dgm:fillClrLst meth="repeat">
+      <a:schemeClr val="lt1">
+        <a:alpha val="90000"/>
+      </a:schemeClr>
+    </dgm:fillClrLst>
+    <dgm:linClrLst meth="repeat">
+      <a:schemeClr val="accent1"/>
+    </dgm:linClrLst>
+    <dgm:effectClrLst/>
+    <dgm:txLinClrLst/>
+    <dgm:txFillClrLst meth="repeat">
+      <a:schemeClr val="dk1"/>
+    </dgm:txFillClrLst>
+    <dgm:txEffectClrLst/>
+  </dgm:styleLbl>
+  <dgm:styleLbl name="alignAcc1">
+    <dgm:fillClrLst meth="repeat">
+      <a:schemeClr val="lt1">
+        <a:alpha val="90000"/>
+      </a:schemeClr>
+    </dgm:fillClrLst>
+    <dgm:linClrLst meth="repeat">
+      <a:schemeClr val="accent1"/>
+    </dgm:linClrLst>
+    <dgm:effectClrLst/>
+    <dgm:txLinClrLst/>
+    <dgm:txFillClrLst meth="repeat">
+      <a:schemeClr val="dk1"/>
+    </dgm:txFillClrLst>
+    <dgm:txEffectClrLst/>
+  </dgm:styleLbl>
+  <dgm:styleLbl name="trAlignAcc1">
+    <dgm:fillClrLst meth="repeat">
+      <a:schemeClr val="lt1">
+        <a:alpha val="40000"/>
+      </a:schemeClr>
+    </dgm:fillClrLst>
+    <dgm:linClrLst meth="repeat">
+      <a:schemeClr val="accent1"/>
+    </dgm:linClrLst>
+    <dgm:effectClrLst/>
+    <dgm:txLinClrLst/>
+    <dgm:txFillClrLst meth="repeat">
+      <a:schemeClr val="dk1"/>
+    </dgm:txFillClrLst>
+    <dgm:txEffectClrLst/>
+  </dgm:styleLbl>
+  <dgm:styleLbl name="bgAcc1">
+    <dgm:fillClrLst meth="repeat">
+      <a:schemeClr val="lt1">
+        <a:alpha val="90000"/>
+      </a:schemeClr>
+    </dgm:fillClrLst>
+    <dgm:linClrLst meth="repeat">
+      <a:schemeClr val="accent1"/>
+    </dgm:linClrLst>
+    <dgm:effectClrLst/>
+    <dgm:txLinClrLst/>
+    <dgm:txFillClrLst meth="repeat">
+      <a:schemeClr val="dk1"/>
+    </dgm:txFillClrLst>
+    <dgm:txEffectClrLst/>
+  </dgm:styleLbl>
+  <dgm:styleLbl name="solidFgAcc1">
+    <dgm:fillClrLst meth="repeat">
+      <a:schemeClr val="lt1"/>
+    </dgm:fillClrLst>
+    <dgm:linClrLst meth="repeat">
+      <a:schemeClr val="accent1"/>
+    </dgm:linClrLst>
+    <dgm:effectClrLst/>
+    <dgm:txLinClrLst/>
+    <dgm:txFillClrLst meth="repeat">
+      <a:schemeClr val="dk1"/>
+    </dgm:txFillClrLst>
+    <dgm:txEffectClrLst/>
+  </dgm:styleLbl>
+  <dgm:styleLbl name="solidAlignAcc1">
+    <dgm:fillClrLst meth="repeat">
+      <a:schemeClr val="lt1"/>
+    </dgm:fillClrLst>
+    <dgm:linClrLst meth="repeat">
+      <a:schemeClr val="accent1"/>
+    </dgm:linClrLst>
+    <dgm:effectClrLst/>
+    <dgm:txLinClrLst/>
+    <dgm:txFillClrLst meth="repeat">
+      <a:schemeClr val="dk1"/>
+    </dgm:txFillClrLst>
+    <dgm:txEffectClrLst/>
+  </dgm:styleLbl>
+  <dgm:styleLbl name="solidBgAcc1">
+    <dgm:fillClrLst meth="repeat">
+      <a:schemeClr val="lt1"/>
+    </dgm:fillClrLst>
+    <dgm:linClrLst meth="repeat">
+      <a:schemeClr val="accent1"/>
+    </dgm:linClrLst>
+    <dgm:effectClrLst/>
+    <dgm:txLinClrLst/>
+    <dgm:txFillClrLst meth="repeat">
+      <a:schemeClr val="dk1"/>
+    </dgm:txFillClrLst>
+    <dgm:txEffectClrLst/>
+  </dgm:styleLbl>
+  <dgm:styleLbl name="fgAccFollowNode1">
+    <dgm:fillClrLst meth="repeat">
+      <a:schemeClr val="accent1">
+        <a:alpha val="90000"/>
+        <a:tint val="40000"/>
+      </a:schemeClr>
+    </dgm:fillClrLst>
+    <dgm:linClrLst meth="repeat">
+      <a:schemeClr val="accent1">
+        <a:alpha val="90000"/>
+        <a:tint val="40000"/>
+      </a:schemeClr>
+    </dgm:linClrLst>
+    <dgm:effectClrLst/>
+    <dgm:txLinClrLst/>
+    <dgm:txFillClrLst meth="repeat">
+      <a:schemeClr val="dk1"/>
+    </dgm:txFillClrLst>
+    <dgm:txEffectClrLst/>
+  </dgm:styleLbl>
+  <dgm:styleLbl name="alignAccFollowNode1">
+    <dgm:fillClrLst meth="repeat">
+      <a:schemeClr val="accent1">
+        <a:alpha val="90000"/>
+        <a:tint val="40000"/>
+      </a:schemeClr>
+    </dgm:fillClrLst>
+    <dgm:linClrLst meth="repeat">
+      <a:schemeClr val="accent1">
+        <a:alpha val="90000"/>
+        <a:tint val="40000"/>
+      </a:schemeClr>
+    </dgm:linClrLst>
+    <dgm:effectClrLst/>
+    <dgm:txLinClrLst/>
+    <dgm:txFillClrLst meth="repeat">
+      <a:schemeClr val="dk1"/>
+    </dgm:txFillClrLst>
+    <dgm:txEffectClrLst/>
+  </dgm:styleLbl>
+  <dgm:styleLbl name="bgAccFollowNode1">
+    <dgm:fillClrLst meth="repeat">
+      <a:schemeClr val="accent1">
+        <a:alpha val="90000"/>
+        <a:tint val="40000"/>
+      </a:schemeClr>
+    </dgm:fillClrLst>
+    <dgm:linClrLst meth="repeat">
+      <a:schemeClr val="accent1">
+        <a:alpha val="90000"/>
+        <a:tint val="40000"/>
+      </a:schemeClr>
+    </dgm:linClrLst>
+    <dgm:effectClrLst/>
+    <dgm:txLinClrLst/>
+    <dgm:txFillClrLst meth="repeat">
+      <a:schemeClr val="dk1"/>
+    </dgm:txFillClrLst>
+    <dgm:txEffectClrLst/>
+  </dgm:styleLbl>
+  <dgm:styleLbl name="fgAcc0">
+    <dgm:fillClrLst meth="repeat">
+      <a:schemeClr val="lt1">
+        <a:alpha val="90000"/>
+      </a:schemeClr>
+    </dgm:fillClrLst>
+    <dgm:linClrLst meth="repeat">
+      <a:schemeClr val="accent1"/>
+    </dgm:linClrLst>
+    <dgm:effectClrLst/>
+    <dgm:txLinClrLst/>
+    <dgm:txFillClrLst meth="repeat">
+      <a:schemeClr val="dk1"/>
+    </dgm:txFillClrLst>
+    <dgm:txEffectClrLst/>
+  </dgm:styleLbl>
+  <dgm:styleLbl name="fgAcc2">
+    <dgm:fillClrLst meth="repeat">
+      <a:schemeClr val="lt1">
+        <a:alpha val="90000"/>
+      </a:schemeClr>
+    </dgm:fillClrLst>
+    <dgm:linClrLst meth="repeat">
+      <a:schemeClr val="accent1"/>
+    </dgm:linClrLst>
+    <dgm:effectClrLst/>
+    <dgm:txLinClrLst/>
+    <dgm:txFillClrLst meth="repeat">
+      <a:schemeClr val="dk1"/>
+    </dgm:txFillClrLst>
+    <dgm:txEffectClrLst/>
+  </dgm:styleLbl>
+  <dgm:styleLbl name="fgAcc3">
+    <dgm:fillClrLst meth="repeat">
+      <a:schemeClr val="lt1">
+        <a:alpha val="90000"/>
+      </a:schemeClr>
+    </dgm:fillClrLst>
+    <dgm:linClrLst meth="repeat">
+      <a:schemeClr val="accent1"/>
+    </dgm:linClrLst>
+    <dgm:effectClrLst/>
+    <dgm:txLinClrLst/>
+    <dgm:txFillClrLst meth="repeat">
+      <a:schemeClr val="dk1"/>
+    </dgm:txFillClrLst>
+    <dgm:txEffectClrLst/>
+  </dgm:styleLbl>
+  <dgm:styleLbl name="fgAcc4">
+    <dgm:fillClrLst meth="repeat">
+      <a:schemeClr val="lt1">
+        <a:alpha val="90000"/>
+      </a:schemeClr>
+    </dgm:fillClrLst>
+    <dgm:linClrLst meth="repeat">
+      <a:schemeClr val="accent1"/>
+    </dgm:linClrLst>
+    <dgm:effectClrLst/>
+    <dgm:txLinClrLst/>
+    <dgm:txFillClrLst meth="repeat">
+      <a:schemeClr val="dk1"/>
+    </dgm:txFillClrLst>
+    <dgm:txEffectClrLst/>
+  </dgm:styleLbl>
+  <dgm:styleLbl name="bgShp">
+    <dgm:fillClrLst meth="repeat">
+      <a:schemeClr val="accent1">
+        <a:tint val="40000"/>
+      </a:schemeClr>
+    </dgm:fillClrLst>
+    <dgm:linClrLst meth="repeat">
+      <a:schemeClr val="accent1"/>
+    </dgm:linClrLst>
+    <dgm:effectClrLst/>
+    <dgm:txLinClrLst/>
+    <dgm:txFillClrLst meth="repeat">
+      <a:schemeClr val="dk1"/>
+    </dgm:txFillClrLst>
+    <dgm:txEffectClrLst/>
+  </dgm:styleLbl>
+  <dgm:styleLbl name="dkBgShp">
+    <dgm:fillClrLst meth="repeat">
+      <a:schemeClr val="accent1">
+        <a:shade val="80000"/>
+      </a:schemeClr>
+    </dgm:fillClrLst>
+    <dgm:linClrLst meth="repeat">
+      <a:schemeClr val="accent1"/>
+    </dgm:linClrLst>
+    <dgm:effectClrLst/>
+    <dgm:txLinClrLst/>
+    <dgm:txFillClrLst meth="repeat">
+      <a:schemeClr val="lt1"/>
+    </dgm:txFillClrLst>
+    <dgm:txEffectClrLst/>
+  </dgm:styleLbl>
+  <dgm:styleLbl name="trBgShp">
+    <dgm:fillClrLst meth="repeat">
+      <a:schemeClr val="accent1">
+        <a:tint val="50000"/>
+        <a:alpha val="40000"/>
+      </a:schemeClr>
+    </dgm:fillClrLst>
+    <dgm:linClrLst meth="repeat">
+      <a:schemeClr val="accent1"/>
+    </dgm:linClrLst>
+    <dgm:effectClrLst/>
+    <dgm:txLinClrLst/>
+    <dgm:txFillClrLst meth="repeat">
+      <a:schemeClr val="lt1"/>
+    </dgm:txFillClrLst>
+    <dgm:txEffectClrLst/>
+  </dgm:styleLbl>
+  <dgm:styleLbl name="fgShp">
+    <dgm:fillClrLst meth="repeat">
+      <a:schemeClr val="accent1">
+        <a:tint val="60000"/>
+      </a:schemeClr>
+    </dgm:fillClrLst>
+    <dgm:linClrLst meth="repeat">
+      <a:schemeClr val="lt1"/>
+    </dgm:linClrLst>
+    <dgm:effectClrLst/>
+    <dgm:txLinClrLst/>
+    <dgm:txFillClrLst meth="repeat">
+      <a:schemeClr val="dk1"/>
+    </dgm:txFillClrLst>
+    <dgm:txEffectClrLst/>
+  </dgm:styleLbl>
+  <dgm:styleLbl name="revTx">
+    <dgm:fillClrLst meth="repeat">
+      <a:schemeClr val="lt1">
+        <a:alpha val="0"/>
+      </a:schemeClr>
+    </dgm:fillClrLst>
+    <dgm:linClrLst meth="repeat">
+      <a:schemeClr val="dk1">
+        <a:alpha val="0"/>
+      </a:schemeClr>
+    </dgm:linClrLst>
+    <dgm:effectClrLst/>
+    <dgm:txLinClrLst/>
+    <dgm:txFillClrLst meth="repeat">
+      <a:schemeClr val="tx1"/>
+    </dgm:txFillClrLst>
+    <dgm:txEffectClrLst/>
+  </dgm:styleLbl>
+</dgm:colorsDef>
+</file>
+
+<file path=ppt/diagrams/data1.xml><?xml version="1.0" encoding="utf-8"?>
+<dgm:dataModel xmlns:dgm="http://schemas.openxmlformats.org/drawingml/2006/diagram" xmlns:a="http://schemas.openxmlformats.org/drawingml/2006/main">
+  <dgm:ptLst>
+    <dgm:pt modelId="{64C21F82-9856-4956-A7DA-CB6D88AA374B}" type="doc">
+      <dgm:prSet loTypeId="urn:microsoft.com/office/officeart/2005/8/layout/chevron1" loCatId="process" qsTypeId="urn:microsoft.com/office/officeart/2005/8/quickstyle/simple1" qsCatId="simple" csTypeId="urn:microsoft.com/office/officeart/2005/8/colors/accent1_2" csCatId="accent1" phldr="1"/>
+      <dgm:spPr/>
+    </dgm:pt>
+    <dgm:pt modelId="{864C7993-0214-46FE-9592-2B429230BEC1}">
+      <dgm:prSet phldrT="[文本]"/>
+      <dgm:spPr/>
+      <dgm:t>
+        <a:bodyPr/>
+        <a:lstStyle/>
+        <a:p>
+          <a:r>
+            <a:rPr lang="zh-CN" altLang="en-US" dirty="0"/>
+            <a:t>原始细分</a:t>
+          </a:r>
+        </a:p>
+      </dgm:t>
+    </dgm:pt>
+    <dgm:pt modelId="{618187C8-114F-484B-97D8-D4048457D824}" type="parTrans" cxnId="{63A47596-F9B3-4AD1-85AF-24567EE7B351}">
+      <dgm:prSet/>
+      <dgm:spPr/>
+      <dgm:t>
+        <a:bodyPr/>
+        <a:lstStyle/>
+        <a:p>
+          <a:endParaRPr lang="zh-CN" altLang="en-US"/>
+        </a:p>
+      </dgm:t>
+    </dgm:pt>
+    <dgm:pt modelId="{33FDF8C3-346C-416A-9DD1-AA4861140B64}" type="sibTrans" cxnId="{63A47596-F9B3-4AD1-85AF-24567EE7B351}">
+      <dgm:prSet/>
+      <dgm:spPr/>
+      <dgm:t>
+        <a:bodyPr/>
+        <a:lstStyle/>
+        <a:p>
+          <a:endParaRPr lang="zh-CN" altLang="en-US"/>
+        </a:p>
+      </dgm:t>
+    </dgm:pt>
+    <dgm:pt modelId="{FD05D087-7244-4C7E-B8DC-39588FC9FE91}">
+      <dgm:prSet phldrT="[文本]"/>
+      <dgm:spPr/>
+      <dgm:t>
+        <a:bodyPr/>
+        <a:lstStyle/>
+        <a:p>
+          <a:r>
+            <a:rPr lang="zh-CN" altLang="en-US" dirty="0"/>
+            <a:t>特征提取与规范化</a:t>
+          </a:r>
+        </a:p>
+      </dgm:t>
+    </dgm:pt>
+    <dgm:pt modelId="{F4EF2CF7-10EF-4E36-BCB5-46C0A499CCDF}" type="parTrans" cxnId="{7612FF5F-149E-4C5A-BC29-E40233DD6A81}">
+      <dgm:prSet/>
+      <dgm:spPr/>
+      <dgm:t>
+        <a:bodyPr/>
+        <a:lstStyle/>
+        <a:p>
+          <a:endParaRPr lang="zh-CN" altLang="en-US"/>
+        </a:p>
+      </dgm:t>
+    </dgm:pt>
+    <dgm:pt modelId="{29AB133D-825B-4830-AAAB-94AF09EF1638}" type="sibTrans" cxnId="{7612FF5F-149E-4C5A-BC29-E40233DD6A81}">
+      <dgm:prSet/>
+      <dgm:spPr/>
+      <dgm:t>
+        <a:bodyPr/>
+        <a:lstStyle/>
+        <a:p>
+          <a:endParaRPr lang="zh-CN" altLang="en-US"/>
+        </a:p>
+      </dgm:t>
+    </dgm:pt>
+    <dgm:pt modelId="{E15A7B8B-B564-4E1F-BF2C-28E5278D5B73}">
+      <dgm:prSet phldrT="[文本]"/>
+      <dgm:spPr/>
+      <dgm:t>
+        <a:bodyPr/>
+        <a:lstStyle/>
+        <a:p>
+          <a:r>
+            <a:rPr lang="zh-CN" altLang="en-US" dirty="0"/>
+            <a:t>序列分割</a:t>
+          </a:r>
+        </a:p>
+      </dgm:t>
+    </dgm:pt>
+    <dgm:pt modelId="{17746D34-98B3-4299-9E03-D07E5F98847D}" type="parTrans" cxnId="{AE0B372A-BC8C-4D1B-A0A2-CEB78C99935F}">
+      <dgm:prSet/>
+      <dgm:spPr/>
+      <dgm:t>
+        <a:bodyPr/>
+        <a:lstStyle/>
+        <a:p>
+          <a:endParaRPr lang="zh-CN" altLang="en-US"/>
+        </a:p>
+      </dgm:t>
+    </dgm:pt>
+    <dgm:pt modelId="{8B9406A3-8CCF-411C-B56A-DCF354FB9B66}" type="sibTrans" cxnId="{AE0B372A-BC8C-4D1B-A0A2-CEB78C99935F}">
+      <dgm:prSet/>
+      <dgm:spPr/>
+      <dgm:t>
+        <a:bodyPr/>
+        <a:lstStyle/>
+        <a:p>
+          <a:endParaRPr lang="zh-CN" altLang="en-US"/>
+        </a:p>
+      </dgm:t>
+    </dgm:pt>
+    <dgm:pt modelId="{06B1B56B-51DE-4F5F-8061-8E23DE153C28}">
+      <dgm:prSet phldrT="[文本]"/>
+      <dgm:spPr/>
+      <dgm:t>
+        <a:bodyPr/>
+        <a:lstStyle/>
+        <a:p>
+          <a:r>
+            <a:rPr lang="zh-CN" altLang="en-US" dirty="0"/>
+            <a:t>卷积神经网络</a:t>
+          </a:r>
+        </a:p>
+      </dgm:t>
+    </dgm:pt>
+    <dgm:pt modelId="{31E6AF18-4EC0-49E0-9714-0886098E7F2E}" type="parTrans" cxnId="{1018F6B5-31D3-4AB5-AC5E-D4B5979A1C5C}">
+      <dgm:prSet/>
+      <dgm:spPr/>
+      <dgm:t>
+        <a:bodyPr/>
+        <a:lstStyle/>
+        <a:p>
+          <a:endParaRPr lang="zh-CN" altLang="en-US"/>
+        </a:p>
+      </dgm:t>
+    </dgm:pt>
+    <dgm:pt modelId="{03D26B44-900D-4B1D-A57A-F1CA609DEFE3}" type="sibTrans" cxnId="{1018F6B5-31D3-4AB5-AC5E-D4B5979A1C5C}">
+      <dgm:prSet/>
+      <dgm:spPr/>
+      <dgm:t>
+        <a:bodyPr/>
+        <a:lstStyle/>
+        <a:p>
+          <a:endParaRPr lang="zh-CN" altLang="en-US"/>
+        </a:p>
+      </dgm:t>
+    </dgm:pt>
+    <dgm:pt modelId="{15AA0ADF-C822-4983-B25D-4DB3DC9BE274}">
+      <dgm:prSet phldrT="[文本]"/>
+      <dgm:spPr/>
+      <dgm:t>
+        <a:bodyPr/>
+        <a:lstStyle/>
+        <a:p>
+          <a:r>
+            <a:rPr lang="zh-CN" altLang="en-US" dirty="0"/>
+            <a:t>预测平均分</a:t>
+          </a:r>
+        </a:p>
+      </dgm:t>
+    </dgm:pt>
+    <dgm:pt modelId="{9B4617F2-1918-46B4-82B9-D9FA63D657DB}" type="parTrans" cxnId="{3A498284-5D4F-4AE6-B87E-8DBB5EDA27A3}">
+      <dgm:prSet/>
+      <dgm:spPr/>
+      <dgm:t>
+        <a:bodyPr/>
+        <a:lstStyle/>
+        <a:p>
+          <a:endParaRPr lang="zh-CN" altLang="en-US"/>
+        </a:p>
+      </dgm:t>
+    </dgm:pt>
+    <dgm:pt modelId="{3FE397A8-BC3B-4C9C-98AF-B9A960352B54}" type="sibTrans" cxnId="{3A498284-5D4F-4AE6-B87E-8DBB5EDA27A3}">
+      <dgm:prSet/>
+      <dgm:spPr/>
+      <dgm:t>
+        <a:bodyPr/>
+        <a:lstStyle/>
+        <a:p>
+          <a:endParaRPr lang="zh-CN" altLang="en-US"/>
+        </a:p>
+      </dgm:t>
+    </dgm:pt>
+    <dgm:pt modelId="{F40465B0-0F4A-40E4-8B7E-0A2BD9A94693}">
+      <dgm:prSet phldrT="[文本]"/>
+      <dgm:spPr/>
+      <dgm:t>
+        <a:bodyPr/>
+        <a:lstStyle/>
+        <a:p>
+          <a:r>
+            <a:rPr lang="zh-CN" altLang="en-US" dirty="0"/>
+            <a:t>预测的类</a:t>
+          </a:r>
+        </a:p>
+      </dgm:t>
+    </dgm:pt>
+    <dgm:pt modelId="{22FE7D06-FD10-40DF-94B8-C0C8F3292358}" type="parTrans" cxnId="{E4034236-A0A5-42DE-8024-08E20FEC15E6}">
+      <dgm:prSet/>
+      <dgm:spPr/>
+      <dgm:t>
+        <a:bodyPr/>
+        <a:lstStyle/>
+        <a:p>
+          <a:endParaRPr lang="zh-CN" altLang="en-US"/>
+        </a:p>
+      </dgm:t>
+    </dgm:pt>
+    <dgm:pt modelId="{D0419F53-0584-47D4-8372-D33A614EF4D2}" type="sibTrans" cxnId="{E4034236-A0A5-42DE-8024-08E20FEC15E6}">
+      <dgm:prSet/>
+      <dgm:spPr/>
+      <dgm:t>
+        <a:bodyPr/>
+        <a:lstStyle/>
+        <a:p>
+          <a:endParaRPr lang="zh-CN" altLang="en-US"/>
+        </a:p>
+      </dgm:t>
+    </dgm:pt>
+    <dgm:pt modelId="{6FB9E246-6E13-445F-8E2A-690CD07518B6}" type="pres">
+      <dgm:prSet presAssocID="{64C21F82-9856-4956-A7DA-CB6D88AA374B}" presName="Name0" presStyleCnt="0">
+        <dgm:presLayoutVars>
+          <dgm:dir/>
+          <dgm:animLvl val="lvl"/>
+          <dgm:resizeHandles val="exact"/>
+        </dgm:presLayoutVars>
+      </dgm:prSet>
+      <dgm:spPr/>
+    </dgm:pt>
+    <dgm:pt modelId="{B7E95E1A-7987-4AB3-97B4-9D2D82BE7C33}" type="pres">
+      <dgm:prSet presAssocID="{864C7993-0214-46FE-9592-2B429230BEC1}" presName="parTxOnly" presStyleLbl="node1" presStyleIdx="0" presStyleCnt="6">
+        <dgm:presLayoutVars>
+          <dgm:chMax val="0"/>
+          <dgm:chPref val="0"/>
+          <dgm:bulletEnabled val="1"/>
+        </dgm:presLayoutVars>
+      </dgm:prSet>
+      <dgm:spPr/>
+    </dgm:pt>
+    <dgm:pt modelId="{244AB08A-3786-4206-9FD8-B53E523962F5}" type="pres">
+      <dgm:prSet presAssocID="{33FDF8C3-346C-416A-9DD1-AA4861140B64}" presName="parTxOnlySpace" presStyleCnt="0"/>
+      <dgm:spPr/>
+    </dgm:pt>
+    <dgm:pt modelId="{2FE19C27-5FC8-467C-B195-06D9398A578F}" type="pres">
+      <dgm:prSet presAssocID="{FD05D087-7244-4C7E-B8DC-39588FC9FE91}" presName="parTxOnly" presStyleLbl="node1" presStyleIdx="1" presStyleCnt="6">
+        <dgm:presLayoutVars>
+          <dgm:chMax val="0"/>
+          <dgm:chPref val="0"/>
+          <dgm:bulletEnabled val="1"/>
+        </dgm:presLayoutVars>
+      </dgm:prSet>
+      <dgm:spPr/>
+    </dgm:pt>
+    <dgm:pt modelId="{133F1505-0E93-495D-8161-8C9653D7CCAD}" type="pres">
+      <dgm:prSet presAssocID="{29AB133D-825B-4830-AAAB-94AF09EF1638}" presName="parTxOnlySpace" presStyleCnt="0"/>
+      <dgm:spPr/>
+    </dgm:pt>
+    <dgm:pt modelId="{279CDD07-3AD5-43B9-BE6A-3ECFFF95E619}" type="pres">
+      <dgm:prSet presAssocID="{E15A7B8B-B564-4E1F-BF2C-28E5278D5B73}" presName="parTxOnly" presStyleLbl="node1" presStyleIdx="2" presStyleCnt="6">
+        <dgm:presLayoutVars>
+          <dgm:chMax val="0"/>
+          <dgm:chPref val="0"/>
+          <dgm:bulletEnabled val="1"/>
+        </dgm:presLayoutVars>
+      </dgm:prSet>
+      <dgm:spPr/>
+    </dgm:pt>
+    <dgm:pt modelId="{2A1D37A3-8EF6-4BF1-BF29-F664BEFE622D}" type="pres">
+      <dgm:prSet presAssocID="{8B9406A3-8CCF-411C-B56A-DCF354FB9B66}" presName="parTxOnlySpace" presStyleCnt="0"/>
+      <dgm:spPr/>
+    </dgm:pt>
+    <dgm:pt modelId="{5DD38A8C-AD15-4CCF-8939-99DCF2E2F470}" type="pres">
+      <dgm:prSet presAssocID="{06B1B56B-51DE-4F5F-8061-8E23DE153C28}" presName="parTxOnly" presStyleLbl="node1" presStyleIdx="3" presStyleCnt="6">
+        <dgm:presLayoutVars>
+          <dgm:chMax val="0"/>
+          <dgm:chPref val="0"/>
+          <dgm:bulletEnabled val="1"/>
+        </dgm:presLayoutVars>
+      </dgm:prSet>
+      <dgm:spPr/>
+    </dgm:pt>
+    <dgm:pt modelId="{0471F044-47A2-4173-8D7D-20401E93EF8D}" type="pres">
+      <dgm:prSet presAssocID="{03D26B44-900D-4B1D-A57A-F1CA609DEFE3}" presName="parTxOnlySpace" presStyleCnt="0"/>
+      <dgm:spPr/>
+    </dgm:pt>
+    <dgm:pt modelId="{1C15A960-76B5-4CF0-9FE2-529ACFE0E97E}" type="pres">
+      <dgm:prSet presAssocID="{15AA0ADF-C822-4983-B25D-4DB3DC9BE274}" presName="parTxOnly" presStyleLbl="node1" presStyleIdx="4" presStyleCnt="6">
+        <dgm:presLayoutVars>
+          <dgm:chMax val="0"/>
+          <dgm:chPref val="0"/>
+          <dgm:bulletEnabled val="1"/>
+        </dgm:presLayoutVars>
+      </dgm:prSet>
+      <dgm:spPr/>
+    </dgm:pt>
+    <dgm:pt modelId="{F6363E30-82BF-489F-B698-F3D72C45B581}" type="pres">
+      <dgm:prSet presAssocID="{3FE397A8-BC3B-4C9C-98AF-B9A960352B54}" presName="parTxOnlySpace" presStyleCnt="0"/>
+      <dgm:spPr/>
+    </dgm:pt>
+    <dgm:pt modelId="{35F3FC65-0353-44D1-8E1C-0EA7ED4680BB}" type="pres">
+      <dgm:prSet presAssocID="{F40465B0-0F4A-40E4-8B7E-0A2BD9A94693}" presName="parTxOnly" presStyleLbl="node1" presStyleIdx="5" presStyleCnt="6">
+        <dgm:presLayoutVars>
+          <dgm:chMax val="0"/>
+          <dgm:chPref val="0"/>
+          <dgm:bulletEnabled val="1"/>
+        </dgm:presLayoutVars>
+      </dgm:prSet>
+      <dgm:spPr/>
+    </dgm:pt>
+  </dgm:ptLst>
+  <dgm:cxnLst>
+    <dgm:cxn modelId="{AE0B372A-BC8C-4D1B-A0A2-CEB78C99935F}" srcId="{64C21F82-9856-4956-A7DA-CB6D88AA374B}" destId="{E15A7B8B-B564-4E1F-BF2C-28E5278D5B73}" srcOrd="2" destOrd="0" parTransId="{17746D34-98B3-4299-9E03-D07E5F98847D}" sibTransId="{8B9406A3-8CCF-411C-B56A-DCF354FB9B66}"/>
+    <dgm:cxn modelId="{E4034236-A0A5-42DE-8024-08E20FEC15E6}" srcId="{64C21F82-9856-4956-A7DA-CB6D88AA374B}" destId="{F40465B0-0F4A-40E4-8B7E-0A2BD9A94693}" srcOrd="5" destOrd="0" parTransId="{22FE7D06-FD10-40DF-94B8-C0C8F3292358}" sibTransId="{D0419F53-0584-47D4-8372-D33A614EF4D2}"/>
+    <dgm:cxn modelId="{7612FF5F-149E-4C5A-BC29-E40233DD6A81}" srcId="{64C21F82-9856-4956-A7DA-CB6D88AA374B}" destId="{FD05D087-7244-4C7E-B8DC-39588FC9FE91}" srcOrd="1" destOrd="0" parTransId="{F4EF2CF7-10EF-4E36-BCB5-46C0A499CCDF}" sibTransId="{29AB133D-825B-4830-AAAB-94AF09EF1638}"/>
+    <dgm:cxn modelId="{79A79A6C-D112-4EE2-86D2-941981A354AD}" type="presOf" srcId="{64C21F82-9856-4956-A7DA-CB6D88AA374B}" destId="{6FB9E246-6E13-445F-8E2A-690CD07518B6}" srcOrd="0" destOrd="0" presId="urn:microsoft.com/office/officeart/2005/8/layout/chevron1"/>
+    <dgm:cxn modelId="{3A498284-5D4F-4AE6-B87E-8DBB5EDA27A3}" srcId="{64C21F82-9856-4956-A7DA-CB6D88AA374B}" destId="{15AA0ADF-C822-4983-B25D-4DB3DC9BE274}" srcOrd="4" destOrd="0" parTransId="{9B4617F2-1918-46B4-82B9-D9FA63D657DB}" sibTransId="{3FE397A8-BC3B-4C9C-98AF-B9A960352B54}"/>
+    <dgm:cxn modelId="{586FD088-52A3-4714-B44B-DC49B0009DDE}" type="presOf" srcId="{15AA0ADF-C822-4983-B25D-4DB3DC9BE274}" destId="{1C15A960-76B5-4CF0-9FE2-529ACFE0E97E}" srcOrd="0" destOrd="0" presId="urn:microsoft.com/office/officeart/2005/8/layout/chevron1"/>
+    <dgm:cxn modelId="{63A47596-F9B3-4AD1-85AF-24567EE7B351}" srcId="{64C21F82-9856-4956-A7DA-CB6D88AA374B}" destId="{864C7993-0214-46FE-9592-2B429230BEC1}" srcOrd="0" destOrd="0" parTransId="{618187C8-114F-484B-97D8-D4048457D824}" sibTransId="{33FDF8C3-346C-416A-9DD1-AA4861140B64}"/>
+    <dgm:cxn modelId="{4B2603A1-B42D-478E-BCA5-5AE3A5C7C014}" type="presOf" srcId="{FD05D087-7244-4C7E-B8DC-39588FC9FE91}" destId="{2FE19C27-5FC8-467C-B195-06D9398A578F}" srcOrd="0" destOrd="0" presId="urn:microsoft.com/office/officeart/2005/8/layout/chevron1"/>
+    <dgm:cxn modelId="{82C17DB5-2B9D-46B9-843A-0BC9985EA132}" type="presOf" srcId="{06B1B56B-51DE-4F5F-8061-8E23DE153C28}" destId="{5DD38A8C-AD15-4CCF-8939-99DCF2E2F470}" srcOrd="0" destOrd="0" presId="urn:microsoft.com/office/officeart/2005/8/layout/chevron1"/>
+    <dgm:cxn modelId="{1018F6B5-31D3-4AB5-AC5E-D4B5979A1C5C}" srcId="{64C21F82-9856-4956-A7DA-CB6D88AA374B}" destId="{06B1B56B-51DE-4F5F-8061-8E23DE153C28}" srcOrd="3" destOrd="0" parTransId="{31E6AF18-4EC0-49E0-9714-0886098E7F2E}" sibTransId="{03D26B44-900D-4B1D-A57A-F1CA609DEFE3}"/>
+    <dgm:cxn modelId="{32ACCAD0-AF27-4229-9AA4-CBF245EF137F}" type="presOf" srcId="{864C7993-0214-46FE-9592-2B429230BEC1}" destId="{B7E95E1A-7987-4AB3-97B4-9D2D82BE7C33}" srcOrd="0" destOrd="0" presId="urn:microsoft.com/office/officeart/2005/8/layout/chevron1"/>
+    <dgm:cxn modelId="{28B4ACDE-1780-4C26-A53D-91E2EE6FE10D}" type="presOf" srcId="{E15A7B8B-B564-4E1F-BF2C-28E5278D5B73}" destId="{279CDD07-3AD5-43B9-BE6A-3ECFFF95E619}" srcOrd="0" destOrd="0" presId="urn:microsoft.com/office/officeart/2005/8/layout/chevron1"/>
+    <dgm:cxn modelId="{239A00F3-5845-46CF-A5C5-F5E01B950D57}" type="presOf" srcId="{F40465B0-0F4A-40E4-8B7E-0A2BD9A94693}" destId="{35F3FC65-0353-44D1-8E1C-0EA7ED4680BB}" srcOrd="0" destOrd="0" presId="urn:microsoft.com/office/officeart/2005/8/layout/chevron1"/>
+    <dgm:cxn modelId="{B2DA184F-D17E-4702-BC07-4B15229E531E}" type="presParOf" srcId="{6FB9E246-6E13-445F-8E2A-690CD07518B6}" destId="{B7E95E1A-7987-4AB3-97B4-9D2D82BE7C33}" srcOrd="0" destOrd="0" presId="urn:microsoft.com/office/officeart/2005/8/layout/chevron1"/>
+    <dgm:cxn modelId="{F8857A67-D9A6-490D-9F73-5D5DCA7CED30}" type="presParOf" srcId="{6FB9E246-6E13-445F-8E2A-690CD07518B6}" destId="{244AB08A-3786-4206-9FD8-B53E523962F5}" srcOrd="1" destOrd="0" presId="urn:microsoft.com/office/officeart/2005/8/layout/chevron1"/>
+    <dgm:cxn modelId="{AC6CCDDF-9D64-493C-A24C-7927450CF747}" type="presParOf" srcId="{6FB9E246-6E13-445F-8E2A-690CD07518B6}" destId="{2FE19C27-5FC8-467C-B195-06D9398A578F}" srcOrd="2" destOrd="0" presId="urn:microsoft.com/office/officeart/2005/8/layout/chevron1"/>
+    <dgm:cxn modelId="{5DA44FC6-A2A8-45A5-8E36-44A564BF17ED}" type="presParOf" srcId="{6FB9E246-6E13-445F-8E2A-690CD07518B6}" destId="{133F1505-0E93-495D-8161-8C9653D7CCAD}" srcOrd="3" destOrd="0" presId="urn:microsoft.com/office/officeart/2005/8/layout/chevron1"/>
+    <dgm:cxn modelId="{9A46CEBC-23C1-4016-8213-B7103CEA47A2}" type="presParOf" srcId="{6FB9E246-6E13-445F-8E2A-690CD07518B6}" destId="{279CDD07-3AD5-43B9-BE6A-3ECFFF95E619}" srcOrd="4" destOrd="0" presId="urn:microsoft.com/office/officeart/2005/8/layout/chevron1"/>
+    <dgm:cxn modelId="{43565941-57A5-4935-8AC4-91D636B089DF}" type="presParOf" srcId="{6FB9E246-6E13-445F-8E2A-690CD07518B6}" destId="{2A1D37A3-8EF6-4BF1-BF29-F664BEFE622D}" srcOrd="5" destOrd="0" presId="urn:microsoft.com/office/officeart/2005/8/layout/chevron1"/>
+    <dgm:cxn modelId="{624B03F5-FDE4-4CDE-8BBA-36C5D9FE6344}" type="presParOf" srcId="{6FB9E246-6E13-445F-8E2A-690CD07518B6}" destId="{5DD38A8C-AD15-4CCF-8939-99DCF2E2F470}" srcOrd="6" destOrd="0" presId="urn:microsoft.com/office/officeart/2005/8/layout/chevron1"/>
+    <dgm:cxn modelId="{5AA530CC-CF67-4AE1-BC93-A03DF2F5E7FE}" type="presParOf" srcId="{6FB9E246-6E13-445F-8E2A-690CD07518B6}" destId="{0471F044-47A2-4173-8D7D-20401E93EF8D}" srcOrd="7" destOrd="0" presId="urn:microsoft.com/office/officeart/2005/8/layout/chevron1"/>
+    <dgm:cxn modelId="{A6BD1019-F796-4607-94FE-B0BDE81053F4}" type="presParOf" srcId="{6FB9E246-6E13-445F-8E2A-690CD07518B6}" destId="{1C15A960-76B5-4CF0-9FE2-529ACFE0E97E}" srcOrd="8" destOrd="0" presId="urn:microsoft.com/office/officeart/2005/8/layout/chevron1"/>
+    <dgm:cxn modelId="{860B2177-1F8B-4900-89EB-0E3DB098671E}" type="presParOf" srcId="{6FB9E246-6E13-445F-8E2A-690CD07518B6}" destId="{F6363E30-82BF-489F-B698-F3D72C45B581}" srcOrd="9" destOrd="0" presId="urn:microsoft.com/office/officeart/2005/8/layout/chevron1"/>
+    <dgm:cxn modelId="{252CABDE-4A18-442D-94E5-A0499AD36BAD}" type="presParOf" srcId="{6FB9E246-6E13-445F-8E2A-690CD07518B6}" destId="{35F3FC65-0353-44D1-8E1C-0EA7ED4680BB}" srcOrd="10" destOrd="0" presId="urn:microsoft.com/office/officeart/2005/8/layout/chevron1"/>
+  </dgm:cxnLst>
+  <dgm:bg/>
+  <dgm:whole/>
+  <dgm:extLst>
+    <a:ext uri="http://schemas.microsoft.com/office/drawing/2008/diagram">
+      <dsp:dataModelExt xmlns:dsp="http://schemas.microsoft.com/office/drawing/2008/diagram" relId="rId6" minVer="http://schemas.openxmlformats.org/drawingml/2006/diagram"/>
+    </a:ext>
+  </dgm:extLst>
+</dgm:dataModel>
+</file>
+
+<file path=ppt/diagrams/drawing1.xml><?xml version="1.0" encoding="utf-8"?>
+<dsp:drawing xmlns:dgm="http://schemas.openxmlformats.org/drawingml/2006/diagram" xmlns:dsp="http://schemas.microsoft.com/office/drawing/2008/diagram" xmlns:a="http://schemas.openxmlformats.org/drawingml/2006/main">
+  <dsp:spTree>
+    <dsp:nvGrpSpPr>
+      <dsp:cNvPr id="0" name=""/>
+      <dsp:cNvGrpSpPr/>
+    </dsp:nvGrpSpPr>
+    <dsp:grpSpPr/>
+    <dsp:sp modelId="{B7E95E1A-7987-4AB3-97B4-9D2D82BE7C33}">
+      <dsp:nvSpPr>
+        <dsp:cNvPr id="0" name=""/>
+        <dsp:cNvSpPr/>
+      </dsp:nvSpPr>
+      <dsp:spPr>
+        <a:xfrm>
+          <a:off x="5134" y="1034558"/>
+          <a:ext cx="1910059" cy="764023"/>
+        </a:xfrm>
+        <a:prstGeom prst="chevron">
+          <a:avLst/>
+        </a:prstGeom>
+        <a:solidFill>
+          <a:schemeClr val="accent1">
+            <a:hueOff val="0"/>
+            <a:satOff val="0"/>
+            <a:lumOff val="0"/>
+            <a:alphaOff val="0"/>
+          </a:schemeClr>
+        </a:solidFill>
+        <a:ln w="12700" cap="flat" cmpd="sng" algn="ctr">
+          <a:solidFill>
+            <a:schemeClr val="lt1">
+              <a:hueOff val="0"/>
+              <a:satOff val="0"/>
+              <a:lumOff val="0"/>
+              <a:alphaOff val="0"/>
+            </a:schemeClr>
+          </a:solidFill>
+          <a:prstDash val="solid"/>
+          <a:miter lim="800000"/>
+        </a:ln>
+        <a:effectLst/>
+      </dsp:spPr>
+      <dsp:style>
+        <a:lnRef idx="2">
+          <a:scrgbClr r="0" g="0" b="0"/>
+        </a:lnRef>
+        <a:fillRef idx="1">
+          <a:scrgbClr r="0" g="0" b="0"/>
+        </a:fillRef>
+        <a:effectRef idx="0">
+          <a:scrgbClr r="0" g="0" b="0"/>
+        </a:effectRef>
+        <a:fontRef idx="minor">
+          <a:schemeClr val="lt1"/>
+        </a:fontRef>
+      </dsp:style>
+      <dsp:txBody>
+        <a:bodyPr spcFirstLastPara="0" vert="horz" wrap="square" lIns="80010" tIns="26670" rIns="26670" bIns="26670" numCol="1" spcCol="1270" anchor="ctr" anchorCtr="0">
+          <a:noAutofit/>
+        </a:bodyPr>
+        <a:lstStyle/>
+        <a:p>
+          <a:pPr marL="0" lvl="0" indent="0" algn="ctr" defTabSz="889000">
+            <a:lnSpc>
+              <a:spcPct val="90000"/>
+            </a:lnSpc>
+            <a:spcBef>
+              <a:spcPct val="0"/>
+            </a:spcBef>
+            <a:spcAft>
+              <a:spcPct val="35000"/>
+            </a:spcAft>
+            <a:buNone/>
+          </a:pPr>
+          <a:r>
+            <a:rPr lang="zh-CN" altLang="en-US" sz="2000" kern="1200" dirty="0"/>
+            <a:t>原始细分</a:t>
+          </a:r>
+        </a:p>
+      </dsp:txBody>
+      <dsp:txXfrm>
+        <a:off x="387146" y="1034558"/>
+        <a:ext cx="1146036" cy="764023"/>
+      </dsp:txXfrm>
+    </dsp:sp>
+    <dsp:sp modelId="{2FE19C27-5FC8-467C-B195-06D9398A578F}">
+      <dsp:nvSpPr>
+        <dsp:cNvPr id="0" name=""/>
+        <dsp:cNvSpPr/>
+      </dsp:nvSpPr>
+      <dsp:spPr>
+        <a:xfrm>
+          <a:off x="1724188" y="1034558"/>
+          <a:ext cx="1910059" cy="764023"/>
+        </a:xfrm>
+        <a:prstGeom prst="chevron">
+          <a:avLst/>
+        </a:prstGeom>
+        <a:solidFill>
+          <a:schemeClr val="accent1">
+            <a:hueOff val="0"/>
+            <a:satOff val="0"/>
+            <a:lumOff val="0"/>
+            <a:alphaOff val="0"/>
+          </a:schemeClr>
+        </a:solidFill>
+        <a:ln w="12700" cap="flat" cmpd="sng" algn="ctr">
+          <a:solidFill>
+            <a:schemeClr val="lt1">
+              <a:hueOff val="0"/>
+              <a:satOff val="0"/>
+              <a:lumOff val="0"/>
+              <a:alphaOff val="0"/>
+            </a:schemeClr>
+          </a:solidFill>
+          <a:prstDash val="solid"/>
+          <a:miter lim="800000"/>
+        </a:ln>
+        <a:effectLst/>
+      </dsp:spPr>
+      <dsp:style>
+        <a:lnRef idx="2">
+          <a:scrgbClr r="0" g="0" b="0"/>
+        </a:lnRef>
+        <a:fillRef idx="1">
+          <a:scrgbClr r="0" g="0" b="0"/>
+        </a:fillRef>
+        <a:effectRef idx="0">
+          <a:scrgbClr r="0" g="0" b="0"/>
+        </a:effectRef>
+        <a:fontRef idx="minor">
+          <a:schemeClr val="lt1"/>
+        </a:fontRef>
+      </dsp:style>
+      <dsp:txBody>
+        <a:bodyPr spcFirstLastPara="0" vert="horz" wrap="square" lIns="80010" tIns="26670" rIns="26670" bIns="26670" numCol="1" spcCol="1270" anchor="ctr" anchorCtr="0">
+          <a:noAutofit/>
+        </a:bodyPr>
+        <a:lstStyle/>
+        <a:p>
+          <a:pPr marL="0" lvl="0" indent="0" algn="ctr" defTabSz="889000">
+            <a:lnSpc>
+              <a:spcPct val="90000"/>
+            </a:lnSpc>
+            <a:spcBef>
+              <a:spcPct val="0"/>
+            </a:spcBef>
+            <a:spcAft>
+              <a:spcPct val="35000"/>
+            </a:spcAft>
+            <a:buNone/>
+          </a:pPr>
+          <a:r>
+            <a:rPr lang="zh-CN" altLang="en-US" sz="2000" kern="1200" dirty="0"/>
+            <a:t>特征提取与规范化</a:t>
+          </a:r>
+        </a:p>
+      </dsp:txBody>
+      <dsp:txXfrm>
+        <a:off x="2106200" y="1034558"/>
+        <a:ext cx="1146036" cy="764023"/>
+      </dsp:txXfrm>
+    </dsp:sp>
+    <dsp:sp modelId="{279CDD07-3AD5-43B9-BE6A-3ECFFF95E619}">
+      <dsp:nvSpPr>
+        <dsp:cNvPr id="0" name=""/>
+        <dsp:cNvSpPr/>
+      </dsp:nvSpPr>
+      <dsp:spPr>
+        <a:xfrm>
+          <a:off x="3443242" y="1034558"/>
+          <a:ext cx="1910059" cy="764023"/>
+        </a:xfrm>
+        <a:prstGeom prst="chevron">
+          <a:avLst/>
+        </a:prstGeom>
+        <a:solidFill>
+          <a:schemeClr val="accent1">
+            <a:hueOff val="0"/>
+            <a:satOff val="0"/>
+            <a:lumOff val="0"/>
+            <a:alphaOff val="0"/>
+          </a:schemeClr>
+        </a:solidFill>
+        <a:ln w="12700" cap="flat" cmpd="sng" algn="ctr">
+          <a:solidFill>
+            <a:schemeClr val="lt1">
+              <a:hueOff val="0"/>
+              <a:satOff val="0"/>
+              <a:lumOff val="0"/>
+              <a:alphaOff val="0"/>
+            </a:schemeClr>
+          </a:solidFill>
+          <a:prstDash val="solid"/>
+          <a:miter lim="800000"/>
+        </a:ln>
+        <a:effectLst/>
+      </dsp:spPr>
+      <dsp:style>
+        <a:lnRef idx="2">
+          <a:scrgbClr r="0" g="0" b="0"/>
+        </a:lnRef>
+        <a:fillRef idx="1">
+          <a:scrgbClr r="0" g="0" b="0"/>
+        </a:fillRef>
+        <a:effectRef idx="0">
+          <a:scrgbClr r="0" g="0" b="0"/>
+        </a:effectRef>
+        <a:fontRef idx="minor">
+          <a:schemeClr val="lt1"/>
+        </a:fontRef>
+      </dsp:style>
+      <dsp:txBody>
+        <a:bodyPr spcFirstLastPara="0" vert="horz" wrap="square" lIns="80010" tIns="26670" rIns="26670" bIns="26670" numCol="1" spcCol="1270" anchor="ctr" anchorCtr="0">
+          <a:noAutofit/>
+        </a:bodyPr>
+        <a:lstStyle/>
+        <a:p>
+          <a:pPr marL="0" lvl="0" indent="0" algn="ctr" defTabSz="889000">
+            <a:lnSpc>
+              <a:spcPct val="90000"/>
+            </a:lnSpc>
+            <a:spcBef>
+              <a:spcPct val="0"/>
+            </a:spcBef>
+            <a:spcAft>
+              <a:spcPct val="35000"/>
+            </a:spcAft>
+            <a:buNone/>
+          </a:pPr>
+          <a:r>
+            <a:rPr lang="zh-CN" altLang="en-US" sz="2000" kern="1200" dirty="0"/>
+            <a:t>序列分割</a:t>
+          </a:r>
+        </a:p>
+      </dsp:txBody>
+      <dsp:txXfrm>
+        <a:off x="3825254" y="1034558"/>
+        <a:ext cx="1146036" cy="764023"/>
+      </dsp:txXfrm>
+    </dsp:sp>
+    <dsp:sp modelId="{5DD38A8C-AD15-4CCF-8939-99DCF2E2F470}">
+      <dsp:nvSpPr>
+        <dsp:cNvPr id="0" name=""/>
+        <dsp:cNvSpPr/>
+      </dsp:nvSpPr>
+      <dsp:spPr>
+        <a:xfrm>
+          <a:off x="5162296" y="1034558"/>
+          <a:ext cx="1910059" cy="764023"/>
+        </a:xfrm>
+        <a:prstGeom prst="chevron">
+          <a:avLst/>
+        </a:prstGeom>
+        <a:solidFill>
+          <a:schemeClr val="accent1">
+            <a:hueOff val="0"/>
+            <a:satOff val="0"/>
+            <a:lumOff val="0"/>
+            <a:alphaOff val="0"/>
+          </a:schemeClr>
+        </a:solidFill>
+        <a:ln w="12700" cap="flat" cmpd="sng" algn="ctr">
+          <a:solidFill>
+            <a:schemeClr val="lt1">
+              <a:hueOff val="0"/>
+              <a:satOff val="0"/>
+              <a:lumOff val="0"/>
+              <a:alphaOff val="0"/>
+            </a:schemeClr>
+          </a:solidFill>
+          <a:prstDash val="solid"/>
+          <a:miter lim="800000"/>
+        </a:ln>
+        <a:effectLst/>
+      </dsp:spPr>
+      <dsp:style>
+        <a:lnRef idx="2">
+          <a:scrgbClr r="0" g="0" b="0"/>
+        </a:lnRef>
+        <a:fillRef idx="1">
+          <a:scrgbClr r="0" g="0" b="0"/>
+        </a:fillRef>
+        <a:effectRef idx="0">
+          <a:scrgbClr r="0" g="0" b="0"/>
+        </a:effectRef>
+        <a:fontRef idx="minor">
+          <a:schemeClr val="lt1"/>
+        </a:fontRef>
+      </dsp:style>
+      <dsp:txBody>
+        <a:bodyPr spcFirstLastPara="0" vert="horz" wrap="square" lIns="80010" tIns="26670" rIns="26670" bIns="26670" numCol="1" spcCol="1270" anchor="ctr" anchorCtr="0">
+          <a:noAutofit/>
+        </a:bodyPr>
+        <a:lstStyle/>
+        <a:p>
+          <a:pPr marL="0" lvl="0" indent="0" algn="ctr" defTabSz="889000">
+            <a:lnSpc>
+              <a:spcPct val="90000"/>
+            </a:lnSpc>
+            <a:spcBef>
+              <a:spcPct val="0"/>
+            </a:spcBef>
+            <a:spcAft>
+              <a:spcPct val="35000"/>
+            </a:spcAft>
+            <a:buNone/>
+          </a:pPr>
+          <a:r>
+            <a:rPr lang="zh-CN" altLang="en-US" sz="2000" kern="1200" dirty="0"/>
+            <a:t>卷积神经网络</a:t>
+          </a:r>
+        </a:p>
+      </dsp:txBody>
+      <dsp:txXfrm>
+        <a:off x="5544308" y="1034558"/>
+        <a:ext cx="1146036" cy="764023"/>
+      </dsp:txXfrm>
+    </dsp:sp>
+    <dsp:sp modelId="{1C15A960-76B5-4CF0-9FE2-529ACFE0E97E}">
+      <dsp:nvSpPr>
+        <dsp:cNvPr id="0" name=""/>
+        <dsp:cNvSpPr/>
+      </dsp:nvSpPr>
+      <dsp:spPr>
+        <a:xfrm>
+          <a:off x="6881350" y="1034558"/>
+          <a:ext cx="1910059" cy="764023"/>
+        </a:xfrm>
+        <a:prstGeom prst="chevron">
+          <a:avLst/>
+        </a:prstGeom>
+        <a:solidFill>
+          <a:schemeClr val="accent1">
+            <a:hueOff val="0"/>
+            <a:satOff val="0"/>
+            <a:lumOff val="0"/>
+            <a:alphaOff val="0"/>
+          </a:schemeClr>
+        </a:solidFill>
+        <a:ln w="12700" cap="flat" cmpd="sng" algn="ctr">
+          <a:solidFill>
+            <a:schemeClr val="lt1">
+              <a:hueOff val="0"/>
+              <a:satOff val="0"/>
+              <a:lumOff val="0"/>
+              <a:alphaOff val="0"/>
+            </a:schemeClr>
+          </a:solidFill>
+          <a:prstDash val="solid"/>
+          <a:miter lim="800000"/>
+        </a:ln>
+        <a:effectLst/>
+      </dsp:spPr>
+      <dsp:style>
+        <a:lnRef idx="2">
+          <a:scrgbClr r="0" g="0" b="0"/>
+        </a:lnRef>
+        <a:fillRef idx="1">
+          <a:scrgbClr r="0" g="0" b="0"/>
+        </a:fillRef>
+        <a:effectRef idx="0">
+          <a:scrgbClr r="0" g="0" b="0"/>
+        </a:effectRef>
+        <a:fontRef idx="minor">
+          <a:schemeClr val="lt1"/>
+        </a:fontRef>
+      </dsp:style>
+      <dsp:txBody>
+        <a:bodyPr spcFirstLastPara="0" vert="horz" wrap="square" lIns="80010" tIns="26670" rIns="26670" bIns="26670" numCol="1" spcCol="1270" anchor="ctr" anchorCtr="0">
+          <a:noAutofit/>
+        </a:bodyPr>
+        <a:lstStyle/>
+        <a:p>
+          <a:pPr marL="0" lvl="0" indent="0" algn="ctr" defTabSz="889000">
+            <a:lnSpc>
+              <a:spcPct val="90000"/>
+            </a:lnSpc>
+            <a:spcBef>
+              <a:spcPct val="0"/>
+            </a:spcBef>
+            <a:spcAft>
+              <a:spcPct val="35000"/>
+            </a:spcAft>
+            <a:buNone/>
+          </a:pPr>
+          <a:r>
+            <a:rPr lang="zh-CN" altLang="en-US" sz="2000" kern="1200" dirty="0"/>
+            <a:t>预测平均分</a:t>
+          </a:r>
+        </a:p>
+      </dsp:txBody>
+      <dsp:txXfrm>
+        <a:off x="7263362" y="1034558"/>
+        <a:ext cx="1146036" cy="764023"/>
+      </dsp:txXfrm>
+    </dsp:sp>
+    <dsp:sp modelId="{35F3FC65-0353-44D1-8E1C-0EA7ED4680BB}">
+      <dsp:nvSpPr>
+        <dsp:cNvPr id="0" name=""/>
+        <dsp:cNvSpPr/>
+      </dsp:nvSpPr>
+      <dsp:spPr>
+        <a:xfrm>
+          <a:off x="8600404" y="1034558"/>
+          <a:ext cx="1910059" cy="764023"/>
+        </a:xfrm>
+        <a:prstGeom prst="chevron">
+          <a:avLst/>
+        </a:prstGeom>
+        <a:solidFill>
+          <a:schemeClr val="accent1">
+            <a:hueOff val="0"/>
+            <a:satOff val="0"/>
+            <a:lumOff val="0"/>
+            <a:alphaOff val="0"/>
+          </a:schemeClr>
+        </a:solidFill>
+        <a:ln w="12700" cap="flat" cmpd="sng" algn="ctr">
+          <a:solidFill>
+            <a:schemeClr val="lt1">
+              <a:hueOff val="0"/>
+              <a:satOff val="0"/>
+              <a:lumOff val="0"/>
+              <a:alphaOff val="0"/>
+            </a:schemeClr>
+          </a:solidFill>
+          <a:prstDash val="solid"/>
+          <a:miter lim="800000"/>
+        </a:ln>
+        <a:effectLst/>
+      </dsp:spPr>
+      <dsp:style>
+        <a:lnRef idx="2">
+          <a:scrgbClr r="0" g="0" b="0"/>
+        </a:lnRef>
+        <a:fillRef idx="1">
+          <a:scrgbClr r="0" g="0" b="0"/>
+        </a:fillRef>
+        <a:effectRef idx="0">
+          <a:scrgbClr r="0" g="0" b="0"/>
+        </a:effectRef>
+        <a:fontRef idx="minor">
+          <a:schemeClr val="lt1"/>
+        </a:fontRef>
+      </dsp:style>
+      <dsp:txBody>
+        <a:bodyPr spcFirstLastPara="0" vert="horz" wrap="square" lIns="80010" tIns="26670" rIns="26670" bIns="26670" numCol="1" spcCol="1270" anchor="ctr" anchorCtr="0">
+          <a:noAutofit/>
+        </a:bodyPr>
+        <a:lstStyle/>
+        <a:p>
+          <a:pPr marL="0" lvl="0" indent="0" algn="ctr" defTabSz="889000">
+            <a:lnSpc>
+              <a:spcPct val="90000"/>
+            </a:lnSpc>
+            <a:spcBef>
+              <a:spcPct val="0"/>
+            </a:spcBef>
+            <a:spcAft>
+              <a:spcPct val="35000"/>
+            </a:spcAft>
+            <a:buNone/>
+          </a:pPr>
+          <a:r>
+            <a:rPr lang="zh-CN" altLang="en-US" sz="2000" kern="1200" dirty="0"/>
+            <a:t>预测的类</a:t>
+          </a:r>
+        </a:p>
+      </dsp:txBody>
+      <dsp:txXfrm>
+        <a:off x="8982416" y="1034558"/>
+        <a:ext cx="1146036" cy="764023"/>
+      </dsp:txXfrm>
+    </dsp:sp>
+  </dsp:spTree>
+</dsp:drawing>
+</file>
+
+<file path=ppt/diagrams/layout1.xml><?xml version="1.0" encoding="utf-8"?>
+<dgm:layoutDef xmlns:dgm="http://schemas.openxmlformats.org/drawingml/2006/diagram" xmlns:a="http://schemas.openxmlformats.org/drawingml/2006/main" uniqueId="urn:microsoft.com/office/officeart/2005/8/layout/chevron1">
+  <dgm:title val=""/>
+  <dgm:desc val=""/>
+  <dgm:catLst>
+    <dgm:cat type="process" pri="9000"/>
+  </dgm:catLst>
+  <dgm:sampData useDef="1">
+    <dgm:dataModel>
+      <dgm:ptLst/>
+      <dgm:bg/>
+      <dgm:whole/>
+    </dgm:dataModel>
+  </dgm:sampData>
+  <dgm:styleData>
+    <dgm:dataModel>
+      <dgm:ptLst>
+        <dgm:pt modelId="0" type="doc"/>
+        <dgm:pt modelId="1"/>
+        <dgm:pt modelId="2"/>
+      </dgm:ptLst>
+      <dgm:cxnLst>
+        <dgm:cxn modelId="3" srcId="0" destId="1" srcOrd="0" destOrd="0"/>
+        <dgm:cxn modelId="4" srcId="0" destId="2" srcOrd="1" destOrd="0"/>
+      </dgm:cxnLst>
+      <dgm:bg/>
+      <dgm:whole/>
+    </dgm:dataModel>
+  </dgm:styleData>
+  <dgm:clrData>
+    <dgm:dataModel>
+      <dgm:ptLst>
+        <dgm:pt modelId="0" type="doc"/>
+        <dgm:pt modelId="1"/>
+        <dgm:pt modelId="2"/>
+        <dgm:pt modelId="3"/>
+        <dgm:pt modelId="4"/>
+      </dgm:ptLst>
+      <dgm:cxnLst>
+        <dgm:cxn modelId="5" srcId="0" destId="1" srcOrd="0" destOrd="0"/>
+        <dgm:cxn modelId="6" srcId="0" destId="2" srcOrd="1" destOrd="0"/>
+        <dgm:cxn modelId="7" srcId="0" destId="3" srcOrd="2" destOrd="0"/>
+        <dgm:cxn modelId="8" srcId="0" destId="4" srcOrd="3" destOrd="0"/>
+      </dgm:cxnLst>
+      <dgm:bg/>
+      <dgm:whole/>
+    </dgm:dataModel>
+  </dgm:clrData>
+  <dgm:layoutNode name="Name0">
+    <dgm:varLst>
+      <dgm:dir/>
+      <dgm:animLvl val="lvl"/>
+      <dgm:resizeHandles val="exact"/>
+    </dgm:varLst>
+    <dgm:choose name="Name1">
+      <dgm:if name="Name2" func="var" arg="dir" op="equ" val="norm">
+        <dgm:alg type="lin"/>
+      </dgm:if>
+      <dgm:else name="Name3">
+        <dgm:alg type="lin">
+          <dgm:param type="linDir" val="fromR"/>
+        </dgm:alg>
+      </dgm:else>
+    </dgm:choose>
+    <dgm:shape xmlns:r="http://schemas.openxmlformats.org/officeDocument/2006/relationships" r:blip="">
+      <dgm:adjLst/>
+    </dgm:shape>
+    <dgm:presOf/>
+    <dgm:choose name="Name4">
+      <dgm:if name="Name5" axis="des" func="maxDepth" op="gte" val="2">
+        <dgm:constrLst>
+          <dgm:constr type="h" for="ch" forName="composite" refType="h"/>
+          <dgm:constr type="w" for="ch" forName="composite" refType="w"/>
+          <dgm:constr type="w" for="des" forName="parTx"/>
+          <dgm:constr type="h" for="des" forName="parTx" op="equ"/>
+          <dgm:constr type="w" for="des" forName="desTx"/>
+          <dgm:constr type="h" for="des" forName="desTx" op="equ"/>
+          <dgm:constr type="primFontSz" for="des" forName="parTx" val="65"/>
+          <dgm:constr type="secFontSz" for="des" forName="desTx" refType="primFontSz" refFor="des" refForName="parTx" op="equ"/>
+          <dgm:constr type="h" for="des" forName="parTx" refType="primFontSz" refFor="des" refForName="parTx" fact="1.5"/>
+          <dgm:constr type="h" for="des" forName="desTx" refType="primFontSz" refFor="des" refForName="parTx" fact="0.5"/>
+          <dgm:constr type="w" for="ch" forName="space" op="equ" val="-6"/>
+        </dgm:constrLst>
+        <dgm:ruleLst>
+          <dgm:rule type="w" for="ch" forName="composite" val="0" fact="NaN" max="NaN"/>
+          <dgm:rule type="primFontSz" for="des" forName="parTx" val="5" fact="NaN" max="NaN"/>
+        </dgm:ruleLst>
+        <dgm:forEach name="Name6" axis="ch" ptType="node">
+          <dgm:layoutNode name="composite">
+            <dgm:alg type="composite"/>
+            <dgm:shape xmlns:r="http://schemas.openxmlformats.org/officeDocument/2006/relationships" r:blip="">
+              <dgm:adjLst/>
+            </dgm:shape>
+            <dgm:presOf/>
+            <dgm:choose name="Name7">
+              <dgm:if name="Name8" func="var" arg="dir" op="equ" val="norm">
+                <dgm:constrLst>
+                  <dgm:constr type="l" for="ch" forName="parTx"/>
+                  <dgm:constr type="w" for="ch" forName="parTx" refType="w"/>
+                  <dgm:constr type="t" for="ch" forName="parTx"/>
+                  <dgm:constr type="l" for="ch" forName="desTx"/>
+                  <dgm:constr type="w" for="ch" forName="desTx" refType="w" refFor="ch" refForName="parTx" fact="0.8"/>
+                  <dgm:constr type="t" for="ch" forName="desTx" refType="h" refFor="ch" refForName="parTx" fact="1.125"/>
+                </dgm:constrLst>
+              </dgm:if>
+              <dgm:else name="Name9">
+                <dgm:constrLst>
+                  <dgm:constr type="l" for="ch" forName="parTx"/>
+                  <dgm:constr type="w" for="ch" forName="parTx" refType="w"/>
+                  <dgm:constr type="t" for="ch" forName="parTx"/>
+                  <dgm:constr type="l" for="ch" forName="desTx" refType="w" fact="0.2"/>
+                  <dgm:constr type="w" for="ch" forName="desTx" refType="w" refFor="ch" refForName="parTx" fact="0.8"/>
+                  <dgm:constr type="t" for="ch" forName="desTx" refType="h" refFor="ch" refForName="parTx" fact="1.125"/>
+                </dgm:constrLst>
+              </dgm:else>
+            </dgm:choose>
+            <dgm:ruleLst>
+              <dgm:rule type="h" val="INF" fact="NaN" max="NaN"/>
+            </dgm:ruleLst>
+            <dgm:layoutNode name="parTx">
+              <dgm:varLst>
+                <dgm:chMax val="0"/>
+                <dgm:chPref val="0"/>
+                <dgm:bulletEnabled val="1"/>
+              </dgm:varLst>
+              <dgm:alg type="tx"/>
+              <dgm:choose name="Name10">
+                <dgm:if name="Name11" func="var" arg="dir" op="equ" val="norm">
+                  <dgm:shape xmlns:r="http://schemas.openxmlformats.org/officeDocument/2006/relationships" type="chevron" r:blip="">
+                    <dgm:adjLst/>
+                  </dgm:shape>
+                </dgm:if>
+                <dgm:else name="Name12">
+                  <dgm:shape xmlns:r="http://schemas.openxmlformats.org/officeDocument/2006/relationships" rot="180" type="chevron" r:blip="">
+                    <dgm:adjLst/>
+                  </dgm:shape>
+                </dgm:else>
+              </dgm:choose>
+              <dgm:presOf axis="self" ptType="node"/>
+              <dgm:choose name="Name13">
+                <dgm:if name="Name14" func="var" arg="dir" op="equ" val="norm">
+                  <dgm:constrLst>
+                    <dgm:constr type="h" refType="w" op="lte" fact="0.4"/>
+                    <dgm:constr type="h"/>
+                    <dgm:constr type="tMarg" refType="primFontSz" fact="0.105"/>
+                    <dgm:constr type="bMarg" refType="primFontSz" fact="0.105"/>
+                    <dgm:constr type="lMarg" refType="primFontSz" fact="0.315"/>
+                    <dgm:constr type="rMarg" refType="primFontSz" fact="0.105"/>
+                  </dgm:constrLst>
+                </dgm:if>
+                <dgm:else name="Name15">
+                  <dgm:constrLst>
+                    <dgm:constr type="h" refType="w" op="lte" fact="0.4"/>
+                    <dgm:constr type="h"/>
+                    <dgm:constr type="tMarg" refType="primFontSz" fact="0.105"/>
+                    <dgm:constr type="bMarg" refType="primFontSz" fact="0.105"/>
+                    <dgm:constr type="lMarg" refType="primFontSz" fact="0.105"/>
+                    <dgm:constr type="rMarg" refType="primFontSz" fact="0.315"/>
+                  </dgm:constrLst>
+                </dgm:else>
+              </dgm:choose>
+              <dgm:ruleLst>
+                <dgm:rule type="h" val="INF" fact="NaN" max="NaN"/>
+              </dgm:ruleLst>
+            </dgm:layoutNode>
+            <dgm:layoutNode name="desTx" styleLbl="revTx">
+              <dgm:varLst>
+                <dgm:bulletEnabled val="1"/>
+              </dgm:varLst>
+              <dgm:alg type="tx">
+                <dgm:param type="stBulletLvl" val="1"/>
+              </dgm:alg>
+              <dgm:choose name="Name16">
+                <dgm:if name="Name17" axis="ch" ptType="node" func="cnt" op="gte" val="1">
+                  <dgm:shape xmlns:r="http://schemas.openxmlformats.org/officeDocument/2006/relationships" type="rect" r:blip="">
+                    <dgm:adjLst/>
+                  </dgm:shape>
+                </dgm:if>
+                <dgm:else name="Name18">
+                  <dgm:shape xmlns:r="http://schemas.openxmlformats.org/officeDocument/2006/relationships" type="rect" r:blip="" hideGeom="1">
+                    <dgm:adjLst/>
+                  </dgm:shape>
+                </dgm:else>
+              </dgm:choose>
+              <dgm:presOf axis="des" ptType="node"/>
+              <dgm:constrLst>
+                <dgm:constr type="secFontSz" val="65"/>
+                <dgm:constr type="primFontSz" refType="secFontSz"/>
+                <dgm:constr type="h"/>
+                <dgm:constr type="tMarg"/>
+                <dgm:constr type="bMarg"/>
+                <dgm:constr type="rMarg"/>
+                <dgm:constr type="lMarg"/>
+              </dgm:constrLst>
+              <dgm:ruleLst>
+                <dgm:rule type="h" val="INF" fact="NaN" max="NaN"/>
+              </dgm:ruleLst>
+            </dgm:layoutNode>
+          </dgm:layoutNode>
+          <dgm:forEach name="Name19" axis="followSib" ptType="sibTrans" cnt="1">
+            <dgm:layoutNode name="space">
+              <dgm:alg type="sp"/>
+              <dgm:shape xmlns:r="http://schemas.openxmlformats.org/officeDocument/2006/relationships" r:blip="">
+                <dgm:adjLst/>
+              </dgm:shape>
+              <dgm:presOf/>
+              <dgm:constrLst/>
+              <dgm:ruleLst/>
+            </dgm:layoutNode>
+          </dgm:forEach>
+        </dgm:forEach>
+      </dgm:if>
+      <dgm:else name="Name20">
+        <dgm:constrLst>
+          <dgm:constr type="w" for="ch" forName="parTxOnly" refType="w"/>
+          <dgm:constr type="h" for="des" forName="parTxOnly" op="equ"/>
+          <dgm:constr type="primFontSz" for="des" forName="parTxOnly" op="equ" val="65"/>
+          <dgm:constr type="w" for="ch" forName="parTxOnlySpace" refType="w" refFor="ch" refForName="parTxOnly" fact="-0.1"/>
+        </dgm:constrLst>
+        <dgm:ruleLst/>
+        <dgm:forEach name="Name21" axis="ch" ptType="node">
+          <dgm:layoutNode name="parTxOnly">
+            <dgm:varLst>
+              <dgm:chMax val="0"/>
+              <dgm:chPref val="0"/>
+              <dgm:bulletEnabled val="1"/>
+            </dgm:varLst>
+            <dgm:alg type="tx"/>
+            <dgm:choose name="Name22">
+              <dgm:if name="Name23" func="var" arg="dir" op="equ" val="norm">
+                <dgm:shape xmlns:r="http://schemas.openxmlformats.org/officeDocument/2006/relationships" type="chevron" r:blip="">
+                  <dgm:adjLst/>
+                </dgm:shape>
+              </dgm:if>
+              <dgm:else name="Name24">
+                <dgm:shape xmlns:r="http://schemas.openxmlformats.org/officeDocument/2006/relationships" rot="180" type="chevron" r:blip="">
+                  <dgm:adjLst/>
+                </dgm:shape>
+              </dgm:else>
+            </dgm:choose>
+            <dgm:presOf axis="self" ptType="node"/>
+            <dgm:choose name="Name25">
+              <dgm:if name="Name26" func="var" arg="dir" op="equ" val="norm">
+                <dgm:constrLst>
+                  <dgm:constr type="h" refType="w" op="equ" fact="0.4"/>
+                  <dgm:constr type="tMarg" refType="primFontSz" fact="0.105"/>
+                  <dgm:constr type="bMarg" refType="primFontSz" fact="0.105"/>
+                  <dgm:constr type="lMarg" refType="primFontSz" fact="0.315"/>
+                  <dgm:constr type="rMarg" refType="primFontSz" fact="0.105"/>
+                </dgm:constrLst>
+              </dgm:if>
+              <dgm:else name="Name27">
+                <dgm:constrLst>
+                  <dgm:constr type="h" refType="w" op="equ" fact="0.4"/>
+                  <dgm:constr type="tMarg" refType="primFontSz" fact="0.105"/>
+                  <dgm:constr type="bMarg" refType="primFontSz" fact="0.105"/>
+                  <dgm:constr type="lMarg" refType="primFontSz" fact="0.105"/>
+                  <dgm:constr type="rMarg" refType="primFontSz" fact="0.315"/>
+                </dgm:constrLst>
+              </dgm:else>
+            </dgm:choose>
+            <dgm:ruleLst>
+              <dgm:rule type="primFontSz" val="5" fact="NaN" max="NaN"/>
+            </dgm:ruleLst>
+          </dgm:layoutNode>
+          <dgm:forEach name="Name28" axis="followSib" ptType="sibTrans" cnt="1">
+            <dgm:layoutNode name="parTxOnlySpace">
+              <dgm:alg type="sp"/>
+              <dgm:shape xmlns:r="http://schemas.openxmlformats.org/officeDocument/2006/relationships" r:blip="">
+                <dgm:adjLst/>
+              </dgm:shape>
+              <dgm:presOf/>
+              <dgm:constrLst/>
+              <dgm:ruleLst/>
+            </dgm:layoutNode>
+          </dgm:forEach>
+        </dgm:forEach>
+      </dgm:else>
+    </dgm:choose>
+  </dgm:layoutNode>
+</dgm:layoutDef>
+</file>
+
+<file path=ppt/diagrams/quickStyle1.xml><?xml version="1.0" encoding="utf-8"?>
+<dgm:styleDef xmlns:dgm="http://schemas.openxmlformats.org/drawingml/2006/diagram" xmlns:a="http://schemas.openxmlformats.org/drawingml/2006/main" uniqueId="urn:microsoft.com/office/officeart/2005/8/quickstyle/simple1">
+  <dgm:title val=""/>
+  <dgm:desc val=""/>
+  <dgm:catLst>
+    <dgm:cat type="simple" pri="10100"/>
+  </dgm:catLst>
+  <dgm:scene3d>
+    <a:camera prst="orthographicFront"/>
+    <a:lightRig rig="threePt" dir="t"/>
+  </dgm:scene3d>
+  <dgm:styleLbl name="node0">
+    <dgm:scene3d>
+      <a:camera prst="orthographicFront"/>
+      <a:lightRig rig="threePt" dir="t"/>
+    </dgm:scene3d>
+    <dgm:sp3d/>
+    <dgm:txPr/>
+    <dgm:style>
+      <a:lnRef idx="2">
+        <a:scrgbClr r="0" g="0" b="0"/>
+      </a:lnRef>
+      <a:fillRef idx="1">
+        <a:scrgbClr r="0" g="0" b="0"/>
+      </a:fillRef>
+      <a:effectRef idx="0">
+        <a:scrgbClr r="0" g="0" b="0"/>
+      </a:effectRef>
+      <a:fontRef idx="minor">
+        <a:schemeClr val="lt1"/>
+      </a:fontRef>
+    </dgm:style>
+  </dgm:styleLbl>
+  <dgm:styleLbl name="lnNode1">
+    <dgm:scene3d>
+      <a:camera prst="orthographicFront"/>
+      <a:lightRig rig="threePt" dir="t"/>
+    </dgm:scene3d>
+    <dgm:sp3d/>
+    <dgm:txPr/>
+    <dgm:style>
+      <a:lnRef idx="2">
+        <a:scrgbClr r="0" g="0" b="0"/>
+      </a:lnRef>
+      <a:fillRef idx="1">
+        <a:scrgbClr r="0" g="0" b="0"/>
+      </a:fillRef>
+      <a:effectRef idx="0">
+        <a:scrgbClr r="0" g="0" b="0"/>
+      </a:effectRef>
+      <a:fontRef idx="minor">
+        <a:schemeClr val="lt1"/>
+      </a:fontRef>
+    </dgm:style>
+  </dgm:styleLbl>
+  <dgm:styleLbl name="vennNode1">
+    <dgm:scene3d>
+      <a:camera prst="orthographicFront"/>
+      <a:lightRig rig="threePt" dir="t"/>
+    </dgm:scene3d>
+    <dgm:sp3d/>
+    <dgm:txPr/>
+    <dgm:style>
+      <a:lnRef idx="2">
+        <a:scrgbClr r="0" g="0" b="0"/>
+      </a:lnRef>
+      <a:fillRef idx="1">
+        <a:scrgbClr r="0" g="0" b="0"/>
+      </a:fillRef>
+      <a:effectRef idx="0">
+        <a:scrgbClr r="0" g="0" b="0"/>
+      </a:effectRef>
+      <a:fontRef idx="minor">
+        <a:schemeClr val="tx1"/>
+      </a:fontRef>
+    </dgm:style>
+  </dgm:styleLbl>
+  <dgm:styleLbl name="alignNode1">
+    <dgm:scene3d>
+      <a:camera prst="orthographicFront"/>
+      <a:lightRig rig="threePt" dir="t"/>
+    </dgm:scene3d>
+    <dgm:sp3d/>
+    <dgm:txPr/>
+    <dgm:style>
+      <a:lnRef idx="2">
+        <a:scrgbClr r="0" g="0" b="0"/>
+      </a:lnRef>
+      <a:fillRef idx="1">
+        <a:scrgbClr r="0" g="0" b="0"/>
+      </a:fillRef>
+      <a:effectRef idx="0">
+        <a:scrgbClr r="0" g="0" b="0"/>
+      </a:effectRef>
+      <a:fontRef idx="minor">
+        <a:schemeClr val="lt1"/>
+      </a:fontRef>
+    </dgm:style>
+  </dgm:styleLbl>
+  <dgm:styleLbl name="node1">
+    <dgm:scene3d>
+      <a:camera prst="orthographicFront"/>
+      <a:lightRig rig="threePt" dir="t"/>
+    </dgm:scene3d>
+    <dgm:sp3d/>
+    <dgm:txPr/>
+    <dgm:style>
+      <a:lnRef idx="2">
+        <a:scrgbClr r="0" g="0" b="0"/>
+      </a:lnRef>
+      <a:fillRef idx="1">
+        <a:scrgbClr r="0" g="0" b="0"/>
+      </a:fillRef>
+      <a:effectRef idx="0">
+        <a:scrgbClr r="0" g="0" b="0"/>
+      </a:effectRef>
+      <a:fontRef idx="minor">
+        <a:schemeClr val="lt1"/>
+      </a:fontRef>
+    </dgm:style>
+  </dgm:styleLbl>
+  <dgm:styleLbl name="node2">
+    <dgm:scene3d>
+      <a:camera prst="orthographicFront"/>
+      <a:lightRig rig="threePt" dir="t"/>
+    </dgm:scene3d>
+    <dgm:sp3d/>
+    <dgm:txPr/>
+    <dgm:style>
+      <a:lnRef idx="2">
+        <a:scrgbClr r="0" g="0" b="0"/>
+      </a:lnRef>
+      <a:fillRef idx="1">
+        <a:scrgbClr r="0" g="0" b="0"/>
+      </a:fillRef>
+      <a:effectRef idx="0">
+        <a:scrgbClr r="0" g="0" b="0"/>
+      </a:effectRef>
+      <a:fontRef idx="minor">
+        <a:schemeClr val="lt1"/>
+      </a:fontRef>
+    </dgm:style>
+  </dgm:styleLbl>
+  <dgm:styleLbl name="node3">
+    <dgm:scene3d>
+      <a:camera prst="orthographicFront"/>
+      <a:lightRig rig="threePt" dir="t"/>
+    </dgm:scene3d>
+    <dgm:sp3d/>
+    <dgm:txPr/>
+    <dgm:style>
+      <a:lnRef idx="2">
+        <a:scrgbClr r="0" g="0" b="0"/>
+      </a:lnRef>
+      <a:fillRef idx="1">
+        <a:scrgbClr r="0" g="0" b="0"/>
+      </a:fillRef>
+      <a:effectRef idx="0">
+        <a:scrgbClr r="0" g="0" b="0"/>
+      </a:effectRef>
+      <a:fontRef idx="minor">
+        <a:schemeClr val="lt1"/>
+      </a:fontRef>
+    </dgm:style>
+  </dgm:styleLbl>
+  <dgm:styleLbl name="node4">
+    <dgm:scene3d>
+      <a:camera prst="orthographicFront"/>
+      <a:lightRig rig="threePt" dir="t"/>
+    </dgm:scene3d>
+    <dgm:sp3d/>
+    <dgm:txPr/>
+    <dgm:style>
+      <a:lnRef idx="2">
+        <a:scrgbClr r="0" g="0" b="0"/>
+      </a:lnRef>
+      <a:fillRef idx="1">
+        <a:scrgbClr r="0" g="0" b="0"/>
+      </a:fillRef>
+      <a:effectRef idx="0">
+        <a:scrgbClr r="0" g="0" b="0"/>
+      </a:effectRef>
+      <a:fontRef idx="minor">
+        <a:schemeClr val="lt1"/>
+      </a:fontRef>
+    </dgm:style>
+  </dgm:styleLbl>
+  <dgm:styleLbl name="fgImgPlace1">
+    <dgm:scene3d>
+      <a:camera prst="orthographicFront"/>
+      <a:lightRig rig="threePt" dir="t"/>
+    </dgm:scene3d>
+    <dgm:sp3d/>
+    <dgm:txPr/>
+    <dgm:style>
+      <a:lnRef idx="2">
+        <a:scrgbClr r="0" g="0" b="0"/>
+      </a:lnRef>
+      <a:fillRef idx="1">
+        <a:scrgbClr r="0" g="0" b="0"/>
+      </a:fillRef>
+      <a:effectRef idx="0">
+        <a:scrgbClr r="0" g="0" b="0"/>
+      </a:effectRef>
+      <a:fontRef idx="minor"/>
+    </dgm:style>
+  </dgm:styleLbl>
+  <dgm:styleLbl name="alignImgPlace1">
+    <dgm:scene3d>
+      <a:camera prst="orthographicFront"/>
+      <a:lightRig rig="threePt" dir="t"/>
+    </dgm:scene3d>
+    <dgm:sp3d/>
+    <dgm:txPr/>
+    <dgm:style>
+      <a:lnRef idx="2">
+        <a:scrgbClr r="0" g="0" b="0"/>
+      </a:lnRef>
+      <a:fillRef idx="1">
+        <a:scrgbClr r="0" g="0" b="0"/>
+      </a:fillRef>
+      <a:effectRef idx="0">
+        <a:scrgbClr r="0" g="0" b="0"/>
+      </a:effectRef>
+      <a:fontRef idx="minor"/>
+    </dgm:style>
+  </dgm:styleLbl>
+  <dgm:styleLbl name="bgImgPlace1">
+    <dgm:scene3d>
+      <a:camera prst="orthographicFront"/>
+      <a:lightRig rig="threePt" dir="t"/>
+    </dgm:scene3d>
+    <dgm:sp3d/>
+    <dgm:txPr/>
+    <dgm:style>
+      <a:lnRef idx="2">
+        <a:scrgbClr r="0" g="0" b="0"/>
+      </a:lnRef>
+      <a:fillRef idx="1">
+        <a:scrgbClr r="0" g="0" b="0"/>
+      </a:fillRef>
+      <a:effectRef idx="0">
+        <a:scrgbClr r="0" g="0" b="0"/>
+      </a:effectRef>
+      <a:fontRef idx="minor"/>
+    </dgm:style>
+  </dgm:styleLbl>
+  <dgm:styleLbl name="sibTrans2D1">
+    <dgm:scene3d>
+      <a:camera prst="orthographicFront"/>
+      <a:lightRig rig="threePt" dir="t"/>
+    </dgm:scene3d>
+    <dgm:sp3d/>
+    <dgm:txPr/>
+    <dgm:style>
+      <a:lnRef idx="0">
+        <a:scrgbClr r="0" g="0" b="0"/>
+      </a:lnRef>
+      <a:fillRef idx="1">
+        <a:scrgbClr r="0" g="0" b="0"/>
+      </a:fillRef>
+      <a:effectRef idx="0">
+        <a:scrgbClr r="0" g="0" b="0"/>
+      </a:effectRef>
+      <a:fontRef idx="minor">
+        <a:schemeClr val="lt1"/>
+      </a:fontRef>
+    </dgm:style>
+  </dgm:styleLbl>
+  <dgm:styleLbl name="fgSibTrans2D1">
+    <dgm:scene3d>
+      <a:camera prst="orthographicFront"/>
+      <a:lightRig rig="threePt" dir="t"/>
+    </dgm:scene3d>
+    <dgm:sp3d/>
+    <dgm:txPr/>
+    <dgm:style>
+      <a:lnRef idx="0">
+        <a:scrgbClr r="0" g="0" b="0"/>
+      </a:lnRef>
+      <a:fillRef idx="1">
+        <a:scrgbClr r="0" g="0" b="0"/>
+      </a:fillRef>
+      <a:effectRef idx="0">
+        <a:scrgbClr r="0" g="0" b="0"/>
+      </a:effectRef>
+      <a:fontRef idx="minor">
+        <a:schemeClr val="lt1"/>
+      </a:fontRef>
+    </dgm:style>
+  </dgm:styleLbl>
+  <dgm:styleLbl name="bgSibTrans2D1">
+    <dgm:scene3d>
+      <a:camera prst="orthographicFront"/>
+      <a:lightRig rig="threePt" dir="t"/>
+    </dgm:scene3d>
+    <dgm:sp3d/>
+    <dgm:txPr/>
+    <dgm:style>
+      <a:lnRef idx="0">
+        <a:scrgbClr r="0" g="0" b="0"/>
+      </a:lnRef>
+      <a:fillRef idx="1">
+        <a:scrgbClr r="0" g="0" b="0"/>
+      </a:fillRef>
+      <a:effectRef idx="0">
+        <a:scrgbClr r="0" g="0" b="0"/>
+      </a:effectRef>
+      <a:fontRef idx="minor">
+        <a:schemeClr val="lt1"/>
+      </a:fontRef>
+    </dgm:style>
+  </dgm:styleLbl>
+  <dgm:styleLbl name="sibTrans1D1">
+    <dgm:scene3d>
+      <a:camera prst="orthographicFront"/>
+      <a:lightRig rig="threePt" dir="t"/>
+    </dgm:scene3d>
+    <dgm:sp3d/>
+    <dgm:txPr/>
+    <dgm:style>
+      <a:lnRef idx="1">
+        <a:scrgbClr r="0" g="0" b="0"/>
+      </a:lnRef>
+      <a:fillRef idx="0">
+        <a:scrgbClr r="0" g="0" b="0"/>
+      </a:fillRef>
+      <a:effectRef idx="0">
+        <a:scrgbClr r="0" g="0" b="0"/>
+      </a:effectRef>
+      <a:fontRef idx="minor"/>
+    </dgm:style>
+  </dgm:styleLbl>
+  <dgm:styleLbl name="callout">
+    <dgm:scene3d>
+      <a:camera prst="orthographicFront"/>
+      <a:lightRig rig="threePt" dir="t"/>
+    </dgm:scene3d>
+    <dgm:sp3d/>
+    <dgm:txPr/>
+    <dgm:style>
+      <a:lnRef idx="2">
+        <a:scrgbClr r="0" g="0" b="0"/>
+      </a:lnRef>
+      <a:fillRef idx="1">
+        <a:scrgbClr r="0" g="0" b="0"/>
+      </a:fillRef>
+      <a:effectRef idx="0">
+        <a:scrgbClr r="0" g="0" b="0"/>
+      </a:effectRef>
+      <a:fontRef idx="minor"/>
+    </dgm:style>
+  </dgm:styleLbl>
+  <dgm:styleLbl name="asst0">
+    <dgm:scene3d>
+      <a:camera prst="orthographicFront"/>
+      <a:lightRig rig="threePt" dir="t"/>
+    </dgm:scene3d>
+    <dgm:sp3d/>
+    <dgm:txPr/>
+    <dgm:style>
+      <a:lnRef idx="2">
+        <a:scrgbClr r="0" g="0" b="0"/>
+      </a:lnRef>
+      <a:fillRef idx="1">
+        <a:scrgbClr r="0" g="0" b="0"/>
+      </a:fillRef>
+      <a:effectRef idx="0">
+        <a:scrgbClr r="0" g="0" b="0"/>
+      </a:effectRef>
+      <a:fontRef idx="minor">
+        <a:schemeClr val="lt1"/>
+      </a:fontRef>
+    </dgm:style>
+  </dgm:styleLbl>
+  <dgm:styleLbl name="asst1">
+    <dgm:scene3d>
+      <a:camera prst="orthographicFront"/>
+      <a:lightRig rig="threePt" dir="t"/>
+    </dgm:scene3d>
+    <dgm:sp3d/>
+    <dgm:txPr/>
+    <dgm:style>
+      <a:lnRef idx="2">
+        <a:scrgbClr r="0" g="0" b="0"/>
+      </a:lnRef>
+      <a:fillRef idx="1">
+        <a:scrgbClr r="0" g="0" b="0"/>
+      </a:fillRef>
+      <a:effectRef idx="0">
+        <a:scrgbClr r="0" g="0" b="0"/>
+      </a:effectRef>
+      <a:fontRef idx="minor">
+        <a:schemeClr val="lt1"/>
+      </a:fontRef>
+    </dgm:style>
+  </dgm:styleLbl>
+  <dgm:styleLbl name="asst2">
+    <dgm:scene3d>
+      <a:camera prst="orthographicFront"/>
+      <a:lightRig rig="threePt" dir="t"/>
+    </dgm:scene3d>
+    <dgm:sp3d/>
+    <dgm:txPr/>
+    <dgm:style>
+      <a:lnRef idx="2">
+        <a:scrgbClr r="0" g="0" b="0"/>
+      </a:lnRef>
+      <a:fillRef idx="1">
+        <a:scrgbClr r="0" g="0" b="0"/>
+      </a:fillRef>
+      <a:effectRef idx="0">
+        <a:scrgbClr r="0" g="0" b="0"/>
+      </a:effectRef>
+      <a:fontRef idx="minor">
+        <a:schemeClr val="lt1"/>
+      </a:fontRef>
+    </dgm:style>
+  </dgm:styleLbl>
+  <dgm:styleLbl name="asst3">
+    <dgm:scene3d>
+      <a:camera prst="orthographicFront"/>
+      <a:lightRig rig="threePt" dir="t"/>
+    </dgm:scene3d>
+    <dgm:sp3d/>
+    <dgm:txPr/>
+    <dgm:style>
+      <a:lnRef idx="2">
+        <a:scrgbClr r="0" g="0" b="0"/>
+      </a:lnRef>
+      <a:fillRef idx="1">
+        <a:scrgbClr r="0" g="0" b="0"/>
+      </a:fillRef>
+      <a:effectRef idx="0">
+        <a:scrgbClr r="0" g="0" b="0"/>
+      </a:effectRef>
+      <a:fontRef idx="minor">
+        <a:schemeClr val="lt1"/>
+      </a:fontRef>
+    </dgm:style>
+  </dgm:styleLbl>
+  <dgm:styleLbl name="asst4">
+    <dgm:scene3d>
+      <a:camera prst="orthographicFront"/>
+      <a:lightRig rig="threePt" dir="t"/>
+    </dgm:scene3d>
+    <dgm:sp3d/>
+    <dgm:txPr/>
+    <dgm:style>
+      <a:lnRef idx="2">
+        <a:scrgbClr r="0" g="0" b="0"/>
+      </a:lnRef>
+      <a:fillRef idx="1">
+        <a:scrgbClr r="0" g="0" b="0"/>
+      </a:fillRef>
+      <a:effectRef idx="0">
+        <a:scrgbClr r="0" g="0" b="0"/>
+      </a:effectRef>
+      <a:fontRef idx="minor">
+        <a:schemeClr val="lt1"/>
+      </a:fontRef>
+    </dgm:style>
+  </dgm:styleLbl>
+  <dgm:styleLbl name="parChTrans2D1">
+    <dgm:scene3d>
+      <a:camera prst="orthographicFront"/>
+      <a:lightRig rig="threePt" dir="t"/>
+    </dgm:scene3d>
+    <dgm:sp3d/>
+    <dgm:txPr/>
+    <dgm:style>
+      <a:lnRef idx="2">
+        <a:scrgbClr r="0" g="0" b="0"/>
+      </a:lnRef>
+      <a:fillRef idx="1">
+        <a:scrgbClr r="0" g="0" b="0"/>
+      </a:fillRef>
+      <a:effectRef idx="0">
+        <a:scrgbClr r="0" g="0" b="0"/>
+      </a:effectRef>
+      <a:fontRef idx="minor">
+        <a:schemeClr val="lt1"/>
+      </a:fontRef>
+    </dgm:style>
+  </dgm:styleLbl>
+  <dgm:styleLbl name="parChTrans2D2">
+    <dgm:scene3d>
+      <a:camera prst="orthographicFront"/>
+      <a:lightRig rig="threePt" dir="t"/>
+    </dgm:scene3d>
+    <dgm:sp3d/>
+    <dgm:txPr/>
+    <dgm:style>
+      <a:lnRef idx="2">
+        <a:scrgbClr r="0" g="0" b="0"/>
+      </a:lnRef>
+      <a:fillRef idx="1">
+        <a:scrgbClr r="0" g="0" b="0"/>
+      </a:fillRef>
+      <a:effectRef idx="0">
+        <a:scrgbClr r="0" g="0" b="0"/>
+      </a:effectRef>
+      <a:fontRef idx="minor">
+        <a:schemeClr val="lt1"/>
+      </a:fontRef>
+    </dgm:style>
+  </dgm:styleLbl>
+  <dgm:styleLbl name="parChTrans2D3">
+    <dgm:scene3d>
+      <a:camera prst="orthographicFront"/>
+      <a:lightRig rig="threePt" dir="t"/>
+    </dgm:scene3d>
+    <dgm:sp3d/>
+    <dgm:txPr/>
+    <dgm:style>
+      <a:lnRef idx="2">
+        <a:scrgbClr r="0" g="0" b="0"/>
+      </a:lnRef>
+      <a:fillRef idx="1">
+        <a:scrgbClr r="0" g="0" b="0"/>
+      </a:fillRef>
+      <a:effectRef idx="0">
+        <a:scrgbClr r="0" g="0" b="0"/>
+      </a:effectRef>
+      <a:fontRef idx="minor">
+        <a:schemeClr val="lt1"/>
+      </a:fontRef>
+    </dgm:style>
+  </dgm:styleLbl>
+  <dgm:styleLbl name="parChTrans2D4">
+    <dgm:scene3d>
+      <a:camera prst="orthographicFront"/>
+      <a:lightRig rig="threePt" dir="t"/>
+    </dgm:scene3d>
+    <dgm:sp3d/>
+    <dgm:txPr/>
+    <dgm:style>
+      <a:lnRef idx="2">
+        <a:scrgbClr r="0" g="0" b="0"/>
+      </a:lnRef>
+      <a:fillRef idx="1">
+        <a:scrgbClr r="0" g="0" b="0"/>
+      </a:fillRef>
+      <a:effectRef idx="0">
+        <a:scrgbClr r="0" g="0" b="0"/>
+      </a:effectRef>
+      <a:fontRef idx="minor">
+        <a:schemeClr val="lt1"/>
+      </a:fontRef>
+    </dgm:style>
+  </dgm:styleLbl>
+  <dgm:styleLbl name="parChTrans1D1">
+    <dgm:scene3d>
+      <a:camera prst="orthographicFront"/>
+      <a:lightRig rig="threePt" dir="t"/>
+    </dgm:scene3d>
+    <dgm:sp3d/>
+    <dgm:txPr/>
+    <dgm:style>
+      <a:lnRef idx="2">
+        <a:scrgbClr r="0" g="0" b="0"/>
+      </a:lnRef>
+      <a:fillRef idx="0">
+        <a:scrgbClr r="0" g="0" b="0"/>
+      </a:fillRef>
+      <a:effectRef idx="0">
+        <a:scrgbClr r="0" g="0" b="0"/>
+      </a:effectRef>
+      <a:fontRef idx="minor"/>
+    </dgm:style>
+  </dgm:styleLbl>
+  <dgm:styleLbl name="parChTrans1D2">
+    <dgm:scene3d>
+      <a:camera prst="orthographicFront"/>
+      <a:lightRig rig="threePt" dir="t"/>
+    </dgm:scene3d>
+    <dgm:sp3d/>
+    <dgm:txPr/>
+    <dgm:style>
+      <a:lnRef idx="2">
+        <a:scrgbClr r="0" g="0" b="0"/>
+      </a:lnRef>
+      <a:fillRef idx="0">
+        <a:scrgbClr r="0" g="0" b="0"/>
+      </a:fillRef>
+      <a:effectRef idx="0">
+        <a:scrgbClr r="0" g="0" b="0"/>
+      </a:effectRef>
+      <a:fontRef idx="minor"/>
+    </dgm:style>
+  </dgm:styleLbl>
+  <dgm:styleLbl name="parChTrans1D3">
+    <dgm:scene3d>
+      <a:camera prst="orthographicFront"/>
+      <a:lightRig rig="threePt" dir="t"/>
+    </dgm:scene3d>
+    <dgm:sp3d/>
+    <dgm:txPr/>
+    <dgm:style>
+      <a:lnRef idx="2">
+        <a:scrgbClr r="0" g="0" b="0"/>
+      </a:lnRef>
+      <a:fillRef idx="0">
+        <a:scrgbClr r="0" g="0" b="0"/>
+      </a:fillRef>
+      <a:effectRef idx="0">
+        <a:scrgbClr r="0" g="0" b="0"/>
+      </a:effectRef>
+      <a:fontRef idx="minor"/>
+    </dgm:style>
+  </dgm:styleLbl>
+  <dgm:styleLbl name="parChTrans1D4">
+    <dgm:scene3d>
+      <a:camera prst="orthographicFront"/>
+      <a:lightRig rig="threePt" dir="t"/>
+    </dgm:scene3d>
+    <dgm:sp3d/>
+    <dgm:txPr/>
+    <dgm:style>
+      <a:lnRef idx="2">
+        <a:scrgbClr r="0" g="0" b="0"/>
+      </a:lnRef>
+      <a:fillRef idx="0">
+        <a:scrgbClr r="0" g="0" b="0"/>
+      </a:fillRef>
+      <a:effectRef idx="0">
+        <a:scrgbClr r="0" g="0" b="0"/>
+      </a:effectRef>
+      <a:fontRef idx="minor"/>
+    </dgm:style>
+  </dgm:styleLbl>
+  <dgm:styleLbl name="fgAcc1">
+    <dgm:scene3d>
+      <a:camera prst="orthographicFront"/>
+      <a:lightRig rig="threePt" dir="t"/>
+    </dgm:scene3d>
+    <dgm:sp3d/>
+    <dgm:txPr/>
+    <dgm:style>
+      <a:lnRef idx="2">
+        <a:scrgbClr r="0" g="0" b="0"/>
+      </a:lnRef>
+      <a:fillRef idx="1">
+        <a:scrgbClr r="0" g="0" b="0"/>
+      </a:fillRef>
+      <a:effectRef idx="0">
+        <a:scrgbClr r="0" g="0" b="0"/>
+      </a:effectRef>
+      <a:fontRef idx="minor"/>
+    </dgm:style>
+  </dgm:styleLbl>
+  <dgm:styleLbl name="conFgAcc1">
+    <dgm:scene3d>
+      <a:camera prst="orthographicFront"/>
+      <a:lightRig rig="threePt" dir="t"/>
+    </dgm:scene3d>
+    <dgm:sp3d/>
+    <dgm:txPr/>
+    <dgm:style>
+      <a:lnRef idx="2">
+        <a:scrgbClr r="0" g="0" b="0"/>
+      </a:lnRef>
+      <a:fillRef idx="1">
+        <a:scrgbClr r="0" g="0" b="0"/>
+      </a:fillRef>
+      <a:effectRef idx="0">
+        <a:scrgbClr r="0" g="0" b="0"/>
+      </a:effectRef>
+      <a:fontRef idx="minor"/>
+    </dgm:style>
+  </dgm:styleLbl>
+  <dgm:styleLbl name="alignAcc1">
+    <dgm:scene3d>
+      <a:camera prst="orthographicFront"/>
+      <a:lightRig rig="threePt" dir="t"/>
+    </dgm:scene3d>
+    <dgm:sp3d/>
+    <dgm:txPr/>
+    <dgm:style>
+      <a:lnRef idx="2">
+        <a:scrgbClr r="0" g="0" b="0"/>
+      </a:lnRef>
+      <a:fillRef idx="1">
+        <a:scrgbClr r="0" g="0" b="0"/>
+      </a:fillRef>
+      <a:effectRef idx="0">
+        <a:scrgbClr r="0" g="0" b="0"/>
+      </a:effectRef>
+      <a:fontRef idx="minor"/>
+    </dgm:style>
+  </dgm:styleLbl>
+  <dgm:styleLbl name="trAlignAcc1">
+    <dgm:scene3d>
+      <a:camera prst="orthographicFront"/>
+      <a:lightRig rig="threePt" dir="t"/>
+    </dgm:scene3d>
+    <dgm:sp3d/>
+    <dgm:txPr/>
+    <dgm:style>
+      <a:lnRef idx="1">
+        <a:scrgbClr r="0" g="0" b="0"/>
+      </a:lnRef>
+      <a:fillRef idx="1">
+        <a:scrgbClr r="0" g="0" b="0"/>
+      </a:fillRef>
+      <a:effectRef idx="0">
+        <a:scrgbClr r="0" g="0" b="0"/>
+      </a:effectRef>
+      <a:fontRef idx="minor"/>
+    </dgm:style>
+  </dgm:styleLbl>
+  <dgm:styleLbl name="bgAcc1">
+    <dgm:scene3d>
+      <a:camera prst="orthographicFront"/>
+      <a:lightRig rig="threePt" dir="t"/>
+    </dgm:scene3d>
+    <dgm:sp3d/>
+    <dgm:txPr/>
+    <dgm:style>
+      <a:lnRef idx="2">
+        <a:scrgbClr r="0" g="0" b="0"/>
+      </a:lnRef>
+      <a:fillRef idx="1">
+        <a:scrgbClr r="0" g="0" b="0"/>
+      </a:fillRef>
+      <a:effectRef idx="0">
+        <a:scrgbClr r="0" g="0" b="0"/>
+      </a:effectRef>
+      <a:fontRef idx="minor"/>
+    </dgm:style>
+  </dgm:styleLbl>
+  <dgm:styleLbl name="solidFgAcc1">
+    <dgm:scene3d>
+      <a:camera prst="orthographicFront"/>
+      <a:lightRig rig="threePt" dir="t"/>
+    </dgm:scene3d>
+    <dgm:sp3d/>
+    <dgm:txPr/>
+    <dgm:style>
+      <a:lnRef idx="2">
+        <a:scrgbClr r="0" g="0" b="0"/>
+      </a:lnRef>
+      <a:fillRef idx="1">
+        <a:scrgbClr r="0" g="0" b="0"/>
+      </a:fillRef>
+      <a:effectRef idx="0">
+        <a:scrgbClr r="0" g="0" b="0"/>
+      </a:effectRef>
+      <a:fontRef idx="minor"/>
+    </dgm:style>
+  </dgm:styleLbl>
+  <dgm:styleLbl name="solidAlignAcc1">
+    <dgm:scene3d>
+      <a:camera prst="orthographicFront"/>
+      <a:lightRig rig="threePt" dir="t"/>
+    </dgm:scene3d>
+    <dgm:sp3d/>
+    <dgm:txPr/>
+    <dgm:style>
+      <a:lnRef idx="2">
+        <a:scrgbClr r="0" g="0" b="0"/>
+      </a:lnRef>
+      <a:fillRef idx="1">
+        <a:scrgbClr r="0" g="0" b="0"/>
+      </a:fillRef>
+      <a:effectRef idx="0">
+        <a:scrgbClr r="0" g="0" b="0"/>
+      </a:effectRef>
+      <a:fontRef idx="minor"/>
+    </dgm:style>
+  </dgm:styleLbl>
+  <dgm:styleLbl name="solidBgAcc1">
+    <dgm:scene3d>
+      <a:camera prst="orthographicFront"/>
+      <a:lightRig rig="threePt" dir="t"/>
+    </dgm:scene3d>
+    <dgm:sp3d/>
+    <dgm:txPr/>
+    <dgm:style>
+      <a:lnRef idx="2">
+        <a:scrgbClr r="0" g="0" b="0"/>
+      </a:lnRef>
+      <a:fillRef idx="1">
+        <a:scrgbClr r="0" g="0" b="0"/>
+      </a:fillRef>
+      <a:effectRef idx="0">
+        <a:scrgbClr r="0" g="0" b="0"/>
+      </a:effectRef>
+      <a:fontRef idx="minor"/>
+    </dgm:style>
+  </dgm:styleLbl>
+  <dgm:styleLbl name="fgAccFollowNode1">
+    <dgm:scene3d>
+      <a:camera prst="orthographicFront"/>
+      <a:lightRig rig="threePt" dir="t"/>
+    </dgm:scene3d>
+    <dgm:sp3d/>
+    <dgm:txPr/>
+    <dgm:style>
+      <a:lnRef idx="2">
+        <a:scrgbClr r="0" g="0" b="0"/>
+      </a:lnRef>
+      <a:fillRef idx="1">
+        <a:scrgbClr r="0" g="0" b="0"/>
+      </a:fillRef>
+      <a:effectRef idx="0">
+        <a:scrgbClr r="0" g="0" b="0"/>
+      </a:effectRef>
+      <a:fontRef idx="minor"/>
+    </dgm:style>
+  </dgm:styleLbl>
+  <dgm:styleLbl name="alignAccFollowNode1">
+    <dgm:scene3d>
+      <a:camera prst="orthographicFront"/>
+      <a:lightRig rig="threePt" dir="t"/>
+    </dgm:scene3d>
+    <dgm:sp3d/>
+    <dgm:txPr/>
+    <dgm:style>
+      <a:lnRef idx="2">
+        <a:scrgbClr r="0" g="0" b="0"/>
+      </a:lnRef>
+      <a:fillRef idx="1">
+        <a:scrgbClr r="0" g="0" b="0"/>
+      </a:fillRef>
+      <a:effectRef idx="0">
+        <a:scrgbClr r="0" g="0" b="0"/>
+      </a:effectRef>
+      <a:fontRef idx="minor"/>
+    </dgm:style>
+  </dgm:styleLbl>
+  <dgm:styleLbl name="bgAccFollowNode1">
+    <dgm:scene3d>
+      <a:camera prst="orthographicFront"/>
+      <a:lightRig rig="threePt" dir="t"/>
+    </dgm:scene3d>
+    <dgm:sp3d/>
+    <dgm:txPr/>
+    <dgm:style>
+      <a:lnRef idx="2">
+        <a:scrgbClr r="0" g="0" b="0"/>
+      </a:lnRef>
+      <a:fillRef idx="1">
+        <a:scrgbClr r="0" g="0" b="0"/>
+      </a:fillRef>
+      <a:effectRef idx="0">
+        <a:scrgbClr r="0" g="0" b="0"/>
+      </a:effectRef>
+      <a:fontRef idx="minor"/>
+    </dgm:style>
+  </dgm:styleLbl>
+  <dgm:styleLbl name="fgAcc0">
+    <dgm:scene3d>
+      <a:camera prst="orthographicFront"/>
+      <a:lightRig rig="threePt" dir="t"/>
+    </dgm:scene3d>
+    <dgm:sp3d/>
+    <dgm:txPr/>
+    <dgm:style>
+      <a:lnRef idx="2">
+        <a:scrgbClr r="0" g="0" b="0"/>
+      </a:lnRef>
+      <a:fillRef idx="1">
+        <a:scrgbClr r="0" g="0" b="0"/>
+      </a:fillRef>
+      <a:effectRef idx="0">
+        <a:scrgbClr r="0" g="0" b="0"/>
+      </a:effectRef>
+      <a:fontRef idx="minor"/>
+    </dgm:style>
+  </dgm:styleLbl>
+  <dgm:styleLbl name="fgAcc2">
+    <dgm:scene3d>
+      <a:camera prst="orthographicFront"/>
+      <a:lightRig rig="threePt" dir="t"/>
+    </dgm:scene3d>
+    <dgm:sp3d/>
+    <dgm:txPr/>
+    <dgm:style>
+      <a:lnRef idx="2">
+        <a:scrgbClr r="0" g="0" b="0"/>
+      </a:lnRef>
+      <a:fillRef idx="1">
+        <a:scrgbClr r="0" g="0" b="0"/>
+      </a:fillRef>
+      <a:effectRef idx="0">
+        <a:scrgbClr r="0" g="0" b="0"/>
+      </a:effectRef>
+      <a:fontRef idx="minor"/>
+    </dgm:style>
+  </dgm:styleLbl>
+  <dgm:styleLbl name="fgAcc3">
+    <dgm:scene3d>
+      <a:camera prst="orthographicFront"/>
+      <a:lightRig rig="threePt" dir="t"/>
+    </dgm:scene3d>
+    <dgm:sp3d/>
+    <dgm:txPr/>
+    <dgm:style>
+      <a:lnRef idx="2">
+        <a:scrgbClr r="0" g="0" b="0"/>
+      </a:lnRef>
+      <a:fillRef idx="1">
+        <a:scrgbClr r="0" g="0" b="0"/>
+      </a:fillRef>
+      <a:effectRef idx="0">
+        <a:scrgbClr r="0" g="0" b="0"/>
+      </a:effectRef>
+      <a:fontRef idx="minor"/>
+    </dgm:style>
+  </dgm:styleLbl>
+  <dgm:styleLbl name="fgAcc4">
+    <dgm:scene3d>
+      <a:camera prst="orthographicFront"/>
+      <a:lightRig rig="threePt" dir="t"/>
+    </dgm:scene3d>
+    <dgm:sp3d/>
+    <dgm:txPr/>
+    <dgm:style>
+      <a:lnRef idx="2">
+        <a:scrgbClr r="0" g="0" b="0"/>
+      </a:lnRef>
+      <a:fillRef idx="1">
+        <a:scrgbClr r="0" g="0" b="0"/>
+      </a:fillRef>
+      <a:effectRef idx="0">
+        <a:scrgbClr r="0" g="0" b="0"/>
+      </a:effectRef>
+      <a:fontRef idx="minor"/>
+    </dgm:style>
+  </dgm:styleLbl>
+  <dgm:styleLbl name="bgShp">
+    <dgm:scene3d>
+      <a:camera prst="orthographicFront"/>
+      <a:lightRig rig="threePt" dir="t"/>
+    </dgm:scene3d>
+    <dgm:sp3d/>
+    <dgm:txPr/>
+    <dgm:style>
+      <a:lnRef idx="0">
+        <a:scrgbClr r="0" g="0" b="0"/>
+      </a:lnRef>
+      <a:fillRef idx="1">
+        <a:scrgbClr r="0" g="0" b="0"/>
+      </a:fillRef>
+      <a:effectRef idx="0">
+        <a:scrgbClr r="0" g="0" b="0"/>
+      </a:effectRef>
+      <a:fontRef idx="minor"/>
+    </dgm:style>
+  </dgm:styleLbl>
+  <dgm:styleLbl name="dkBgShp">
+    <dgm:scene3d>
+      <a:camera prst="orthographicFront"/>
+      <a:lightRig rig="threePt" dir="t"/>
+    </dgm:scene3d>
+    <dgm:sp3d/>
+    <dgm:txPr/>
+    <dgm:style>
+      <a:lnRef idx="0">
+        <a:scrgbClr r="0" g="0" b="0"/>
+      </a:lnRef>
+      <a:fillRef idx="1">
+        <a:scrgbClr r="0" g="0" b="0"/>
+      </a:fillRef>
+      <a:effectRef idx="0">
+        <a:scrgbClr r="0" g="0" b="0"/>
+      </a:effectRef>
+      <a:fontRef idx="minor"/>
+    </dgm:style>
+  </dgm:styleLbl>
+  <dgm:styleLbl name="trBgShp">
+    <dgm:scene3d>
+      <a:camera prst="orthographicFront"/>
+      <a:lightRig rig="threePt" dir="t"/>
+    </dgm:scene3d>
+    <dgm:sp3d/>
+    <dgm:txPr/>
+    <dgm:style>
+      <a:lnRef idx="0">
+        <a:scrgbClr r="0" g="0" b="0"/>
+      </a:lnRef>
+      <a:fillRef idx="1">
+        <a:scrgbClr r="0" g="0" b="0"/>
+      </a:fillRef>
+      <a:effectRef idx="0">
+        <a:scrgbClr r="0" g="0" b="0"/>
+      </a:effectRef>
+      <a:fontRef idx="minor"/>
+    </dgm:style>
+  </dgm:styleLbl>
+  <dgm:styleLbl name="fgShp">
+    <dgm:scene3d>
+      <a:camera prst="orthographicFront"/>
+      <a:lightRig rig="threePt" dir="t"/>
+    </dgm:scene3d>
+    <dgm:sp3d/>
+    <dgm:txPr/>
+    <dgm:style>
+      <a:lnRef idx="2">
+        <a:scrgbClr r="0" g="0" b="0"/>
+      </a:lnRef>
+      <a:fillRef idx="1">
+        <a:scrgbClr r="0" g="0" b="0"/>
+      </a:fillRef>
+      <a:effectRef idx="0">
+        <a:scrgbClr r="0" g="0" b="0"/>
+      </a:effectRef>
+      <a:fontRef idx="minor"/>
+    </dgm:style>
+  </dgm:styleLbl>
+  <dgm:styleLbl name="revTx">
+    <dgm:scene3d>
+      <a:camera prst="orthographicFront"/>
+      <a:lightRig rig="threePt" dir="t"/>
+    </dgm:scene3d>
+    <dgm:sp3d/>
+    <dgm:txPr/>
+    <dgm:style>
+      <a:lnRef idx="0">
+        <a:scrgbClr r="0" g="0" b="0"/>
+      </a:lnRef>
+      <a:fillRef idx="0">
+        <a:scrgbClr r="0" g="0" b="0"/>
+      </a:fillRef>
+      <a:effectRef idx="0">
+        <a:scrgbClr r="0" g="0" b="0"/>
+      </a:effectRef>
+      <a:fontRef idx="minor"/>
+    </dgm:style>
+  </dgm:styleLbl>
+</dgm:styleDef>
+</file>
+
 <file path=ppt/slideLayouts/slideLayout1.xml><?xml version="1.0" encoding="utf-8"?>
 <p:sldLayout xmlns:a="http://schemas.openxmlformats.org/drawingml/2006/main" xmlns:r="http://schemas.openxmlformats.org/officeDocument/2006/relationships" xmlns:p="http://schemas.openxmlformats.org/presentationml/2006/main" type="title" preserve="1">
   <p:cSld name="标题幻灯片">
@@ -1269,7 +4016,7 @@
           <a:p>
             <a:fld id="{B4479263-12C3-432F-81BB-552B9643B5ED}" type="datetimeFigureOut">
               <a:rPr lang="zh-CN" altLang="en-US" smtClean="0"/>
-              <a:t>2018/6/29</a:t>
+              <a:t>6/29</a:t>
             </a:fld>
             <a:endParaRPr lang="zh-CN" altLang="en-US"/>
           </a:p>
@@ -1467,7 +4214,7 @@
           <a:p>
             <a:fld id="{B4479263-12C3-432F-81BB-552B9643B5ED}" type="datetimeFigureOut">
               <a:rPr lang="zh-CN" altLang="en-US" smtClean="0"/>
-              <a:t>2018/6/29</a:t>
+              <a:t>6/29</a:t>
             </a:fld>
             <a:endParaRPr lang="zh-CN" altLang="en-US"/>
           </a:p>
@@ -1675,7 +4422,7 @@
           <a:p>
             <a:fld id="{B4479263-12C3-432F-81BB-552B9643B5ED}" type="datetimeFigureOut">
               <a:rPr lang="zh-CN" altLang="en-US" smtClean="0"/>
-              <a:t>2018/6/29</a:t>
+              <a:t>6/29</a:t>
             </a:fld>
             <a:endParaRPr lang="zh-CN" altLang="en-US"/>
           </a:p>
@@ -1873,7 +4620,7 @@
           <a:p>
             <a:fld id="{B4479263-12C3-432F-81BB-552B9643B5ED}" type="datetimeFigureOut">
               <a:rPr lang="zh-CN" altLang="en-US" smtClean="0"/>
-              <a:t>2018/6/29</a:t>
+              <a:t>6/29</a:t>
             </a:fld>
             <a:endParaRPr lang="zh-CN" altLang="en-US"/>
           </a:p>
@@ -2148,7 +4895,7 @@
           <a:p>
             <a:fld id="{B4479263-12C3-432F-81BB-552B9643B5ED}" type="datetimeFigureOut">
               <a:rPr lang="zh-CN" altLang="en-US" smtClean="0"/>
-              <a:t>2018/6/29</a:t>
+              <a:t>6/29</a:t>
             </a:fld>
             <a:endParaRPr lang="zh-CN" altLang="en-US"/>
           </a:p>
@@ -2413,7 +5160,7 @@
           <a:p>
             <a:fld id="{B4479263-12C3-432F-81BB-552B9643B5ED}" type="datetimeFigureOut">
               <a:rPr lang="zh-CN" altLang="en-US" smtClean="0"/>
-              <a:t>2018/6/29</a:t>
+              <a:t>6/29</a:t>
             </a:fld>
             <a:endParaRPr lang="zh-CN" altLang="en-US"/>
           </a:p>
@@ -2825,7 +5572,7 @@
           <a:p>
             <a:fld id="{B4479263-12C3-432F-81BB-552B9643B5ED}" type="datetimeFigureOut">
               <a:rPr lang="zh-CN" altLang="en-US" smtClean="0"/>
-              <a:t>2018/6/29</a:t>
+              <a:t>6/29</a:t>
             </a:fld>
             <a:endParaRPr lang="zh-CN" altLang="en-US"/>
           </a:p>
@@ -2966,7 +5713,7 @@
           <a:p>
             <a:fld id="{B4479263-12C3-432F-81BB-552B9643B5ED}" type="datetimeFigureOut">
               <a:rPr lang="zh-CN" altLang="en-US" smtClean="0"/>
-              <a:t>2018/6/29</a:t>
+              <a:t>6/29</a:t>
             </a:fld>
             <a:endParaRPr lang="zh-CN" altLang="en-US"/>
           </a:p>
@@ -3079,7 +5826,7 @@
           <a:p>
             <a:fld id="{B4479263-12C3-432F-81BB-552B9643B5ED}" type="datetimeFigureOut">
               <a:rPr lang="zh-CN" altLang="en-US" smtClean="0"/>
-              <a:t>2018/6/29</a:t>
+              <a:t>6/29</a:t>
             </a:fld>
             <a:endParaRPr lang="zh-CN" altLang="en-US"/>
           </a:p>
@@ -3390,7 +6137,7 @@
           <a:p>
             <a:fld id="{B4479263-12C3-432F-81BB-552B9643B5ED}" type="datetimeFigureOut">
               <a:rPr lang="zh-CN" altLang="en-US" smtClean="0"/>
-              <a:t>2018/6/29</a:t>
+              <a:t>6/29</a:t>
             </a:fld>
             <a:endParaRPr lang="zh-CN" altLang="en-US"/>
           </a:p>
@@ -3678,7 +6425,7 @@
           <a:p>
             <a:fld id="{B4479263-12C3-432F-81BB-552B9643B5ED}" type="datetimeFigureOut">
               <a:rPr lang="zh-CN" altLang="en-US" smtClean="0"/>
-              <a:t>2018/6/29</a:t>
+              <a:t>6/29</a:t>
             </a:fld>
             <a:endParaRPr lang="zh-CN" altLang="en-US"/>
           </a:p>
@@ -3924,7 +6671,7 @@
           <a:p>
             <a:fld id="{B4479263-12C3-432F-81BB-552B9643B5ED}" type="datetimeFigureOut">
               <a:rPr lang="zh-CN" altLang="en-US" smtClean="0"/>
-              <a:t>2018/6/29</a:t>
+              <a:t>6/29</a:t>
             </a:fld>
             <a:endParaRPr lang="zh-CN" altLang="en-US"/>
           </a:p>
@@ -4591,21 +7338,62 @@
           <a:chExt cx="0" cy="0"/>
         </a:xfrm>
       </p:grpSpPr>
+      <p:sp>
+        <p:nvSpPr>
+          <p:cNvPr id="2" name="标题 1">
+            <a:extLst>
+              <a:ext uri="{FF2B5EF4-FFF2-40B4-BE49-F238E27FC236}">
+                <a16:creationId xmlns:a16="http://schemas.microsoft.com/office/drawing/2014/main" id="{B28EB626-25D5-4F70-8776-75B834F10FDA}"/>
+              </a:ext>
+            </a:extLst>
+          </p:cNvPr>
+          <p:cNvSpPr>
+            <a:spLocks noGrp="1"/>
+          </p:cNvSpPr>
+          <p:nvPr>
+            <p:ph type="title"/>
+          </p:nvPr>
+        </p:nvSpPr>
+        <p:spPr/>
+        <p:txBody>
+          <a:bodyPr/>
+          <a:lstStyle/>
+          <a:p>
+            <a:r>
+              <a:rPr lang="en-US" altLang="zh-CN" dirty="0"/>
+              <a:t>DCASE</a:t>
+            </a:r>
+            <a:r>
+              <a:rPr lang="zh-CN" altLang="en-US" dirty="0"/>
+              <a:t>中提出的方法</a:t>
+            </a:r>
+          </a:p>
+        </p:txBody>
+      </p:sp>
       <p:graphicFrame>
         <p:nvGraphicFramePr>
-          <p:cNvPr id="4" name="图表 3">
+          <p:cNvPr id="6" name="内容占位符 5">
             <a:extLst>
               <a:ext uri="{FF2B5EF4-FFF2-40B4-BE49-F238E27FC236}">
-                <a16:creationId xmlns:a16="http://schemas.microsoft.com/office/drawing/2014/main" id="{EECBB3D4-BA77-024A-99FF-D19C44C5042D}"/>
+                <a16:creationId xmlns:a16="http://schemas.microsoft.com/office/drawing/2014/main" id="{B5E7C50C-6AAA-4A40-AACC-160B94E5554A}"/>
               </a:ext>
             </a:extLst>
           </p:cNvPr>
-          <p:cNvGraphicFramePr/>
-          <p:nvPr/>
+          <p:cNvGraphicFramePr>
+            <a:graphicFrameLocks noGrp="1"/>
+          </p:cNvGraphicFramePr>
+          <p:nvPr>
+            <p:ph idx="1"/>
+            <p:extLst>
+              <p:ext uri="{D42A27DB-BD31-4B8C-83A1-F6EECF244321}">
+                <p14:modId xmlns:p14="http://schemas.microsoft.com/office/powerpoint/2010/main" val="1435585318"/>
+              </p:ext>
+            </p:extLst>
+          </p:nvPr>
         </p:nvGraphicFramePr>
         <p:xfrm>
-          <a:off x="2032000" y="719666"/>
-          <a:ext cx="8128000" cy="5418667"/>
+          <a:off x="838200" y="1825625"/>
+          <a:ext cx="10515600" cy="4351338"/>
         </p:xfrm>
         <a:graphic>
           <a:graphicData uri="http://schemas.openxmlformats.org/drawingml/2006/chart">
@@ -4616,7 +7404,7 @@
     </p:spTree>
     <p:extLst>
       <p:ext uri="{BB962C8B-B14F-4D97-AF65-F5344CB8AC3E}">
-        <p14:creationId xmlns:p14="http://schemas.microsoft.com/office/powerpoint/2010/main" val="1976025040"/>
+        <p14:creationId xmlns:p14="http://schemas.microsoft.com/office/powerpoint/2010/main" val="540797627"/>
       </p:ext>
     </p:extLst>
   </p:cSld>
@@ -4648,7 +7436,7 @@
           <p:cNvPr id="2" name="标题 1">
             <a:extLst>
               <a:ext uri="{FF2B5EF4-FFF2-40B4-BE49-F238E27FC236}">
-                <a16:creationId xmlns:a16="http://schemas.microsoft.com/office/drawing/2014/main" id="{711D4E08-38AF-EC40-90C1-7064E7B4E7E5}"/>
+                <a16:creationId xmlns:a16="http://schemas.microsoft.com/office/drawing/2014/main" id="{6896A24D-0918-429C-AC44-AD3F9FC0AE4A}"/>
               </a:ext>
             </a:extLst>
           </p:cNvPr>
@@ -4664,7 +7452,17 @@
           <a:bodyPr/>
           <a:lstStyle/>
           <a:p>
-            <a:endParaRPr kumimoji="1" lang="zh-CN" altLang="en-US"/>
+            <a:r>
+              <a:rPr lang="zh-CN" altLang="en-US" dirty="0">
+                <a:solidFill>
+                  <a:schemeClr val="tx1">
+                    <a:lumMod val="85000"/>
+                    <a:lumOff val="15000"/>
+                  </a:schemeClr>
+                </a:solidFill>
+              </a:rPr>
+              <a:t>本文的研究方向</a:t>
+            </a:r>
           </a:p>
         </p:txBody>
       </p:sp>
@@ -4673,7 +7471,979 @@
           <p:cNvPr id="3" name="内容占位符 2">
             <a:extLst>
               <a:ext uri="{FF2B5EF4-FFF2-40B4-BE49-F238E27FC236}">
-                <a16:creationId xmlns:a16="http://schemas.microsoft.com/office/drawing/2014/main" id="{4287F159-D38D-9C46-8A76-EDCA9EBEB6C0}"/>
+                <a16:creationId xmlns:a16="http://schemas.microsoft.com/office/drawing/2014/main" id="{97A29A93-6357-4B17-A7D5-FDC38867EA83}"/>
+              </a:ext>
+            </a:extLst>
+          </p:cNvPr>
+          <p:cNvSpPr>
+            <a:spLocks noGrp="1"/>
+          </p:cNvSpPr>
+          <p:nvPr>
+            <p:ph idx="1"/>
+          </p:nvPr>
+        </p:nvSpPr>
+        <p:spPr/>
+        <p:txBody>
+          <a:bodyPr>
+            <a:normAutofit/>
+          </a:bodyPr>
+          <a:lstStyle/>
+          <a:p>
+            <a:pPr>
+              <a:lnSpc>
+                <a:spcPct val="100000"/>
+              </a:lnSpc>
+            </a:pPr>
+            <a:r>
+              <a:rPr lang="zh-CN" altLang="zh-CN" dirty="0"/>
+              <a:t>直接将音频文件导入至卷积神经网络中，学习的效果并没有预期的好。因此需要一定的预处理（特征提取）。在特征提取部分，总结之前的研究成果，本文采用效果较好的</a:t>
+            </a:r>
+            <a:r>
+              <a:rPr lang="en-US" altLang="zh-CN" dirty="0"/>
+              <a:t>log-</a:t>
+            </a:r>
+            <a:r>
+              <a:rPr lang="en-US" altLang="zh-CN" dirty="0" err="1"/>
+              <a:t>mel</a:t>
+            </a:r>
+            <a:r>
+              <a:rPr lang="zh-CN" altLang="zh-CN" dirty="0"/>
+              <a:t>频谱。</a:t>
+            </a:r>
+            <a:endParaRPr lang="en-US" altLang="zh-CN" dirty="0"/>
+          </a:p>
+          <a:p>
+            <a:pPr>
+              <a:lnSpc>
+                <a:spcPct val="100000"/>
+              </a:lnSpc>
+            </a:pPr>
+            <a:r>
+              <a:rPr lang="zh-CN" altLang="zh-CN" dirty="0"/>
+              <a:t>卷积分类，神经网络部分将引入目前广受欢迎的</a:t>
+            </a:r>
+            <a:r>
+              <a:rPr lang="en-US" altLang="zh-CN" dirty="0" err="1"/>
+              <a:t>Tensorflow</a:t>
+            </a:r>
+            <a:r>
+              <a:rPr lang="zh-CN" altLang="zh-CN" dirty="0"/>
+              <a:t>深度学习任务框架。</a:t>
+            </a:r>
+            <a:endParaRPr lang="en-US" altLang="zh-CN" dirty="0"/>
+          </a:p>
+          <a:p>
+            <a:pPr>
+              <a:lnSpc>
+                <a:spcPct val="100000"/>
+              </a:lnSpc>
+            </a:pPr>
+            <a:r>
+              <a:rPr lang="zh-CN" altLang="zh-CN" dirty="0"/>
+              <a:t>探讨深度学习参数如神经元的数量，隐藏层的数量和引入丢失对学习结果造成的影响。</a:t>
+            </a:r>
+            <a:endParaRPr lang="zh-CN" altLang="en-US" dirty="0"/>
+          </a:p>
+        </p:txBody>
+      </p:sp>
+    </p:spTree>
+    <p:extLst>
+      <p:ext uri="{BB962C8B-B14F-4D97-AF65-F5344CB8AC3E}">
+        <p14:creationId xmlns:p14="http://schemas.microsoft.com/office/powerpoint/2010/main" val="457139872"/>
+      </p:ext>
+    </p:extLst>
+  </p:cSld>
+  <p:clrMapOvr>
+    <a:masterClrMapping/>
+  </p:clrMapOvr>
+</p:sld>
+</file>
+
+<file path=ppt/slides/slide12.xml><?xml version="1.0" encoding="utf-8"?>
+<p:sld xmlns:a="http://schemas.openxmlformats.org/drawingml/2006/main" xmlns:r="http://schemas.openxmlformats.org/officeDocument/2006/relationships" xmlns:p="http://schemas.openxmlformats.org/presentationml/2006/main">
+  <p:cSld>
+    <p:spTree>
+      <p:nvGrpSpPr>
+        <p:cNvPr id="1" name=""/>
+        <p:cNvGrpSpPr/>
+        <p:nvPr/>
+      </p:nvGrpSpPr>
+      <p:grpSpPr>
+        <a:xfrm>
+          <a:off x="0" y="0"/>
+          <a:ext cx="0" cy="0"/>
+          <a:chOff x="0" y="0"/>
+          <a:chExt cx="0" cy="0"/>
+        </a:xfrm>
+      </p:grpSpPr>
+      <p:sp>
+        <p:nvSpPr>
+          <p:cNvPr id="4" name="标题 3">
+            <a:extLst>
+              <a:ext uri="{FF2B5EF4-FFF2-40B4-BE49-F238E27FC236}">
+                <a16:creationId xmlns:a16="http://schemas.microsoft.com/office/drawing/2014/main" id="{7EAFC118-995E-4E10-8145-5D50DC8B35E1}"/>
+              </a:ext>
+            </a:extLst>
+          </p:cNvPr>
+          <p:cNvSpPr>
+            <a:spLocks noGrp="1"/>
+          </p:cNvSpPr>
+          <p:nvPr>
+            <p:ph type="title"/>
+          </p:nvPr>
+        </p:nvSpPr>
+        <p:spPr>
+          <a:xfrm>
+            <a:off x="3959277" y="2766218"/>
+            <a:ext cx="4273446" cy="1325563"/>
+          </a:xfrm>
+        </p:spPr>
+        <p:txBody>
+          <a:bodyPr/>
+          <a:lstStyle/>
+          <a:p>
+            <a:pPr>
+              <a:lnSpc>
+                <a:spcPct val="150000"/>
+              </a:lnSpc>
+            </a:pPr>
+            <a:r>
+              <a:rPr lang="en-US" altLang="zh-CN" dirty="0">
+                <a:solidFill>
+                  <a:schemeClr val="tx1">
+                    <a:lumMod val="75000"/>
+                    <a:lumOff val="25000"/>
+                  </a:schemeClr>
+                </a:solidFill>
+                <a:latin typeface="PingFang SC" panose="020B0400000000000000" pitchFamily="34" charset="-122"/>
+                <a:ea typeface="PingFang SC" panose="020B0400000000000000" pitchFamily="34" charset="-122"/>
+              </a:rPr>
+              <a:t>3. </a:t>
+            </a:r>
+            <a:r>
+              <a:rPr lang="zh-CN" altLang="en-US" dirty="0">
+                <a:solidFill>
+                  <a:schemeClr val="tx1">
+                    <a:lumMod val="75000"/>
+                    <a:lumOff val="25000"/>
+                  </a:schemeClr>
+                </a:solidFill>
+                <a:latin typeface="PingFang SC" panose="020B0400000000000000" pitchFamily="34" charset="-122"/>
+                <a:ea typeface="PingFang SC" panose="020B0400000000000000" pitchFamily="34" charset="-122"/>
+              </a:rPr>
+              <a:t>主要研究内容</a:t>
+            </a:r>
+            <a:endParaRPr lang="en-US" altLang="zh-CN" dirty="0">
+              <a:solidFill>
+                <a:schemeClr val="tx1">
+                  <a:lumMod val="75000"/>
+                  <a:lumOff val="25000"/>
+                </a:schemeClr>
+              </a:solidFill>
+              <a:latin typeface="PingFang SC" panose="020B0400000000000000" pitchFamily="34" charset="-122"/>
+              <a:ea typeface="PingFang SC" panose="020B0400000000000000" pitchFamily="34" charset="-122"/>
+            </a:endParaRPr>
+          </a:p>
+        </p:txBody>
+      </p:sp>
+    </p:spTree>
+    <p:extLst>
+      <p:ext uri="{BB962C8B-B14F-4D97-AF65-F5344CB8AC3E}">
+        <p14:creationId xmlns:p14="http://schemas.microsoft.com/office/powerpoint/2010/main" val="4010476044"/>
+      </p:ext>
+    </p:extLst>
+  </p:cSld>
+  <p:clrMapOvr>
+    <a:masterClrMapping/>
+  </p:clrMapOvr>
+</p:sld>
+</file>
+
+<file path=ppt/slides/slide13.xml><?xml version="1.0" encoding="utf-8"?>
+<p:sld xmlns:a="http://schemas.openxmlformats.org/drawingml/2006/main" xmlns:r="http://schemas.openxmlformats.org/officeDocument/2006/relationships" xmlns:p="http://schemas.openxmlformats.org/presentationml/2006/main">
+  <p:cSld>
+    <p:spTree>
+      <p:nvGrpSpPr>
+        <p:cNvPr id="1" name=""/>
+        <p:cNvGrpSpPr/>
+        <p:nvPr/>
+      </p:nvGrpSpPr>
+      <p:grpSpPr>
+        <a:xfrm>
+          <a:off x="0" y="0"/>
+          <a:ext cx="0" cy="0"/>
+          <a:chOff x="0" y="0"/>
+          <a:chExt cx="0" cy="0"/>
+        </a:xfrm>
+      </p:grpSpPr>
+      <p:pic>
+        <p:nvPicPr>
+          <p:cNvPr id="4" name="图片 3">
+            <a:extLst>
+              <a:ext uri="{FF2B5EF4-FFF2-40B4-BE49-F238E27FC236}">
+                <a16:creationId xmlns:a16="http://schemas.microsoft.com/office/drawing/2014/main" id="{91E816B0-BDE4-4C9F-930F-351BC5A6D8CC}"/>
+              </a:ext>
+            </a:extLst>
+          </p:cNvPr>
+          <p:cNvPicPr>
+            <a:picLocks noChangeAspect="1"/>
+          </p:cNvPicPr>
+          <p:nvPr/>
+        </p:nvPicPr>
+        <p:blipFill>
+          <a:blip r:embed="rId2">
+            <a:extLst>
+              <a:ext uri="{28A0092B-C50C-407E-A947-70E740481C1C}">
+                <a14:useLocalDpi xmlns:a14="http://schemas.microsoft.com/office/drawing/2010/main" val="0"/>
+              </a:ext>
+            </a:extLst>
+          </a:blip>
+          <a:stretch>
+            <a:fillRect/>
+          </a:stretch>
+        </p:blipFill>
+        <p:spPr>
+          <a:xfrm>
+            <a:off x="2008695" y="1220816"/>
+            <a:ext cx="8174610" cy="4416368"/>
+          </a:xfrm>
+          <a:prstGeom prst="rect">
+            <a:avLst/>
+          </a:prstGeom>
+        </p:spPr>
+      </p:pic>
+    </p:spTree>
+    <p:extLst>
+      <p:ext uri="{BB962C8B-B14F-4D97-AF65-F5344CB8AC3E}">
+        <p14:creationId xmlns:p14="http://schemas.microsoft.com/office/powerpoint/2010/main" val="3700168805"/>
+      </p:ext>
+    </p:extLst>
+  </p:cSld>
+  <p:clrMapOvr>
+    <a:masterClrMapping/>
+  </p:clrMapOvr>
+</p:sld>
+</file>
+
+<file path=ppt/slides/slide14.xml><?xml version="1.0" encoding="utf-8"?>
+<p:sld xmlns:a="http://schemas.openxmlformats.org/drawingml/2006/main" xmlns:r="http://schemas.openxmlformats.org/officeDocument/2006/relationships" xmlns:p="http://schemas.openxmlformats.org/presentationml/2006/main">
+  <p:cSld>
+    <p:spTree>
+      <p:nvGrpSpPr>
+        <p:cNvPr id="1" name=""/>
+        <p:cNvGrpSpPr/>
+        <p:nvPr/>
+      </p:nvGrpSpPr>
+      <p:grpSpPr>
+        <a:xfrm>
+          <a:off x="0" y="0"/>
+          <a:ext cx="0" cy="0"/>
+          <a:chOff x="0" y="0"/>
+          <a:chExt cx="0" cy="0"/>
+        </a:xfrm>
+      </p:grpSpPr>
+      <p:sp>
+        <p:nvSpPr>
+          <p:cNvPr id="2" name="标题 1">
+            <a:extLst>
+              <a:ext uri="{FF2B5EF4-FFF2-40B4-BE49-F238E27FC236}">
+                <a16:creationId xmlns:a16="http://schemas.microsoft.com/office/drawing/2014/main" id="{072178B0-1DD7-4CC8-92AD-23F27A00290D}"/>
+              </a:ext>
+            </a:extLst>
+          </p:cNvPr>
+          <p:cNvSpPr>
+            <a:spLocks noGrp="1"/>
+          </p:cNvSpPr>
+          <p:nvPr>
+            <p:ph type="title"/>
+          </p:nvPr>
+        </p:nvSpPr>
+        <p:spPr/>
+        <p:txBody>
+          <a:bodyPr/>
+          <a:lstStyle/>
+          <a:p>
+            <a:r>
+              <a:rPr lang="zh-CN" altLang="en-US" dirty="0"/>
+              <a:t>线性整流函数（</a:t>
+            </a:r>
+            <a:r>
+              <a:rPr lang="en-US" altLang="zh-CN" dirty="0" err="1"/>
+              <a:t>ReLU</a:t>
+            </a:r>
+            <a:r>
+              <a:rPr lang="zh-CN" altLang="en-US" dirty="0"/>
+              <a:t>）</a:t>
+            </a:r>
+          </a:p>
+        </p:txBody>
+      </p:sp>
+      <p:sp>
+        <p:nvSpPr>
+          <p:cNvPr id="3" name="文本框 2">
+            <a:extLst>
+              <a:ext uri="{FF2B5EF4-FFF2-40B4-BE49-F238E27FC236}">
+                <a16:creationId xmlns:a16="http://schemas.microsoft.com/office/drawing/2014/main" id="{43B62587-3F4A-4BEF-9783-CAF3304DE0E1}"/>
+              </a:ext>
+            </a:extLst>
+          </p:cNvPr>
+          <p:cNvSpPr txBox="1"/>
+          <p:nvPr/>
+        </p:nvSpPr>
+        <p:spPr>
+          <a:xfrm>
+            <a:off x="838200" y="4257870"/>
+            <a:ext cx="10515600" cy="1826269"/>
+          </a:xfrm>
+          <a:prstGeom prst="rect">
+            <a:avLst/>
+          </a:prstGeom>
+          <a:noFill/>
+        </p:spPr>
+        <p:txBody>
+          <a:bodyPr wrap="square" rtlCol="0">
+            <a:spAutoFit/>
+          </a:bodyPr>
+          <a:lstStyle/>
+          <a:p>
+            <a:pPr marL="228600" indent="-228600">
+              <a:lnSpc>
+                <a:spcPct val="150000"/>
+              </a:lnSpc>
+              <a:spcBef>
+                <a:spcPts val="1000"/>
+              </a:spcBef>
+              <a:buFont typeface="Arial" panose="020B0604020202020204" pitchFamily="34" charset="0"/>
+              <a:buChar char="•"/>
+            </a:pPr>
+            <a:r>
+              <a:rPr lang="zh-CN" altLang="en-US" sz="2400" dirty="0"/>
+              <a:t>线性整流函数（</a:t>
+            </a:r>
+            <a:r>
+              <a:rPr lang="en-US" altLang="zh-CN" sz="2400" dirty="0"/>
+              <a:t>Rectified Linear Unit, </a:t>
+            </a:r>
+            <a:r>
+              <a:rPr lang="en-US" altLang="zh-CN" sz="2400" dirty="0" err="1"/>
+              <a:t>ReLU</a:t>
+            </a:r>
+            <a:r>
+              <a:rPr lang="zh-CN" altLang="en-US" sz="2400" dirty="0"/>
+              <a:t>），是一种</a:t>
+            </a:r>
+            <a:r>
+              <a:rPr lang="zh-CN" altLang="en-US" sz="2400" dirty="0">
+                <a:hlinkClick r:id="rId2" tooltip="人工神经网络"/>
+              </a:rPr>
+              <a:t>人工神经网络</a:t>
+            </a:r>
+            <a:r>
+              <a:rPr lang="zh-CN" altLang="en-US" sz="2400" dirty="0"/>
+              <a:t>中常用的激活函数，通常指代以</a:t>
+            </a:r>
+            <a:r>
+              <a:rPr lang="zh-CN" altLang="en-US" sz="2400" dirty="0">
+                <a:hlinkClick r:id="rId3" tooltip="斜坡函数"/>
+              </a:rPr>
+              <a:t>斜坡函数</a:t>
+            </a:r>
+            <a:r>
+              <a:rPr lang="zh-CN" altLang="en-US" sz="2400" dirty="0"/>
+              <a:t>及其变种为代表的非线性函数</a:t>
+            </a:r>
+            <a:endParaRPr lang="en-US" altLang="zh-CN" sz="2400" dirty="0"/>
+          </a:p>
+          <a:p>
+            <a:pPr marL="228600" indent="-228600">
+              <a:lnSpc>
+                <a:spcPct val="150000"/>
+              </a:lnSpc>
+              <a:spcBef>
+                <a:spcPts val="1000"/>
+              </a:spcBef>
+              <a:buFont typeface="Arial" panose="020B0604020202020204" pitchFamily="34" charset="0"/>
+              <a:buChar char="•"/>
+            </a:pPr>
+            <a:r>
+              <a:rPr lang="zh-CN" altLang="en-US" sz="2400" dirty="0"/>
+              <a:t>优点是具备</a:t>
+            </a:r>
+            <a:r>
+              <a:rPr lang="zh-CN" altLang="zh-CN" sz="2400" dirty="0"/>
+              <a:t>更快速的计算速度和更有效的梯度传播</a:t>
+            </a:r>
+            <a:endParaRPr lang="zh-CN" altLang="en-US" sz="2400" dirty="0"/>
+          </a:p>
+        </p:txBody>
+      </p:sp>
+      <p:pic>
+        <p:nvPicPr>
+          <p:cNvPr id="6" name="图片 5">
+            <a:extLst>
+              <a:ext uri="{FF2B5EF4-FFF2-40B4-BE49-F238E27FC236}">
+                <a16:creationId xmlns:a16="http://schemas.microsoft.com/office/drawing/2014/main" id="{EC90A62B-AE2B-4B78-8E1D-0C46983D00D2}"/>
+              </a:ext>
+            </a:extLst>
+          </p:cNvPr>
+          <p:cNvPicPr>
+            <a:picLocks noChangeAspect="1"/>
+          </p:cNvPicPr>
+          <p:nvPr/>
+        </p:nvPicPr>
+        <p:blipFill>
+          <a:blip r:embed="rId4">
+            <a:extLst>
+              <a:ext uri="{28A0092B-C50C-407E-A947-70E740481C1C}">
+                <a14:useLocalDpi xmlns:a14="http://schemas.microsoft.com/office/drawing/2010/main" val="0"/>
+              </a:ext>
+            </a:extLst>
+          </a:blip>
+          <a:stretch>
+            <a:fillRect/>
+          </a:stretch>
+        </p:blipFill>
+        <p:spPr>
+          <a:xfrm>
+            <a:off x="1580669" y="1686995"/>
+            <a:ext cx="4112561" cy="2254841"/>
+          </a:xfrm>
+          <a:prstGeom prst="rect">
+            <a:avLst/>
+          </a:prstGeom>
+        </p:spPr>
+      </p:pic>
+      <mc:AlternateContent xmlns:mc="http://schemas.openxmlformats.org/markup-compatibility/2006">
+        <mc:Choice xmlns:a14="http://schemas.microsoft.com/office/drawing/2010/main" Requires="a14">
+          <p:sp>
+            <p:nvSpPr>
+              <p:cNvPr id="7" name="文本框 6">
+                <a:extLst>
+                  <a:ext uri="{FF2B5EF4-FFF2-40B4-BE49-F238E27FC236}">
+                    <a16:creationId xmlns:a16="http://schemas.microsoft.com/office/drawing/2014/main" id="{E36900B9-8F55-47F0-885D-D4D9DD4842B4}"/>
+                  </a:ext>
+                </a:extLst>
+              </p:cNvPr>
+              <p:cNvSpPr txBox="1"/>
+              <p:nvPr/>
+            </p:nvSpPr>
+            <p:spPr>
+              <a:xfrm>
+                <a:off x="6096000" y="2537416"/>
+                <a:ext cx="3759200" cy="553998"/>
+              </a:xfrm>
+              <a:prstGeom prst="rect">
+                <a:avLst/>
+              </a:prstGeom>
+              <a:noFill/>
+            </p:spPr>
+            <p:txBody>
+              <a:bodyPr wrap="square" lIns="0" tIns="0" rIns="0" bIns="0" rtlCol="0">
+                <a:spAutoFit/>
+              </a:bodyPr>
+              <a:lstStyle/>
+              <a:p>
+                <a14:m>
+                  <m:oMathPara xmlns:m="http://schemas.openxmlformats.org/officeDocument/2006/math">
+                    <m:oMathParaPr>
+                      <m:jc m:val="centerGroup"/>
+                    </m:oMathParaPr>
+                    <m:oMath xmlns:m="http://schemas.openxmlformats.org/officeDocument/2006/math">
+                      <m:r>
+                        <a:rPr lang="en-US" altLang="zh-CN" sz="3600" i="1" smtClean="0">
+                          <a:latin typeface="Cambria Math" panose="02040503050406030204" pitchFamily="18" charset="0"/>
+                        </a:rPr>
+                        <m:t>𝑓</m:t>
+                      </m:r>
+                      <m:d>
+                        <m:dPr>
+                          <m:ctrlPr>
+                            <a:rPr lang="en-US" altLang="zh-CN" sz="3600" i="1" smtClean="0">
+                              <a:latin typeface="Cambria Math" panose="02040503050406030204" pitchFamily="18" charset="0"/>
+                            </a:rPr>
+                          </m:ctrlPr>
+                        </m:dPr>
+                        <m:e>
+                          <m:r>
+                            <a:rPr lang="en-US" altLang="zh-CN" sz="3600" i="1" smtClean="0">
+                              <a:latin typeface="Cambria Math" panose="02040503050406030204" pitchFamily="18" charset="0"/>
+                            </a:rPr>
+                            <m:t>𝑥</m:t>
+                          </m:r>
+                        </m:e>
+                      </m:d>
+                      <m:r>
+                        <a:rPr lang="en-US" altLang="zh-CN" sz="3600" i="1" smtClean="0">
+                          <a:latin typeface="Cambria Math" panose="02040503050406030204" pitchFamily="18" charset="0"/>
+                        </a:rPr>
+                        <m:t>=</m:t>
+                      </m:r>
+                      <m:func>
+                        <m:funcPr>
+                          <m:ctrlPr>
+                            <a:rPr lang="en-US" altLang="zh-CN" sz="3600" i="1" smtClean="0">
+                              <a:latin typeface="Cambria Math" panose="02040503050406030204" pitchFamily="18" charset="0"/>
+                            </a:rPr>
+                          </m:ctrlPr>
+                        </m:funcPr>
+                        <m:fName>
+                          <m:r>
+                            <m:rPr>
+                              <m:sty m:val="p"/>
+                            </m:rPr>
+                            <a:rPr lang="en-US" altLang="zh-CN" sz="3600" i="1" smtClean="0">
+                              <a:latin typeface="Cambria Math" panose="02040503050406030204" pitchFamily="18" charset="0"/>
+                            </a:rPr>
+                            <m:t>max</m:t>
+                          </m:r>
+                        </m:fName>
+                        <m:e>
+                          <m:d>
+                            <m:dPr>
+                              <m:ctrlPr>
+                                <a:rPr lang="en-US" altLang="zh-CN" sz="3600" i="1" smtClean="0">
+                                  <a:latin typeface="Cambria Math" panose="02040503050406030204" pitchFamily="18" charset="0"/>
+                                </a:rPr>
+                              </m:ctrlPr>
+                            </m:dPr>
+                            <m:e>
+                              <m:r>
+                                <a:rPr lang="en-US" altLang="zh-CN" sz="3600" b="0" i="1" smtClean="0">
+                                  <a:latin typeface="Cambria Math" panose="02040503050406030204" pitchFamily="18" charset="0"/>
+                                </a:rPr>
+                                <m:t>0</m:t>
+                              </m:r>
+                              <m:r>
+                                <a:rPr lang="en-US" altLang="zh-CN" sz="3600" i="1" smtClean="0">
+                                  <a:latin typeface="Cambria Math" panose="02040503050406030204" pitchFamily="18" charset="0"/>
+                                </a:rPr>
+                                <m:t>,</m:t>
+                              </m:r>
+                              <m:r>
+                                <a:rPr lang="en-US" altLang="zh-CN" sz="3600" i="1" smtClean="0">
+                                  <a:latin typeface="Cambria Math" panose="02040503050406030204" pitchFamily="18" charset="0"/>
+                                </a:rPr>
+                                <m:t>𝑥</m:t>
+                              </m:r>
+                            </m:e>
+                          </m:d>
+                        </m:e>
+                      </m:func>
+                    </m:oMath>
+                  </m:oMathPara>
+                </a14:m>
+                <a:endParaRPr lang="zh-CN" altLang="en-US" sz="3600" dirty="0"/>
+              </a:p>
+            </p:txBody>
+          </p:sp>
+        </mc:Choice>
+        <mc:Fallback>
+          <p:sp>
+            <p:nvSpPr>
+              <p:cNvPr id="7" name="文本框 6">
+                <a:extLst>
+                  <a:ext uri="{FF2B5EF4-FFF2-40B4-BE49-F238E27FC236}">
+                    <a16:creationId xmlns:a16="http://schemas.microsoft.com/office/drawing/2014/main" id="{E36900B9-8F55-47F0-885D-D4D9DD4842B4}"/>
+                  </a:ext>
+                </a:extLst>
+              </p:cNvPr>
+              <p:cNvSpPr txBox="1">
+                <a:spLocks noRot="1" noChangeAspect="1" noMove="1" noResize="1" noEditPoints="1" noAdjustHandles="1" noChangeArrowheads="1" noChangeShapeType="1" noTextEdit="1"/>
+              </p:cNvSpPr>
+              <p:nvPr/>
+            </p:nvSpPr>
+            <p:spPr>
+              <a:xfrm>
+                <a:off x="6096000" y="2537416"/>
+                <a:ext cx="3759200" cy="553998"/>
+              </a:xfrm>
+              <a:prstGeom prst="rect">
+                <a:avLst/>
+              </a:prstGeom>
+              <a:blipFill>
+                <a:blip r:embed="rId5"/>
+                <a:stretch>
+                  <a:fillRect/>
+                </a:stretch>
+              </a:blipFill>
+            </p:spPr>
+            <p:txBody>
+              <a:bodyPr/>
+              <a:lstStyle/>
+              <a:p>
+                <a:r>
+                  <a:rPr lang="zh-CN" altLang="en-US">
+                    <a:noFill/>
+                  </a:rPr>
+                  <a:t> </a:t>
+                </a:r>
+              </a:p>
+            </p:txBody>
+          </p:sp>
+        </mc:Fallback>
+      </mc:AlternateContent>
+    </p:spTree>
+    <p:extLst>
+      <p:ext uri="{BB962C8B-B14F-4D97-AF65-F5344CB8AC3E}">
+        <p14:creationId xmlns:p14="http://schemas.microsoft.com/office/powerpoint/2010/main" val="3692791310"/>
+      </p:ext>
+    </p:extLst>
+  </p:cSld>
+  <p:clrMapOvr>
+    <a:masterClrMapping/>
+  </p:clrMapOvr>
+</p:sld>
+</file>
+
+<file path=ppt/slides/slide15.xml><?xml version="1.0" encoding="utf-8"?>
+<p:sld xmlns:a="http://schemas.openxmlformats.org/drawingml/2006/main" xmlns:r="http://schemas.openxmlformats.org/officeDocument/2006/relationships" xmlns:p="http://schemas.openxmlformats.org/presentationml/2006/main">
+  <p:cSld>
+    <p:spTree>
+      <p:nvGrpSpPr>
+        <p:cNvPr id="1" name=""/>
+        <p:cNvGrpSpPr/>
+        <p:nvPr/>
+      </p:nvGrpSpPr>
+      <p:grpSpPr>
+        <a:xfrm>
+          <a:off x="0" y="0"/>
+          <a:ext cx="0" cy="0"/>
+          <a:chOff x="0" y="0"/>
+          <a:chExt cx="0" cy="0"/>
+        </a:xfrm>
+      </p:grpSpPr>
+      <p:sp>
+        <p:nvSpPr>
+          <p:cNvPr id="2" name="标题 1">
+            <a:extLst>
+              <a:ext uri="{FF2B5EF4-FFF2-40B4-BE49-F238E27FC236}">
+                <a16:creationId xmlns:a16="http://schemas.microsoft.com/office/drawing/2014/main" id="{8D7631C8-909F-4C7A-906C-C6A4966AE118}"/>
+              </a:ext>
+            </a:extLst>
+          </p:cNvPr>
+          <p:cNvSpPr>
+            <a:spLocks noGrp="1"/>
+          </p:cNvSpPr>
+          <p:nvPr>
+            <p:ph type="title"/>
+          </p:nvPr>
+        </p:nvSpPr>
+        <p:spPr/>
+        <p:txBody>
+          <a:bodyPr/>
+          <a:lstStyle/>
+          <a:p>
+            <a:endParaRPr lang="zh-CN" altLang="en-US"/>
+          </a:p>
+        </p:txBody>
+      </p:sp>
+    </p:spTree>
+    <p:extLst>
+      <p:ext uri="{BB962C8B-B14F-4D97-AF65-F5344CB8AC3E}">
+        <p14:creationId xmlns:p14="http://schemas.microsoft.com/office/powerpoint/2010/main" val="1582239789"/>
+      </p:ext>
+    </p:extLst>
+  </p:cSld>
+  <p:clrMapOvr>
+    <a:masterClrMapping/>
+  </p:clrMapOvr>
+</p:sld>
+</file>
+
+<file path=ppt/slides/slide16.xml><?xml version="1.0" encoding="utf-8"?>
+<p:sld xmlns:a="http://schemas.openxmlformats.org/drawingml/2006/main" xmlns:r="http://schemas.openxmlformats.org/officeDocument/2006/relationships" xmlns:p="http://schemas.openxmlformats.org/presentationml/2006/main">
+  <p:cSld>
+    <p:spTree>
+      <p:nvGrpSpPr>
+        <p:cNvPr id="1" name=""/>
+        <p:cNvGrpSpPr/>
+        <p:nvPr/>
+      </p:nvGrpSpPr>
+      <p:grpSpPr>
+        <a:xfrm>
+          <a:off x="0" y="0"/>
+          <a:ext cx="0" cy="0"/>
+          <a:chOff x="0" y="0"/>
+          <a:chExt cx="0" cy="0"/>
+        </a:xfrm>
+      </p:grpSpPr>
+      <p:sp>
+        <p:nvSpPr>
+          <p:cNvPr id="2" name="标题 1">
+            <a:extLst>
+              <a:ext uri="{FF2B5EF4-FFF2-40B4-BE49-F238E27FC236}">
+                <a16:creationId xmlns:a16="http://schemas.microsoft.com/office/drawing/2014/main" id="{745EE414-21F9-47BE-886E-FF0A9D90DE2A}"/>
+              </a:ext>
+            </a:extLst>
+          </p:cNvPr>
+          <p:cNvSpPr>
+            <a:spLocks noGrp="1"/>
+          </p:cNvSpPr>
+          <p:nvPr>
+            <p:ph type="title"/>
+          </p:nvPr>
+        </p:nvSpPr>
+        <p:spPr/>
+        <p:txBody>
+          <a:bodyPr/>
+          <a:lstStyle/>
+          <a:p>
+            <a:r>
+              <a:rPr lang="zh-CN" altLang="en-US" dirty="0"/>
+              <a:t>基于</a:t>
+            </a:r>
+            <a:r>
+              <a:rPr lang="en-US" altLang="zh-CN" dirty="0"/>
+              <a:t>CNN</a:t>
+            </a:r>
+            <a:r>
+              <a:rPr lang="zh-CN" altLang="en-US" dirty="0"/>
+              <a:t>的</a:t>
+            </a:r>
+            <a:r>
+              <a:rPr lang="en-US" altLang="zh-CN" dirty="0"/>
+              <a:t>ASC</a:t>
+            </a:r>
+            <a:r>
+              <a:rPr lang="zh-CN" altLang="en-US" dirty="0"/>
+              <a:t>流程</a:t>
+            </a:r>
+          </a:p>
+        </p:txBody>
+      </p:sp>
+      <p:graphicFrame>
+        <p:nvGraphicFramePr>
+          <p:cNvPr id="5" name="图示 4">
+            <a:extLst>
+              <a:ext uri="{FF2B5EF4-FFF2-40B4-BE49-F238E27FC236}">
+                <a16:creationId xmlns:a16="http://schemas.microsoft.com/office/drawing/2014/main" id="{D1124FB0-5951-408E-B3BD-C87E03F2D8ED}"/>
+              </a:ext>
+            </a:extLst>
+          </p:cNvPr>
+          <p:cNvGraphicFramePr/>
+          <p:nvPr>
+            <p:extLst>
+              <p:ext uri="{D42A27DB-BD31-4B8C-83A1-F6EECF244321}">
+                <p14:modId xmlns:p14="http://schemas.microsoft.com/office/powerpoint/2010/main" val="3375859305"/>
+              </p:ext>
+            </p:extLst>
+          </p:nvPr>
+        </p:nvGraphicFramePr>
+        <p:xfrm>
+          <a:off x="838200" y="2012429"/>
+          <a:ext cx="10515599" cy="2833141"/>
+        </p:xfrm>
+        <a:graphic>
+          <a:graphicData uri="http://schemas.openxmlformats.org/drawingml/2006/diagram">
+            <dgm:relIds xmlns:dgm="http://schemas.openxmlformats.org/drawingml/2006/diagram" xmlns:r="http://schemas.openxmlformats.org/officeDocument/2006/relationships" r:dm="rId2" r:lo="rId3" r:qs="rId4" r:cs="rId5"/>
+          </a:graphicData>
+        </a:graphic>
+      </p:graphicFrame>
+    </p:spTree>
+    <p:extLst>
+      <p:ext uri="{BB962C8B-B14F-4D97-AF65-F5344CB8AC3E}">
+        <p14:creationId xmlns:p14="http://schemas.microsoft.com/office/powerpoint/2010/main" val="118051016"/>
+      </p:ext>
+    </p:extLst>
+  </p:cSld>
+  <p:clrMapOvr>
+    <a:masterClrMapping/>
+  </p:clrMapOvr>
+</p:sld>
+</file>
+
+<file path=ppt/slides/slide17.xml><?xml version="1.0" encoding="utf-8"?>
+<p:sld xmlns:a="http://schemas.openxmlformats.org/drawingml/2006/main" xmlns:r="http://schemas.openxmlformats.org/officeDocument/2006/relationships" xmlns:p="http://schemas.openxmlformats.org/presentationml/2006/main">
+  <p:cSld>
+    <p:spTree>
+      <p:nvGrpSpPr>
+        <p:cNvPr id="1" name=""/>
+        <p:cNvGrpSpPr/>
+        <p:nvPr/>
+      </p:nvGrpSpPr>
+      <p:grpSpPr>
+        <a:xfrm>
+          <a:off x="0" y="0"/>
+          <a:ext cx="0" cy="0"/>
+          <a:chOff x="0" y="0"/>
+          <a:chExt cx="0" cy="0"/>
+        </a:xfrm>
+      </p:grpSpPr>
+      <p:sp>
+        <p:nvSpPr>
+          <p:cNvPr id="2" name="标题 1">
+            <a:extLst>
+              <a:ext uri="{FF2B5EF4-FFF2-40B4-BE49-F238E27FC236}">
+                <a16:creationId xmlns:a16="http://schemas.microsoft.com/office/drawing/2014/main" id="{C4072FC2-F082-4213-A176-81444FEC166E}"/>
+              </a:ext>
+            </a:extLst>
+          </p:cNvPr>
+          <p:cNvSpPr>
+            <a:spLocks noGrp="1"/>
+          </p:cNvSpPr>
+          <p:nvPr>
+            <p:ph type="title"/>
+          </p:nvPr>
+        </p:nvSpPr>
+        <p:spPr/>
+        <p:txBody>
+          <a:bodyPr/>
+          <a:lstStyle/>
+          <a:p>
+            <a:endParaRPr lang="zh-CN" altLang="en-US"/>
+          </a:p>
+        </p:txBody>
+      </p:sp>
+    </p:spTree>
+    <p:extLst>
+      <p:ext uri="{BB962C8B-B14F-4D97-AF65-F5344CB8AC3E}">
+        <p14:creationId xmlns:p14="http://schemas.microsoft.com/office/powerpoint/2010/main" val="2652465383"/>
+      </p:ext>
+    </p:extLst>
+  </p:cSld>
+  <p:clrMapOvr>
+    <a:masterClrMapping/>
+  </p:clrMapOvr>
+</p:sld>
+</file>
+
+<file path=ppt/slides/slide18.xml><?xml version="1.0" encoding="utf-8"?>
+<p:sld xmlns:a="http://schemas.openxmlformats.org/drawingml/2006/main" xmlns:r="http://schemas.openxmlformats.org/officeDocument/2006/relationships" xmlns:p="http://schemas.openxmlformats.org/presentationml/2006/main">
+  <p:cSld>
+    <p:spTree>
+      <p:nvGrpSpPr>
+        <p:cNvPr id="1" name=""/>
+        <p:cNvGrpSpPr/>
+        <p:nvPr/>
+      </p:nvGrpSpPr>
+      <p:grpSpPr>
+        <a:xfrm>
+          <a:off x="0" y="0"/>
+          <a:ext cx="0" cy="0"/>
+          <a:chOff x="0" y="0"/>
+          <a:chExt cx="0" cy="0"/>
+        </a:xfrm>
+      </p:grpSpPr>
+      <p:sp>
+        <p:nvSpPr>
+          <p:cNvPr id="3" name="标题 2">
+            <a:extLst>
+              <a:ext uri="{FF2B5EF4-FFF2-40B4-BE49-F238E27FC236}">
+                <a16:creationId xmlns:a16="http://schemas.microsoft.com/office/drawing/2014/main" id="{B74EB3EA-1E3B-4112-9270-B94A00E9C3E7}"/>
+              </a:ext>
+            </a:extLst>
+          </p:cNvPr>
+          <p:cNvSpPr>
+            <a:spLocks noGrp="1"/>
+          </p:cNvSpPr>
+          <p:nvPr>
+            <p:ph type="title"/>
+          </p:nvPr>
+        </p:nvSpPr>
+        <p:spPr>
+          <a:xfrm>
+            <a:off x="3951782" y="2766218"/>
+            <a:ext cx="4288436" cy="1325563"/>
+          </a:xfrm>
+        </p:spPr>
+        <p:txBody>
+          <a:bodyPr/>
+          <a:lstStyle/>
+          <a:p>
+            <a:r>
+              <a:rPr lang="en-US" altLang="zh-CN" dirty="0">
+                <a:solidFill>
+                  <a:schemeClr val="tx1">
+                    <a:lumMod val="75000"/>
+                    <a:lumOff val="25000"/>
+                  </a:schemeClr>
+                </a:solidFill>
+                <a:latin typeface="PingFang SC" panose="020B0400000000000000" pitchFamily="34" charset="-122"/>
+                <a:ea typeface="PingFang SC" panose="020B0400000000000000" pitchFamily="34" charset="-122"/>
+              </a:rPr>
+              <a:t>4. </a:t>
+            </a:r>
+            <a:r>
+              <a:rPr lang="zh-CN" altLang="en-US" dirty="0">
+                <a:solidFill>
+                  <a:schemeClr val="tx1">
+                    <a:lumMod val="75000"/>
+                    <a:lumOff val="25000"/>
+                  </a:schemeClr>
+                </a:solidFill>
+                <a:latin typeface="PingFang SC" panose="020B0400000000000000" pitchFamily="34" charset="-122"/>
+                <a:ea typeface="PingFang SC" panose="020B0400000000000000" pitchFamily="34" charset="-122"/>
+              </a:rPr>
+              <a:t>已完成的工作</a:t>
+            </a:r>
+            <a:endParaRPr lang="zh-CN" altLang="en-US" dirty="0"/>
+          </a:p>
+        </p:txBody>
+      </p:sp>
+    </p:spTree>
+    <p:extLst>
+      <p:ext uri="{BB962C8B-B14F-4D97-AF65-F5344CB8AC3E}">
+        <p14:creationId xmlns:p14="http://schemas.microsoft.com/office/powerpoint/2010/main" val="3193201452"/>
+      </p:ext>
+    </p:extLst>
+  </p:cSld>
+  <p:clrMapOvr>
+    <a:masterClrMapping/>
+  </p:clrMapOvr>
+</p:sld>
+</file>
+
+<file path=ppt/slides/slide19.xml><?xml version="1.0" encoding="utf-8"?>
+<p:sld xmlns:a="http://schemas.openxmlformats.org/drawingml/2006/main" xmlns:r="http://schemas.openxmlformats.org/officeDocument/2006/relationships" xmlns:p="http://schemas.openxmlformats.org/presentationml/2006/main">
+  <p:cSld>
+    <p:spTree>
+      <p:nvGrpSpPr>
+        <p:cNvPr id="1" name=""/>
+        <p:cNvGrpSpPr/>
+        <p:nvPr/>
+      </p:nvGrpSpPr>
+      <p:grpSpPr>
+        <a:xfrm>
+          <a:off x="0" y="0"/>
+          <a:ext cx="0" cy="0"/>
+          <a:chOff x="0" y="0"/>
+          <a:chExt cx="0" cy="0"/>
+        </a:xfrm>
+      </p:grpSpPr>
+      <p:sp>
+        <p:nvSpPr>
+          <p:cNvPr id="2" name="标题 1">
+            <a:extLst>
+              <a:ext uri="{FF2B5EF4-FFF2-40B4-BE49-F238E27FC236}">
+                <a16:creationId xmlns:a16="http://schemas.microsoft.com/office/drawing/2014/main" id="{31FBF9CC-137E-4D03-841F-DF1BCA12FA61}"/>
+              </a:ext>
+            </a:extLst>
+          </p:cNvPr>
+          <p:cNvSpPr>
+            <a:spLocks noGrp="1"/>
+          </p:cNvSpPr>
+          <p:nvPr>
+            <p:ph type="title"/>
+          </p:nvPr>
+        </p:nvSpPr>
+        <p:spPr/>
+        <p:txBody>
+          <a:bodyPr/>
+          <a:lstStyle/>
+          <a:p>
+            <a:r>
+              <a:rPr lang="zh-CN" altLang="en-US" dirty="0"/>
+              <a:t>数据集的选择</a:t>
+            </a:r>
+          </a:p>
+        </p:txBody>
+      </p:sp>
+      <p:sp>
+        <p:nvSpPr>
+          <p:cNvPr id="4" name="内容占位符 3">
+            <a:extLst>
+              <a:ext uri="{FF2B5EF4-FFF2-40B4-BE49-F238E27FC236}">
+                <a16:creationId xmlns:a16="http://schemas.microsoft.com/office/drawing/2014/main" id="{5060195F-F6FE-4109-BAF1-0779F3E6854F}"/>
               </a:ext>
             </a:extLst>
           </p:cNvPr>
@@ -4689,14 +8459,69 @@
           <a:bodyPr/>
           <a:lstStyle/>
           <a:p>
-            <a:endParaRPr kumimoji="1" lang="zh-CN" altLang="en-US"/>
+            <a:pPr>
+              <a:lnSpc>
+                <a:spcPct val="150000"/>
+              </a:lnSpc>
+            </a:pPr>
+            <a:r>
+              <a:rPr lang="zh-CN" altLang="en-US" dirty="0"/>
+              <a:t> </a:t>
+            </a:r>
+            <a:r>
+              <a:rPr lang="en-US" altLang="zh-CN" dirty="0"/>
+              <a:t>Ubransound8K</a:t>
+            </a:r>
+          </a:p>
+          <a:p>
+            <a:pPr>
+              <a:lnSpc>
+                <a:spcPct val="150000"/>
+              </a:lnSpc>
+            </a:pPr>
+            <a:r>
+              <a:rPr lang="zh-CN" altLang="en-US" dirty="0"/>
+              <a:t>该数据集包含来</a:t>
+            </a:r>
+            <a:r>
+              <a:rPr lang="en-US" altLang="zh-CN" dirty="0"/>
+              <a:t>10</a:t>
+            </a:r>
+            <a:r>
+              <a:rPr lang="zh-CN" altLang="en-US" dirty="0"/>
+              <a:t>类的城市声音：空气净化器、汽车轰鸣声、小孩玩耍声、狗吠、钻井声、发动机怠速声、枪声、手提钻声、警笛和街道杂音</a:t>
+            </a:r>
+            <a:endParaRPr lang="en-US" altLang="zh-CN" dirty="0"/>
+          </a:p>
+          <a:p>
+            <a:pPr>
+              <a:lnSpc>
+                <a:spcPct val="150000"/>
+              </a:lnSpc>
+            </a:pPr>
+            <a:r>
+              <a:rPr lang="en-US" altLang="zh-CN" dirty="0"/>
+              <a:t>8732</a:t>
+            </a:r>
+            <a:r>
+              <a:rPr lang="zh-CN" altLang="en-US" dirty="0"/>
+              <a:t>个标记的声音片段，每个声音片段时长小于等于</a:t>
+            </a:r>
+            <a:r>
+              <a:rPr lang="en-US" altLang="zh-CN" dirty="0"/>
+              <a:t>4</a:t>
+            </a:r>
+            <a:r>
+              <a:rPr lang="zh-CN" altLang="en-US" dirty="0"/>
+              <a:t>秒</a:t>
+            </a:r>
           </a:p>
         </p:txBody>
       </p:sp>
     </p:spTree>
     <p:extLst>
       <p:ext uri="{BB962C8B-B14F-4D97-AF65-F5344CB8AC3E}">
-        <p14:creationId xmlns:p14="http://schemas.microsoft.com/office/powerpoint/2010/main" val="740496422"/>
+        <p14:creationId xmlns:p14="http://schemas.microsoft.com/office/powerpoint/2010/main" val="1217556291"/>
       </p:ext>
     </p:extLst>
   </p:cSld>
@@ -4937,6 +8762,974 @@
     <p:extLst>
       <p:ext uri="{BB962C8B-B14F-4D97-AF65-F5344CB8AC3E}">
         <p14:creationId xmlns:p14="http://schemas.microsoft.com/office/powerpoint/2010/main" val="803402218"/>
+      </p:ext>
+    </p:extLst>
+  </p:cSld>
+  <p:clrMapOvr>
+    <a:masterClrMapping/>
+  </p:clrMapOvr>
+</p:sld>
+</file>
+
+<file path=ppt/slides/slide20.xml><?xml version="1.0" encoding="utf-8"?>
+<p:sld xmlns:a="http://schemas.openxmlformats.org/drawingml/2006/main" xmlns:r="http://schemas.openxmlformats.org/officeDocument/2006/relationships" xmlns:p="http://schemas.openxmlformats.org/presentationml/2006/main">
+  <p:cSld>
+    <p:spTree>
+      <p:nvGrpSpPr>
+        <p:cNvPr id="1" name=""/>
+        <p:cNvGrpSpPr/>
+        <p:nvPr/>
+      </p:nvGrpSpPr>
+      <p:grpSpPr>
+        <a:xfrm>
+          <a:off x="0" y="0"/>
+          <a:ext cx="0" cy="0"/>
+          <a:chOff x="0" y="0"/>
+          <a:chExt cx="0" cy="0"/>
+        </a:xfrm>
+      </p:grpSpPr>
+      <p:sp>
+        <p:nvSpPr>
+          <p:cNvPr id="2" name="标题 1">
+            <a:extLst>
+              <a:ext uri="{FF2B5EF4-FFF2-40B4-BE49-F238E27FC236}">
+                <a16:creationId xmlns:a16="http://schemas.microsoft.com/office/drawing/2014/main" id="{6E984A08-7BC0-4B5F-A3CA-F8DFF2ABE272}"/>
+              </a:ext>
+            </a:extLst>
+          </p:cNvPr>
+          <p:cNvSpPr>
+            <a:spLocks noGrp="1"/>
+          </p:cNvSpPr>
+          <p:nvPr>
+            <p:ph type="title"/>
+          </p:nvPr>
+        </p:nvSpPr>
+        <p:spPr/>
+        <p:txBody>
+          <a:bodyPr/>
+          <a:lstStyle/>
+          <a:p>
+            <a:r>
+              <a:rPr lang="zh-CN" altLang="en-US" dirty="0"/>
+              <a:t>绘制特征图</a:t>
+            </a:r>
+          </a:p>
+        </p:txBody>
+      </p:sp>
+      <p:sp>
+        <p:nvSpPr>
+          <p:cNvPr id="3" name="内容占位符 2">
+            <a:extLst>
+              <a:ext uri="{FF2B5EF4-FFF2-40B4-BE49-F238E27FC236}">
+                <a16:creationId xmlns:a16="http://schemas.microsoft.com/office/drawing/2014/main" id="{2E7461B2-7EEC-4B34-9843-083CBD1A4A10}"/>
+              </a:ext>
+            </a:extLst>
+          </p:cNvPr>
+          <p:cNvSpPr>
+            <a:spLocks noGrp="1"/>
+          </p:cNvSpPr>
+          <p:nvPr>
+            <p:ph idx="1"/>
+          </p:nvPr>
+        </p:nvSpPr>
+        <p:spPr/>
+        <p:txBody>
+          <a:bodyPr/>
+          <a:lstStyle/>
+          <a:p>
+            <a:r>
+              <a:rPr lang="zh-CN" altLang="zh-CN" dirty="0"/>
+              <a:t>方面了我们从不同角度发掘音频信号的特征</a:t>
+            </a:r>
+            <a:endParaRPr lang="zh-CN" altLang="en-US" dirty="0"/>
+          </a:p>
+        </p:txBody>
+      </p:sp>
+    </p:spTree>
+    <p:extLst>
+      <p:ext uri="{BB962C8B-B14F-4D97-AF65-F5344CB8AC3E}">
+        <p14:creationId xmlns:p14="http://schemas.microsoft.com/office/powerpoint/2010/main" val="4133203738"/>
+      </p:ext>
+    </p:extLst>
+  </p:cSld>
+  <p:clrMapOvr>
+    <a:masterClrMapping/>
+  </p:clrMapOvr>
+</p:sld>
+</file>
+
+<file path=ppt/slides/slide21.xml><?xml version="1.0" encoding="utf-8"?>
+<p:sld xmlns:a="http://schemas.openxmlformats.org/drawingml/2006/main" xmlns:r="http://schemas.openxmlformats.org/officeDocument/2006/relationships" xmlns:p="http://schemas.openxmlformats.org/presentationml/2006/main">
+  <p:cSld>
+    <p:spTree>
+      <p:nvGrpSpPr>
+        <p:cNvPr id="1" name=""/>
+        <p:cNvGrpSpPr/>
+        <p:nvPr/>
+      </p:nvGrpSpPr>
+      <p:grpSpPr>
+        <a:xfrm>
+          <a:off x="0" y="0"/>
+          <a:ext cx="0" cy="0"/>
+          <a:chOff x="0" y="0"/>
+          <a:chExt cx="0" cy="0"/>
+        </a:xfrm>
+      </p:grpSpPr>
+      <p:pic>
+        <p:nvPicPr>
+          <p:cNvPr id="7" name="图片 6">
+            <a:extLst>
+              <a:ext uri="{FF2B5EF4-FFF2-40B4-BE49-F238E27FC236}">
+                <a16:creationId xmlns:a16="http://schemas.microsoft.com/office/drawing/2014/main" id="{FA5DA5CA-14A7-4C5E-A208-789B5A9876FB}"/>
+              </a:ext>
+            </a:extLst>
+          </p:cNvPr>
+          <p:cNvPicPr>
+            <a:picLocks noChangeAspect="1"/>
+          </p:cNvPicPr>
+          <p:nvPr/>
+        </p:nvPicPr>
+        <p:blipFill>
+          <a:blip r:embed="rId2">
+            <a:extLst>
+              <a:ext uri="{28A0092B-C50C-407E-A947-70E740481C1C}">
+                <a14:useLocalDpi xmlns:a14="http://schemas.microsoft.com/office/drawing/2010/main" val="0"/>
+              </a:ext>
+            </a:extLst>
+          </a:blip>
+          <a:stretch>
+            <a:fillRect/>
+          </a:stretch>
+        </p:blipFill>
+        <p:spPr>
+          <a:xfrm>
+            <a:off x="610417" y="637785"/>
+            <a:ext cx="7792537" cy="5582429"/>
+          </a:xfrm>
+          <a:prstGeom prst="rect">
+            <a:avLst/>
+          </a:prstGeom>
+        </p:spPr>
+      </p:pic>
+      <p:sp>
+        <p:nvSpPr>
+          <p:cNvPr id="8" name="文本框 7">
+            <a:extLst>
+              <a:ext uri="{FF2B5EF4-FFF2-40B4-BE49-F238E27FC236}">
+                <a16:creationId xmlns:a16="http://schemas.microsoft.com/office/drawing/2014/main" id="{F71E3BD8-6874-4466-92CE-64768FEDEF5C}"/>
+              </a:ext>
+            </a:extLst>
+          </p:cNvPr>
+          <p:cNvSpPr txBox="1"/>
+          <p:nvPr/>
+        </p:nvSpPr>
+        <p:spPr>
+          <a:xfrm>
+            <a:off x="8832112" y="3075056"/>
+            <a:ext cx="2749471" cy="707886"/>
+          </a:xfrm>
+          <a:prstGeom prst="rect">
+            <a:avLst/>
+          </a:prstGeom>
+          <a:noFill/>
+        </p:spPr>
+        <p:txBody>
+          <a:bodyPr wrap="none" rtlCol="0">
+            <a:spAutoFit/>
+          </a:bodyPr>
+          <a:lstStyle/>
+          <a:p>
+            <a:pPr algn="ctr"/>
+            <a:r>
+              <a:rPr lang="zh-CN" altLang="zh-CN" sz="2000" b="1" dirty="0">
+                <a:solidFill>
+                  <a:schemeClr val="tx1">
+                    <a:lumMod val="85000"/>
+                    <a:lumOff val="15000"/>
+                  </a:schemeClr>
+                </a:solidFill>
+              </a:rPr>
+              <a:t>波形图</a:t>
+            </a:r>
+            <a:endParaRPr lang="en-US" altLang="zh-CN" sz="2000" b="1" dirty="0">
+              <a:solidFill>
+                <a:schemeClr val="tx1">
+                  <a:lumMod val="85000"/>
+                  <a:lumOff val="15000"/>
+                </a:schemeClr>
+              </a:solidFill>
+            </a:endParaRPr>
+          </a:p>
+          <a:p>
+            <a:pPr algn="ctr"/>
+            <a:r>
+              <a:rPr lang="zh-CN" altLang="zh-CN" sz="2000" dirty="0">
+                <a:solidFill>
+                  <a:schemeClr val="tx1">
+                    <a:lumMod val="85000"/>
+                    <a:lumOff val="15000"/>
+                  </a:schemeClr>
+                </a:solidFill>
+              </a:rPr>
+              <a:t>体现了音频信号的包络</a:t>
+            </a:r>
+            <a:endParaRPr lang="zh-CN" altLang="en-US" sz="2000" dirty="0">
+              <a:solidFill>
+                <a:schemeClr val="tx1">
+                  <a:lumMod val="85000"/>
+                  <a:lumOff val="15000"/>
+                </a:schemeClr>
+              </a:solidFill>
+            </a:endParaRPr>
+          </a:p>
+        </p:txBody>
+      </p:sp>
+    </p:spTree>
+    <p:extLst>
+      <p:ext uri="{BB962C8B-B14F-4D97-AF65-F5344CB8AC3E}">
+        <p14:creationId xmlns:p14="http://schemas.microsoft.com/office/powerpoint/2010/main" val="303732311"/>
+      </p:ext>
+    </p:extLst>
+  </p:cSld>
+  <p:clrMapOvr>
+    <a:masterClrMapping/>
+  </p:clrMapOvr>
+</p:sld>
+</file>
+
+<file path=ppt/slides/slide22.xml><?xml version="1.0" encoding="utf-8"?>
+<p:sld xmlns:a="http://schemas.openxmlformats.org/drawingml/2006/main" xmlns:r="http://schemas.openxmlformats.org/officeDocument/2006/relationships" xmlns:p="http://schemas.openxmlformats.org/presentationml/2006/main">
+  <p:cSld>
+    <p:spTree>
+      <p:nvGrpSpPr>
+        <p:cNvPr id="1" name=""/>
+        <p:cNvGrpSpPr/>
+        <p:nvPr/>
+      </p:nvGrpSpPr>
+      <p:grpSpPr>
+        <a:xfrm>
+          <a:off x="0" y="0"/>
+          <a:ext cx="0" cy="0"/>
+          <a:chOff x="0" y="0"/>
+          <a:chExt cx="0" cy="0"/>
+        </a:xfrm>
+      </p:grpSpPr>
+      <p:pic>
+        <p:nvPicPr>
+          <p:cNvPr id="5" name="图片 4">
+            <a:extLst>
+              <a:ext uri="{FF2B5EF4-FFF2-40B4-BE49-F238E27FC236}">
+                <a16:creationId xmlns:a16="http://schemas.microsoft.com/office/drawing/2014/main" id="{D60AD4A9-A471-4E9E-8F3B-297339817E95}"/>
+              </a:ext>
+            </a:extLst>
+          </p:cNvPr>
+          <p:cNvPicPr>
+            <a:picLocks noChangeAspect="1"/>
+          </p:cNvPicPr>
+          <p:nvPr/>
+        </p:nvPicPr>
+        <p:blipFill>
+          <a:blip r:embed="rId2">
+            <a:extLst>
+              <a:ext uri="{28A0092B-C50C-407E-A947-70E740481C1C}">
+                <a14:useLocalDpi xmlns:a14="http://schemas.microsoft.com/office/drawing/2010/main" val="0"/>
+              </a:ext>
+            </a:extLst>
+          </a:blip>
+          <a:stretch>
+            <a:fillRect/>
+          </a:stretch>
+        </p:blipFill>
+        <p:spPr>
+          <a:xfrm>
+            <a:off x="3765229" y="652075"/>
+            <a:ext cx="7840169" cy="5553850"/>
+          </a:xfrm>
+          <a:prstGeom prst="rect">
+            <a:avLst/>
+          </a:prstGeom>
+        </p:spPr>
+      </p:pic>
+      <p:sp>
+        <p:nvSpPr>
+          <p:cNvPr id="6" name="文本框 5">
+            <a:extLst>
+              <a:ext uri="{FF2B5EF4-FFF2-40B4-BE49-F238E27FC236}">
+                <a16:creationId xmlns:a16="http://schemas.microsoft.com/office/drawing/2014/main" id="{A161751A-D3FB-4858-8BF9-C97FFD068168}"/>
+              </a:ext>
+            </a:extLst>
+          </p:cNvPr>
+          <p:cNvSpPr txBox="1"/>
+          <p:nvPr/>
+        </p:nvSpPr>
+        <p:spPr>
+          <a:xfrm>
+            <a:off x="586602" y="2921168"/>
+            <a:ext cx="2158584" cy="1015663"/>
+          </a:xfrm>
+          <a:prstGeom prst="rect">
+            <a:avLst/>
+          </a:prstGeom>
+          <a:noFill/>
+        </p:spPr>
+        <p:txBody>
+          <a:bodyPr wrap="square" rtlCol="0">
+            <a:spAutoFit/>
+          </a:bodyPr>
+          <a:lstStyle/>
+          <a:p>
+            <a:pPr algn="ctr"/>
+            <a:r>
+              <a:rPr lang="zh-CN" altLang="zh-CN" sz="2000" b="1" dirty="0">
+                <a:solidFill>
+                  <a:schemeClr val="tx1">
+                    <a:lumMod val="85000"/>
+                    <a:lumOff val="15000"/>
+                  </a:schemeClr>
+                </a:solidFill>
+              </a:rPr>
+              <a:t>频谱图</a:t>
+            </a:r>
+            <a:endParaRPr lang="en-US" altLang="zh-CN" sz="2000" b="1" dirty="0">
+              <a:solidFill>
+                <a:schemeClr val="tx1">
+                  <a:lumMod val="85000"/>
+                  <a:lumOff val="15000"/>
+                </a:schemeClr>
+              </a:solidFill>
+            </a:endParaRPr>
+          </a:p>
+          <a:p>
+            <a:pPr algn="ctr"/>
+            <a:r>
+              <a:rPr lang="zh-CN" altLang="zh-CN" sz="2000" dirty="0">
+                <a:solidFill>
+                  <a:schemeClr val="tx1">
+                    <a:lumMod val="85000"/>
+                    <a:lumOff val="15000"/>
+                  </a:schemeClr>
+                </a:solidFill>
+              </a:rPr>
+              <a:t>体现了音频信号的时间</a:t>
+            </a:r>
+            <a:r>
+              <a:rPr lang="en-US" altLang="zh-CN" sz="2000" dirty="0">
+                <a:solidFill>
+                  <a:schemeClr val="tx1">
+                    <a:lumMod val="85000"/>
+                    <a:lumOff val="15000"/>
+                  </a:schemeClr>
+                </a:solidFill>
+              </a:rPr>
+              <a:t>-</a:t>
+            </a:r>
+            <a:r>
+              <a:rPr lang="zh-CN" altLang="zh-CN" sz="2000" dirty="0">
+                <a:solidFill>
+                  <a:schemeClr val="tx1">
+                    <a:lumMod val="85000"/>
+                    <a:lumOff val="15000"/>
+                  </a:schemeClr>
+                </a:solidFill>
+              </a:rPr>
+              <a:t>频率分布</a:t>
+            </a:r>
+            <a:endParaRPr lang="zh-CN" altLang="en-US" sz="2000" dirty="0">
+              <a:solidFill>
+                <a:schemeClr val="tx1">
+                  <a:lumMod val="85000"/>
+                  <a:lumOff val="15000"/>
+                </a:schemeClr>
+              </a:solidFill>
+            </a:endParaRPr>
+          </a:p>
+        </p:txBody>
+      </p:sp>
+    </p:spTree>
+    <p:extLst>
+      <p:ext uri="{BB962C8B-B14F-4D97-AF65-F5344CB8AC3E}">
+        <p14:creationId xmlns:p14="http://schemas.microsoft.com/office/powerpoint/2010/main" val="3829348811"/>
+      </p:ext>
+    </p:extLst>
+  </p:cSld>
+  <p:clrMapOvr>
+    <a:masterClrMapping/>
+  </p:clrMapOvr>
+</p:sld>
+</file>
+
+<file path=ppt/slides/slide23.xml><?xml version="1.0" encoding="utf-8"?>
+<p:sld xmlns:a="http://schemas.openxmlformats.org/drawingml/2006/main" xmlns:r="http://schemas.openxmlformats.org/officeDocument/2006/relationships" xmlns:p="http://schemas.openxmlformats.org/presentationml/2006/main">
+  <p:cSld>
+    <p:spTree>
+      <p:nvGrpSpPr>
+        <p:cNvPr id="1" name=""/>
+        <p:cNvGrpSpPr/>
+        <p:nvPr/>
+      </p:nvGrpSpPr>
+      <p:grpSpPr>
+        <a:xfrm>
+          <a:off x="0" y="0"/>
+          <a:ext cx="0" cy="0"/>
+          <a:chOff x="0" y="0"/>
+          <a:chExt cx="0" cy="0"/>
+        </a:xfrm>
+      </p:grpSpPr>
+      <p:pic>
+        <p:nvPicPr>
+          <p:cNvPr id="5" name="图片 4">
+            <a:extLst>
+              <a:ext uri="{FF2B5EF4-FFF2-40B4-BE49-F238E27FC236}">
+                <a16:creationId xmlns:a16="http://schemas.microsoft.com/office/drawing/2014/main" id="{AE728B38-A0DC-4E9D-B69F-1851819553F1}"/>
+              </a:ext>
+            </a:extLst>
+          </p:cNvPr>
+          <p:cNvPicPr>
+            <a:picLocks noChangeAspect="1"/>
+          </p:cNvPicPr>
+          <p:nvPr/>
+        </p:nvPicPr>
+        <p:blipFill>
+          <a:blip r:embed="rId2">
+            <a:extLst>
+              <a:ext uri="{28A0092B-C50C-407E-A947-70E740481C1C}">
+                <a14:useLocalDpi xmlns:a14="http://schemas.microsoft.com/office/drawing/2010/main" val="0"/>
+              </a:ext>
+            </a:extLst>
+          </a:blip>
+          <a:stretch>
+            <a:fillRect/>
+          </a:stretch>
+        </p:blipFill>
+        <p:spPr>
+          <a:xfrm>
+            <a:off x="526050" y="542522"/>
+            <a:ext cx="7830643" cy="5772956"/>
+          </a:xfrm>
+          <a:prstGeom prst="rect">
+            <a:avLst/>
+          </a:prstGeom>
+        </p:spPr>
+      </p:pic>
+      <p:sp>
+        <p:nvSpPr>
+          <p:cNvPr id="6" name="文本框 5">
+            <a:extLst>
+              <a:ext uri="{FF2B5EF4-FFF2-40B4-BE49-F238E27FC236}">
+                <a16:creationId xmlns:a16="http://schemas.microsoft.com/office/drawing/2014/main" id="{22595DD0-D2DF-4EBD-AF3E-217805CB64FF}"/>
+              </a:ext>
+            </a:extLst>
+          </p:cNvPr>
+          <p:cNvSpPr txBox="1"/>
+          <p:nvPr/>
+        </p:nvSpPr>
+        <p:spPr>
+          <a:xfrm>
+            <a:off x="9166548" y="3105834"/>
+            <a:ext cx="2621231" cy="707886"/>
+          </a:xfrm>
+          <a:prstGeom prst="rect">
+            <a:avLst/>
+          </a:prstGeom>
+          <a:noFill/>
+        </p:spPr>
+        <p:txBody>
+          <a:bodyPr wrap="none" rtlCol="0">
+            <a:spAutoFit/>
+          </a:bodyPr>
+          <a:lstStyle/>
+          <a:p>
+            <a:pPr algn="ctr"/>
+            <a:r>
+              <a:rPr lang="zh-CN" altLang="zh-CN" sz="2000" b="1" dirty="0">
+                <a:solidFill>
+                  <a:schemeClr val="tx1">
+                    <a:lumMod val="85000"/>
+                    <a:lumOff val="15000"/>
+                  </a:schemeClr>
+                </a:solidFill>
+              </a:rPr>
+              <a:t>对数能量谱图</a:t>
+            </a:r>
+            <a:endParaRPr lang="en-US" altLang="zh-CN" sz="2000" b="1" dirty="0">
+              <a:solidFill>
+                <a:schemeClr val="tx1">
+                  <a:lumMod val="85000"/>
+                  <a:lumOff val="15000"/>
+                </a:schemeClr>
+              </a:solidFill>
+            </a:endParaRPr>
+          </a:p>
+          <a:p>
+            <a:pPr algn="ctr"/>
+            <a:r>
+              <a:rPr lang="zh-CN" altLang="zh-CN" sz="2000" dirty="0">
+                <a:solidFill>
+                  <a:schemeClr val="tx1">
+                    <a:lumMod val="85000"/>
+                    <a:lumOff val="15000"/>
+                  </a:schemeClr>
+                </a:solidFill>
+              </a:rPr>
+              <a:t>体现了</a:t>
+            </a:r>
+            <a:r>
+              <a:rPr lang="zh-CN" altLang="en-US" sz="2000" dirty="0">
+                <a:solidFill>
+                  <a:schemeClr val="tx1">
+                    <a:lumMod val="85000"/>
+                    <a:lumOff val="15000"/>
+                  </a:schemeClr>
+                </a:solidFill>
+              </a:rPr>
+              <a:t>时间</a:t>
+            </a:r>
+            <a:r>
+              <a:rPr lang="en-US" altLang="zh-CN" sz="2000" dirty="0">
+                <a:solidFill>
+                  <a:schemeClr val="tx1">
+                    <a:lumMod val="85000"/>
+                    <a:lumOff val="15000"/>
+                  </a:schemeClr>
+                </a:solidFill>
+              </a:rPr>
+              <a:t>-</a:t>
+            </a:r>
+            <a:r>
+              <a:rPr lang="zh-CN" altLang="zh-CN" sz="2000" dirty="0">
+                <a:solidFill>
+                  <a:schemeClr val="tx1">
+                    <a:lumMod val="85000"/>
+                    <a:lumOff val="15000"/>
+                  </a:schemeClr>
+                </a:solidFill>
+              </a:rPr>
+              <a:t>能量信息</a:t>
+            </a:r>
+            <a:endParaRPr lang="zh-CN" altLang="en-US" sz="2000" dirty="0">
+              <a:solidFill>
+                <a:schemeClr val="tx1">
+                  <a:lumMod val="85000"/>
+                  <a:lumOff val="15000"/>
+                </a:schemeClr>
+              </a:solidFill>
+            </a:endParaRPr>
+          </a:p>
+        </p:txBody>
+      </p:sp>
+    </p:spTree>
+    <p:extLst>
+      <p:ext uri="{BB962C8B-B14F-4D97-AF65-F5344CB8AC3E}">
+        <p14:creationId xmlns:p14="http://schemas.microsoft.com/office/powerpoint/2010/main" val="3845282814"/>
+      </p:ext>
+    </p:extLst>
+  </p:cSld>
+  <p:clrMapOvr>
+    <a:masterClrMapping/>
+  </p:clrMapOvr>
+</p:sld>
+</file>
+
+<file path=ppt/slides/slide24.xml><?xml version="1.0" encoding="utf-8"?>
+<p:sld xmlns:a="http://schemas.openxmlformats.org/drawingml/2006/main" xmlns:r="http://schemas.openxmlformats.org/officeDocument/2006/relationships" xmlns:p="http://schemas.openxmlformats.org/presentationml/2006/main">
+  <p:cSld>
+    <p:spTree>
+      <p:nvGrpSpPr>
+        <p:cNvPr id="1" name=""/>
+        <p:cNvGrpSpPr/>
+        <p:nvPr/>
+      </p:nvGrpSpPr>
+      <p:grpSpPr>
+        <a:xfrm>
+          <a:off x="0" y="0"/>
+          <a:ext cx="0" cy="0"/>
+          <a:chOff x="0" y="0"/>
+          <a:chExt cx="0" cy="0"/>
+        </a:xfrm>
+      </p:grpSpPr>
+      <p:sp>
+        <p:nvSpPr>
+          <p:cNvPr id="2" name="标题 1">
+            <a:extLst>
+              <a:ext uri="{FF2B5EF4-FFF2-40B4-BE49-F238E27FC236}">
+                <a16:creationId xmlns:a16="http://schemas.microsoft.com/office/drawing/2014/main" id="{5664EA6E-784F-4981-8602-82BC1A4F6B7A}"/>
+              </a:ext>
+            </a:extLst>
+          </p:cNvPr>
+          <p:cNvSpPr>
+            <a:spLocks noGrp="1"/>
+          </p:cNvSpPr>
+          <p:nvPr>
+            <p:ph type="title"/>
+          </p:nvPr>
+        </p:nvSpPr>
+        <p:spPr/>
+        <p:txBody>
+          <a:bodyPr/>
+          <a:lstStyle/>
+          <a:p>
+            <a:r>
+              <a:rPr lang="zh-CN" altLang="en-US" dirty="0">
+                <a:solidFill>
+                  <a:schemeClr val="tx1">
+                    <a:lumMod val="75000"/>
+                    <a:lumOff val="25000"/>
+                  </a:schemeClr>
+                </a:solidFill>
+              </a:rPr>
+              <a:t>特征提取</a:t>
+            </a:r>
+          </a:p>
+        </p:txBody>
+      </p:sp>
+      <p:sp>
+        <p:nvSpPr>
+          <p:cNvPr id="3" name="内容占位符 2">
+            <a:extLst>
+              <a:ext uri="{FF2B5EF4-FFF2-40B4-BE49-F238E27FC236}">
+                <a16:creationId xmlns:a16="http://schemas.microsoft.com/office/drawing/2014/main" id="{375D0B46-8940-4A73-B0CE-1EE06D189F4D}"/>
+              </a:ext>
+            </a:extLst>
+          </p:cNvPr>
+          <p:cNvSpPr>
+            <a:spLocks noGrp="1"/>
+          </p:cNvSpPr>
+          <p:nvPr>
+            <p:ph idx="1"/>
+          </p:nvPr>
+        </p:nvSpPr>
+        <p:spPr/>
+        <p:txBody>
+          <a:bodyPr/>
+          <a:lstStyle/>
+          <a:p>
+            <a:pPr lvl="0"/>
+            <a:r>
+              <a:rPr lang="en-US" altLang="zh-CN" dirty="0" err="1">
+                <a:solidFill>
+                  <a:schemeClr val="tx1">
+                    <a:lumMod val="75000"/>
+                    <a:lumOff val="25000"/>
+                  </a:schemeClr>
+                </a:solidFill>
+              </a:rPr>
+              <a:t>melspectrogram</a:t>
+            </a:r>
+            <a:r>
+              <a:rPr lang="zh-CN" altLang="zh-CN" dirty="0">
+                <a:solidFill>
+                  <a:schemeClr val="tx1">
+                    <a:lumMod val="75000"/>
+                    <a:lumOff val="25000"/>
+                  </a:schemeClr>
+                </a:solidFill>
+              </a:rPr>
+              <a:t>：计算</a:t>
+            </a:r>
+            <a:r>
+              <a:rPr lang="en-US" altLang="zh-CN" dirty="0">
+                <a:solidFill>
+                  <a:schemeClr val="tx1">
+                    <a:lumMod val="75000"/>
+                    <a:lumOff val="25000"/>
+                  </a:schemeClr>
+                </a:solidFill>
+              </a:rPr>
+              <a:t>Mel</a:t>
+            </a:r>
+            <a:r>
+              <a:rPr lang="zh-CN" altLang="zh-CN" dirty="0">
+                <a:solidFill>
+                  <a:schemeClr val="tx1">
+                    <a:lumMod val="75000"/>
+                    <a:lumOff val="25000"/>
+                  </a:schemeClr>
+                </a:solidFill>
+              </a:rPr>
+              <a:t>比例功率谱图</a:t>
+            </a:r>
+          </a:p>
+          <a:p>
+            <a:pPr lvl="0"/>
+            <a:r>
+              <a:rPr lang="en-US" altLang="zh-CN" dirty="0" err="1">
+                <a:solidFill>
+                  <a:schemeClr val="tx1">
+                    <a:lumMod val="75000"/>
+                    <a:lumOff val="25000"/>
+                  </a:schemeClr>
+                </a:solidFill>
+              </a:rPr>
+              <a:t>mfcc</a:t>
+            </a:r>
+            <a:r>
+              <a:rPr lang="zh-CN" altLang="zh-CN" dirty="0">
+                <a:solidFill>
+                  <a:schemeClr val="tx1">
+                    <a:lumMod val="75000"/>
+                    <a:lumOff val="25000"/>
+                  </a:schemeClr>
+                </a:solidFill>
+              </a:rPr>
+              <a:t>：梅尔频率倒谱系数</a:t>
+            </a:r>
+          </a:p>
+          <a:p>
+            <a:pPr lvl="0"/>
+            <a:r>
+              <a:rPr lang="en-US" altLang="zh-CN" dirty="0" err="1">
+                <a:solidFill>
+                  <a:schemeClr val="tx1">
+                    <a:lumMod val="75000"/>
+                    <a:lumOff val="25000"/>
+                  </a:schemeClr>
+                </a:solidFill>
+              </a:rPr>
+              <a:t>chorma-stft</a:t>
+            </a:r>
+            <a:r>
+              <a:rPr lang="zh-CN" altLang="zh-CN" dirty="0">
+                <a:solidFill>
+                  <a:schemeClr val="tx1">
+                    <a:lumMod val="75000"/>
+                    <a:lumOff val="25000"/>
+                  </a:schemeClr>
+                </a:solidFill>
+              </a:rPr>
+              <a:t>：根据波形或功率谱图计算色度图</a:t>
+            </a:r>
+          </a:p>
+          <a:p>
+            <a:pPr lvl="0"/>
+            <a:r>
+              <a:rPr lang="en-US" altLang="zh-CN" dirty="0" err="1">
+                <a:solidFill>
+                  <a:schemeClr val="tx1">
+                    <a:lumMod val="75000"/>
+                    <a:lumOff val="25000"/>
+                  </a:schemeClr>
+                </a:solidFill>
+              </a:rPr>
+              <a:t>spectral_contrast</a:t>
+            </a:r>
+            <a:r>
+              <a:rPr lang="zh-CN" altLang="zh-CN" dirty="0">
+                <a:solidFill>
+                  <a:schemeClr val="tx1">
+                    <a:lumMod val="75000"/>
+                    <a:lumOff val="25000"/>
+                  </a:schemeClr>
+                </a:solidFill>
+              </a:rPr>
+              <a:t>：计算光谱对比度</a:t>
+            </a:r>
+          </a:p>
+          <a:p>
+            <a:pPr lvl="0"/>
+            <a:r>
+              <a:rPr lang="en-US" altLang="zh-CN" dirty="0" err="1">
+                <a:solidFill>
+                  <a:schemeClr val="tx1">
+                    <a:lumMod val="75000"/>
+                    <a:lumOff val="25000"/>
+                  </a:schemeClr>
+                </a:solidFill>
+              </a:rPr>
+              <a:t>tonnetz</a:t>
+            </a:r>
+            <a:r>
+              <a:rPr lang="zh-CN" altLang="zh-CN" dirty="0">
+                <a:solidFill>
+                  <a:schemeClr val="tx1">
+                    <a:lumMod val="75000"/>
+                    <a:lumOff val="25000"/>
+                  </a:schemeClr>
+                </a:solidFill>
+              </a:rPr>
+              <a:t>：计算音调质心特征</a:t>
+            </a:r>
+          </a:p>
+          <a:p>
+            <a:endParaRPr lang="en-US" altLang="zh-CN" dirty="0">
+              <a:solidFill>
+                <a:schemeClr val="tx1">
+                  <a:lumMod val="75000"/>
+                  <a:lumOff val="25000"/>
+                </a:schemeClr>
+              </a:solidFill>
+            </a:endParaRPr>
+          </a:p>
+          <a:p>
+            <a:pPr marL="0" indent="0">
+              <a:buNone/>
+            </a:pPr>
+            <a:r>
+              <a:rPr lang="zh-CN" altLang="en-US" dirty="0">
+                <a:solidFill>
+                  <a:schemeClr val="tx1">
+                    <a:lumMod val="75000"/>
+                    <a:lumOff val="25000"/>
+                  </a:schemeClr>
+                </a:solidFill>
+              </a:rPr>
+              <a:t>将提取以上特征待用，馈入卷进神经网络</a:t>
+            </a:r>
+          </a:p>
+        </p:txBody>
+      </p:sp>
+    </p:spTree>
+    <p:extLst>
+      <p:ext uri="{BB962C8B-B14F-4D97-AF65-F5344CB8AC3E}">
+        <p14:creationId xmlns:p14="http://schemas.microsoft.com/office/powerpoint/2010/main" val="235141597"/>
+      </p:ext>
+    </p:extLst>
+  </p:cSld>
+  <p:clrMapOvr>
+    <a:masterClrMapping/>
+  </p:clrMapOvr>
+</p:sld>
+</file>
+
+<file path=ppt/slides/slide25.xml><?xml version="1.0" encoding="utf-8"?>
+<p:sld xmlns:a="http://schemas.openxmlformats.org/drawingml/2006/main" xmlns:r="http://schemas.openxmlformats.org/officeDocument/2006/relationships" xmlns:p="http://schemas.openxmlformats.org/presentationml/2006/main">
+  <p:cSld>
+    <p:spTree>
+      <p:nvGrpSpPr>
+        <p:cNvPr id="1" name=""/>
+        <p:cNvGrpSpPr/>
+        <p:nvPr/>
+      </p:nvGrpSpPr>
+      <p:grpSpPr>
+        <a:xfrm>
+          <a:off x="0" y="0"/>
+          <a:ext cx="0" cy="0"/>
+          <a:chOff x="0" y="0"/>
+          <a:chExt cx="0" cy="0"/>
+        </a:xfrm>
+      </p:grpSpPr>
+      <p:sp>
+        <p:nvSpPr>
+          <p:cNvPr id="4" name="标题 3">
+            <a:extLst>
+              <a:ext uri="{FF2B5EF4-FFF2-40B4-BE49-F238E27FC236}">
+                <a16:creationId xmlns:a16="http://schemas.microsoft.com/office/drawing/2014/main" id="{F79EE5CA-15E1-40E3-ABC5-0674B1A8E80D}"/>
+              </a:ext>
+            </a:extLst>
+          </p:cNvPr>
+          <p:cNvSpPr>
+            <a:spLocks noGrp="1"/>
+          </p:cNvSpPr>
+          <p:nvPr>
+            <p:ph type="title"/>
+          </p:nvPr>
+        </p:nvSpPr>
+        <p:spPr>
+          <a:xfrm>
+            <a:off x="3974267" y="2766218"/>
+            <a:ext cx="4243466" cy="1325563"/>
+          </a:xfrm>
+        </p:spPr>
+        <p:txBody>
+          <a:bodyPr/>
+          <a:lstStyle/>
+          <a:p>
+            <a:r>
+              <a:rPr lang="en-US" altLang="zh-CN" dirty="0">
+                <a:solidFill>
+                  <a:schemeClr val="tx1">
+                    <a:lumMod val="75000"/>
+                    <a:lumOff val="25000"/>
+                  </a:schemeClr>
+                </a:solidFill>
+                <a:latin typeface="PingFang SC" panose="020B0400000000000000" pitchFamily="34" charset="-122"/>
+                <a:ea typeface="PingFang SC" panose="020B0400000000000000" pitchFamily="34" charset="-122"/>
+              </a:rPr>
+              <a:t>5. </a:t>
+            </a:r>
+            <a:r>
+              <a:rPr lang="zh-CN" altLang="en-US" dirty="0">
+                <a:solidFill>
+                  <a:schemeClr val="tx1">
+                    <a:lumMod val="75000"/>
+                    <a:lumOff val="25000"/>
+                  </a:schemeClr>
+                </a:solidFill>
+                <a:latin typeface="PingFang SC" panose="020B0400000000000000" pitchFamily="34" charset="-122"/>
+                <a:ea typeface="PingFang SC" panose="020B0400000000000000" pitchFamily="34" charset="-122"/>
+              </a:rPr>
+              <a:t>待完成的工作</a:t>
+            </a:r>
+            <a:endParaRPr lang="zh-CN" altLang="en-US" dirty="0"/>
+          </a:p>
+        </p:txBody>
+      </p:sp>
+    </p:spTree>
+    <p:extLst>
+      <p:ext uri="{BB962C8B-B14F-4D97-AF65-F5344CB8AC3E}">
+        <p14:creationId xmlns:p14="http://schemas.microsoft.com/office/powerpoint/2010/main" val="860353378"/>
+      </p:ext>
+    </p:extLst>
+  </p:cSld>
+  <p:clrMapOvr>
+    <a:masterClrMapping/>
+  </p:clrMapOvr>
+</p:sld>
+</file>
+
+<file path=ppt/slides/slide26.xml><?xml version="1.0" encoding="utf-8"?>
+<p:sld xmlns:a="http://schemas.openxmlformats.org/drawingml/2006/main" xmlns:r="http://schemas.openxmlformats.org/officeDocument/2006/relationships" xmlns:p="http://schemas.openxmlformats.org/presentationml/2006/main">
+  <p:cSld>
+    <p:spTree>
+      <p:nvGrpSpPr>
+        <p:cNvPr id="1" name=""/>
+        <p:cNvGrpSpPr/>
+        <p:nvPr/>
+      </p:nvGrpSpPr>
+      <p:grpSpPr>
+        <a:xfrm>
+          <a:off x="0" y="0"/>
+          <a:ext cx="0" cy="0"/>
+          <a:chOff x="0" y="0"/>
+          <a:chExt cx="0" cy="0"/>
+        </a:xfrm>
+      </p:grpSpPr>
+      <p:sp>
+        <p:nvSpPr>
+          <p:cNvPr id="3" name="标题 2">
+            <a:extLst>
+              <a:ext uri="{FF2B5EF4-FFF2-40B4-BE49-F238E27FC236}">
+                <a16:creationId xmlns:a16="http://schemas.microsoft.com/office/drawing/2014/main" id="{438C560A-7EAC-40AE-A441-BD941E4548E0}"/>
+              </a:ext>
+            </a:extLst>
+          </p:cNvPr>
+          <p:cNvSpPr>
+            <a:spLocks noGrp="1"/>
+          </p:cNvSpPr>
+          <p:nvPr>
+            <p:ph type="title"/>
+          </p:nvPr>
+        </p:nvSpPr>
+        <p:spPr>
+          <a:xfrm>
+            <a:off x="3145366" y="2766218"/>
+            <a:ext cx="5901267" cy="1325563"/>
+          </a:xfrm>
+        </p:spPr>
+        <p:txBody>
+          <a:bodyPr/>
+          <a:lstStyle/>
+          <a:p>
+            <a:r>
+              <a:rPr lang="zh-CN" altLang="en-US" dirty="0"/>
+              <a:t>恳请各位老师批评指正</a:t>
+            </a:r>
+          </a:p>
+        </p:txBody>
+      </p:sp>
+    </p:spTree>
+    <p:extLst>
+      <p:ext uri="{BB962C8B-B14F-4D97-AF65-F5344CB8AC3E}">
+        <p14:creationId xmlns:p14="http://schemas.microsoft.com/office/powerpoint/2010/main" val="2949517673"/>
       </p:ext>
     </p:extLst>
   </p:cSld>
@@ -5672,7 +10465,14 @@
               </a:lnSpc>
             </a:pPr>
             <a:r>
-              <a:rPr lang="zh-CN" altLang="zh-CN" dirty="0"/>
+              <a:rPr lang="zh-CN" altLang="zh-CN" dirty="0">
+                <a:solidFill>
+                  <a:schemeClr val="tx1">
+                    <a:lumMod val="85000"/>
+                    <a:lumOff val="15000"/>
+                  </a:schemeClr>
+                </a:solidFill>
+              </a:rPr>
               <a:t>卷积神经网络即使在</a:t>
             </a:r>
             <a:r>
@@ -5696,10 +10496,24 @@
               <a:t>简单的数据增强</a:t>
             </a:r>
             <a:r>
-              <a:rPr lang="zh-CN" altLang="zh-CN" dirty="0"/>
+              <a:rPr lang="zh-CN" altLang="zh-CN" dirty="0">
+                <a:solidFill>
+                  <a:schemeClr val="tx1">
+                    <a:lumMod val="85000"/>
+                    <a:lumOff val="15000"/>
+                  </a:schemeClr>
+                </a:solidFill>
+              </a:rPr>
               <a:t>下也可以有效应用于环境声音分类任务</a:t>
             </a:r>
-            <a:endParaRPr lang="en-US" altLang="zh-CN" dirty="0"/>
+            <a:endParaRPr lang="en-US" altLang="zh-CN" dirty="0">
+              <a:solidFill>
+                <a:schemeClr val="tx1">
+                  <a:lumMod val="85000"/>
+                  <a:lumOff val="15000"/>
+                </a:schemeClr>
+              </a:solidFill>
+            </a:endParaRPr>
           </a:p>
           <a:p>
             <a:pPr marL="0" indent="0">
@@ -5708,7 +10522,14 @@
               </a:lnSpc>
               <a:buNone/>
             </a:pPr>
-            <a:endParaRPr lang="en-US" altLang="zh-CN" dirty="0"/>
+            <a:endParaRPr lang="en-US" altLang="zh-CN" dirty="0">
+              <a:solidFill>
+                <a:schemeClr val="tx1">
+                  <a:lumMod val="85000"/>
+                  <a:lumOff val="15000"/>
+                </a:schemeClr>
+              </a:solidFill>
+            </a:endParaRPr>
           </a:p>
           <a:p>
             <a:pPr>
@@ -5717,14 +10538,21 @@
               </a:lnSpc>
             </a:pPr>
             <a:r>
-              <a:rPr lang="zh-CN" altLang="zh-CN" dirty="0"/>
+              <a:rPr lang="zh-CN" altLang="zh-CN" dirty="0">
+                <a:solidFill>
+                  <a:schemeClr val="tx1">
+                    <a:lumMod val="85000"/>
+                    <a:lumOff val="15000"/>
+                  </a:schemeClr>
+                </a:solidFill>
+              </a:rPr>
               <a:t>可用数据集规模的显著增加很可能大大提高训练模型的性能</a:t>
             </a:r>
             <a:endParaRPr lang="zh-CN" altLang="en-US" dirty="0">
               <a:solidFill>
                 <a:schemeClr val="tx1">
-                  <a:lumMod val="75000"/>
-                  <a:lumOff val="25000"/>
+                  <a:lumMod val="85000"/>
+                  <a:lumOff val="15000"/>
                 </a:schemeClr>
               </a:solidFill>
             </a:endParaRPr>
@@ -5890,14 +10718,14 @@
           <p:nvPr>
             <p:extLst>
               <p:ext uri="{D42A27DB-BD31-4B8C-83A1-F6EECF244321}">
-                <p14:modId xmlns:p14="http://schemas.microsoft.com/office/powerpoint/2010/main" val="3937191934"/>
+                <p14:modId xmlns:p14="http://schemas.microsoft.com/office/powerpoint/2010/main" val="2394704390"/>
               </p:ext>
             </p:extLst>
           </p:nvPr>
         </p:nvGraphicFramePr>
         <p:xfrm>
-          <a:off x="838200" y="1690688"/>
-          <a:ext cx="10515600" cy="4476575"/>
+          <a:off x="838200" y="1658084"/>
+          <a:ext cx="10515600" cy="4241188"/>
         </p:xfrm>
         <a:graphic>
           <a:graphicData uri="http://schemas.openxmlformats.org/drawingml/2006/table">
@@ -5935,7 +10763,7 @@
                   </a:extLst>
                 </a:gridCol>
               </a:tblGrid>
-              <a:tr h="895315">
+              <a:tr h="1060297">
                 <a:tc>
                   <a:txBody>
                     <a:bodyPr/>
@@ -5998,7 +10826,7 @@
                   </a:ext>
                 </a:extLst>
               </a:tr>
-              <a:tr h="895315">
+              <a:tr h="1060297">
                 <a:tc>
                   <a:txBody>
                     <a:bodyPr/>
@@ -6174,7 +11002,7 @@
                   </a:ext>
                 </a:extLst>
               </a:tr>
-              <a:tr h="895315">
+              <a:tr h="1060297">
                 <a:tc>
                   <a:txBody>
                     <a:bodyPr/>
@@ -6335,7 +11163,7 @@
                   </a:ext>
                 </a:extLst>
               </a:tr>
-              <a:tr h="895315">
+              <a:tr h="1060297">
                 <a:tc>
                   <a:txBody>
                     <a:bodyPr/>
@@ -6481,85 +11309,6 @@
                   </a:ext>
                 </a:extLst>
               </a:tr>
-              <a:tr h="895315">
-                <a:tc>
-                  <a:txBody>
-                    <a:bodyPr/>
-                    <a:lstStyle/>
-                    <a:p>
-                      <a:pPr algn="ctr"/>
-                      <a:endParaRPr lang="zh-CN" altLang="en-US" dirty="0">
-                        <a:solidFill>
-                          <a:schemeClr val="tx1">
-                            <a:lumMod val="75000"/>
-                            <a:lumOff val="25000"/>
-                          </a:schemeClr>
-                        </a:solidFill>
-                      </a:endParaRPr>
-                    </a:p>
-                  </a:txBody>
-                  <a:tcPr anchor="ctr"/>
-                </a:tc>
-                <a:tc>
-                  <a:txBody>
-                    <a:bodyPr/>
-                    <a:lstStyle/>
-                    <a:p>
-                      <a:pPr algn="ctr"/>
-                      <a:endParaRPr lang="zh-CN" altLang="en-US">
-                        <a:solidFill>
-                          <a:schemeClr val="tx1">
-                            <a:lumMod val="75000"/>
-                            <a:lumOff val="25000"/>
-                          </a:schemeClr>
-                        </a:solidFill>
-                      </a:endParaRPr>
-                    </a:p>
-                  </a:txBody>
-                  <a:tcPr anchor="ctr"/>
-                </a:tc>
-                <a:tc>
-                  <a:txBody>
-                    <a:bodyPr/>
-                    <a:lstStyle/>
-                    <a:p>
-                      <a:pPr algn="ctr"/>
-                      <a:endParaRPr lang="zh-CN" altLang="en-US">
-                        <a:solidFill>
-                          <a:schemeClr val="tx1">
-                            <a:lumMod val="75000"/>
-                            <a:lumOff val="25000"/>
-                          </a:schemeClr>
-                        </a:solidFill>
-                      </a:endParaRPr>
-                    </a:p>
-                  </a:txBody>
-                  <a:tcPr anchor="ctr"/>
-                </a:tc>
-                <a:tc>
-                  <a:txBody>
-                    <a:bodyPr/>
-                    <a:lstStyle/>
-                    <a:p>
-                      <a:pPr algn="ctr"/>
-                      <a:endParaRPr lang="zh-CN" altLang="en-US" dirty="0">
-                        <a:solidFill>
-                          <a:schemeClr val="tx1">
-                            <a:lumMod val="75000"/>
-                            <a:lumOff val="25000"/>
-                          </a:schemeClr>
-                        </a:solidFill>
-                      </a:endParaRPr>
-                    </a:p>
-                  </a:txBody>
-                  <a:tcPr anchor="ctr"/>
-                </a:tc>
-                <a:extLst>
-                  <a:ext uri="{0D108BD9-81ED-4DB2-BD59-A6C34878D82A}">
-                    <a16:rowId xmlns:a16="http://schemas.microsoft.com/office/drawing/2014/main" val="4004180255"/>
-                  </a:ext>
-                </a:extLst>
-              </a:tr>
             </a:tbl>
           </a:graphicData>
         </a:graphic>
@@ -6616,10 +11365,24 @@
           <a:lstStyle/>
           <a:p>
             <a:r>
-              <a:rPr lang="zh-CN" altLang="zh-CN" dirty="0"/>
+              <a:rPr lang="zh-CN" altLang="zh-CN" dirty="0">
+                <a:solidFill>
+                  <a:schemeClr val="tx1">
+                    <a:lumMod val="85000"/>
+                    <a:lumOff val="15000"/>
+                  </a:schemeClr>
+                </a:solidFill>
+              </a:rPr>
               <a:t>基于卷积神经网络音频分类方法</a:t>
             </a:r>
-            <a:endParaRPr lang="zh-CN" altLang="en-US" dirty="0"/>
+            <a:endParaRPr lang="zh-CN" altLang="en-US" dirty="0">
+              <a:solidFill>
+                <a:schemeClr val="tx1">
+                  <a:lumMod val="85000"/>
+                  <a:lumOff val="15000"/>
+                </a:schemeClr>
+              </a:solidFill>
+            </a:endParaRPr>
           </a:p>
         </p:txBody>
       </p:sp>
@@ -6694,10 +11457,24 @@
               <a:buChar char="•"/>
             </a:pPr>
             <a:r>
-              <a:rPr lang="zh-CN" altLang="zh-CN" dirty="0"/>
+              <a:rPr lang="zh-CN" altLang="zh-CN" dirty="0">
+                <a:solidFill>
+                  <a:schemeClr val="tx1">
+                    <a:lumMod val="85000"/>
+                    <a:lumOff val="15000"/>
+                  </a:schemeClr>
+                </a:solidFill>
+              </a:rPr>
               <a:t>研究界缺乏协调一致的标准来评估和测试解决这个问题的算法</a:t>
             </a:r>
-            <a:endParaRPr lang="en-US" altLang="zh-CN" dirty="0"/>
+            <a:endParaRPr lang="en-US" altLang="zh-CN" dirty="0">
+              <a:solidFill>
+                <a:schemeClr val="tx1">
+                  <a:lumMod val="85000"/>
+                  <a:lumOff val="15000"/>
+                </a:schemeClr>
+              </a:solidFill>
+            </a:endParaRPr>
           </a:p>
           <a:p>
             <a:pPr marL="285750" indent="-285750">
@@ -6708,34 +11485,90 @@
               <a:buChar char="•"/>
             </a:pPr>
             <a:r>
-              <a:rPr lang="en-US" altLang="zh-CN" dirty="0"/>
+              <a:rPr lang="en-US" altLang="zh-CN" dirty="0">
+                <a:solidFill>
+                  <a:schemeClr val="tx1">
+                    <a:lumMod val="85000"/>
+                    <a:lumOff val="15000"/>
+                  </a:schemeClr>
+                </a:solidFill>
+              </a:rPr>
               <a:t>2013</a:t>
             </a:r>
             <a:r>
-              <a:rPr lang="zh-CN" altLang="zh-CN" dirty="0"/>
+              <a:rPr lang="zh-CN" altLang="zh-CN" dirty="0">
+                <a:solidFill>
+                  <a:schemeClr val="tx1">
+                    <a:lumMod val="85000"/>
+                    <a:lumOff val="15000"/>
+                  </a:schemeClr>
+                </a:solidFill>
+              </a:rPr>
               <a:t>年，</a:t>
             </a:r>
             <a:r>
-              <a:rPr lang="en-US" altLang="zh-CN" dirty="0"/>
+              <a:rPr lang="en-US" altLang="zh-CN" dirty="0">
+                <a:solidFill>
+                  <a:schemeClr val="tx1">
+                    <a:lumMod val="85000"/>
+                    <a:lumOff val="15000"/>
+                  </a:schemeClr>
+                </a:solidFill>
+              </a:rPr>
               <a:t>IEEE</a:t>
             </a:r>
             <a:r>
-              <a:rPr lang="zh-CN" altLang="zh-CN" dirty="0"/>
+              <a:rPr lang="zh-CN" altLang="zh-CN" dirty="0">
+                <a:solidFill>
+                  <a:schemeClr val="tx1">
+                    <a:lumMod val="85000"/>
+                    <a:lumOff val="15000"/>
+                  </a:schemeClr>
+                </a:solidFill>
+              </a:rPr>
               <a:t>音频和声学信号处理（</a:t>
             </a:r>
             <a:r>
-              <a:rPr lang="en-US" altLang="zh-CN" dirty="0"/>
+              <a:rPr lang="en-US" altLang="zh-CN" dirty="0">
+                <a:solidFill>
+                  <a:schemeClr val="tx1">
+                    <a:lumMod val="85000"/>
+                    <a:lumOff val="15000"/>
+                  </a:schemeClr>
+                </a:solidFill>
+              </a:rPr>
               <a:t>AASP</a:t>
             </a:r>
             <a:r>
-              <a:rPr lang="zh-CN" altLang="zh-CN" dirty="0"/>
+              <a:rPr lang="zh-CN" altLang="zh-CN" dirty="0">
+                <a:solidFill>
+                  <a:schemeClr val="tx1">
+                    <a:lumMod val="85000"/>
+                    <a:lumOff val="15000"/>
+                  </a:schemeClr>
+                </a:solidFill>
+              </a:rPr>
               <a:t>）</a:t>
             </a:r>
             <a:r>
-              <a:rPr lang="zh-CN" altLang="en-US" dirty="0"/>
+              <a:rPr lang="zh-CN" altLang="en-US" dirty="0">
+                <a:solidFill>
+                  <a:schemeClr val="tx1">
+                    <a:lumMod val="85000"/>
+                    <a:lumOff val="15000"/>
+                  </a:schemeClr>
+                </a:solidFill>
+              </a:rPr>
               <a:t>联合举办</a:t>
             </a:r>
-            <a:endParaRPr lang="en-US" altLang="zh-CN" dirty="0"/>
+            <a:endParaRPr lang="en-US" altLang="zh-CN" dirty="0">
+              <a:solidFill>
+                <a:schemeClr val="tx1">
+                  <a:lumMod val="85000"/>
+                  <a:lumOff val="15000"/>
+                </a:schemeClr>
+              </a:solidFill>
+            </a:endParaRPr>
           </a:p>
           <a:p>
             <a:pPr marL="285750" indent="-285750">
@@ -6746,18 +11579,46 @@
               <a:buChar char="•"/>
             </a:pPr>
             <a:r>
-              <a:rPr lang="zh-CN" altLang="zh-CN" dirty="0"/>
+              <a:rPr lang="zh-CN" altLang="zh-CN" dirty="0">
+                <a:solidFill>
+                  <a:schemeClr val="tx1">
+                    <a:lumMod val="85000"/>
+                    <a:lumOff val="15000"/>
+                  </a:schemeClr>
+                </a:solidFill>
+              </a:rPr>
               <a:t>测试和比较</a:t>
             </a:r>
             <a:r>
-              <a:rPr lang="en-US" altLang="zh-CN" dirty="0"/>
+              <a:rPr lang="en-US" altLang="zh-CN" dirty="0">
+                <a:solidFill>
+                  <a:schemeClr val="tx1">
+                    <a:lumMod val="85000"/>
+                    <a:lumOff val="15000"/>
+                  </a:schemeClr>
+                </a:solidFill>
+              </a:rPr>
               <a:t>ASC</a:t>
             </a:r>
             <a:r>
-              <a:rPr lang="zh-CN" altLang="zh-CN" dirty="0"/>
+              <a:rPr lang="zh-CN" altLang="zh-CN" dirty="0">
+                <a:solidFill>
+                  <a:schemeClr val="tx1">
+                    <a:lumMod val="85000"/>
+                    <a:lumOff val="15000"/>
+                  </a:schemeClr>
+                </a:solidFill>
+              </a:rPr>
               <a:t>和事件检测与分类算法</a:t>
             </a:r>
-            <a:endParaRPr lang="en-US" altLang="zh-CN" dirty="0"/>
+            <a:endParaRPr lang="en-US" altLang="zh-CN" dirty="0">
+              <a:solidFill>
+                <a:schemeClr val="tx1">
+                  <a:lumMod val="85000"/>
+                  <a:lumOff val="15000"/>
+                </a:schemeClr>
+              </a:solidFill>
+            </a:endParaRPr>
           </a:p>
         </p:txBody>
       </p:sp>

--- a/开题报告/答辩.pptx
+++ b/开题报告/答辩.pptx
@@ -30,7 +30,8 @@
     <p:sldId id="273" r:id="rId24"/>
     <p:sldId id="278" r:id="rId25"/>
     <p:sldId id="279" r:id="rId26"/>
-    <p:sldId id="281" r:id="rId27"/>
+    <p:sldId id="282" r:id="rId27"/>
+    <p:sldId id="281" r:id="rId28"/>
   </p:sldIdLst>
   <p:sldSz cx="12192000" cy="6858000"/>
   <p:notesSz cx="6858000" cy="9144000"/>
@@ -7360,11 +7361,25 @@
           <a:lstStyle/>
           <a:p>
             <a:r>
-              <a:rPr lang="en-US" altLang="zh-CN" dirty="0"/>
+              <a:rPr lang="en-US" altLang="zh-CN" dirty="0">
+                <a:solidFill>
+                  <a:schemeClr val="tx1">
+                    <a:lumMod val="75000"/>
+                    <a:lumOff val="25000"/>
+                  </a:schemeClr>
+                </a:solidFill>
+              </a:rPr>
               <a:t>DCASE</a:t>
             </a:r>
             <a:r>
-              <a:rPr lang="zh-CN" altLang="en-US" dirty="0"/>
+              <a:rPr lang="zh-CN" altLang="en-US" dirty="0">
+                <a:solidFill>
+                  <a:schemeClr val="tx1">
+                    <a:lumMod val="75000"/>
+                    <a:lumOff val="25000"/>
+                  </a:schemeClr>
+                </a:solidFill>
+              </a:rPr>
               <a:t>中提出的方法</a:t>
             </a:r>
           </a:p>
@@ -7456,8 +7471,8 @@
               <a:rPr lang="zh-CN" altLang="en-US" dirty="0">
                 <a:solidFill>
                   <a:schemeClr val="tx1">
-                    <a:lumMod val="85000"/>
-                    <a:lumOff val="15000"/>
+                    <a:lumMod val="75000"/>
+                    <a:lumOff val="25000"/>
                   </a:schemeClr>
                 </a:solidFill>
               </a:rPr>
@@ -7495,22 +7510,57 @@
               </a:lnSpc>
             </a:pPr>
             <a:r>
-              <a:rPr lang="zh-CN" altLang="zh-CN" dirty="0"/>
+              <a:rPr lang="zh-CN" altLang="zh-CN" dirty="0">
+                <a:solidFill>
+                  <a:schemeClr val="tx1">
+                    <a:lumMod val="75000"/>
+                    <a:lumOff val="25000"/>
+                  </a:schemeClr>
+                </a:solidFill>
+              </a:rPr>
               <a:t>直接将音频文件导入至卷积神经网络中，学习的效果并没有预期的好。因此需要一定的预处理（特征提取）。在特征提取部分，总结之前的研究成果，本文采用效果较好的</a:t>
             </a:r>
             <a:r>
-              <a:rPr lang="en-US" altLang="zh-CN" dirty="0"/>
+              <a:rPr lang="en-US" altLang="zh-CN" dirty="0">
+                <a:solidFill>
+                  <a:schemeClr val="tx1">
+                    <a:lumMod val="75000"/>
+                    <a:lumOff val="25000"/>
+                  </a:schemeClr>
+                </a:solidFill>
+              </a:rPr>
               <a:t>log-</a:t>
             </a:r>
             <a:r>
-              <a:rPr lang="en-US" altLang="zh-CN" dirty="0" err="1"/>
+              <a:rPr lang="en-US" altLang="zh-CN" dirty="0" err="1">
+                <a:solidFill>
+                  <a:schemeClr val="tx1">
+                    <a:lumMod val="75000"/>
+                    <a:lumOff val="25000"/>
+                  </a:schemeClr>
+                </a:solidFill>
+              </a:rPr>
               <a:t>mel</a:t>
             </a:r>
             <a:r>
-              <a:rPr lang="zh-CN" altLang="zh-CN" dirty="0"/>
+              <a:rPr lang="zh-CN" altLang="zh-CN" dirty="0">
+                <a:solidFill>
+                  <a:schemeClr val="tx1">
+                    <a:lumMod val="75000"/>
+                    <a:lumOff val="25000"/>
+                  </a:schemeClr>
+                </a:solidFill>
+              </a:rPr>
               <a:t>频谱。</a:t>
             </a:r>
-            <a:endParaRPr lang="en-US" altLang="zh-CN" dirty="0"/>
+            <a:endParaRPr lang="en-US" altLang="zh-CN" dirty="0">
+              <a:solidFill>
+                <a:schemeClr val="tx1">
+                  <a:lumMod val="75000"/>
+                  <a:lumOff val="25000"/>
+                </a:schemeClr>
+              </a:solidFill>
+            </a:endParaRPr>
           </a:p>
           <a:p>
             <a:pPr>
@@ -7519,18 +7569,46 @@
               </a:lnSpc>
             </a:pPr>
             <a:r>
-              <a:rPr lang="zh-CN" altLang="zh-CN" dirty="0"/>
+              <a:rPr lang="zh-CN" altLang="zh-CN" dirty="0">
+                <a:solidFill>
+                  <a:schemeClr val="tx1">
+                    <a:lumMod val="75000"/>
+                    <a:lumOff val="25000"/>
+                  </a:schemeClr>
+                </a:solidFill>
+              </a:rPr>
               <a:t>卷积分类，神经网络部分将引入目前广受欢迎的</a:t>
             </a:r>
             <a:r>
-              <a:rPr lang="en-US" altLang="zh-CN" dirty="0" err="1"/>
+              <a:rPr lang="en-US" altLang="zh-CN" dirty="0" err="1">
+                <a:solidFill>
+                  <a:schemeClr val="tx1">
+                    <a:lumMod val="75000"/>
+                    <a:lumOff val="25000"/>
+                  </a:schemeClr>
+                </a:solidFill>
+              </a:rPr>
               <a:t>Tensorflow</a:t>
             </a:r>
             <a:r>
-              <a:rPr lang="zh-CN" altLang="zh-CN" dirty="0"/>
+              <a:rPr lang="zh-CN" altLang="zh-CN" dirty="0">
+                <a:solidFill>
+                  <a:schemeClr val="tx1">
+                    <a:lumMod val="75000"/>
+                    <a:lumOff val="25000"/>
+                  </a:schemeClr>
+                </a:solidFill>
+              </a:rPr>
               <a:t>深度学习任务框架。</a:t>
             </a:r>
-            <a:endParaRPr lang="en-US" altLang="zh-CN" dirty="0"/>
+            <a:endParaRPr lang="en-US" altLang="zh-CN" dirty="0">
+              <a:solidFill>
+                <a:schemeClr val="tx1">
+                  <a:lumMod val="75000"/>
+                  <a:lumOff val="25000"/>
+                </a:schemeClr>
+              </a:solidFill>
+            </a:endParaRPr>
           </a:p>
           <a:p>
             <a:pPr>
@@ -7539,10 +7617,24 @@
               </a:lnSpc>
             </a:pPr>
             <a:r>
-              <a:rPr lang="zh-CN" altLang="zh-CN" dirty="0"/>
+              <a:rPr lang="zh-CN" altLang="zh-CN" dirty="0">
+                <a:solidFill>
+                  <a:schemeClr val="tx1">
+                    <a:lumMod val="75000"/>
+                    <a:lumOff val="25000"/>
+                  </a:schemeClr>
+                </a:solidFill>
+              </a:rPr>
               <a:t>探讨深度学习参数如神经元的数量，隐藏层的数量和引入丢失对学习结果造成的影响。</a:t>
             </a:r>
-            <a:endParaRPr lang="zh-CN" altLang="en-US" dirty="0"/>
+            <a:endParaRPr lang="zh-CN" altLang="en-US" dirty="0">
+              <a:solidFill>
+                <a:schemeClr val="tx1">
+                  <a:lumMod val="75000"/>
+                  <a:lumOff val="25000"/>
+                </a:schemeClr>
+              </a:solidFill>
+            </a:endParaRPr>
           </a:p>
         </p:txBody>
       </p:sp>
@@ -7704,14 +7796,191 @@
         </p:blipFill>
         <p:spPr>
           <a:xfrm>
-            <a:off x="2008695" y="1220816"/>
+            <a:off x="683988" y="728447"/>
             <a:ext cx="8174610" cy="4416368"/>
           </a:xfrm>
           <a:prstGeom prst="rect">
             <a:avLst/>
           </a:prstGeom>
+          <a:solidFill>
+            <a:srgbClr val="FFFFFF">
+              <a:shade val="85000"/>
+            </a:srgbClr>
+          </a:solidFill>
+          <a:ln w="88900" cap="sq">
+            <a:solidFill>
+              <a:srgbClr val="FFFFFF"/>
+            </a:solidFill>
+            <a:miter lim="800000"/>
+          </a:ln>
+          <a:effectLst>
+            <a:outerShdw blurRad="55000" dist="18000" dir="5400000" algn="tl" rotWithShape="0">
+              <a:srgbClr val="000000">
+                <a:alpha val="40000"/>
+              </a:srgbClr>
+            </a:outerShdw>
+          </a:effectLst>
+          <a:scene3d>
+            <a:camera prst="orthographicFront"/>
+            <a:lightRig rig="twoPt" dir="t">
+              <a:rot lat="0" lon="0" rev="7200000"/>
+            </a:lightRig>
+          </a:scene3d>
+          <a:sp3d>
+            <a:bevelT w="25400" h="19050"/>
+            <a:contourClr>
+              <a:srgbClr val="FFFFFF"/>
+            </a:contourClr>
+          </a:sp3d>
         </p:spPr>
       </p:pic>
+      <p:sp>
+        <p:nvSpPr>
+          <p:cNvPr id="2" name="文本框 1">
+            <a:extLst>
+              <a:ext uri="{FF2B5EF4-FFF2-40B4-BE49-F238E27FC236}">
+                <a16:creationId xmlns:a16="http://schemas.microsoft.com/office/drawing/2014/main" id="{210A54A8-FCC1-474F-81FD-DD349316351F}"/>
+              </a:ext>
+            </a:extLst>
+          </p:cNvPr>
+          <p:cNvSpPr txBox="1"/>
+          <p:nvPr/>
+        </p:nvSpPr>
+        <p:spPr>
+          <a:xfrm>
+            <a:off x="9015022" y="2751965"/>
+            <a:ext cx="2492990" cy="369332"/>
+          </a:xfrm>
+          <a:prstGeom prst="rect">
+            <a:avLst/>
+          </a:prstGeom>
+          <a:noFill/>
+        </p:spPr>
+        <p:txBody>
+          <a:bodyPr wrap="none" rtlCol="0">
+            <a:spAutoFit/>
+          </a:bodyPr>
+          <a:lstStyle/>
+          <a:p>
+            <a:r>
+              <a:rPr lang="zh-CN" altLang="en-US" dirty="0">
+                <a:solidFill>
+                  <a:schemeClr val="tx1">
+                    <a:lumMod val="75000"/>
+                    <a:lumOff val="25000"/>
+                  </a:schemeClr>
+                </a:solidFill>
+              </a:rPr>
+              <a:t>卷积神经网络的层结构</a:t>
+            </a:r>
+          </a:p>
+        </p:txBody>
+      </p:sp>
+      <p:sp>
+        <p:nvSpPr>
+          <p:cNvPr id="3" name="文本框 2">
+            <a:extLst>
+              <a:ext uri="{FF2B5EF4-FFF2-40B4-BE49-F238E27FC236}">
+                <a16:creationId xmlns:a16="http://schemas.microsoft.com/office/drawing/2014/main" id="{E0EA851D-318D-41DB-9A89-D32695E13A61}"/>
+              </a:ext>
+            </a:extLst>
+          </p:cNvPr>
+          <p:cNvSpPr txBox="1"/>
+          <p:nvPr/>
+        </p:nvSpPr>
+        <p:spPr>
+          <a:xfrm>
+            <a:off x="5146431" y="5483221"/>
+            <a:ext cx="3185487" cy="646331"/>
+          </a:xfrm>
+          <a:prstGeom prst="rect">
+            <a:avLst/>
+          </a:prstGeom>
+          <a:noFill/>
+        </p:spPr>
+        <p:txBody>
+          <a:bodyPr wrap="none" rtlCol="0">
+            <a:spAutoFit/>
+          </a:bodyPr>
+          <a:lstStyle/>
+          <a:p>
+            <a:r>
+              <a:rPr lang="zh-CN" altLang="en-US" dirty="0">
+                <a:solidFill>
+                  <a:schemeClr val="tx1">
+                    <a:lumMod val="75000"/>
+                    <a:lumOff val="25000"/>
+                  </a:schemeClr>
+                </a:solidFill>
+              </a:rPr>
+              <a:t>池化层：减小数据的空间大小</a:t>
+            </a:r>
+            <a:endParaRPr lang="en-US" altLang="zh-CN" dirty="0">
+              <a:solidFill>
+                <a:schemeClr val="tx1">
+                  <a:lumMod val="75000"/>
+                  <a:lumOff val="25000"/>
+                </a:schemeClr>
+              </a:solidFill>
+            </a:endParaRPr>
+          </a:p>
+          <a:p>
+            <a:r>
+              <a:rPr lang="zh-CN" altLang="en-US" dirty="0">
+                <a:solidFill>
+                  <a:schemeClr val="tx1">
+                    <a:lumMod val="75000"/>
+                    <a:lumOff val="25000"/>
+                  </a:schemeClr>
+                </a:solidFill>
+              </a:rPr>
+              <a:t>参数的数量和计算量</a:t>
+            </a:r>
+          </a:p>
+        </p:txBody>
+      </p:sp>
+      <p:sp>
+        <p:nvSpPr>
+          <p:cNvPr id="5" name="文本框 4">
+            <a:extLst>
+              <a:ext uri="{FF2B5EF4-FFF2-40B4-BE49-F238E27FC236}">
+                <a16:creationId xmlns:a16="http://schemas.microsoft.com/office/drawing/2014/main" id="{DCF78853-E886-460D-A907-38D9E36F693D}"/>
+              </a:ext>
+            </a:extLst>
+          </p:cNvPr>
+          <p:cNvSpPr txBox="1"/>
+          <p:nvPr/>
+        </p:nvSpPr>
+        <p:spPr>
+          <a:xfrm>
+            <a:off x="1736610" y="5621721"/>
+            <a:ext cx="3185487" cy="369332"/>
+          </a:xfrm>
+          <a:prstGeom prst="rect">
+            <a:avLst/>
+          </a:prstGeom>
+          <a:noFill/>
+        </p:spPr>
+        <p:txBody>
+          <a:bodyPr wrap="none" rtlCol="0">
+            <a:spAutoFit/>
+          </a:bodyPr>
+          <a:lstStyle/>
+          <a:p>
+            <a:r>
+              <a:rPr lang="zh-CN" altLang="en-US" dirty="0">
+                <a:solidFill>
+                  <a:schemeClr val="tx1">
+                    <a:lumMod val="75000"/>
+                    <a:lumOff val="25000"/>
+                  </a:schemeClr>
+                </a:solidFill>
+              </a:rPr>
+              <a:t>卷积层：提取输入的不同特征</a:t>
+            </a:r>
+          </a:p>
+        </p:txBody>
+      </p:sp>
     </p:spTree>
     <p:extLst>
       <p:ext uri="{BB962C8B-B14F-4D97-AF65-F5344CB8AC3E}">
@@ -7764,15 +8033,36 @@
           <a:lstStyle/>
           <a:p>
             <a:r>
-              <a:rPr lang="zh-CN" altLang="en-US" dirty="0"/>
+              <a:rPr lang="zh-CN" altLang="en-US" dirty="0">
+                <a:solidFill>
+                  <a:schemeClr val="tx1">
+                    <a:lumMod val="75000"/>
+                    <a:lumOff val="25000"/>
+                  </a:schemeClr>
+                </a:solidFill>
+              </a:rPr>
               <a:t>线性整流函数（</a:t>
             </a:r>
             <a:r>
-              <a:rPr lang="en-US" altLang="zh-CN" dirty="0" err="1"/>
+              <a:rPr lang="en-US" altLang="zh-CN" dirty="0" err="1">
+                <a:solidFill>
+                  <a:schemeClr val="tx1">
+                    <a:lumMod val="75000"/>
+                    <a:lumOff val="25000"/>
+                  </a:schemeClr>
+                </a:solidFill>
+              </a:rPr>
               <a:t>ReLU</a:t>
             </a:r>
             <a:r>
-              <a:rPr lang="zh-CN" altLang="en-US" dirty="0"/>
+              <a:rPr lang="zh-CN" altLang="en-US" dirty="0">
+                <a:solidFill>
+                  <a:schemeClr val="tx1">
+                    <a:lumMod val="75000"/>
+                    <a:lumOff val="25000"/>
+                  </a:schemeClr>
+                </a:solidFill>
+              </a:rPr>
               <a:t>）</a:t>
             </a:r>
           </a:p>
@@ -7817,42 +8107,57 @@
               <a:buChar char="•"/>
             </a:pPr>
             <a:r>
-              <a:rPr lang="zh-CN" altLang="en-US" sz="2400" dirty="0"/>
+              <a:rPr lang="zh-CN" altLang="en-US" sz="2400" dirty="0">
+                <a:solidFill>
+                  <a:schemeClr val="tx1">
+                    <a:lumMod val="75000"/>
+                    <a:lumOff val="25000"/>
+                  </a:schemeClr>
+                </a:solidFill>
+              </a:rPr>
               <a:t>线性整流函数（</a:t>
             </a:r>
             <a:r>
-              <a:rPr lang="en-US" altLang="zh-CN" sz="2400" dirty="0"/>
+              <a:rPr lang="en-US" altLang="zh-CN" sz="2400" dirty="0">
+                <a:solidFill>
+                  <a:schemeClr val="tx1">
+                    <a:lumMod val="75000"/>
+                    <a:lumOff val="25000"/>
+                  </a:schemeClr>
+                </a:solidFill>
+              </a:rPr>
               <a:t>Rectified Linear Unit, </a:t>
             </a:r>
             <a:r>
-              <a:rPr lang="en-US" altLang="zh-CN" sz="2400" dirty="0" err="1"/>
+              <a:rPr lang="en-US" altLang="zh-CN" sz="2400" dirty="0" err="1">
+                <a:solidFill>
+                  <a:schemeClr val="tx1">
+                    <a:lumMod val="75000"/>
+                    <a:lumOff val="25000"/>
+                  </a:schemeClr>
+                </a:solidFill>
+              </a:rPr>
               <a:t>ReLU</a:t>
             </a:r>
             <a:r>
-              <a:rPr lang="zh-CN" altLang="en-US" sz="2400" dirty="0"/>
-              <a:t>），是一种</a:t>
-            </a:r>
-            <a:r>
               <a:rPr lang="zh-CN" altLang="en-US" sz="2400" dirty="0">
-                <a:hlinkClick r:id="rId2" tooltip="人工神经网络"/>
-              </a:rPr>
-              <a:t>人工神经网络</a:t>
-            </a:r>
-            <a:r>
-              <a:rPr lang="zh-CN" altLang="en-US" sz="2400" dirty="0"/>
-              <a:t>中常用的激活函数，通常指代以</a:t>
-            </a:r>
-            <a:r>
-              <a:rPr lang="zh-CN" altLang="en-US" sz="2400" dirty="0">
-                <a:hlinkClick r:id="rId3" tooltip="斜坡函数"/>
-              </a:rPr>
-              <a:t>斜坡函数</a:t>
-            </a:r>
-            <a:r>
-              <a:rPr lang="zh-CN" altLang="en-US" sz="2400" dirty="0"/>
-              <a:t>及其变种为代表的非线性函数</a:t>
-            </a:r>
-            <a:endParaRPr lang="en-US" altLang="zh-CN" sz="2400" dirty="0"/>
+                <a:solidFill>
+                  <a:schemeClr val="tx1">
+                    <a:lumMod val="75000"/>
+                    <a:lumOff val="25000"/>
+                  </a:schemeClr>
+                </a:solidFill>
+              </a:rPr>
+              <a:t>），是一种人工神经网络中常用的激活函数，通常指代以斜坡函数及其变种为代表的非线性函数</a:t>
+            </a:r>
+            <a:endParaRPr lang="en-US" altLang="zh-CN" sz="2400" dirty="0">
+              <a:solidFill>
+                <a:schemeClr val="tx1">
+                  <a:lumMod val="75000"/>
+                  <a:lumOff val="25000"/>
+                </a:schemeClr>
+              </a:solidFill>
+            </a:endParaRPr>
           </a:p>
           <a:p>
             <a:pPr marL="228600" indent="-228600">
@@ -7866,14 +8171,35 @@
               <a:buChar char="•"/>
             </a:pPr>
             <a:r>
-              <a:rPr lang="zh-CN" altLang="en-US" sz="2400" dirty="0"/>
+              <a:rPr lang="zh-CN" altLang="en-US" sz="2400" dirty="0">
+                <a:solidFill>
+                  <a:schemeClr val="tx1">
+                    <a:lumMod val="75000"/>
+                    <a:lumOff val="25000"/>
+                  </a:schemeClr>
+                </a:solidFill>
+              </a:rPr>
               <a:t>优点是具备</a:t>
             </a:r>
             <a:r>
-              <a:rPr lang="zh-CN" altLang="zh-CN" sz="2400" dirty="0"/>
+              <a:rPr lang="zh-CN" altLang="zh-CN" sz="2400" dirty="0">
+                <a:solidFill>
+                  <a:schemeClr val="tx1">
+                    <a:lumMod val="75000"/>
+                    <a:lumOff val="25000"/>
+                  </a:schemeClr>
+                </a:solidFill>
+              </a:rPr>
               <a:t>更快速的计算速度和更有效的梯度传播</a:t>
             </a:r>
-            <a:endParaRPr lang="zh-CN" altLang="en-US" sz="2400" dirty="0"/>
+            <a:endParaRPr lang="zh-CN" altLang="en-US" sz="2400" dirty="0">
+              <a:solidFill>
+                <a:schemeClr val="tx1">
+                  <a:lumMod val="75000"/>
+                  <a:lumOff val="25000"/>
+                </a:schemeClr>
+              </a:solidFill>
+            </a:endParaRPr>
           </a:p>
         </p:txBody>
       </p:sp>
@@ -7892,7 +8218,7 @@
           <p:nvPr/>
         </p:nvPicPr>
         <p:blipFill>
-          <a:blip r:embed="rId4">
+          <a:blip r:embed="rId2">
             <a:extLst>
               <a:ext uri="{28A0092B-C50C-407E-A947-70E740481C1C}">
                 <a14:useLocalDpi xmlns:a14="http://schemas.microsoft.com/office/drawing/2010/main" val="0"/>
@@ -7911,6 +8237,36 @@
           <a:prstGeom prst="rect">
             <a:avLst/>
           </a:prstGeom>
+          <a:solidFill>
+            <a:srgbClr val="FFFFFF">
+              <a:shade val="85000"/>
+            </a:srgbClr>
+          </a:solidFill>
+          <a:ln w="88900" cap="sq">
+            <a:solidFill>
+              <a:srgbClr val="FFFFFF"/>
+            </a:solidFill>
+            <a:miter lim="800000"/>
+          </a:ln>
+          <a:effectLst>
+            <a:outerShdw blurRad="55000" dist="18000" dir="5400000" algn="tl" rotWithShape="0">
+              <a:srgbClr val="000000">
+                <a:alpha val="40000"/>
+              </a:srgbClr>
+            </a:outerShdw>
+          </a:effectLst>
+          <a:scene3d>
+            <a:camera prst="orthographicFront"/>
+            <a:lightRig rig="twoPt" dir="t">
+              <a:rot lat="0" lon="0" rev="7200000"/>
+            </a:lightRig>
+          </a:scene3d>
+          <a:sp3d>
+            <a:bevelT w="25400" h="19050"/>
+            <a:contourClr>
+              <a:srgbClr val="FFFFFF"/>
+            </a:contourClr>
+          </a:sp3d>
         </p:spPr>
       </p:pic>
       <mc:AlternateContent xmlns:mc="http://schemas.openxmlformats.org/markup-compatibility/2006">
@@ -7943,6 +8299,7 @@
               </a:bodyPr>
               <a:lstStyle/>
               <a:p>
+                <a:pPr/>
                 <a14:m>
                   <m:oMathPara xmlns:m="http://schemas.openxmlformats.org/officeDocument/2006/math">
                     <m:oMathParaPr>
@@ -7951,6 +8308,12 @@
                     <m:oMath xmlns:m="http://schemas.openxmlformats.org/officeDocument/2006/math">
                       <m:r>
                         <a:rPr lang="en-US" altLang="zh-CN" sz="3600" i="1" smtClean="0">
+                          <a:solidFill>
+                            <a:schemeClr val="tx1">
+                              <a:lumMod val="75000"/>
+                              <a:lumOff val="25000"/>
+                            </a:schemeClr>
+                          </a:solidFill>
                           <a:latin typeface="Cambria Math" panose="02040503050406030204" pitchFamily="18" charset="0"/>
                         </a:rPr>
                         <m:t>𝑓</m:t>
@@ -7959,6 +8322,12 @@
                         <m:dPr>
                           <m:ctrlPr>
                             <a:rPr lang="en-US" altLang="zh-CN" sz="3600" i="1" smtClean="0">
+                              <a:solidFill>
+                                <a:schemeClr val="tx1">
+                                  <a:lumMod val="75000"/>
+                                  <a:lumOff val="25000"/>
+                                </a:schemeClr>
+                              </a:solidFill>
                               <a:latin typeface="Cambria Math" panose="02040503050406030204" pitchFamily="18" charset="0"/>
                             </a:rPr>
                           </m:ctrlPr>
@@ -7966,6 +8335,12 @@
                         <m:e>
                           <m:r>
                             <a:rPr lang="en-US" altLang="zh-CN" sz="3600" i="1" smtClean="0">
+                              <a:solidFill>
+                                <a:schemeClr val="tx1">
+                                  <a:lumMod val="75000"/>
+                                  <a:lumOff val="25000"/>
+                                </a:schemeClr>
+                              </a:solidFill>
                               <a:latin typeface="Cambria Math" panose="02040503050406030204" pitchFamily="18" charset="0"/>
                             </a:rPr>
                             <m:t>𝑥</m:t>
@@ -7974,6 +8349,12 @@
                       </m:d>
                       <m:r>
                         <a:rPr lang="en-US" altLang="zh-CN" sz="3600" i="1" smtClean="0">
+                          <a:solidFill>
+                            <a:schemeClr val="tx1">
+                              <a:lumMod val="75000"/>
+                              <a:lumOff val="25000"/>
+                            </a:schemeClr>
+                          </a:solidFill>
                           <a:latin typeface="Cambria Math" panose="02040503050406030204" pitchFamily="18" charset="0"/>
                         </a:rPr>
                         <m:t>=</m:t>
@@ -7982,6 +8363,12 @@
                         <m:funcPr>
                           <m:ctrlPr>
                             <a:rPr lang="en-US" altLang="zh-CN" sz="3600" i="1" smtClean="0">
+                              <a:solidFill>
+                                <a:schemeClr val="tx1">
+                                  <a:lumMod val="75000"/>
+                                  <a:lumOff val="25000"/>
+                                </a:schemeClr>
+                              </a:solidFill>
                               <a:latin typeface="Cambria Math" panose="02040503050406030204" pitchFamily="18" charset="0"/>
                             </a:rPr>
                           </m:ctrlPr>
@@ -7992,6 +8379,12 @@
                               <m:sty m:val="p"/>
                             </m:rPr>
                             <a:rPr lang="en-US" altLang="zh-CN" sz="3600" i="1" smtClean="0">
+                              <a:solidFill>
+                                <a:schemeClr val="tx1">
+                                  <a:lumMod val="75000"/>
+                                  <a:lumOff val="25000"/>
+                                </a:schemeClr>
+                              </a:solidFill>
                               <a:latin typeface="Cambria Math" panose="02040503050406030204" pitchFamily="18" charset="0"/>
                             </a:rPr>
                             <m:t>max</m:t>
@@ -8002,6 +8395,12 @@
                             <m:dPr>
                               <m:ctrlPr>
                                 <a:rPr lang="en-US" altLang="zh-CN" sz="3600" i="1" smtClean="0">
+                                  <a:solidFill>
+                                    <a:schemeClr val="tx1">
+                                      <a:lumMod val="75000"/>
+                                      <a:lumOff val="25000"/>
+                                    </a:schemeClr>
+                                  </a:solidFill>
                                   <a:latin typeface="Cambria Math" panose="02040503050406030204" pitchFamily="18" charset="0"/>
                                 </a:rPr>
                               </m:ctrlPr>
@@ -8009,18 +8408,36 @@
                             <m:e>
                               <m:r>
                                 <a:rPr lang="en-US" altLang="zh-CN" sz="3600" b="0" i="1" smtClean="0">
+                                  <a:solidFill>
+                                    <a:schemeClr val="tx1">
+                                      <a:lumMod val="75000"/>
+                                      <a:lumOff val="25000"/>
+                                    </a:schemeClr>
+                                  </a:solidFill>
                                   <a:latin typeface="Cambria Math" panose="02040503050406030204" pitchFamily="18" charset="0"/>
                                 </a:rPr>
                                 <m:t>0</m:t>
                               </m:r>
                               <m:r>
                                 <a:rPr lang="en-US" altLang="zh-CN" sz="3600" i="1" smtClean="0">
+                                  <a:solidFill>
+                                    <a:schemeClr val="tx1">
+                                      <a:lumMod val="75000"/>
+                                      <a:lumOff val="25000"/>
+                                    </a:schemeClr>
+                                  </a:solidFill>
                                   <a:latin typeface="Cambria Math" panose="02040503050406030204" pitchFamily="18" charset="0"/>
                                 </a:rPr>
                                 <m:t>,</m:t>
                               </m:r>
                               <m:r>
                                 <a:rPr lang="en-US" altLang="zh-CN" sz="3600" i="1" smtClean="0">
+                                  <a:solidFill>
+                                    <a:schemeClr val="tx1">
+                                      <a:lumMod val="75000"/>
+                                      <a:lumOff val="25000"/>
+                                    </a:schemeClr>
+                                  </a:solidFill>
                                   <a:latin typeface="Cambria Math" panose="02040503050406030204" pitchFamily="18" charset="0"/>
                                 </a:rPr>
                                 <m:t>𝑥</m:t>
@@ -8032,7 +8449,14 @@
                     </m:oMath>
                   </m:oMathPara>
                 </a14:m>
-                <a:endParaRPr lang="zh-CN" altLang="en-US" sz="3600" dirty="0"/>
+                <a:endParaRPr lang="zh-CN" altLang="en-US" sz="3600" dirty="0">
+                  <a:solidFill>
+                    <a:schemeClr val="tx1">
+                      <a:lumMod val="75000"/>
+                      <a:lumOff val="25000"/>
+                    </a:schemeClr>
+                  </a:solidFill>
+                </a:endParaRPr>
               </a:p>
             </p:txBody>
           </p:sp>
@@ -8061,7 +8485,7 @@
                 <a:avLst/>
               </a:prstGeom>
               <a:blipFill>
-                <a:blip r:embed="rId5"/>
+                <a:blip r:embed="rId3"/>
                 <a:stretch>
                   <a:fillRect/>
                 </a:stretch>
@@ -8133,7 +8557,135 @@
           <a:bodyPr/>
           <a:lstStyle/>
           <a:p>
-            <a:endParaRPr lang="zh-CN" altLang="en-US"/>
+            <a:r>
+              <a:rPr lang="zh-CN" altLang="en-US" dirty="0">
+                <a:solidFill>
+                  <a:schemeClr val="tx1">
+                    <a:lumMod val="75000"/>
+                    <a:lumOff val="25000"/>
+                  </a:schemeClr>
+                </a:solidFill>
+              </a:rPr>
+              <a:t>丢弃学习</a:t>
+            </a:r>
+          </a:p>
+        </p:txBody>
+      </p:sp>
+      <p:sp>
+        <p:nvSpPr>
+          <p:cNvPr id="3" name="内容占位符 2">
+            <a:extLst>
+              <a:ext uri="{FF2B5EF4-FFF2-40B4-BE49-F238E27FC236}">
+                <a16:creationId xmlns:a16="http://schemas.microsoft.com/office/drawing/2014/main" id="{5D22A55B-D456-42A9-8264-055858BF1553}"/>
+              </a:ext>
+            </a:extLst>
+          </p:cNvPr>
+          <p:cNvSpPr>
+            <a:spLocks noGrp="1"/>
+          </p:cNvSpPr>
+          <p:nvPr>
+            <p:ph idx="1"/>
+          </p:nvPr>
+        </p:nvSpPr>
+        <p:spPr/>
+        <p:txBody>
+          <a:bodyPr/>
+          <a:lstStyle/>
+          <a:p>
+            <a:pPr>
+              <a:lnSpc>
+                <a:spcPct val="150000"/>
+              </a:lnSpc>
+            </a:pPr>
+            <a:r>
+              <a:rPr lang="zh-CN" altLang="en-US" dirty="0">
+                <a:solidFill>
+                  <a:schemeClr val="tx1">
+                    <a:lumMod val="75000"/>
+                    <a:lumOff val="25000"/>
+                  </a:schemeClr>
+                </a:solidFill>
+              </a:rPr>
+              <a:t>深度神经结构存在过度拟合的倾向</a:t>
+            </a:r>
+            <a:endParaRPr lang="en-US" altLang="zh-CN" dirty="0">
+              <a:solidFill>
+                <a:schemeClr val="tx1">
+                  <a:lumMod val="75000"/>
+                  <a:lumOff val="25000"/>
+                </a:schemeClr>
+              </a:solidFill>
+            </a:endParaRPr>
+          </a:p>
+          <a:p>
+            <a:pPr>
+              <a:lnSpc>
+                <a:spcPct val="150000"/>
+              </a:lnSpc>
+            </a:pPr>
+            <a:r>
+              <a:rPr lang="zh-CN" altLang="en-US" dirty="0">
+                <a:solidFill>
+                  <a:schemeClr val="tx1">
+                    <a:lumMod val="75000"/>
+                    <a:lumOff val="25000"/>
+                  </a:schemeClr>
+                </a:solidFill>
+              </a:rPr>
+              <a:t>解决的方法是引入丢弃学习</a:t>
+            </a:r>
+            <a:endParaRPr lang="en-US" altLang="zh-CN" dirty="0">
+              <a:solidFill>
+                <a:schemeClr val="tx1">
+                  <a:lumMod val="75000"/>
+                  <a:lumOff val="25000"/>
+                </a:schemeClr>
+              </a:solidFill>
+            </a:endParaRPr>
+          </a:p>
+          <a:p>
+            <a:pPr>
+              <a:lnSpc>
+                <a:spcPct val="150000"/>
+              </a:lnSpc>
+            </a:pPr>
+            <a:r>
+              <a:rPr lang="zh-CN" altLang="en-US" dirty="0">
+                <a:solidFill>
+                  <a:schemeClr val="tx1">
+                    <a:lumMod val="75000"/>
+                    <a:lumOff val="25000"/>
+                  </a:schemeClr>
+                </a:solidFill>
+              </a:rPr>
+              <a:t>具体实现是在每次训练迭代中，每个隐藏单元以一定概率删除</a:t>
+            </a:r>
+            <a:endParaRPr lang="en-US" altLang="zh-CN" dirty="0">
+              <a:solidFill>
+                <a:schemeClr val="tx1">
+                  <a:lumMod val="75000"/>
+                  <a:lumOff val="25000"/>
+                </a:schemeClr>
+              </a:solidFill>
+            </a:endParaRPr>
+          </a:p>
+          <a:p>
+            <a:pPr>
+              <a:lnSpc>
+                <a:spcPct val="150000"/>
+              </a:lnSpc>
+            </a:pPr>
+            <a:r>
+              <a:rPr lang="zh-CN" altLang="en-US" dirty="0">
+                <a:solidFill>
+                  <a:schemeClr val="tx1">
+                    <a:lumMod val="75000"/>
+                    <a:lumOff val="25000"/>
+                  </a:schemeClr>
+                </a:solidFill>
+              </a:rPr>
+              <a:t>通过引入随机扰动组织网络学习虚假依赖</a:t>
+            </a:r>
           </a:p>
         </p:txBody>
       </p:sp>
@@ -8290,7 +8842,360 @@
           <a:bodyPr/>
           <a:lstStyle/>
           <a:p>
-            <a:endParaRPr lang="zh-CN" altLang="en-US"/>
+            <a:r>
+              <a:rPr lang="zh-CN" altLang="en-US" dirty="0">
+                <a:solidFill>
+                  <a:schemeClr val="tx1">
+                    <a:lumMod val="75000"/>
+                    <a:lumOff val="25000"/>
+                  </a:schemeClr>
+                </a:solidFill>
+              </a:rPr>
+              <a:t>重要特征：</a:t>
+            </a:r>
+            <a:r>
+              <a:rPr lang="zh-CN" altLang="en-US" b="1" dirty="0">
+                <a:solidFill>
+                  <a:schemeClr val="tx1">
+                    <a:lumMod val="75000"/>
+                    <a:lumOff val="25000"/>
+                  </a:schemeClr>
+                </a:solidFill>
+              </a:rPr>
+              <a:t>梅尔频率倒谱系数（</a:t>
+            </a:r>
+            <a:r>
+              <a:rPr lang="en-US" altLang="zh-CN" b="1" dirty="0">
+                <a:solidFill>
+                  <a:schemeClr val="tx1">
+                    <a:lumMod val="75000"/>
+                    <a:lumOff val="25000"/>
+                  </a:schemeClr>
+                </a:solidFill>
+              </a:rPr>
+              <a:t>MFCCs</a:t>
+            </a:r>
+            <a:r>
+              <a:rPr lang="zh-CN" altLang="en-US" b="1" dirty="0"/>
+              <a:t>）</a:t>
+            </a:r>
+            <a:endParaRPr lang="zh-CN" altLang="en-US" dirty="0"/>
+          </a:p>
+        </p:txBody>
+      </p:sp>
+      <p:sp>
+        <p:nvSpPr>
+          <p:cNvPr id="3" name="内容占位符 2">
+            <a:extLst>
+              <a:ext uri="{FF2B5EF4-FFF2-40B4-BE49-F238E27FC236}">
+                <a16:creationId xmlns:a16="http://schemas.microsoft.com/office/drawing/2014/main" id="{8A7095C5-B28E-4806-BB2A-F875BCAF7895}"/>
+              </a:ext>
+            </a:extLst>
+          </p:cNvPr>
+          <p:cNvSpPr>
+            <a:spLocks noGrp="1"/>
+          </p:cNvSpPr>
+          <p:nvPr>
+            <p:ph idx="1"/>
+          </p:nvPr>
+        </p:nvSpPr>
+        <p:spPr/>
+        <p:txBody>
+          <a:bodyPr/>
+          <a:lstStyle/>
+          <a:p>
+            <a:r>
+              <a:rPr lang="en-US" altLang="zh-CN" dirty="0">
+                <a:solidFill>
+                  <a:schemeClr val="tx1">
+                    <a:lumMod val="75000"/>
+                    <a:lumOff val="25000"/>
+                  </a:schemeClr>
+                </a:solidFill>
+              </a:rPr>
+              <a:t>Mel</a:t>
+            </a:r>
+            <a:r>
+              <a:rPr lang="zh-CN" altLang="en-US" dirty="0">
+                <a:solidFill>
+                  <a:schemeClr val="tx1">
+                    <a:lumMod val="75000"/>
+                    <a:lumOff val="25000"/>
+                  </a:schemeClr>
+                </a:solidFill>
+              </a:rPr>
+              <a:t>标度描述了人耳频率的非线性特性</a:t>
+            </a:r>
+            <a:endParaRPr lang="en-US" altLang="zh-CN" dirty="0">
+              <a:solidFill>
+                <a:schemeClr val="tx1">
+                  <a:lumMod val="75000"/>
+                  <a:lumOff val="25000"/>
+                </a:schemeClr>
+              </a:solidFill>
+            </a:endParaRPr>
+          </a:p>
+          <a:p>
+            <a:pPr marL="0" indent="0">
+              <a:buNone/>
+            </a:pPr>
+            <a:endParaRPr lang="en-US" altLang="zh-CN" dirty="0">
+              <a:solidFill>
+                <a:schemeClr val="tx1">
+                  <a:lumMod val="75000"/>
+                  <a:lumOff val="25000"/>
+                </a:schemeClr>
+              </a:solidFill>
+            </a:endParaRPr>
+          </a:p>
+        </p:txBody>
+      </p:sp>
+      <p:pic>
+        <p:nvPicPr>
+          <p:cNvPr id="5" name="图片 4">
+            <a:extLst>
+              <a:ext uri="{FF2B5EF4-FFF2-40B4-BE49-F238E27FC236}">
+                <a16:creationId xmlns:a16="http://schemas.microsoft.com/office/drawing/2014/main" id="{04F4361B-3BE9-492F-B1DB-9A4D7AFF5CE3}"/>
+              </a:ext>
+            </a:extLst>
+          </p:cNvPr>
+          <p:cNvPicPr>
+            <a:picLocks noChangeAspect="1"/>
+          </p:cNvPicPr>
+          <p:nvPr/>
+        </p:nvPicPr>
+        <p:blipFill>
+          <a:blip r:embed="rId2">
+            <a:extLst>
+              <a:ext uri="{28A0092B-C50C-407E-A947-70E740481C1C}">
+                <a14:useLocalDpi xmlns:a14="http://schemas.microsoft.com/office/drawing/2010/main" val="0"/>
+              </a:ext>
+            </a:extLst>
+          </a:blip>
+          <a:stretch>
+            <a:fillRect/>
+          </a:stretch>
+        </p:blipFill>
+        <p:spPr>
+          <a:xfrm>
+            <a:off x="838200" y="3319576"/>
+            <a:ext cx="4257087" cy="1847619"/>
+          </a:xfrm>
+          <a:prstGeom prst="rect">
+            <a:avLst/>
+          </a:prstGeom>
+          <a:solidFill>
+            <a:srgbClr val="FFFFFF">
+              <a:shade val="85000"/>
+            </a:srgbClr>
+          </a:solidFill>
+          <a:ln w="88900" cap="sq">
+            <a:solidFill>
+              <a:srgbClr val="FFFFFF"/>
+            </a:solidFill>
+            <a:miter lim="800000"/>
+          </a:ln>
+          <a:effectLst>
+            <a:outerShdw blurRad="55000" dist="18000" dir="5400000" algn="tl" rotWithShape="0">
+              <a:srgbClr val="000000">
+                <a:alpha val="40000"/>
+              </a:srgbClr>
+            </a:outerShdw>
+          </a:effectLst>
+          <a:scene3d>
+            <a:camera prst="orthographicFront"/>
+            <a:lightRig rig="twoPt" dir="t">
+              <a:rot lat="0" lon="0" rev="7200000"/>
+            </a:lightRig>
+          </a:scene3d>
+          <a:sp3d>
+            <a:bevelT w="25400" h="19050"/>
+            <a:contourClr>
+              <a:srgbClr val="FFFFFF"/>
+            </a:contourClr>
+          </a:sp3d>
+        </p:spPr>
+      </p:pic>
+      <p:pic>
+        <p:nvPicPr>
+          <p:cNvPr id="9" name="图片 8">
+            <a:extLst>
+              <a:ext uri="{FF2B5EF4-FFF2-40B4-BE49-F238E27FC236}">
+                <a16:creationId xmlns:a16="http://schemas.microsoft.com/office/drawing/2014/main" id="{98EB6A2F-66B7-4B59-B07F-E7D7C60F2429}"/>
+              </a:ext>
+            </a:extLst>
+          </p:cNvPr>
+          <p:cNvPicPr>
+            <a:picLocks noChangeAspect="1"/>
+          </p:cNvPicPr>
+          <p:nvPr/>
+        </p:nvPicPr>
+        <p:blipFill>
+          <a:blip r:embed="rId3">
+            <a:extLst>
+              <a:ext uri="{28A0092B-C50C-407E-A947-70E740481C1C}">
+                <a14:useLocalDpi xmlns:a14="http://schemas.microsoft.com/office/drawing/2010/main" val="0"/>
+              </a:ext>
+            </a:extLst>
+          </a:blip>
+          <a:stretch>
+            <a:fillRect/>
+          </a:stretch>
+        </p:blipFill>
+        <p:spPr>
+          <a:xfrm>
+            <a:off x="5963324" y="3319577"/>
+            <a:ext cx="5390476" cy="1847619"/>
+          </a:xfrm>
+          <a:prstGeom prst="rect">
+            <a:avLst/>
+          </a:prstGeom>
+          <a:solidFill>
+            <a:srgbClr val="FFFFFF">
+              <a:shade val="85000"/>
+            </a:srgbClr>
+          </a:solidFill>
+          <a:ln w="88900" cap="sq">
+            <a:solidFill>
+              <a:srgbClr val="FFFFFF"/>
+            </a:solidFill>
+            <a:miter lim="800000"/>
+          </a:ln>
+          <a:effectLst>
+            <a:outerShdw blurRad="55000" dist="18000" dir="5400000" algn="tl" rotWithShape="0">
+              <a:srgbClr val="000000">
+                <a:alpha val="40000"/>
+              </a:srgbClr>
+            </a:outerShdw>
+          </a:effectLst>
+          <a:scene3d>
+            <a:camera prst="orthographicFront"/>
+            <a:lightRig rig="twoPt" dir="t">
+              <a:rot lat="0" lon="0" rev="7200000"/>
+            </a:lightRig>
+          </a:scene3d>
+          <a:sp3d>
+            <a:bevelT w="25400" h="19050"/>
+            <a:contourClr>
+              <a:srgbClr val="FFFFFF"/>
+            </a:contourClr>
+          </a:sp3d>
+        </p:spPr>
+      </p:pic>
+      <p:sp>
+        <p:nvSpPr>
+          <p:cNvPr id="10" name="文本框 9">
+            <a:extLst>
+              <a:ext uri="{FF2B5EF4-FFF2-40B4-BE49-F238E27FC236}">
+                <a16:creationId xmlns:a16="http://schemas.microsoft.com/office/drawing/2014/main" id="{CDDB21A9-A86D-46E7-B107-D63DD2D6A1FF}"/>
+              </a:ext>
+            </a:extLst>
+          </p:cNvPr>
+          <p:cNvSpPr txBox="1"/>
+          <p:nvPr/>
+        </p:nvSpPr>
+        <p:spPr>
+          <a:xfrm>
+            <a:off x="1535101" y="5487413"/>
+            <a:ext cx="2863284" cy="369332"/>
+          </a:xfrm>
+          <a:prstGeom prst="rect">
+            <a:avLst/>
+          </a:prstGeom>
+          <a:noFill/>
+        </p:spPr>
+        <p:txBody>
+          <a:bodyPr wrap="none" rtlCol="0">
+            <a:spAutoFit/>
+          </a:bodyPr>
+          <a:lstStyle/>
+          <a:p>
+            <a:r>
+              <a:rPr lang="en-US" altLang="zh-CN" dirty="0">
+                <a:solidFill>
+                  <a:schemeClr val="tx1">
+                    <a:lumMod val="75000"/>
+                    <a:lumOff val="25000"/>
+                  </a:schemeClr>
+                </a:solidFill>
+              </a:rPr>
+              <a:t>Mel</a:t>
+            </a:r>
+            <a:r>
+              <a:rPr lang="zh-CN" altLang="en-US" dirty="0">
+                <a:solidFill>
+                  <a:schemeClr val="tx1">
+                    <a:lumMod val="75000"/>
+                    <a:lumOff val="25000"/>
+                  </a:schemeClr>
+                </a:solidFill>
+              </a:rPr>
+              <a:t>频率与线性频率的关系</a:t>
+            </a:r>
+          </a:p>
+        </p:txBody>
+      </p:sp>
+      <p:sp>
+        <p:nvSpPr>
+          <p:cNvPr id="11" name="文本框 10">
+            <a:extLst>
+              <a:ext uri="{FF2B5EF4-FFF2-40B4-BE49-F238E27FC236}">
+                <a16:creationId xmlns:a16="http://schemas.microsoft.com/office/drawing/2014/main" id="{78DFD281-2899-4545-A303-EE564E7FEACA}"/>
+              </a:ext>
+            </a:extLst>
+          </p:cNvPr>
+          <p:cNvSpPr txBox="1"/>
+          <p:nvPr/>
+        </p:nvSpPr>
+        <p:spPr>
+          <a:xfrm>
+            <a:off x="7806405" y="5487413"/>
+            <a:ext cx="1704313" cy="369332"/>
+          </a:xfrm>
+          <a:prstGeom prst="rect">
+            <a:avLst/>
+          </a:prstGeom>
+          <a:noFill/>
+        </p:spPr>
+        <p:txBody>
+          <a:bodyPr wrap="none" rtlCol="0">
+            <a:spAutoFit/>
+          </a:bodyPr>
+          <a:lstStyle/>
+          <a:p>
+            <a:r>
+              <a:rPr lang="zh-CN" altLang="en-US" dirty="0">
+                <a:solidFill>
+                  <a:schemeClr val="tx1">
+                    <a:lumMod val="75000"/>
+                    <a:lumOff val="25000"/>
+                  </a:schemeClr>
+                </a:solidFill>
+              </a:rPr>
+              <a:t>获取</a:t>
+            </a:r>
+            <a:r>
+              <a:rPr lang="en-US" altLang="zh-CN" dirty="0">
+                <a:solidFill>
+                  <a:schemeClr val="tx1">
+                    <a:lumMod val="75000"/>
+                    <a:lumOff val="25000"/>
+                  </a:schemeClr>
+                </a:solidFill>
+              </a:rPr>
+              <a:t>MFCC</a:t>
+            </a:r>
+            <a:r>
+              <a:rPr lang="zh-CN" altLang="en-US" dirty="0">
+                <a:solidFill>
+                  <a:schemeClr val="tx1">
+                    <a:lumMod val="75000"/>
+                    <a:lumOff val="25000"/>
+                  </a:schemeClr>
+                </a:solidFill>
+              </a:rPr>
+              <a:t>参数</a:t>
+            </a:r>
           </a:p>
         </p:txBody>
       </p:sp>
@@ -8810,7 +9715,14 @@
           <a:lstStyle/>
           <a:p>
             <a:r>
-              <a:rPr lang="zh-CN" altLang="en-US" dirty="0"/>
+              <a:rPr lang="zh-CN" altLang="en-US" dirty="0">
+                <a:solidFill>
+                  <a:schemeClr val="tx1">
+                    <a:lumMod val="75000"/>
+                    <a:lumOff val="25000"/>
+                  </a:schemeClr>
+                </a:solidFill>
+              </a:rPr>
               <a:t>绘制特征图</a:t>
             </a:r>
           </a:p>
@@ -8837,10 +9749,182 @@
           <a:bodyPr/>
           <a:lstStyle/>
           <a:p>
-            <a:r>
-              <a:rPr lang="zh-CN" altLang="zh-CN" dirty="0"/>
-              <a:t>方面了我们从不同角度发掘音频信号的特征</a:t>
-            </a:r>
+            <a:pPr>
+              <a:lnSpc>
+                <a:spcPct val="150000"/>
+              </a:lnSpc>
+            </a:pPr>
+            <a:r>
+              <a:rPr lang="zh-CN" altLang="en-US" dirty="0">
+                <a:solidFill>
+                  <a:schemeClr val="tx1">
+                    <a:lumMod val="75000"/>
+                    <a:lumOff val="25000"/>
+                  </a:schemeClr>
+                </a:solidFill>
+              </a:rPr>
+              <a:t>对声音文件可视化</a:t>
+            </a:r>
+            <a:endParaRPr lang="en-US" altLang="zh-CN" dirty="0">
+              <a:solidFill>
+                <a:schemeClr val="tx1">
+                  <a:lumMod val="75000"/>
+                  <a:lumOff val="25000"/>
+                </a:schemeClr>
+              </a:solidFill>
+            </a:endParaRPr>
+          </a:p>
+          <a:p>
+            <a:pPr>
+              <a:lnSpc>
+                <a:spcPct val="150000"/>
+              </a:lnSpc>
+            </a:pPr>
+            <a:r>
+              <a:rPr lang="zh-CN" altLang="zh-CN" dirty="0">
+                <a:solidFill>
+                  <a:schemeClr val="tx1">
+                    <a:lumMod val="75000"/>
+                    <a:lumOff val="25000"/>
+                  </a:schemeClr>
+                </a:solidFill>
+              </a:rPr>
+              <a:t>方面我们从不同角度发掘音频信号的特征</a:t>
+            </a:r>
+            <a:endParaRPr lang="en-US" altLang="zh-CN" dirty="0">
+              <a:solidFill>
+                <a:schemeClr val="tx1">
+                  <a:lumMod val="75000"/>
+                  <a:lumOff val="25000"/>
+                </a:schemeClr>
+              </a:solidFill>
+            </a:endParaRPr>
+          </a:p>
+          <a:p>
+            <a:pPr>
+              <a:lnSpc>
+                <a:spcPct val="150000"/>
+              </a:lnSpc>
+            </a:pPr>
+            <a:r>
+              <a:rPr lang="zh-CN" altLang="en-US" dirty="0">
+                <a:solidFill>
+                  <a:schemeClr val="tx1">
+                    <a:lumMod val="75000"/>
+                    <a:lumOff val="25000"/>
+                  </a:schemeClr>
+                </a:solidFill>
+              </a:rPr>
+              <a:t>绘图基于</a:t>
+            </a:r>
+            <a:r>
+              <a:rPr lang="en-US" altLang="zh-CN" dirty="0">
+                <a:solidFill>
+                  <a:schemeClr val="tx1">
+                    <a:lumMod val="75000"/>
+                    <a:lumOff val="25000"/>
+                  </a:schemeClr>
+                </a:solidFill>
+              </a:rPr>
+              <a:t>Matplotlib</a:t>
+            </a:r>
+            <a:r>
+              <a:rPr lang="zh-CN" altLang="en-US" dirty="0">
+                <a:solidFill>
+                  <a:schemeClr val="tx1">
+                    <a:lumMod val="75000"/>
+                    <a:lumOff val="25000"/>
+                  </a:schemeClr>
+                </a:solidFill>
+              </a:rPr>
+              <a:t>和</a:t>
+            </a:r>
+            <a:r>
+              <a:rPr lang="en-US" altLang="zh-CN" dirty="0" err="1">
+                <a:solidFill>
+                  <a:schemeClr val="tx1">
+                    <a:lumMod val="75000"/>
+                    <a:lumOff val="25000"/>
+                  </a:schemeClr>
+                </a:solidFill>
+              </a:rPr>
+              <a:t>Librosa</a:t>
+            </a:r>
+            <a:r>
+              <a:rPr lang="zh-CN" altLang="en-US" dirty="0">
+                <a:solidFill>
+                  <a:schemeClr val="tx1">
+                    <a:lumMod val="75000"/>
+                    <a:lumOff val="25000"/>
+                  </a:schemeClr>
+                </a:solidFill>
+              </a:rPr>
+              <a:t>库</a:t>
+            </a:r>
+            <a:endParaRPr lang="en-US" altLang="zh-CN" dirty="0">
+              <a:solidFill>
+                <a:schemeClr val="tx1">
+                  <a:lumMod val="75000"/>
+                  <a:lumOff val="25000"/>
+                </a:schemeClr>
+              </a:solidFill>
+            </a:endParaRPr>
+          </a:p>
+          <a:p>
+            <a:pPr>
+              <a:lnSpc>
+                <a:spcPct val="150000"/>
+              </a:lnSpc>
+            </a:pPr>
+            <a:r>
+              <a:rPr lang="zh-CN" altLang="en-US" dirty="0">
+                <a:solidFill>
+                  <a:schemeClr val="tx1">
+                    <a:lumMod val="75000"/>
+                    <a:lumOff val="25000"/>
+                  </a:schemeClr>
+                </a:solidFill>
+              </a:rPr>
+              <a:t>从</a:t>
+            </a:r>
+            <a:r>
+              <a:rPr lang="en-US" altLang="zh-CN" dirty="0">
+                <a:solidFill>
+                  <a:schemeClr val="tx1">
+                    <a:lumMod val="75000"/>
+                    <a:lumOff val="25000"/>
+                  </a:schemeClr>
+                </a:solidFill>
+              </a:rPr>
+              <a:t>fold1</a:t>
+            </a:r>
+            <a:r>
+              <a:rPr lang="zh-CN" altLang="en-US" dirty="0">
+                <a:solidFill>
+                  <a:schemeClr val="tx1">
+                    <a:lumMod val="75000"/>
+                    <a:lumOff val="25000"/>
+                  </a:schemeClr>
+                </a:solidFill>
+              </a:rPr>
+              <a:t>文件夹中抽取几类音频</a:t>
+            </a:r>
+            <a:endParaRPr lang="en-US" altLang="zh-CN" dirty="0">
+              <a:solidFill>
+                <a:schemeClr val="tx1">
+                  <a:lumMod val="75000"/>
+                  <a:lumOff val="25000"/>
+                </a:schemeClr>
+              </a:solidFill>
+            </a:endParaRPr>
+          </a:p>
+          <a:p>
+            <a:pPr marL="0" indent="0">
+              <a:buNone/>
+            </a:pPr>
+            <a:endParaRPr lang="en-US" altLang="zh-CN" dirty="0"/>
+          </a:p>
+          <a:p>
             <a:endParaRPr lang="zh-CN" altLang="en-US" dirty="0"/>
           </a:p>
         </p:txBody>
@@ -8909,6 +9993,36 @@
           <a:prstGeom prst="rect">
             <a:avLst/>
           </a:prstGeom>
+          <a:solidFill>
+            <a:srgbClr val="FFFFFF">
+              <a:shade val="85000"/>
+            </a:srgbClr>
+          </a:solidFill>
+          <a:ln w="88900" cap="sq">
+            <a:solidFill>
+              <a:srgbClr val="FFFFFF"/>
+            </a:solidFill>
+            <a:miter lim="800000"/>
+          </a:ln>
+          <a:effectLst>
+            <a:outerShdw blurRad="55000" dist="18000" dir="5400000" algn="tl" rotWithShape="0">
+              <a:srgbClr val="000000">
+                <a:alpha val="40000"/>
+              </a:srgbClr>
+            </a:outerShdw>
+          </a:effectLst>
+          <a:scene3d>
+            <a:camera prst="orthographicFront"/>
+            <a:lightRig rig="twoPt" dir="t">
+              <a:rot lat="0" lon="0" rev="7200000"/>
+            </a:lightRig>
+          </a:scene3d>
+          <a:sp3d>
+            <a:bevelT w="25400" h="19050"/>
+            <a:contourClr>
+              <a:srgbClr val="FFFFFF"/>
+            </a:contourClr>
+          </a:sp3d>
         </p:spPr>
       </p:pic>
       <p:sp>
@@ -8944,8 +10058,8 @@
               <a:rPr lang="zh-CN" altLang="zh-CN" sz="2000" b="1" dirty="0">
                 <a:solidFill>
                   <a:schemeClr val="tx1">
-                    <a:lumMod val="85000"/>
-                    <a:lumOff val="15000"/>
+                    <a:lumMod val="75000"/>
+                    <a:lumOff val="25000"/>
                   </a:schemeClr>
                 </a:solidFill>
               </a:rPr>
@@ -8954,8 +10068,8 @@
             <a:endParaRPr lang="en-US" altLang="zh-CN" sz="2000" b="1" dirty="0">
               <a:solidFill>
                 <a:schemeClr val="tx1">
-                  <a:lumMod val="85000"/>
-                  <a:lumOff val="15000"/>
+                  <a:lumMod val="75000"/>
+                  <a:lumOff val="25000"/>
                 </a:schemeClr>
               </a:solidFill>
             </a:endParaRPr>
@@ -8966,8 +10080,8 @@
               <a:rPr lang="zh-CN" altLang="zh-CN" sz="2000" dirty="0">
                 <a:solidFill>
                   <a:schemeClr val="tx1">
-                    <a:lumMod val="85000"/>
-                    <a:lumOff val="15000"/>
+                    <a:lumMod val="75000"/>
+                    <a:lumOff val="25000"/>
                   </a:schemeClr>
                 </a:solidFill>
               </a:rPr>
@@ -8976,8 +10090,8 @@
             <a:endParaRPr lang="zh-CN" altLang="en-US" sz="2000" dirty="0">
               <a:solidFill>
                 <a:schemeClr val="tx1">
-                  <a:lumMod val="85000"/>
-                  <a:lumOff val="15000"/>
+                  <a:lumMod val="75000"/>
+                  <a:lumOff val="25000"/>
                 </a:schemeClr>
               </a:solidFill>
             </a:endParaRPr>
@@ -9048,6 +10162,36 @@
           <a:prstGeom prst="rect">
             <a:avLst/>
           </a:prstGeom>
+          <a:solidFill>
+            <a:srgbClr val="FFFFFF">
+              <a:shade val="85000"/>
+            </a:srgbClr>
+          </a:solidFill>
+          <a:ln w="88900" cap="sq">
+            <a:solidFill>
+              <a:srgbClr val="FFFFFF"/>
+            </a:solidFill>
+            <a:miter lim="800000"/>
+          </a:ln>
+          <a:effectLst>
+            <a:outerShdw blurRad="55000" dist="18000" dir="5400000" algn="tl" rotWithShape="0">
+              <a:srgbClr val="000000">
+                <a:alpha val="40000"/>
+              </a:srgbClr>
+            </a:outerShdw>
+          </a:effectLst>
+          <a:scene3d>
+            <a:camera prst="orthographicFront"/>
+            <a:lightRig rig="twoPt" dir="t">
+              <a:rot lat="0" lon="0" rev="7200000"/>
+            </a:lightRig>
+          </a:scene3d>
+          <a:sp3d>
+            <a:bevelT w="25400" h="19050"/>
+            <a:contourClr>
+              <a:srgbClr val="FFFFFF"/>
+            </a:contourClr>
+          </a:sp3d>
         </p:spPr>
       </p:pic>
       <p:sp>
@@ -9083,8 +10227,8 @@
               <a:rPr lang="zh-CN" altLang="zh-CN" sz="2000" b="1" dirty="0">
                 <a:solidFill>
                   <a:schemeClr val="tx1">
-                    <a:lumMod val="85000"/>
-                    <a:lumOff val="15000"/>
+                    <a:lumMod val="75000"/>
+                    <a:lumOff val="25000"/>
                   </a:schemeClr>
                 </a:solidFill>
               </a:rPr>
@@ -9093,8 +10237,8 @@
             <a:endParaRPr lang="en-US" altLang="zh-CN" sz="2000" b="1" dirty="0">
               <a:solidFill>
                 <a:schemeClr val="tx1">
-                  <a:lumMod val="85000"/>
-                  <a:lumOff val="15000"/>
+                  <a:lumMod val="75000"/>
+                  <a:lumOff val="25000"/>
                 </a:schemeClr>
               </a:solidFill>
             </a:endParaRPr>
@@ -9105,8 +10249,8 @@
               <a:rPr lang="zh-CN" altLang="zh-CN" sz="2000" dirty="0">
                 <a:solidFill>
                   <a:schemeClr val="tx1">
-                    <a:lumMod val="85000"/>
-                    <a:lumOff val="15000"/>
+                    <a:lumMod val="75000"/>
+                    <a:lumOff val="25000"/>
                   </a:schemeClr>
                 </a:solidFill>
               </a:rPr>
@@ -9116,8 +10260,8 @@
               <a:rPr lang="en-US" altLang="zh-CN" sz="2000" dirty="0">
                 <a:solidFill>
                   <a:schemeClr val="tx1">
-                    <a:lumMod val="85000"/>
-                    <a:lumOff val="15000"/>
+                    <a:lumMod val="75000"/>
+                    <a:lumOff val="25000"/>
                   </a:schemeClr>
                 </a:solidFill>
               </a:rPr>
@@ -9127,8 +10271,8 @@
               <a:rPr lang="zh-CN" altLang="zh-CN" sz="2000" dirty="0">
                 <a:solidFill>
                   <a:schemeClr val="tx1">
-                    <a:lumMod val="85000"/>
-                    <a:lumOff val="15000"/>
+                    <a:lumMod val="75000"/>
+                    <a:lumOff val="25000"/>
                   </a:schemeClr>
                 </a:solidFill>
               </a:rPr>
@@ -9137,8 +10281,8 @@
             <a:endParaRPr lang="zh-CN" altLang="en-US" sz="2000" dirty="0">
               <a:solidFill>
                 <a:schemeClr val="tx1">
-                  <a:lumMod val="85000"/>
-                  <a:lumOff val="15000"/>
+                  <a:lumMod val="75000"/>
+                  <a:lumOff val="25000"/>
                 </a:schemeClr>
               </a:solidFill>
             </a:endParaRPr>
@@ -9209,6 +10353,36 @@
           <a:prstGeom prst="rect">
             <a:avLst/>
           </a:prstGeom>
+          <a:solidFill>
+            <a:srgbClr val="FFFFFF">
+              <a:shade val="85000"/>
+            </a:srgbClr>
+          </a:solidFill>
+          <a:ln w="88900" cap="sq">
+            <a:solidFill>
+              <a:srgbClr val="FFFFFF"/>
+            </a:solidFill>
+            <a:miter lim="800000"/>
+          </a:ln>
+          <a:effectLst>
+            <a:outerShdw blurRad="55000" dist="18000" dir="5400000" algn="tl" rotWithShape="0">
+              <a:srgbClr val="000000">
+                <a:alpha val="40000"/>
+              </a:srgbClr>
+            </a:outerShdw>
+          </a:effectLst>
+          <a:scene3d>
+            <a:camera prst="orthographicFront"/>
+            <a:lightRig rig="twoPt" dir="t">
+              <a:rot lat="0" lon="0" rev="7200000"/>
+            </a:lightRig>
+          </a:scene3d>
+          <a:sp3d>
+            <a:bevelT w="25400" h="19050"/>
+            <a:contourClr>
+              <a:srgbClr val="FFFFFF"/>
+            </a:contourClr>
+          </a:sp3d>
         </p:spPr>
       </p:pic>
       <p:sp>
@@ -9226,7 +10400,7 @@
         <p:spPr>
           <a:xfrm>
             <a:off x="9166548" y="3105834"/>
-            <a:ext cx="2621231" cy="707886"/>
+            <a:ext cx="2621230" cy="1015663"/>
           </a:xfrm>
           <a:prstGeom prst="rect">
             <a:avLst/>
@@ -9244,8 +10418,8 @@
               <a:rPr lang="zh-CN" altLang="zh-CN" sz="2000" b="1" dirty="0">
                 <a:solidFill>
                   <a:schemeClr val="tx1">
-                    <a:lumMod val="85000"/>
-                    <a:lumOff val="15000"/>
+                    <a:lumMod val="75000"/>
+                    <a:lumOff val="25000"/>
                   </a:schemeClr>
                 </a:solidFill>
               </a:rPr>
@@ -9254,8 +10428,8 @@
             <a:endParaRPr lang="en-US" altLang="zh-CN" sz="2000" b="1" dirty="0">
               <a:solidFill>
                 <a:schemeClr val="tx1">
-                  <a:lumMod val="85000"/>
-                  <a:lumOff val="15000"/>
+                  <a:lumMod val="75000"/>
+                  <a:lumOff val="25000"/>
                 </a:schemeClr>
               </a:solidFill>
             </a:endParaRPr>
@@ -9266,8 +10440,8 @@
               <a:rPr lang="zh-CN" altLang="zh-CN" sz="2000" dirty="0">
                 <a:solidFill>
                   <a:schemeClr val="tx1">
-                    <a:lumMod val="85000"/>
-                    <a:lumOff val="15000"/>
+                    <a:lumMod val="75000"/>
+                    <a:lumOff val="25000"/>
                   </a:schemeClr>
                 </a:solidFill>
               </a:rPr>
@@ -9277,8 +10451,8 @@
               <a:rPr lang="zh-CN" altLang="en-US" sz="2000" dirty="0">
                 <a:solidFill>
                   <a:schemeClr val="tx1">
-                    <a:lumMod val="85000"/>
-                    <a:lumOff val="15000"/>
+                    <a:lumMod val="75000"/>
+                    <a:lumOff val="25000"/>
                   </a:schemeClr>
                 </a:solidFill>
               </a:rPr>
@@ -9288,8 +10462,8 @@
               <a:rPr lang="en-US" altLang="zh-CN" sz="2000" dirty="0">
                 <a:solidFill>
                   <a:schemeClr val="tx1">
-                    <a:lumMod val="85000"/>
-                    <a:lumOff val="15000"/>
+                    <a:lumMod val="75000"/>
+                    <a:lumOff val="25000"/>
                   </a:schemeClr>
                 </a:solidFill>
               </a:rPr>
@@ -9299,18 +10473,51 @@
               <a:rPr lang="zh-CN" altLang="zh-CN" sz="2000" dirty="0">
                 <a:solidFill>
                   <a:schemeClr val="tx1">
-                    <a:lumMod val="85000"/>
-                    <a:lumOff val="15000"/>
+                    <a:lumMod val="75000"/>
+                    <a:lumOff val="25000"/>
                   </a:schemeClr>
                 </a:solidFill>
               </a:rPr>
               <a:t>能量信息</a:t>
+            </a:r>
+            <a:endParaRPr lang="en-US" altLang="zh-CN" sz="2000" dirty="0">
+              <a:solidFill>
+                <a:schemeClr val="tx1">
+                  <a:lumMod val="75000"/>
+                  <a:lumOff val="25000"/>
+                </a:schemeClr>
+              </a:solidFill>
+            </a:endParaRPr>
+          </a:p>
+          <a:p>
+            <a:pPr algn="ctr"/>
+            <a:r>
+              <a:rPr lang="zh-CN" altLang="en-US" sz="2000" dirty="0">
+                <a:solidFill>
+                  <a:schemeClr val="tx1">
+                    <a:lumMod val="75000"/>
+                    <a:lumOff val="25000"/>
+                  </a:schemeClr>
+                </a:solidFill>
+              </a:rPr>
+              <a:t>目的是为了提取</a:t>
+            </a:r>
+            <a:r>
+              <a:rPr lang="en-US" altLang="zh-CN" sz="2000" dirty="0">
+                <a:solidFill>
+                  <a:schemeClr val="tx1">
+                    <a:lumMod val="75000"/>
+                    <a:lumOff val="25000"/>
+                  </a:schemeClr>
+                </a:solidFill>
+              </a:rPr>
+              <a:t>MFCC</a:t>
             </a:r>
             <a:endParaRPr lang="zh-CN" altLang="en-US" sz="2000" dirty="0">
               <a:solidFill>
                 <a:schemeClr val="tx1">
-                  <a:lumMod val="85000"/>
-                  <a:lumOff val="15000"/>
+                  <a:lumMod val="75000"/>
+                  <a:lumOff val="25000"/>
                 </a:schemeClr>
               </a:solidFill>
             </a:endParaRPr>
@@ -9677,6 +10884,257 @@
 </file>
 
 <file path=ppt/slides/slide26.xml><?xml version="1.0" encoding="utf-8"?>
+<p:sld xmlns:a="http://schemas.openxmlformats.org/drawingml/2006/main" xmlns:r="http://schemas.openxmlformats.org/officeDocument/2006/relationships" xmlns:p="http://schemas.openxmlformats.org/presentationml/2006/main">
+  <p:cSld>
+    <p:spTree>
+      <p:nvGrpSpPr>
+        <p:cNvPr id="1" name=""/>
+        <p:cNvGrpSpPr/>
+        <p:nvPr/>
+      </p:nvGrpSpPr>
+      <p:grpSpPr>
+        <a:xfrm>
+          <a:off x="0" y="0"/>
+          <a:ext cx="0" cy="0"/>
+          <a:chOff x="0" y="0"/>
+          <a:chExt cx="0" cy="0"/>
+        </a:xfrm>
+      </p:grpSpPr>
+      <p:sp>
+        <p:nvSpPr>
+          <p:cNvPr id="4" name="内容占位符 3">
+            <a:extLst>
+              <a:ext uri="{FF2B5EF4-FFF2-40B4-BE49-F238E27FC236}">
+                <a16:creationId xmlns:a16="http://schemas.microsoft.com/office/drawing/2014/main" id="{26C52286-A02F-4589-AC24-00EC8651A35F}"/>
+              </a:ext>
+            </a:extLst>
+          </p:cNvPr>
+          <p:cNvSpPr>
+            <a:spLocks noGrp="1"/>
+          </p:cNvSpPr>
+          <p:nvPr>
+            <p:ph idx="1"/>
+          </p:nvPr>
+        </p:nvSpPr>
+        <p:spPr>
+          <a:xfrm>
+            <a:off x="838200" y="726831"/>
+            <a:ext cx="10515600" cy="5450132"/>
+          </a:xfrm>
+        </p:spPr>
+        <p:txBody>
+          <a:bodyPr/>
+          <a:lstStyle/>
+          <a:p>
+            <a:pPr marL="514350" indent="-514350">
+              <a:lnSpc>
+                <a:spcPct val="150000"/>
+              </a:lnSpc>
+              <a:buFont typeface="+mj-lt"/>
+              <a:buAutoNum type="arabicPeriod"/>
+            </a:pPr>
+            <a:r>
+              <a:rPr lang="zh-CN" altLang="en-US" dirty="0">
+                <a:solidFill>
+                  <a:schemeClr val="tx1">
+                    <a:lumMod val="75000"/>
+                    <a:lumOff val="25000"/>
+                  </a:schemeClr>
+                </a:solidFill>
+              </a:rPr>
+              <a:t>实现卷积神经网络的辅助函数，如权重和偏执变量</a:t>
+            </a:r>
+            <a:endParaRPr lang="en-US" altLang="zh-CN" dirty="0">
+              <a:solidFill>
+                <a:schemeClr val="tx1">
+                  <a:lumMod val="75000"/>
+                  <a:lumOff val="25000"/>
+                </a:schemeClr>
+              </a:solidFill>
+            </a:endParaRPr>
+          </a:p>
+          <a:p>
+            <a:pPr marL="514350" indent="-514350">
+              <a:lnSpc>
+                <a:spcPct val="150000"/>
+              </a:lnSpc>
+              <a:buFont typeface="+mj-lt"/>
+              <a:buAutoNum type="arabicPeriod"/>
+            </a:pPr>
+            <a:r>
+              <a:rPr lang="zh-CN" altLang="en-US" dirty="0">
+                <a:solidFill>
+                  <a:schemeClr val="tx1">
+                    <a:lumMod val="75000"/>
+                    <a:lumOff val="25000"/>
+                  </a:schemeClr>
+                </a:solidFill>
+              </a:rPr>
+              <a:t>实现卷积函数，参数包括：输入数据，内核</a:t>
+            </a:r>
+            <a:r>
+              <a:rPr lang="en-US" altLang="zh-CN" dirty="0">
+                <a:solidFill>
+                  <a:schemeClr val="tx1">
+                    <a:lumMod val="75000"/>
+                    <a:lumOff val="25000"/>
+                  </a:schemeClr>
+                </a:solidFill>
+              </a:rPr>
+              <a:t>/</a:t>
+            </a:r>
+            <a:r>
+              <a:rPr lang="zh-CN" altLang="en-US" dirty="0">
+                <a:solidFill>
+                  <a:schemeClr val="tx1">
+                    <a:lumMod val="75000"/>
+                    <a:lumOff val="25000"/>
+                  </a:schemeClr>
+                </a:solidFill>
+              </a:rPr>
+              <a:t>文件大小，输入和输出中的通道数量</a:t>
+            </a:r>
+            <a:endParaRPr lang="en-US" altLang="zh-CN" dirty="0">
+              <a:solidFill>
+                <a:schemeClr val="tx1">
+                  <a:lumMod val="75000"/>
+                  <a:lumOff val="25000"/>
+                </a:schemeClr>
+              </a:solidFill>
+            </a:endParaRPr>
+          </a:p>
+          <a:p>
+            <a:pPr marL="514350" indent="-514350">
+              <a:lnSpc>
+                <a:spcPct val="150000"/>
+              </a:lnSpc>
+              <a:buFont typeface="+mj-lt"/>
+              <a:buAutoNum type="arabicPeriod"/>
+            </a:pPr>
+            <a:r>
+              <a:rPr lang="zh-CN" altLang="en-US" dirty="0">
+                <a:solidFill>
+                  <a:schemeClr val="tx1">
+                    <a:lumMod val="75000"/>
+                    <a:lumOff val="25000"/>
+                  </a:schemeClr>
+                </a:solidFill>
+              </a:rPr>
+              <a:t>进行训练，并调整诸如核大小，总迭代次数，每个隐含层中的神经元数量和学习速率等参数对学习的影响</a:t>
+            </a:r>
+            <a:endParaRPr lang="en-US" altLang="zh-CN" dirty="0">
+              <a:solidFill>
+                <a:schemeClr val="tx1">
+                  <a:lumMod val="75000"/>
+                  <a:lumOff val="25000"/>
+                </a:schemeClr>
+              </a:solidFill>
+            </a:endParaRPr>
+          </a:p>
+          <a:p>
+            <a:pPr marL="514350" indent="-514350">
+              <a:lnSpc>
+                <a:spcPct val="150000"/>
+              </a:lnSpc>
+              <a:buFont typeface="+mj-lt"/>
+              <a:buAutoNum type="arabicPeriod"/>
+            </a:pPr>
+            <a:r>
+              <a:rPr lang="zh-CN" altLang="en-US" dirty="0">
+                <a:solidFill>
+                  <a:schemeClr val="tx1">
+                    <a:lumMod val="75000"/>
+                    <a:lumOff val="25000"/>
+                  </a:schemeClr>
+                </a:solidFill>
+              </a:rPr>
+              <a:t>设计基于</a:t>
+            </a:r>
+            <a:r>
+              <a:rPr lang="en-US" altLang="zh-CN" dirty="0">
+                <a:solidFill>
+                  <a:schemeClr val="tx1">
+                    <a:lumMod val="75000"/>
+                    <a:lumOff val="25000"/>
+                  </a:schemeClr>
+                </a:solidFill>
+              </a:rPr>
+              <a:t>MFCC+KNN</a:t>
+            </a:r>
+            <a:r>
+              <a:rPr lang="zh-CN" altLang="en-US" dirty="0">
+                <a:solidFill>
+                  <a:schemeClr val="tx1">
+                    <a:lumMod val="75000"/>
+                    <a:lumOff val="25000"/>
+                  </a:schemeClr>
+                </a:solidFill>
+              </a:rPr>
+              <a:t>的基线系统用作对比</a:t>
+            </a:r>
+            <a:endParaRPr lang="en-US" altLang="zh-CN" dirty="0">
+              <a:solidFill>
+                <a:schemeClr val="tx1">
+                  <a:lumMod val="75000"/>
+                  <a:lumOff val="25000"/>
+                </a:schemeClr>
+              </a:solidFill>
+            </a:endParaRPr>
+          </a:p>
+          <a:p>
+            <a:pPr marL="514350" indent="-514350">
+              <a:lnSpc>
+                <a:spcPct val="150000"/>
+              </a:lnSpc>
+              <a:buFont typeface="+mj-lt"/>
+              <a:buAutoNum type="arabicPeriod"/>
+            </a:pPr>
+            <a:r>
+              <a:rPr lang="zh-CN" altLang="en-US" dirty="0">
+                <a:solidFill>
+                  <a:schemeClr val="tx1">
+                    <a:lumMod val="75000"/>
+                    <a:lumOff val="25000"/>
+                  </a:schemeClr>
+                </a:solidFill>
+              </a:rPr>
+              <a:t>对比并评价两个系统的分类效率、准确度，并作出结论</a:t>
+            </a:r>
+            <a:endParaRPr lang="en-US" altLang="zh-CN" dirty="0">
+              <a:solidFill>
+                <a:schemeClr val="tx1">
+                  <a:lumMod val="75000"/>
+                  <a:lumOff val="25000"/>
+                </a:schemeClr>
+              </a:solidFill>
+            </a:endParaRPr>
+          </a:p>
+          <a:p>
+            <a:endParaRPr lang="zh-CN" altLang="en-US" dirty="0">
+              <a:solidFill>
+                <a:schemeClr val="tx1">
+                  <a:lumMod val="75000"/>
+                  <a:lumOff val="25000"/>
+                </a:schemeClr>
+              </a:solidFill>
+            </a:endParaRPr>
+          </a:p>
+        </p:txBody>
+      </p:sp>
+    </p:spTree>
+    <p:extLst>
+      <p:ext uri="{BB962C8B-B14F-4D97-AF65-F5344CB8AC3E}">
+        <p14:creationId xmlns:p14="http://schemas.microsoft.com/office/powerpoint/2010/main" val="900979404"/>
+      </p:ext>
+    </p:extLst>
+  </p:cSld>
+  <p:clrMapOvr>
+    <a:masterClrMapping/>
+  </p:clrMapOvr>
+</p:sld>
+</file>
+
+<file path=ppt/slides/slide27.xml><?xml version="1.0" encoding="utf-8"?>
 <p:sld xmlns:a="http://schemas.openxmlformats.org/drawingml/2006/main" xmlns:r="http://schemas.openxmlformats.org/officeDocument/2006/relationships" xmlns:p="http://schemas.openxmlformats.org/presentationml/2006/main">
   <p:cSld>
     <p:spTree>
@@ -11368,8 +12826,8 @@
               <a:rPr lang="zh-CN" altLang="zh-CN" dirty="0">
                 <a:solidFill>
                   <a:schemeClr val="tx1">
-                    <a:lumMod val="85000"/>
-                    <a:lumOff val="15000"/>
+                    <a:lumMod val="75000"/>
+                    <a:lumOff val="25000"/>
                   </a:schemeClr>
                 </a:solidFill>
               </a:rPr>
@@ -11378,8 +12836,8 @@
             <a:endParaRPr lang="zh-CN" altLang="en-US" dirty="0">
               <a:solidFill>
                 <a:schemeClr val="tx1">
-                  <a:lumMod val="85000"/>
-                  <a:lumOff val="15000"/>
+                  <a:lumMod val="75000"/>
+                  <a:lumOff val="25000"/>
                 </a:schemeClr>
               </a:solidFill>
             </a:endParaRPr>
@@ -11419,6 +12877,39 @@
             <a:off x="838200" y="1690688"/>
             <a:ext cx="10515600" cy="2788711"/>
           </a:xfrm>
+          <a:prstGeom prst="rect">
+            <a:avLst/>
+          </a:prstGeom>
+          <a:solidFill>
+            <a:srgbClr val="FFFFFF">
+              <a:shade val="85000"/>
+            </a:srgbClr>
+          </a:solidFill>
+          <a:ln w="88900" cap="sq">
+            <a:solidFill>
+              <a:srgbClr val="FFFFFF"/>
+            </a:solidFill>
+            <a:miter lim="800000"/>
+          </a:ln>
+          <a:effectLst>
+            <a:outerShdw blurRad="55000" dist="18000" dir="5400000" algn="tl" rotWithShape="0">
+              <a:srgbClr val="000000">
+                <a:alpha val="40000"/>
+              </a:srgbClr>
+            </a:outerShdw>
+          </a:effectLst>
+          <a:scene3d>
+            <a:camera prst="orthographicFront"/>
+            <a:lightRig rig="twoPt" dir="t">
+              <a:rot lat="0" lon="0" rev="7200000"/>
+            </a:lightRig>
+          </a:scene3d>
+          <a:sp3d>
+            <a:bevelT w="25400" h="19050"/>
+            <a:contourClr>
+              <a:srgbClr val="FFFFFF"/>
+            </a:contourClr>
+          </a:sp3d>
         </p:spPr>
       </p:pic>
       <p:sp>

--- a/开题报告/答辩.pptx
+++ b/开题报告/答辩.pptx
@@ -4017,7 +4017,7 @@
           <a:p>
             <a:fld id="{B4479263-12C3-432F-81BB-552B9643B5ED}" type="datetimeFigureOut">
               <a:rPr lang="zh-CN" altLang="en-US" smtClean="0"/>
-              <a:t>6/29</a:t>
+              <a:t>2019/5/10</a:t>
             </a:fld>
             <a:endParaRPr lang="zh-CN" altLang="en-US"/>
           </a:p>
@@ -4215,7 +4215,7 @@
           <a:p>
             <a:fld id="{B4479263-12C3-432F-81BB-552B9643B5ED}" type="datetimeFigureOut">
               <a:rPr lang="zh-CN" altLang="en-US" smtClean="0"/>
-              <a:t>6/29</a:t>
+              <a:t>2019/5/10</a:t>
             </a:fld>
             <a:endParaRPr lang="zh-CN" altLang="en-US"/>
           </a:p>
@@ -4423,7 +4423,7 @@
           <a:p>
             <a:fld id="{B4479263-12C3-432F-81BB-552B9643B5ED}" type="datetimeFigureOut">
               <a:rPr lang="zh-CN" altLang="en-US" smtClean="0"/>
-              <a:t>6/29</a:t>
+              <a:t>2019/5/10</a:t>
             </a:fld>
             <a:endParaRPr lang="zh-CN" altLang="en-US"/>
           </a:p>
@@ -4621,7 +4621,7 @@
           <a:p>
             <a:fld id="{B4479263-12C3-432F-81BB-552B9643B5ED}" type="datetimeFigureOut">
               <a:rPr lang="zh-CN" altLang="en-US" smtClean="0"/>
-              <a:t>6/29</a:t>
+              <a:t>2019/5/10</a:t>
             </a:fld>
             <a:endParaRPr lang="zh-CN" altLang="en-US"/>
           </a:p>
@@ -4896,7 +4896,7 @@
           <a:p>
             <a:fld id="{B4479263-12C3-432F-81BB-552B9643B5ED}" type="datetimeFigureOut">
               <a:rPr lang="zh-CN" altLang="en-US" smtClean="0"/>
-              <a:t>6/29</a:t>
+              <a:t>2019/5/10</a:t>
             </a:fld>
             <a:endParaRPr lang="zh-CN" altLang="en-US"/>
           </a:p>
@@ -5161,7 +5161,7 @@
           <a:p>
             <a:fld id="{B4479263-12C3-432F-81BB-552B9643B5ED}" type="datetimeFigureOut">
               <a:rPr lang="zh-CN" altLang="en-US" smtClean="0"/>
-              <a:t>6/29</a:t>
+              <a:t>2019/5/10</a:t>
             </a:fld>
             <a:endParaRPr lang="zh-CN" altLang="en-US"/>
           </a:p>
@@ -5573,7 +5573,7 @@
           <a:p>
             <a:fld id="{B4479263-12C3-432F-81BB-552B9643B5ED}" type="datetimeFigureOut">
               <a:rPr lang="zh-CN" altLang="en-US" smtClean="0"/>
-              <a:t>6/29</a:t>
+              <a:t>2019/5/10</a:t>
             </a:fld>
             <a:endParaRPr lang="zh-CN" altLang="en-US"/>
           </a:p>
@@ -5714,7 +5714,7 @@
           <a:p>
             <a:fld id="{B4479263-12C3-432F-81BB-552B9643B5ED}" type="datetimeFigureOut">
               <a:rPr lang="zh-CN" altLang="en-US" smtClean="0"/>
-              <a:t>6/29</a:t>
+              <a:t>2019/5/10</a:t>
             </a:fld>
             <a:endParaRPr lang="zh-CN" altLang="en-US"/>
           </a:p>
@@ -5827,7 +5827,7 @@
           <a:p>
             <a:fld id="{B4479263-12C3-432F-81BB-552B9643B5ED}" type="datetimeFigureOut">
               <a:rPr lang="zh-CN" altLang="en-US" smtClean="0"/>
-              <a:t>6/29</a:t>
+              <a:t>2019/5/10</a:t>
             </a:fld>
             <a:endParaRPr lang="zh-CN" altLang="en-US"/>
           </a:p>
@@ -6138,7 +6138,7 @@
           <a:p>
             <a:fld id="{B4479263-12C3-432F-81BB-552B9643B5ED}" type="datetimeFigureOut">
               <a:rPr lang="zh-CN" altLang="en-US" smtClean="0"/>
-              <a:t>6/29</a:t>
+              <a:t>2019/5/10</a:t>
             </a:fld>
             <a:endParaRPr lang="zh-CN" altLang="en-US"/>
           </a:p>
@@ -6426,7 +6426,7 @@
           <a:p>
             <a:fld id="{B4479263-12C3-432F-81BB-552B9643B5ED}" type="datetimeFigureOut">
               <a:rPr lang="zh-CN" altLang="en-US" smtClean="0"/>
-              <a:t>6/29</a:t>
+              <a:t>2019/5/10</a:t>
             </a:fld>
             <a:endParaRPr lang="zh-CN" altLang="en-US"/>
           </a:p>
@@ -6672,7 +6672,7 @@
           <a:p>
             <a:fld id="{B4479263-12C3-432F-81BB-552B9643B5ED}" type="datetimeFigureOut">
               <a:rPr lang="zh-CN" altLang="en-US" smtClean="0"/>
-              <a:t>6/29</a:t>
+              <a:t>2019/5/10</a:t>
             </a:fld>
             <a:endParaRPr lang="zh-CN" altLang="en-US"/>
           </a:p>
@@ -7476,7 +7476,7 @@
                   </a:schemeClr>
                 </a:solidFill>
               </a:rPr>
-              <a:t>本文的研究方向</a:t>
+              <a:t>本文的研究内容</a:t>
             </a:r>
           </a:p>
         </p:txBody>
@@ -7504,13 +7504,14 @@
           </a:bodyPr>
           <a:lstStyle/>
           <a:p>
-            <a:pPr>
+            <a:pPr marL="0" indent="0">
               <a:lnSpc>
                 <a:spcPct val="100000"/>
               </a:lnSpc>
+              <a:buNone/>
             </a:pPr>
             <a:r>
-              <a:rPr lang="zh-CN" altLang="zh-CN" dirty="0">
+              <a:rPr lang="en-US" altLang="zh-CN" dirty="0">
                 <a:solidFill>
                   <a:schemeClr val="tx1">
                     <a:lumMod val="75000"/>
@@ -7518,10 +7519,10 @@
                   </a:schemeClr>
                 </a:solidFill>
               </a:rPr>
-              <a:t>直接将音频文件导入至卷积神经网络中，学习的效果并没有预期的好。因此需要一定的预处理（特征提取）。在特征提取部分，总结之前的研究成果，本文采用效果较好的</a:t>
-            </a:r>
-            <a:r>
-              <a:rPr lang="en-US" altLang="zh-CN" dirty="0">
+              <a:t>1.</a:t>
+            </a:r>
+            <a:r>
+              <a:rPr lang="zh-CN" altLang="en-US" dirty="0">
                 <a:solidFill>
                   <a:schemeClr val="tx1">
                     <a:lumMod val="75000"/>
@@ -7529,10 +7530,10 @@
                   </a:schemeClr>
                 </a:solidFill>
               </a:rPr>
-              <a:t>log-</a:t>
-            </a:r>
-            <a:r>
-              <a:rPr lang="en-US" altLang="zh-CN" dirty="0" err="1">
+              <a:t> 基于</a:t>
+            </a:r>
+            <a:r>
+              <a:rPr lang="en-US" altLang="zh-CN" dirty="0">
                 <a:solidFill>
                   <a:schemeClr val="tx1">
                     <a:lumMod val="75000"/>
@@ -7540,10 +7541,10 @@
                   </a:schemeClr>
                 </a:solidFill>
               </a:rPr>
-              <a:t>mel</a:t>
-            </a:r>
-            <a:r>
-              <a:rPr lang="zh-CN" altLang="zh-CN" dirty="0">
+              <a:t>GMM</a:t>
+            </a:r>
+            <a:r>
+              <a:rPr lang="zh-CN" altLang="en-US" dirty="0">
                 <a:solidFill>
                   <a:schemeClr val="tx1">
                     <a:lumMod val="75000"/>
@@ -7551,7 +7552,29 @@
                   </a:schemeClr>
                 </a:solidFill>
               </a:rPr>
-              <a:t>频谱。</a:t>
+              <a:t>设计并实现一个</a:t>
+            </a:r>
+            <a:r>
+              <a:rPr lang="en-US" altLang="zh-CN" dirty="0">
+                <a:solidFill>
+                  <a:schemeClr val="tx1">
+                    <a:lumMod val="75000"/>
+                    <a:lumOff val="25000"/>
+                  </a:schemeClr>
+                </a:solidFill>
+              </a:rPr>
+              <a:t>ASC</a:t>
+            </a:r>
+            <a:r>
+              <a:rPr lang="zh-CN" altLang="en-US" dirty="0">
+                <a:solidFill>
+                  <a:schemeClr val="tx1">
+                    <a:lumMod val="75000"/>
+                    <a:lumOff val="25000"/>
+                  </a:schemeClr>
+                </a:solidFill>
+              </a:rPr>
+              <a:t>基线系统，作为对照</a:t>
             </a:r>
             <a:endParaRPr lang="en-US" altLang="zh-CN" dirty="0">
               <a:solidFill>
@@ -7563,44 +7586,12 @@
             </a:endParaRPr>
           </a:p>
           <a:p>
-            <a:pPr>
+            <a:pPr marL="0" indent="0">
               <a:lnSpc>
                 <a:spcPct val="100000"/>
               </a:lnSpc>
+              <a:buNone/>
             </a:pPr>
-            <a:r>
-              <a:rPr lang="zh-CN" altLang="zh-CN" dirty="0">
-                <a:solidFill>
-                  <a:schemeClr val="tx1">
-                    <a:lumMod val="75000"/>
-                    <a:lumOff val="25000"/>
-                  </a:schemeClr>
-                </a:solidFill>
-              </a:rPr>
-              <a:t>卷积分类，神经网络部分将引入目前广受欢迎的</a:t>
-            </a:r>
-            <a:r>
-              <a:rPr lang="en-US" altLang="zh-CN" dirty="0" err="1">
-                <a:solidFill>
-                  <a:schemeClr val="tx1">
-                    <a:lumMod val="75000"/>
-                    <a:lumOff val="25000"/>
-                  </a:schemeClr>
-                </a:solidFill>
-              </a:rPr>
-              <a:t>Tensorflow</a:t>
-            </a:r>
-            <a:r>
-              <a:rPr lang="zh-CN" altLang="zh-CN" dirty="0">
-                <a:solidFill>
-                  <a:schemeClr val="tx1">
-                    <a:lumMod val="75000"/>
-                    <a:lumOff val="25000"/>
-                  </a:schemeClr>
-                </a:solidFill>
-              </a:rPr>
-              <a:t>深度学习任务框架。</a:t>
-            </a:r>
             <a:endParaRPr lang="en-US" altLang="zh-CN" dirty="0">
               <a:solidFill>
                 <a:schemeClr val="tx1">
@@ -7611,13 +7602,14 @@
             </a:endParaRPr>
           </a:p>
           <a:p>
-            <a:pPr>
+            <a:pPr marL="0" indent="0">
               <a:lnSpc>
                 <a:spcPct val="100000"/>
               </a:lnSpc>
+              <a:buNone/>
             </a:pPr>
             <a:r>
-              <a:rPr lang="zh-CN" altLang="zh-CN" dirty="0">
+              <a:rPr lang="en-US" altLang="zh-CN" dirty="0">
                 <a:solidFill>
                   <a:schemeClr val="tx1">
                     <a:lumMod val="75000"/>
@@ -7625,9 +7617,64 @@
                   </a:schemeClr>
                 </a:solidFill>
               </a:rPr>
-              <a:t>探讨深度学习参数如神经元的数量，隐藏层的数量和引入丢失对学习结果造成的影响。</a:t>
-            </a:r>
-            <a:endParaRPr lang="zh-CN" altLang="en-US" dirty="0">
+              <a:t>2.</a:t>
+            </a:r>
+            <a:r>
+              <a:rPr lang="zh-CN" altLang="en-US" dirty="0">
+                <a:solidFill>
+                  <a:schemeClr val="tx1">
+                    <a:lumMod val="75000"/>
+                    <a:lumOff val="25000"/>
+                  </a:schemeClr>
+                </a:solidFill>
+              </a:rPr>
+              <a:t> 设计并实现一个基于</a:t>
+            </a:r>
+            <a:r>
+              <a:rPr lang="en-US" altLang="zh-CN" dirty="0">
+                <a:solidFill>
+                  <a:schemeClr val="tx1">
+                    <a:lumMod val="75000"/>
+                    <a:lumOff val="25000"/>
+                  </a:schemeClr>
+                </a:solidFill>
+              </a:rPr>
+              <a:t>CNN</a:t>
+            </a:r>
+            <a:r>
+              <a:rPr lang="zh-CN" altLang="en-US" dirty="0">
+                <a:solidFill>
+                  <a:schemeClr val="tx1">
+                    <a:lumMod val="75000"/>
+                    <a:lumOff val="25000"/>
+                  </a:schemeClr>
+                </a:solidFill>
+              </a:rPr>
+              <a:t>的</a:t>
+            </a:r>
+            <a:r>
+              <a:rPr lang="en-US" altLang="zh-CN" dirty="0">
+                <a:solidFill>
+                  <a:schemeClr val="tx1">
+                    <a:lumMod val="75000"/>
+                    <a:lumOff val="25000"/>
+                  </a:schemeClr>
+                </a:solidFill>
+              </a:rPr>
+              <a:t>ASC</a:t>
+            </a:r>
+            <a:r>
+              <a:rPr lang="zh-CN" altLang="en-US" dirty="0">
+                <a:solidFill>
+                  <a:schemeClr val="tx1">
+                    <a:lumMod val="75000"/>
+                    <a:lumOff val="25000"/>
+                  </a:schemeClr>
+                </a:solidFill>
+              </a:rPr>
+              <a:t>系统，并分析其性能</a:t>
+            </a:r>
+            <a:endParaRPr lang="en-US" altLang="zh-CN" dirty="0">
               <a:solidFill>
                 <a:schemeClr val="tx1">
                   <a:lumMod val="75000"/>
@@ -7635,6 +7682,74 @@
                 </a:schemeClr>
               </a:solidFill>
             </a:endParaRPr>
+          </a:p>
+          <a:p>
+            <a:pPr marL="0" indent="0">
+              <a:lnSpc>
+                <a:spcPct val="100000"/>
+              </a:lnSpc>
+              <a:buNone/>
+            </a:pPr>
+            <a:endParaRPr lang="en-US" altLang="zh-CN" dirty="0">
+              <a:solidFill>
+                <a:schemeClr val="tx1">
+                  <a:lumMod val="75000"/>
+                  <a:lumOff val="25000"/>
+                </a:schemeClr>
+              </a:solidFill>
+            </a:endParaRPr>
+          </a:p>
+          <a:p>
+            <a:pPr marL="0" indent="0">
+              <a:lnSpc>
+                <a:spcPct val="100000"/>
+              </a:lnSpc>
+              <a:buNone/>
+            </a:pPr>
+            <a:r>
+              <a:rPr lang="en-US" altLang="zh-CN" dirty="0">
+                <a:solidFill>
+                  <a:schemeClr val="tx1">
+                    <a:lumMod val="75000"/>
+                    <a:lumOff val="25000"/>
+                  </a:schemeClr>
+                </a:solidFill>
+              </a:rPr>
+              <a:t>3.</a:t>
+            </a:r>
+            <a:r>
+              <a:rPr lang="zh-CN" altLang="en-US" dirty="0">
+                <a:solidFill>
+                  <a:schemeClr val="tx1">
+                    <a:lumMod val="75000"/>
+                    <a:lumOff val="25000"/>
+                  </a:schemeClr>
+                </a:solidFill>
+              </a:rPr>
+              <a:t> 改进之前的</a:t>
+            </a:r>
+            <a:r>
+              <a:rPr lang="en-US" altLang="zh-CN" dirty="0">
+                <a:solidFill>
+                  <a:schemeClr val="tx1">
+                    <a:lumMod val="75000"/>
+                    <a:lumOff val="25000"/>
+                  </a:schemeClr>
+                </a:solidFill>
+              </a:rPr>
+              <a:t>CNN</a:t>
+            </a:r>
+            <a:r>
+              <a:rPr lang="zh-CN" altLang="en-US" dirty="0">
+                <a:solidFill>
+                  <a:schemeClr val="tx1">
+                    <a:lumMod val="75000"/>
+                    <a:lumOff val="25000"/>
+                  </a:schemeClr>
+                </a:solidFill>
+              </a:rPr>
+              <a:t>系统，使之分类准确率足够好</a:t>
+            </a:r>
           </a:p>
         </p:txBody>
       </p:sp>
@@ -8269,8 +8384,8 @@
           </a:sp3d>
         </p:spPr>
       </p:pic>
-      <mc:AlternateContent xmlns:mc="http://schemas.openxmlformats.org/markup-compatibility/2006">
-        <mc:Choice xmlns:a14="http://schemas.microsoft.com/office/drawing/2010/main" Requires="a14">
+      <mc:AlternateContent xmlns:mc="http://schemas.openxmlformats.org/markup-compatibility/2006" xmlns:a14="http://schemas.microsoft.com/office/drawing/2010/main">
+        <mc:Choice Requires="a14">
           <p:sp>
             <p:nvSpPr>
               <p:cNvPr id="7" name="文本框 6">
@@ -8461,7 +8576,7 @@
             </p:txBody>
           </p:sp>
         </mc:Choice>
-        <mc:Fallback>
+        <mc:Fallback xmlns="">
           <p:sp>
             <p:nvSpPr>
               <p:cNvPr id="7" name="文本框 6">
